--- a/20180526.DevOps.MonitorTools/Consul_Andrew.pptx
+++ b/20180526.DevOps.MonitorTools/Consul_Andrew.pptx
@@ -7,7 +7,15 @@
   <p:sldIdLst>
     <p:sldId id="257" r:id="rId2"/>
     <p:sldId id="258" r:id="rId3"/>
-    <p:sldId id="262" r:id="rId4"/>
+    <p:sldId id="263" r:id="rId4"/>
+    <p:sldId id="269" r:id="rId5"/>
+    <p:sldId id="268" r:id="rId6"/>
+    <p:sldId id="264" r:id="rId7"/>
+    <p:sldId id="272" r:id="rId8"/>
+    <p:sldId id="267" r:id="rId9"/>
+    <p:sldId id="265" r:id="rId10"/>
+    <p:sldId id="270" r:id="rId11"/>
+    <p:sldId id="262" r:id="rId12"/>
   </p:sldIdLst>
   <p:sldSz cx="12192000" cy="6858000"/>
   <p:notesSz cx="6858000" cy="9144000"/>
@@ -276,7 +284,7 @@
           <a:p>
             <a:fld id="{79FBDEAA-46ED-4A68-A55F-F830455D2CE7}" type="datetimeFigureOut">
               <a:rPr lang="zh-TW" altLang="en-US" smtClean="0"/>
-              <a:t>2017/11/14</a:t>
+              <a:t>2018/5/23</a:t>
             </a:fld>
             <a:endParaRPr lang="zh-TW" altLang="en-US"/>
           </a:p>
@@ -474,7 +482,7 @@
           <a:p>
             <a:fld id="{79FBDEAA-46ED-4A68-A55F-F830455D2CE7}" type="datetimeFigureOut">
               <a:rPr lang="zh-TW" altLang="en-US" smtClean="0"/>
-              <a:t>2017/11/14</a:t>
+              <a:t>2018/5/23</a:t>
             </a:fld>
             <a:endParaRPr lang="zh-TW" altLang="en-US"/>
           </a:p>
@@ -682,7 +690,7 @@
           <a:p>
             <a:fld id="{79FBDEAA-46ED-4A68-A55F-F830455D2CE7}" type="datetimeFigureOut">
               <a:rPr lang="zh-TW" altLang="en-US" smtClean="0"/>
-              <a:t>2017/11/14</a:t>
+              <a:t>2018/5/23</a:t>
             </a:fld>
             <a:endParaRPr lang="zh-TW" altLang="en-US"/>
           </a:p>
@@ -880,7 +888,7 @@
           <a:p>
             <a:fld id="{79FBDEAA-46ED-4A68-A55F-F830455D2CE7}" type="datetimeFigureOut">
               <a:rPr lang="zh-TW" altLang="en-US" smtClean="0"/>
-              <a:t>2017/11/14</a:t>
+              <a:t>2018/5/23</a:t>
             </a:fld>
             <a:endParaRPr lang="zh-TW" altLang="en-US"/>
           </a:p>
@@ -1155,7 +1163,7 @@
           <a:p>
             <a:fld id="{79FBDEAA-46ED-4A68-A55F-F830455D2CE7}" type="datetimeFigureOut">
               <a:rPr lang="zh-TW" altLang="en-US" smtClean="0"/>
-              <a:t>2017/11/14</a:t>
+              <a:t>2018/5/23</a:t>
             </a:fld>
             <a:endParaRPr lang="zh-TW" altLang="en-US"/>
           </a:p>
@@ -1420,7 +1428,7 @@
           <a:p>
             <a:fld id="{79FBDEAA-46ED-4A68-A55F-F830455D2CE7}" type="datetimeFigureOut">
               <a:rPr lang="zh-TW" altLang="en-US" smtClean="0"/>
-              <a:t>2017/11/14</a:t>
+              <a:t>2018/5/23</a:t>
             </a:fld>
             <a:endParaRPr lang="zh-TW" altLang="en-US"/>
           </a:p>
@@ -1832,7 +1840,7 @@
           <a:p>
             <a:fld id="{79FBDEAA-46ED-4A68-A55F-F830455D2CE7}" type="datetimeFigureOut">
               <a:rPr lang="zh-TW" altLang="en-US" smtClean="0"/>
-              <a:t>2017/11/14</a:t>
+              <a:t>2018/5/23</a:t>
             </a:fld>
             <a:endParaRPr lang="zh-TW" altLang="en-US"/>
           </a:p>
@@ -1973,7 +1981,7 @@
           <a:p>
             <a:fld id="{79FBDEAA-46ED-4A68-A55F-F830455D2CE7}" type="datetimeFigureOut">
               <a:rPr lang="zh-TW" altLang="en-US" smtClean="0"/>
-              <a:t>2017/11/14</a:t>
+              <a:t>2018/5/23</a:t>
             </a:fld>
             <a:endParaRPr lang="zh-TW" altLang="en-US"/>
           </a:p>
@@ -2086,7 +2094,7 @@
           <a:p>
             <a:fld id="{79FBDEAA-46ED-4A68-A55F-F830455D2CE7}" type="datetimeFigureOut">
               <a:rPr lang="zh-TW" altLang="en-US" smtClean="0"/>
-              <a:t>2017/11/14</a:t>
+              <a:t>2018/5/23</a:t>
             </a:fld>
             <a:endParaRPr lang="zh-TW" altLang="en-US"/>
           </a:p>
@@ -2397,7 +2405,7 @@
           <a:p>
             <a:fld id="{79FBDEAA-46ED-4A68-A55F-F830455D2CE7}" type="datetimeFigureOut">
               <a:rPr lang="zh-TW" altLang="en-US" smtClean="0"/>
-              <a:t>2017/11/14</a:t>
+              <a:t>2018/5/23</a:t>
             </a:fld>
             <a:endParaRPr lang="zh-TW" altLang="en-US"/>
           </a:p>
@@ -2685,7 +2693,7 @@
           <a:p>
             <a:fld id="{79FBDEAA-46ED-4A68-A55F-F830455D2CE7}" type="datetimeFigureOut">
               <a:rPr lang="zh-TW" altLang="en-US" smtClean="0"/>
-              <a:t>2017/11/14</a:t>
+              <a:t>2018/5/23</a:t>
             </a:fld>
             <a:endParaRPr lang="zh-TW" altLang="en-US"/>
           </a:p>
@@ -2926,7 +2934,7 @@
           <a:p>
             <a:fld id="{79FBDEAA-46ED-4A68-A55F-F830455D2CE7}" type="datetimeFigureOut">
               <a:rPr lang="zh-TW" altLang="en-US" smtClean="0"/>
-              <a:t>2017/11/14</a:t>
+              <a:t>2018/5/23</a:t>
             </a:fld>
             <a:endParaRPr lang="zh-TW" altLang="en-US"/>
           </a:p>
@@ -3372,7 +3380,7 @@
         <p:spPr>
           <a:xfrm>
             <a:off x="793018" y="1925905"/>
-            <a:ext cx="8350981" cy="738664"/>
+            <a:ext cx="9719594" cy="738664"/>
           </a:xfrm>
           <a:prstGeom prst="rect">
             <a:avLst/>
@@ -3386,34 +3394,54 @@
           <a:lstStyle/>
           <a:p>
             <a:r>
-              <a:rPr lang="en-US" altLang="zh-TW" sz="4200" b="1" dirty="0">
+              <a:rPr lang="en-US" altLang="zh-TW" sz="4200" b="1" dirty="0" smtClean="0">
                 <a:solidFill>
                   <a:schemeClr val="bg1"/>
                 </a:solidFill>
                 <a:latin typeface="微軟正黑體" panose="020B0604030504040204" pitchFamily="34" charset="-120"/>
                 <a:ea typeface="微軟正黑體" panose="020B0604030504040204" pitchFamily="34" charset="-120"/>
               </a:rPr>
-              <a:t>(</a:t>
-            </a:r>
-            <a:r>
-              <a:rPr lang="zh-TW" altLang="en-US" sz="4200" b="1" dirty="0">
+              <a:t>Monitoring Tools </a:t>
+            </a:r>
+            <a:r>
+              <a:rPr lang="zh-TW" altLang="en-US" sz="4200" b="1" dirty="0" smtClean="0">
                 <a:solidFill>
                   <a:schemeClr val="bg1"/>
                 </a:solidFill>
                 <a:latin typeface="微軟正黑體" panose="020B0604030504040204" pitchFamily="34" charset="-120"/>
                 <a:ea typeface="微軟正黑體" panose="020B0604030504040204" pitchFamily="34" charset="-120"/>
               </a:rPr>
-              <a:t>題目</a:t>
-            </a:r>
-            <a:r>
-              <a:rPr lang="en-US" altLang="zh-TW" sz="4200" b="1" dirty="0">
+              <a:t>大亂鬥 </a:t>
+            </a:r>
+            <a:r>
+              <a:rPr lang="en-US" altLang="zh-TW" sz="4200" b="1" dirty="0" smtClean="0">
                 <a:solidFill>
                   <a:schemeClr val="bg1"/>
                 </a:solidFill>
                 <a:latin typeface="微軟正黑體" panose="020B0604030504040204" pitchFamily="34" charset="-120"/>
                 <a:ea typeface="微軟正黑體" panose="020B0604030504040204" pitchFamily="34" charset="-120"/>
               </a:rPr>
-              <a:t>)</a:t>
+              <a:t>-</a:t>
+            </a:r>
+            <a:r>
+              <a:rPr lang="zh-TW" altLang="en-US" sz="4200" b="1" dirty="0" smtClean="0">
+                <a:solidFill>
+                  <a:schemeClr val="bg1"/>
+                </a:solidFill>
+                <a:latin typeface="微軟正黑體" panose="020B0604030504040204" pitchFamily="34" charset="-120"/>
+                <a:ea typeface="微軟正黑體" panose="020B0604030504040204" pitchFamily="34" charset="-120"/>
+              </a:rPr>
+              <a:t> </a:t>
+            </a:r>
+            <a:r>
+              <a:rPr lang="en-US" altLang="zh-TW" sz="4200" b="1" dirty="0" smtClean="0">
+                <a:solidFill>
+                  <a:schemeClr val="bg1"/>
+                </a:solidFill>
+                <a:latin typeface="微軟正黑體" panose="020B0604030504040204" pitchFamily="34" charset="-120"/>
+                <a:ea typeface="微軟正黑體" panose="020B0604030504040204" pitchFamily="34" charset="-120"/>
+              </a:rPr>
+              <a:t>Consul</a:t>
             </a:r>
             <a:endParaRPr lang="zh-TW" altLang="en-US" sz="4200" b="1" dirty="0">
               <a:solidFill>
@@ -3454,65 +3482,32 @@
           <a:lstStyle/>
           <a:p>
             <a:r>
-              <a:rPr lang="en-US" altLang="zh-TW" sz="2000" dirty="0">
+              <a:rPr lang="zh-TW" altLang="en-US" sz="2000" dirty="0" smtClean="0">
                 <a:solidFill>
                   <a:schemeClr val="bg1"/>
                 </a:solidFill>
                 <a:latin typeface="微軟正黑體" panose="020B0604030504040204" pitchFamily="34" charset="-120"/>
                 <a:ea typeface="微軟正黑體" panose="020B0604030504040204" pitchFamily="34" charset="-120"/>
               </a:rPr>
-              <a:t>91APP</a:t>
-            </a:r>
-            <a:r>
-              <a:rPr lang="zh-TW" altLang="en-US" sz="2000" dirty="0">
+              <a:t>研發處 資深總監 </a:t>
+            </a:r>
+            <a:r>
+              <a:rPr lang="en-US" altLang="zh-TW" sz="2000" dirty="0" smtClean="0">
                 <a:solidFill>
                   <a:schemeClr val="bg1"/>
                 </a:solidFill>
                 <a:latin typeface="微軟正黑體" panose="020B0604030504040204" pitchFamily="34" charset="-120"/>
                 <a:ea typeface="微軟正黑體" panose="020B0604030504040204" pitchFamily="34" charset="-120"/>
               </a:rPr>
-              <a:t>職稱</a:t>
-            </a:r>
-            <a:r>
-              <a:rPr lang="en-US" altLang="zh-TW" sz="2000" dirty="0">
-                <a:solidFill>
-                  <a:schemeClr val="bg1"/>
-                </a:solidFill>
-                <a:latin typeface="微軟正黑體" panose="020B0604030504040204" pitchFamily="34" charset="-120"/>
-                <a:ea typeface="微軟正黑體" panose="020B0604030504040204" pitchFamily="34" charset="-120"/>
-              </a:rPr>
-              <a:t>/ </a:t>
-            </a:r>
-            <a:r>
-              <a:rPr lang="zh-TW" altLang="en-US" sz="2000" dirty="0">
-                <a:solidFill>
-                  <a:schemeClr val="bg1"/>
-                </a:solidFill>
-                <a:latin typeface="微軟正黑體" panose="020B0604030504040204" pitchFamily="34" charset="-120"/>
-                <a:ea typeface="微軟正黑體" panose="020B0604030504040204" pitchFamily="34" charset="-120"/>
-              </a:rPr>
-              <a:t>中文姓名  </a:t>
-            </a:r>
-            <a:r>
-              <a:rPr lang="en-US" altLang="zh-TW" sz="2000" dirty="0">
-                <a:solidFill>
-                  <a:schemeClr val="bg1"/>
-                </a:solidFill>
-                <a:latin typeface="微軟正黑體" panose="020B0604030504040204" pitchFamily="34" charset="-120"/>
-                <a:ea typeface="微軟正黑體" panose="020B0604030504040204" pitchFamily="34" charset="-120"/>
-              </a:rPr>
-              <a:t>English Name</a:t>
-            </a:r>
-            <a:r>
-              <a:rPr lang="zh-TW" altLang="en-US" sz="2000" dirty="0">
-                <a:solidFill>
-                  <a:schemeClr val="bg1"/>
-                </a:solidFill>
-                <a:latin typeface="微軟正黑體" panose="020B0604030504040204" pitchFamily="34" charset="-120"/>
-                <a:ea typeface="微軟正黑體" panose="020B0604030504040204" pitchFamily="34" charset="-120"/>
-              </a:rPr>
-              <a:t>  </a:t>
-            </a:r>
+              <a:t>/ Andrew Wu</a:t>
+            </a:r>
+            <a:endParaRPr lang="zh-TW" altLang="en-US" sz="2000" dirty="0">
+              <a:solidFill>
+                <a:schemeClr val="bg1"/>
+              </a:solidFill>
+              <a:latin typeface="微軟正黑體" panose="020B0604030504040204" pitchFamily="34" charset="-120"/>
+              <a:ea typeface="微軟正黑體" panose="020B0604030504040204" pitchFamily="34" charset="-120"/>
+            </a:endParaRPr>
           </a:p>
         </p:txBody>
       </p:sp>
@@ -3546,7 +3541,7 @@
           <a:p>
             <a:pPr algn="r"/>
             <a:r>
-              <a:rPr lang="en-US" altLang="zh-TW" sz="1500" b="1" dirty="0">
+              <a:rPr lang="en-US" altLang="zh-TW" sz="1500" b="1" dirty="0" smtClean="0">
                 <a:solidFill>
                   <a:schemeClr val="tx1">
                     <a:lumMod val="65000"/>
@@ -3557,46 +3552,7 @@
                 <a:ea typeface="Arial Unicode MS" pitchFamily="34" charset="-120"/>
                 <a:cs typeface="Arial Unicode MS" pitchFamily="34" charset="-120"/>
               </a:rPr>
-              <a:t>August  2017</a:t>
-            </a:r>
-            <a:r>
-              <a:rPr lang="zh-TW" altLang="en-US" sz="1500" b="1" dirty="0">
-                <a:solidFill>
-                  <a:schemeClr val="tx1">
-                    <a:lumMod val="65000"/>
-                    <a:lumOff val="35000"/>
-                  </a:schemeClr>
-                </a:solidFill>
-                <a:latin typeface="Arial Unicode MS" pitchFamily="34" charset="-120"/>
-                <a:ea typeface="Arial Unicode MS" pitchFamily="34" charset="-120"/>
-                <a:cs typeface="Arial Unicode MS" pitchFamily="34" charset="-120"/>
-              </a:rPr>
-              <a:t> </a:t>
-            </a:r>
-            <a:r>
-              <a:rPr lang="en-US" altLang="zh-TW" sz="1500" b="1" dirty="0">
-                <a:solidFill>
-                  <a:schemeClr val="tx1">
-                    <a:lumMod val="65000"/>
-                    <a:lumOff val="35000"/>
-                  </a:schemeClr>
-                </a:solidFill>
-                <a:latin typeface="Arial Unicode MS" pitchFamily="34" charset="-120"/>
-                <a:ea typeface="Arial Unicode MS" pitchFamily="34" charset="-120"/>
-                <a:cs typeface="Arial Unicode MS" pitchFamily="34" charset="-120"/>
-              </a:rPr>
-              <a:t>  </a:t>
-            </a:r>
-            <a:r>
-              <a:rPr lang="en-US" altLang="zh-TW" sz="1500" b="1" dirty="0">
-                <a:solidFill>
-                  <a:schemeClr val="tx1">
-                    <a:lumMod val="65000"/>
-                    <a:lumOff val="35000"/>
-                  </a:schemeClr>
-                </a:solidFill>
-              </a:rPr>
-              <a:t> </a:t>
+              <a:t>May 26, 2018</a:t>
             </a:r>
             <a:endParaRPr lang="zh-TW" altLang="en-US" sz="1500" b="1" dirty="0">
               <a:solidFill>
@@ -3619,26 +3575,19 @@
   <p:clrMapOvr>
     <a:masterClrMapping/>
   </p:clrMapOvr>
+  <p:timing>
+    <p:tnLst>
+      <p:par>
+        <p:cTn id="1" dur="indefinite" restart="never" nodeType="tmRoot"/>
+      </p:par>
+    </p:tnLst>
+  </p:timing>
 </p:sld>
 </file>
 
-<file path=ppt/slides/slide2.xml><?xml version="1.0" encoding="utf-8"?>
+<file path=ppt/slides/slide10.xml><?xml version="1.0" encoding="utf-8"?>
 <p:sld xmlns:a="http://schemas.openxmlformats.org/drawingml/2006/main" xmlns:r="http://schemas.openxmlformats.org/officeDocument/2006/relationships" xmlns:p="http://schemas.openxmlformats.org/presentationml/2006/main">
   <p:cSld>
-    <p:bg>
-      <p:bgPr>
-        <a:blipFill dpi="0" rotWithShape="1">
-          <a:blip r:embed="rId2">
-            <a:lum/>
-          </a:blip>
-          <a:srcRect/>
-          <a:stretch>
-            <a:fillRect/>
-          </a:stretch>
-        </a:blipFill>
-        <a:effectLst/>
-      </p:bgPr>
-    </p:bg>
     <p:spTree>
       <p:nvGrpSpPr>
         <p:cNvPr id="1" name=""/>
@@ -3653,20 +3602,57 @@
           <a:chExt cx="0" cy="0"/>
         </a:xfrm>
       </p:grpSpPr>
+      <p:pic>
+        <p:nvPicPr>
+          <p:cNvPr id="2" name="圖片 1"/>
+          <p:cNvPicPr>
+            <a:picLocks noChangeAspect="1"/>
+          </p:cNvPicPr>
+          <p:nvPr/>
+        </p:nvPicPr>
+        <p:blipFill>
+          <a:blip r:embed="rId2">
+            <a:extLst>
+              <a:ext uri="{28A0092B-C50C-407E-A947-70E740481C1C}">
+                <a14:useLocalDpi xmlns:a14="http://schemas.microsoft.com/office/drawing/2010/main" val="0"/>
+              </a:ext>
+            </a:extLst>
+          </a:blip>
+          <a:stretch>
+            <a:fillRect/>
+          </a:stretch>
+        </p:blipFill>
+        <p:spPr>
+          <a:xfrm>
+            <a:off x="1065790" y="565591"/>
+            <a:ext cx="10215847" cy="5765568"/>
+          </a:xfrm>
+          <a:prstGeom prst="rect">
+            <a:avLst/>
+          </a:prstGeom>
+        </p:spPr>
+      </p:pic>
     </p:spTree>
     <p:extLst>
       <p:ext uri="{BB962C8B-B14F-4D97-AF65-F5344CB8AC3E}">
-        <p14:creationId xmlns:p14="http://schemas.microsoft.com/office/powerpoint/2010/main" val="3033162129"/>
+        <p14:creationId xmlns:p14="http://schemas.microsoft.com/office/powerpoint/2010/main" val="476798578"/>
       </p:ext>
     </p:extLst>
   </p:cSld>
   <p:clrMapOvr>
     <a:masterClrMapping/>
   </p:clrMapOvr>
+  <p:timing>
+    <p:tnLst>
+      <p:par>
+        <p:cTn id="1" dur="indefinite" restart="never" nodeType="tmRoot"/>
+      </p:par>
+    </p:tnLst>
+  </p:timing>
 </p:sld>
 </file>
 
-<file path=ppt/slides/slide3.xml><?xml version="1.0" encoding="utf-8"?>
+<file path=ppt/slides/slide11.xml><?xml version="1.0" encoding="utf-8"?>
 <p:sld xmlns:a="http://schemas.openxmlformats.org/drawingml/2006/main" xmlns:r="http://schemas.openxmlformats.org/officeDocument/2006/relationships" xmlns:p="http://schemas.openxmlformats.org/presentationml/2006/main">
   <p:cSld>
     <p:bg>
@@ -3707,6 +3693,3098 @@
   <p:clrMapOvr>
     <a:masterClrMapping/>
   </p:clrMapOvr>
+  <p:timing>
+    <p:tnLst>
+      <p:par>
+        <p:cTn id="1" dur="indefinite" restart="never" nodeType="tmRoot"/>
+      </p:par>
+    </p:tnLst>
+  </p:timing>
+</p:sld>
+</file>
+
+<file path=ppt/slides/slide2.xml><?xml version="1.0" encoding="utf-8"?>
+<p:sld xmlns:a="http://schemas.openxmlformats.org/drawingml/2006/main" xmlns:r="http://schemas.openxmlformats.org/officeDocument/2006/relationships" xmlns:p="http://schemas.openxmlformats.org/presentationml/2006/main">
+  <p:cSld>
+    <p:bg>
+      <p:bgPr>
+        <a:blipFill dpi="0" rotWithShape="1">
+          <a:blip r:embed="rId2">
+            <a:lum/>
+          </a:blip>
+          <a:srcRect/>
+          <a:stretch>
+            <a:fillRect/>
+          </a:stretch>
+        </a:blipFill>
+        <a:effectLst/>
+      </p:bgPr>
+    </p:bg>
+    <p:spTree>
+      <p:nvGrpSpPr>
+        <p:cNvPr id="1" name=""/>
+        <p:cNvGrpSpPr/>
+        <p:nvPr/>
+      </p:nvGrpSpPr>
+      <p:grpSpPr>
+        <a:xfrm>
+          <a:off x="0" y="0"/>
+          <a:ext cx="0" cy="0"/>
+          <a:chOff x="0" y="0"/>
+          <a:chExt cx="0" cy="0"/>
+        </a:xfrm>
+      </p:grpSpPr>
+      <p:sp>
+        <p:nvSpPr>
+          <p:cNvPr id="4" name="標題 3"/>
+          <p:cNvSpPr>
+            <a:spLocks noGrp="1"/>
+          </p:cNvSpPr>
+          <p:nvPr>
+            <p:ph type="title"/>
+          </p:nvPr>
+        </p:nvSpPr>
+        <p:spPr/>
+        <p:txBody>
+          <a:bodyPr/>
+          <a:lstStyle/>
+          <a:p>
+            <a:r>
+              <a:rPr lang="en-US" dirty="0" smtClean="0"/>
+              <a:t>Monitoring Architecture</a:t>
+            </a:r>
+            <a:endParaRPr lang="en-US" dirty="0"/>
+          </a:p>
+        </p:txBody>
+      </p:sp>
+      <p:sp>
+        <p:nvSpPr>
+          <p:cNvPr id="5" name="文字版面配置區 4"/>
+          <p:cNvSpPr>
+            <a:spLocks noGrp="1"/>
+          </p:cNvSpPr>
+          <p:nvPr>
+            <p:ph type="body" idx="1"/>
+          </p:nvPr>
+        </p:nvSpPr>
+        <p:spPr/>
+        <p:txBody>
+          <a:bodyPr/>
+          <a:lstStyle/>
+          <a:p>
+            <a:endParaRPr lang="en-US"/>
+          </a:p>
+        </p:txBody>
+      </p:sp>
+    </p:spTree>
+    <p:extLst>
+      <p:ext uri="{BB962C8B-B14F-4D97-AF65-F5344CB8AC3E}">
+        <p14:creationId xmlns:p14="http://schemas.microsoft.com/office/powerpoint/2010/main" val="3033162129"/>
+      </p:ext>
+    </p:extLst>
+  </p:cSld>
+  <p:clrMapOvr>
+    <a:masterClrMapping/>
+  </p:clrMapOvr>
+  <p:timing>
+    <p:tnLst>
+      <p:par>
+        <p:cTn id="1" dur="indefinite" restart="never" nodeType="tmRoot"/>
+      </p:par>
+    </p:tnLst>
+  </p:timing>
+</p:sld>
+</file>
+
+<file path=ppt/slides/slide3.xml><?xml version="1.0" encoding="utf-8"?>
+<p:sld xmlns:a="http://schemas.openxmlformats.org/drawingml/2006/main" xmlns:r="http://schemas.openxmlformats.org/officeDocument/2006/relationships" xmlns:p="http://schemas.openxmlformats.org/presentationml/2006/main">
+  <p:cSld>
+    <p:spTree>
+      <p:nvGrpSpPr>
+        <p:cNvPr id="1" name=""/>
+        <p:cNvGrpSpPr/>
+        <p:nvPr/>
+      </p:nvGrpSpPr>
+      <p:grpSpPr>
+        <a:xfrm>
+          <a:off x="0" y="0"/>
+          <a:ext cx="0" cy="0"/>
+          <a:chOff x="0" y="0"/>
+          <a:chExt cx="0" cy="0"/>
+        </a:xfrm>
+      </p:grpSpPr>
+      <p:pic>
+        <p:nvPicPr>
+          <p:cNvPr id="22" name="圖片 21"/>
+          <p:cNvPicPr>
+            <a:picLocks noChangeAspect="1"/>
+          </p:cNvPicPr>
+          <p:nvPr/>
+        </p:nvPicPr>
+        <p:blipFill>
+          <a:blip r:embed="rId2">
+            <a:extLst>
+              <a:ext uri="{28A0092B-C50C-407E-A947-70E740481C1C}">
+                <a14:useLocalDpi xmlns:a14="http://schemas.microsoft.com/office/drawing/2010/main" val="0"/>
+              </a:ext>
+            </a:extLst>
+          </a:blip>
+          <a:stretch>
+            <a:fillRect/>
+          </a:stretch>
+        </p:blipFill>
+        <p:spPr>
+          <a:xfrm>
+            <a:off x="1585283" y="494890"/>
+            <a:ext cx="9021434" cy="5868219"/>
+          </a:xfrm>
+          <a:prstGeom prst="rect">
+            <a:avLst/>
+          </a:prstGeom>
+        </p:spPr>
+      </p:pic>
+      <p:sp>
+        <p:nvSpPr>
+          <p:cNvPr id="23" name="標題 22"/>
+          <p:cNvSpPr>
+            <a:spLocks noGrp="1"/>
+          </p:cNvSpPr>
+          <p:nvPr>
+            <p:ph type="title"/>
+          </p:nvPr>
+        </p:nvSpPr>
+        <p:spPr/>
+        <p:txBody>
+          <a:bodyPr/>
+          <a:lstStyle/>
+          <a:p>
+            <a:r>
+              <a:rPr lang="en-US" dirty="0" smtClean="0"/>
+              <a:t>Monitoring System</a:t>
+            </a:r>
+            <a:endParaRPr lang="en-US" dirty="0"/>
+          </a:p>
+        </p:txBody>
+      </p:sp>
+    </p:spTree>
+    <p:extLst>
+      <p:ext uri="{BB962C8B-B14F-4D97-AF65-F5344CB8AC3E}">
+        <p14:creationId xmlns:p14="http://schemas.microsoft.com/office/powerpoint/2010/main" val="4024331545"/>
+      </p:ext>
+    </p:extLst>
+  </p:cSld>
+  <p:clrMapOvr>
+    <a:masterClrMapping/>
+  </p:clrMapOvr>
+  <p:timing>
+    <p:tnLst>
+      <p:par>
+        <p:cTn id="1" dur="indefinite" restart="never" nodeType="tmRoot"/>
+      </p:par>
+    </p:tnLst>
+  </p:timing>
+</p:sld>
+</file>
+
+<file path=ppt/slides/slide4.xml><?xml version="1.0" encoding="utf-8"?>
+<p:sld xmlns:a="http://schemas.openxmlformats.org/drawingml/2006/main" xmlns:r="http://schemas.openxmlformats.org/officeDocument/2006/relationships" xmlns:p="http://schemas.openxmlformats.org/presentationml/2006/main">
+  <p:cSld>
+    <p:spTree>
+      <p:nvGrpSpPr>
+        <p:cNvPr id="1" name=""/>
+        <p:cNvGrpSpPr/>
+        <p:nvPr/>
+      </p:nvGrpSpPr>
+      <p:grpSpPr>
+        <a:xfrm>
+          <a:off x="0" y="0"/>
+          <a:ext cx="0" cy="0"/>
+          <a:chOff x="0" y="0"/>
+          <a:chExt cx="0" cy="0"/>
+        </a:xfrm>
+      </p:grpSpPr>
+      <p:sp>
+        <p:nvSpPr>
+          <p:cNvPr id="2" name="標題 1"/>
+          <p:cNvSpPr>
+            <a:spLocks noGrp="1"/>
+          </p:cNvSpPr>
+          <p:nvPr>
+            <p:ph type="title"/>
+          </p:nvPr>
+        </p:nvSpPr>
+        <p:spPr/>
+        <p:txBody>
+          <a:bodyPr/>
+          <a:lstStyle/>
+          <a:p>
+            <a:r>
+              <a:rPr lang="en-US" dirty="0" smtClean="0"/>
+              <a:t>Q: After Alert?</a:t>
+            </a:r>
+            <a:endParaRPr lang="en-US" dirty="0"/>
+          </a:p>
+        </p:txBody>
+      </p:sp>
+      <p:sp>
+        <p:nvSpPr>
+          <p:cNvPr id="3" name="內容版面配置區 2"/>
+          <p:cNvSpPr>
+            <a:spLocks noGrp="1"/>
+          </p:cNvSpPr>
+          <p:nvPr>
+            <p:ph idx="1"/>
+          </p:nvPr>
+        </p:nvSpPr>
+        <p:spPr/>
+        <p:txBody>
+          <a:bodyPr/>
+          <a:lstStyle/>
+          <a:p>
+            <a:r>
+              <a:rPr lang="zh-TW" altLang="en-US" dirty="0" smtClean="0"/>
+              <a:t>監控的目的，是為了及時判定系統狀況並且提供警訊</a:t>
+            </a:r>
+            <a:endParaRPr lang="en-US" altLang="zh-TW" dirty="0" smtClean="0"/>
+          </a:p>
+          <a:p>
+            <a:r>
+              <a:rPr lang="zh-TW" altLang="en-US" dirty="0" smtClean="0"/>
+              <a:t>收到警訊後，應該要立即通知 </a:t>
+            </a:r>
+            <a:r>
+              <a:rPr lang="en-US" altLang="zh-TW" dirty="0" smtClean="0"/>
+              <a:t>“</a:t>
+            </a:r>
+            <a:r>
+              <a:rPr lang="zh-TW" altLang="en-US" dirty="0" smtClean="0"/>
+              <a:t>相關人員</a:t>
+            </a:r>
+            <a:r>
+              <a:rPr lang="en-US" altLang="zh-TW" dirty="0" smtClean="0"/>
+              <a:t>”</a:t>
+            </a:r>
+            <a:r>
+              <a:rPr lang="zh-TW" altLang="en-US" dirty="0" smtClean="0"/>
+              <a:t> 處理</a:t>
+            </a:r>
+            <a:r>
+              <a:rPr lang="en-US" altLang="zh-TW" dirty="0" smtClean="0"/>
+              <a:t>…</a:t>
+            </a:r>
+            <a:endParaRPr lang="en-US" dirty="0"/>
+          </a:p>
+        </p:txBody>
+      </p:sp>
+      <p:pic>
+        <p:nvPicPr>
+          <p:cNvPr id="1028" name="Picture 4" descr="ç¸éåç"/>
+          <p:cNvPicPr>
+            <a:picLocks noChangeAspect="1" noChangeArrowheads="1"/>
+          </p:cNvPicPr>
+          <p:nvPr/>
+        </p:nvPicPr>
+        <p:blipFill>
+          <a:blip r:embed="rId2">
+            <a:extLst>
+              <a:ext uri="{28A0092B-C50C-407E-A947-70E740481C1C}">
+                <a14:useLocalDpi xmlns:a14="http://schemas.microsoft.com/office/drawing/2010/main" val="0"/>
+              </a:ext>
+            </a:extLst>
+          </a:blip>
+          <a:srcRect/>
+          <a:stretch>
+            <a:fillRect/>
+          </a:stretch>
+        </p:blipFill>
+        <p:spPr bwMode="auto">
+          <a:xfrm>
+            <a:off x="3305175" y="2750937"/>
+            <a:ext cx="5581650" cy="3924301"/>
+          </a:xfrm>
+          <a:prstGeom prst="rect">
+            <a:avLst/>
+          </a:prstGeom>
+          <a:noFill/>
+          <a:extLst>
+            <a:ext uri="{909E8E84-426E-40DD-AFC4-6F175D3DCCD1}">
+              <a14:hiddenFill xmlns:a14="http://schemas.microsoft.com/office/drawing/2010/main">
+                <a:solidFill>
+                  <a:srgbClr val="FFFFFF"/>
+                </a:solidFill>
+              </a14:hiddenFill>
+            </a:ext>
+          </a:extLst>
+        </p:spPr>
+      </p:pic>
+    </p:spTree>
+    <p:extLst>
+      <p:ext uri="{BB962C8B-B14F-4D97-AF65-F5344CB8AC3E}">
+        <p14:creationId xmlns:p14="http://schemas.microsoft.com/office/powerpoint/2010/main" val="2320612927"/>
+      </p:ext>
+    </p:extLst>
+  </p:cSld>
+  <p:clrMapOvr>
+    <a:masterClrMapping/>
+  </p:clrMapOvr>
+  <p:timing>
+    <p:tnLst>
+      <p:par>
+        <p:cTn id="1" dur="indefinite" restart="never" nodeType="tmRoot">
+          <p:childTnLst>
+            <p:seq concurrent="1" nextAc="seek">
+              <p:cTn id="2" dur="indefinite" nodeType="mainSeq">
+                <p:childTnLst>
+                  <p:par>
+                    <p:cTn id="3" fill="hold">
+                      <p:stCondLst>
+                        <p:cond delay="indefinite"/>
+                      </p:stCondLst>
+                      <p:childTnLst>
+                        <p:par>
+                          <p:cTn id="4" fill="hold">
+                            <p:stCondLst>
+                              <p:cond delay="0"/>
+                            </p:stCondLst>
+                            <p:childTnLst>
+                              <p:par>
+                                <p:cTn id="5" presetID="10" presetClass="entr" presetSubtype="0" fill="hold" nodeType="clickEffect">
+                                  <p:stCondLst>
+                                    <p:cond delay="0"/>
+                                  </p:stCondLst>
+                                  <p:childTnLst>
+                                    <p:set>
+                                      <p:cBhvr>
+                                        <p:cTn id="6" dur="1" fill="hold">
+                                          <p:stCondLst>
+                                            <p:cond delay="0"/>
+                                          </p:stCondLst>
+                                        </p:cTn>
+                                        <p:tgtEl>
+                                          <p:spTgt spid="1028"/>
+                                        </p:tgtEl>
+                                        <p:attrNameLst>
+                                          <p:attrName>style.visibility</p:attrName>
+                                        </p:attrNameLst>
+                                      </p:cBhvr>
+                                      <p:to>
+                                        <p:strVal val="visible"/>
+                                      </p:to>
+                                    </p:set>
+                                    <p:animEffect transition="in" filter="fade">
+                                      <p:cBhvr>
+                                        <p:cTn id="7" dur="500"/>
+                                        <p:tgtEl>
+                                          <p:spTgt spid="1028"/>
+                                        </p:tgtEl>
+                                      </p:cBhvr>
+                                    </p:animEffect>
+                                  </p:childTnLst>
+                                </p:cTn>
+                              </p:par>
+                            </p:childTnLst>
+                          </p:cTn>
+                        </p:par>
+                      </p:childTnLst>
+                    </p:cTn>
+                  </p:par>
+                </p:childTnLst>
+              </p:cTn>
+              <p:prevCondLst>
+                <p:cond evt="onPrev" delay="0">
+                  <p:tgtEl>
+                    <p:sldTgt/>
+                  </p:tgtEl>
+                </p:cond>
+              </p:prevCondLst>
+              <p:nextCondLst>
+                <p:cond evt="onNext" delay="0">
+                  <p:tgtEl>
+                    <p:sldTgt/>
+                  </p:tgtEl>
+                </p:cond>
+              </p:nextCondLst>
+            </p:seq>
+          </p:childTnLst>
+        </p:cTn>
+      </p:par>
+    </p:tnLst>
+  </p:timing>
+</p:sld>
+</file>
+
+<file path=ppt/slides/slide5.xml><?xml version="1.0" encoding="utf-8"?>
+<p:sld xmlns:a="http://schemas.openxmlformats.org/drawingml/2006/main" xmlns:r="http://schemas.openxmlformats.org/officeDocument/2006/relationships" xmlns:p="http://schemas.openxmlformats.org/presentationml/2006/main">
+  <p:cSld>
+    <p:spTree>
+      <p:nvGrpSpPr>
+        <p:cNvPr id="1" name=""/>
+        <p:cNvGrpSpPr/>
+        <p:nvPr/>
+      </p:nvGrpSpPr>
+      <p:grpSpPr>
+        <a:xfrm>
+          <a:off x="0" y="0"/>
+          <a:ext cx="0" cy="0"/>
+          <a:chOff x="0" y="0"/>
+          <a:chExt cx="0" cy="0"/>
+        </a:xfrm>
+      </p:grpSpPr>
+      <p:pic>
+        <p:nvPicPr>
+          <p:cNvPr id="3" name="圖片 2"/>
+          <p:cNvPicPr>
+            <a:picLocks noChangeAspect="1"/>
+          </p:cNvPicPr>
+          <p:nvPr/>
+        </p:nvPicPr>
+        <p:blipFill>
+          <a:blip r:embed="rId2">
+            <a:extLst>
+              <a:ext uri="{28A0092B-C50C-407E-A947-70E740481C1C}">
+                <a14:useLocalDpi xmlns:a14="http://schemas.microsoft.com/office/drawing/2010/main" val="0"/>
+              </a:ext>
+            </a:extLst>
+          </a:blip>
+          <a:stretch>
+            <a:fillRect/>
+          </a:stretch>
+        </p:blipFill>
+        <p:spPr>
+          <a:xfrm>
+            <a:off x="1585283" y="494890"/>
+            <a:ext cx="9021434" cy="5868219"/>
+          </a:xfrm>
+          <a:prstGeom prst="rect">
+            <a:avLst/>
+          </a:prstGeom>
+        </p:spPr>
+      </p:pic>
+      <p:cxnSp>
+        <p:nvCxnSpPr>
+          <p:cNvPr id="8" name="直線單箭頭接點 7"/>
+          <p:cNvCxnSpPr/>
+          <p:nvPr/>
+        </p:nvCxnSpPr>
+        <p:spPr>
+          <a:xfrm flipH="1" flipV="1">
+            <a:off x="161365" y="5440421"/>
+            <a:ext cx="4751294" cy="1"/>
+          </a:xfrm>
+          <a:prstGeom prst="straightConnector1">
+            <a:avLst/>
+          </a:prstGeom>
+          <a:ln w="38100">
+            <a:solidFill>
+              <a:schemeClr val="tx1"/>
+            </a:solidFill>
+            <a:tailEnd type="triangle"/>
+          </a:ln>
+        </p:spPr>
+        <p:style>
+          <a:lnRef idx="1">
+            <a:schemeClr val="accent1"/>
+          </a:lnRef>
+          <a:fillRef idx="0">
+            <a:schemeClr val="accent1"/>
+          </a:fillRef>
+          <a:effectRef idx="0">
+            <a:schemeClr val="accent1"/>
+          </a:effectRef>
+          <a:fontRef idx="minor">
+            <a:schemeClr val="tx1"/>
+          </a:fontRef>
+        </p:style>
+      </p:cxnSp>
+      <p:sp>
+        <p:nvSpPr>
+          <p:cNvPr id="4" name="矩形 3"/>
+          <p:cNvSpPr/>
+          <p:nvPr/>
+        </p:nvSpPr>
+        <p:spPr>
+          <a:xfrm>
+            <a:off x="2844800" y="1488141"/>
+            <a:ext cx="5331012" cy="5199530"/>
+          </a:xfrm>
+          <a:prstGeom prst="rect">
+            <a:avLst/>
+          </a:prstGeom>
+          <a:noFill/>
+          <a:ln w="38100">
+            <a:prstDash val="sysDash"/>
+          </a:ln>
+        </p:spPr>
+        <p:style>
+          <a:lnRef idx="2">
+            <a:schemeClr val="accent2"/>
+          </a:lnRef>
+          <a:fillRef idx="1">
+            <a:schemeClr val="lt1"/>
+          </a:fillRef>
+          <a:effectRef idx="0">
+            <a:schemeClr val="accent2"/>
+          </a:effectRef>
+          <a:fontRef idx="minor">
+            <a:schemeClr val="dk1"/>
+          </a:fontRef>
+        </p:style>
+        <p:txBody>
+          <a:bodyPr rtlCol="0" anchor="ctr"/>
+          <a:lstStyle/>
+          <a:p>
+            <a:pPr algn="ctr"/>
+            <a:endParaRPr lang="en-US"/>
+          </a:p>
+        </p:txBody>
+      </p:sp>
+      <p:sp>
+        <p:nvSpPr>
+          <p:cNvPr id="5" name="圓角矩形 4"/>
+          <p:cNvSpPr/>
+          <p:nvPr/>
+        </p:nvSpPr>
+        <p:spPr>
+          <a:xfrm>
+            <a:off x="3962400" y="5191722"/>
+            <a:ext cx="3442447" cy="491902"/>
+          </a:xfrm>
+          <a:prstGeom prst="roundRect">
+            <a:avLst>
+              <a:gd name="adj" fmla="val 0"/>
+            </a:avLst>
+          </a:prstGeom>
+          <a:solidFill>
+            <a:srgbClr val="C62A71"/>
+          </a:solidFill>
+          <a:ln>
+            <a:solidFill>
+              <a:schemeClr val="tx1"/>
+            </a:solidFill>
+          </a:ln>
+        </p:spPr>
+        <p:style>
+          <a:lnRef idx="2">
+            <a:schemeClr val="accent6">
+              <a:shade val="50000"/>
+            </a:schemeClr>
+          </a:lnRef>
+          <a:fillRef idx="1">
+            <a:schemeClr val="accent6"/>
+          </a:fillRef>
+          <a:effectRef idx="0">
+            <a:schemeClr val="accent6"/>
+          </a:effectRef>
+          <a:fontRef idx="minor">
+            <a:schemeClr val="lt1"/>
+          </a:fontRef>
+        </p:style>
+        <p:txBody>
+          <a:bodyPr rtlCol="0" anchor="ctr"/>
+          <a:lstStyle/>
+          <a:p>
+            <a:pPr algn="ctr"/>
+            <a:r>
+              <a:rPr lang="en-US" dirty="0" smtClean="0">
+                <a:solidFill>
+                  <a:schemeClr val="bg1"/>
+                </a:solidFill>
+              </a:rPr>
+              <a:t>Service Discovery</a:t>
+            </a:r>
+            <a:endParaRPr lang="en-US" dirty="0">
+              <a:solidFill>
+                <a:schemeClr val="bg1"/>
+              </a:solidFill>
+            </a:endParaRPr>
+          </a:p>
+        </p:txBody>
+      </p:sp>
+      <p:cxnSp>
+        <p:nvCxnSpPr>
+          <p:cNvPr id="10" name="直線單箭頭接點 9"/>
+          <p:cNvCxnSpPr/>
+          <p:nvPr/>
+        </p:nvCxnSpPr>
+        <p:spPr>
+          <a:xfrm>
+            <a:off x="239059" y="2480235"/>
+            <a:ext cx="1488141" cy="0"/>
+          </a:xfrm>
+          <a:prstGeom prst="straightConnector1">
+            <a:avLst/>
+          </a:prstGeom>
+          <a:ln w="38100">
+            <a:solidFill>
+              <a:schemeClr val="tx1"/>
+            </a:solidFill>
+            <a:tailEnd type="triangle"/>
+          </a:ln>
+        </p:spPr>
+        <p:style>
+          <a:lnRef idx="1">
+            <a:schemeClr val="accent1"/>
+          </a:lnRef>
+          <a:fillRef idx="0">
+            <a:schemeClr val="accent1"/>
+          </a:fillRef>
+          <a:effectRef idx="0">
+            <a:schemeClr val="accent1"/>
+          </a:effectRef>
+          <a:fontRef idx="minor">
+            <a:schemeClr val="tx1"/>
+          </a:fontRef>
+        </p:style>
+      </p:cxnSp>
+      <p:cxnSp>
+        <p:nvCxnSpPr>
+          <p:cNvPr id="11" name="直線單箭頭接點 10"/>
+          <p:cNvCxnSpPr/>
+          <p:nvPr/>
+        </p:nvCxnSpPr>
+        <p:spPr>
+          <a:xfrm>
+            <a:off x="239059" y="3472329"/>
+            <a:ext cx="1488141" cy="0"/>
+          </a:xfrm>
+          <a:prstGeom prst="straightConnector1">
+            <a:avLst/>
+          </a:prstGeom>
+          <a:ln w="38100">
+            <a:solidFill>
+              <a:schemeClr val="tx1"/>
+            </a:solidFill>
+            <a:tailEnd type="triangle"/>
+          </a:ln>
+        </p:spPr>
+        <p:style>
+          <a:lnRef idx="1">
+            <a:schemeClr val="accent1"/>
+          </a:lnRef>
+          <a:fillRef idx="0">
+            <a:schemeClr val="accent1"/>
+          </a:fillRef>
+          <a:effectRef idx="0">
+            <a:schemeClr val="accent1"/>
+          </a:effectRef>
+          <a:fontRef idx="minor">
+            <a:schemeClr val="tx1"/>
+          </a:fontRef>
+        </p:style>
+      </p:cxnSp>
+      <p:cxnSp>
+        <p:nvCxnSpPr>
+          <p:cNvPr id="12" name="直線單箭頭接點 11"/>
+          <p:cNvCxnSpPr/>
+          <p:nvPr/>
+        </p:nvCxnSpPr>
+        <p:spPr>
+          <a:xfrm>
+            <a:off x="239059" y="4440517"/>
+            <a:ext cx="1488141" cy="0"/>
+          </a:xfrm>
+          <a:prstGeom prst="straightConnector1">
+            <a:avLst/>
+          </a:prstGeom>
+          <a:ln w="38100">
+            <a:solidFill>
+              <a:srgbClr val="FF0000"/>
+            </a:solidFill>
+            <a:prstDash val="dash"/>
+            <a:tailEnd type="triangle"/>
+          </a:ln>
+        </p:spPr>
+        <p:style>
+          <a:lnRef idx="1">
+            <a:schemeClr val="accent1"/>
+          </a:lnRef>
+          <a:fillRef idx="0">
+            <a:schemeClr val="accent1"/>
+          </a:fillRef>
+          <a:effectRef idx="0">
+            <a:schemeClr val="accent1"/>
+          </a:effectRef>
+          <a:fontRef idx="minor">
+            <a:schemeClr val="tx1"/>
+          </a:fontRef>
+        </p:style>
+      </p:cxnSp>
+      <p:sp>
+        <p:nvSpPr>
+          <p:cNvPr id="13" name="圓角矩形 12"/>
+          <p:cNvSpPr/>
+          <p:nvPr/>
+        </p:nvSpPr>
+        <p:spPr>
+          <a:xfrm>
+            <a:off x="3920566" y="2382128"/>
+            <a:ext cx="3484282" cy="2137239"/>
+          </a:xfrm>
+          <a:prstGeom prst="roundRect">
+            <a:avLst>
+              <a:gd name="adj" fmla="val 5536"/>
+            </a:avLst>
+          </a:prstGeom>
+        </p:spPr>
+        <p:style>
+          <a:lnRef idx="2">
+            <a:schemeClr val="dk1"/>
+          </a:lnRef>
+          <a:fillRef idx="1">
+            <a:schemeClr val="lt1"/>
+          </a:fillRef>
+          <a:effectRef idx="0">
+            <a:schemeClr val="dk1"/>
+          </a:effectRef>
+          <a:fontRef idx="minor">
+            <a:schemeClr val="dk1"/>
+          </a:fontRef>
+        </p:style>
+        <p:txBody>
+          <a:bodyPr rtlCol="0" anchor="ctr"/>
+          <a:lstStyle/>
+          <a:p>
+            <a:pPr algn="ctr"/>
+            <a:r>
+              <a:rPr lang="en-US" dirty="0" smtClean="0"/>
+              <a:t>Consul</a:t>
+            </a:r>
+            <a:endParaRPr lang="en-US" dirty="0"/>
+          </a:p>
+        </p:txBody>
+      </p:sp>
+      <p:cxnSp>
+        <p:nvCxnSpPr>
+          <p:cNvPr id="15" name="直線單箭頭接點 14"/>
+          <p:cNvCxnSpPr/>
+          <p:nvPr/>
+        </p:nvCxnSpPr>
+        <p:spPr>
+          <a:xfrm flipH="1" flipV="1">
+            <a:off x="3107765" y="2360706"/>
+            <a:ext cx="854635" cy="854635"/>
+          </a:xfrm>
+          <a:prstGeom prst="straightConnector1">
+            <a:avLst/>
+          </a:prstGeom>
+          <a:ln w="38100">
+            <a:solidFill>
+              <a:schemeClr val="tx1"/>
+            </a:solidFill>
+            <a:tailEnd type="triangle"/>
+          </a:ln>
+        </p:spPr>
+        <p:style>
+          <a:lnRef idx="1">
+            <a:schemeClr val="accent1"/>
+          </a:lnRef>
+          <a:fillRef idx="0">
+            <a:schemeClr val="accent1"/>
+          </a:fillRef>
+          <a:effectRef idx="0">
+            <a:schemeClr val="accent1"/>
+          </a:effectRef>
+          <a:fontRef idx="minor">
+            <a:schemeClr val="tx1"/>
+          </a:fontRef>
+        </p:style>
+      </p:cxnSp>
+      <p:cxnSp>
+        <p:nvCxnSpPr>
+          <p:cNvPr id="17" name="直線單箭頭接點 16"/>
+          <p:cNvCxnSpPr/>
+          <p:nvPr/>
+        </p:nvCxnSpPr>
+        <p:spPr>
+          <a:xfrm flipH="1">
+            <a:off x="3059953" y="3328436"/>
+            <a:ext cx="902447" cy="0"/>
+          </a:xfrm>
+          <a:prstGeom prst="straightConnector1">
+            <a:avLst/>
+          </a:prstGeom>
+          <a:ln w="38100">
+            <a:solidFill>
+              <a:schemeClr val="tx1"/>
+            </a:solidFill>
+            <a:tailEnd type="triangle"/>
+          </a:ln>
+        </p:spPr>
+        <p:style>
+          <a:lnRef idx="1">
+            <a:schemeClr val="accent1"/>
+          </a:lnRef>
+          <a:fillRef idx="0">
+            <a:schemeClr val="accent1"/>
+          </a:fillRef>
+          <a:effectRef idx="0">
+            <a:schemeClr val="accent1"/>
+          </a:effectRef>
+          <a:fontRef idx="minor">
+            <a:schemeClr val="tx1"/>
+          </a:fontRef>
+        </p:style>
+      </p:cxnSp>
+      <p:cxnSp>
+        <p:nvCxnSpPr>
+          <p:cNvPr id="19" name="直線單箭頭接點 18"/>
+          <p:cNvCxnSpPr/>
+          <p:nvPr/>
+        </p:nvCxnSpPr>
+        <p:spPr>
+          <a:xfrm flipH="1">
+            <a:off x="3107765" y="3729318"/>
+            <a:ext cx="854635" cy="854635"/>
+          </a:xfrm>
+          <a:prstGeom prst="straightConnector1">
+            <a:avLst/>
+          </a:prstGeom>
+          <a:ln w="38100">
+            <a:solidFill>
+              <a:srgbClr val="FF0000"/>
+            </a:solidFill>
+            <a:tailEnd type="triangle"/>
+          </a:ln>
+        </p:spPr>
+        <p:style>
+          <a:lnRef idx="1">
+            <a:schemeClr val="accent1"/>
+          </a:lnRef>
+          <a:fillRef idx="0">
+            <a:schemeClr val="accent1"/>
+          </a:fillRef>
+          <a:effectRef idx="0">
+            <a:schemeClr val="accent1"/>
+          </a:effectRef>
+          <a:fontRef idx="minor">
+            <a:schemeClr val="tx1"/>
+          </a:fontRef>
+        </p:style>
+      </p:cxnSp>
+      <p:pic>
+        <p:nvPicPr>
+          <p:cNvPr id="20" name="圖片 19"/>
+          <p:cNvPicPr>
+            <a:picLocks noChangeAspect="1"/>
+          </p:cNvPicPr>
+          <p:nvPr/>
+        </p:nvPicPr>
+        <p:blipFill>
+          <a:blip r:embed="rId3"/>
+          <a:stretch>
+            <a:fillRect/>
+          </a:stretch>
+        </p:blipFill>
+        <p:spPr>
+          <a:xfrm>
+            <a:off x="4285129" y="2913158"/>
+            <a:ext cx="2868708" cy="1031682"/>
+          </a:xfrm>
+          <a:prstGeom prst="rect">
+            <a:avLst/>
+          </a:prstGeom>
+        </p:spPr>
+      </p:pic>
+      <p:sp>
+        <p:nvSpPr>
+          <p:cNvPr id="21" name="矩形 20"/>
+          <p:cNvSpPr/>
+          <p:nvPr/>
+        </p:nvSpPr>
+        <p:spPr>
+          <a:xfrm>
+            <a:off x="3962400" y="4667624"/>
+            <a:ext cx="3442447" cy="418352"/>
+          </a:xfrm>
+          <a:prstGeom prst="rect">
+            <a:avLst/>
+          </a:prstGeom>
+          <a:solidFill>
+            <a:srgbClr val="C62A71"/>
+          </a:solidFill>
+          <a:ln>
+            <a:solidFill>
+              <a:schemeClr val="tx1"/>
+            </a:solidFill>
+          </a:ln>
+        </p:spPr>
+        <p:style>
+          <a:lnRef idx="2">
+            <a:schemeClr val="accent1"/>
+          </a:lnRef>
+          <a:fillRef idx="1">
+            <a:schemeClr val="lt1"/>
+          </a:fillRef>
+          <a:effectRef idx="0">
+            <a:schemeClr val="accent1"/>
+          </a:effectRef>
+          <a:fontRef idx="minor">
+            <a:schemeClr val="dk1"/>
+          </a:fontRef>
+        </p:style>
+        <p:txBody>
+          <a:bodyPr rtlCol="0" anchor="ctr"/>
+          <a:lstStyle/>
+          <a:p>
+            <a:pPr algn="ctr"/>
+            <a:r>
+              <a:rPr lang="en-US" dirty="0" smtClean="0">
+                <a:solidFill>
+                  <a:schemeClr val="bg1"/>
+                </a:solidFill>
+              </a:rPr>
+              <a:t>Failure Detection</a:t>
+            </a:r>
+            <a:endParaRPr lang="en-US" dirty="0">
+              <a:solidFill>
+                <a:schemeClr val="bg1"/>
+              </a:solidFill>
+            </a:endParaRPr>
+          </a:p>
+        </p:txBody>
+      </p:sp>
+      <p:sp>
+        <p:nvSpPr>
+          <p:cNvPr id="2" name="標題 1"/>
+          <p:cNvSpPr>
+            <a:spLocks noGrp="1"/>
+          </p:cNvSpPr>
+          <p:nvPr>
+            <p:ph type="title"/>
+          </p:nvPr>
+        </p:nvSpPr>
+        <p:spPr/>
+        <p:txBody>
+          <a:bodyPr/>
+          <a:lstStyle/>
+          <a:p>
+            <a:r>
+              <a:rPr lang="en-US" dirty="0" smtClean="0"/>
+              <a:t>What Is Consul (Do)?</a:t>
+            </a:r>
+            <a:endParaRPr lang="en-US" dirty="0"/>
+          </a:p>
+        </p:txBody>
+      </p:sp>
+      <p:sp>
+        <p:nvSpPr>
+          <p:cNvPr id="6" name="向下箭號 5"/>
+          <p:cNvSpPr/>
+          <p:nvPr/>
+        </p:nvSpPr>
+        <p:spPr>
+          <a:xfrm>
+            <a:off x="6819152" y="5028045"/>
+            <a:ext cx="537883" cy="412376"/>
+          </a:xfrm>
+          <a:prstGeom prst="downArrow">
+            <a:avLst/>
+          </a:prstGeom>
+        </p:spPr>
+        <p:style>
+          <a:lnRef idx="2">
+            <a:schemeClr val="accent1"/>
+          </a:lnRef>
+          <a:fillRef idx="1">
+            <a:schemeClr val="lt1"/>
+          </a:fillRef>
+          <a:effectRef idx="0">
+            <a:schemeClr val="accent1"/>
+          </a:effectRef>
+          <a:fontRef idx="minor">
+            <a:schemeClr val="dk1"/>
+          </a:fontRef>
+        </p:style>
+        <p:txBody>
+          <a:bodyPr rtlCol="0" anchor="ctr"/>
+          <a:lstStyle/>
+          <a:p>
+            <a:pPr algn="ctr"/>
+            <a:endParaRPr lang="en-US"/>
+          </a:p>
+        </p:txBody>
+      </p:sp>
+    </p:spTree>
+    <p:extLst>
+      <p:ext uri="{BB962C8B-B14F-4D97-AF65-F5344CB8AC3E}">
+        <p14:creationId xmlns:p14="http://schemas.microsoft.com/office/powerpoint/2010/main" val="1111118878"/>
+      </p:ext>
+    </p:extLst>
+  </p:cSld>
+  <p:clrMapOvr>
+    <a:masterClrMapping/>
+  </p:clrMapOvr>
+  <p:timing>
+    <p:tnLst>
+      <p:par>
+        <p:cTn id="1" dur="indefinite" restart="never" nodeType="tmRoot">
+          <p:childTnLst>
+            <p:seq concurrent="1" nextAc="seek">
+              <p:cTn id="2" dur="indefinite" nodeType="mainSeq">
+                <p:childTnLst>
+                  <p:par>
+                    <p:cTn id="3" fill="hold">
+                      <p:stCondLst>
+                        <p:cond delay="indefinite"/>
+                      </p:stCondLst>
+                      <p:childTnLst>
+                        <p:par>
+                          <p:cTn id="4" fill="hold">
+                            <p:stCondLst>
+                              <p:cond delay="0"/>
+                            </p:stCondLst>
+                            <p:childTnLst>
+                              <p:par>
+                                <p:cTn id="5" presetID="10" presetClass="entr" presetSubtype="0" fill="hold" grpId="0" nodeType="clickEffect">
+                                  <p:stCondLst>
+                                    <p:cond delay="0"/>
+                                  </p:stCondLst>
+                                  <p:childTnLst>
+                                    <p:set>
+                                      <p:cBhvr>
+                                        <p:cTn id="6" dur="1" fill="hold">
+                                          <p:stCondLst>
+                                            <p:cond delay="0"/>
+                                          </p:stCondLst>
+                                        </p:cTn>
+                                        <p:tgtEl>
+                                          <p:spTgt spid="4"/>
+                                        </p:tgtEl>
+                                        <p:attrNameLst>
+                                          <p:attrName>style.visibility</p:attrName>
+                                        </p:attrNameLst>
+                                      </p:cBhvr>
+                                      <p:to>
+                                        <p:strVal val="visible"/>
+                                      </p:to>
+                                    </p:set>
+                                    <p:animEffect transition="in" filter="fade">
+                                      <p:cBhvr>
+                                        <p:cTn id="7" dur="500"/>
+                                        <p:tgtEl>
+                                          <p:spTgt spid="4"/>
+                                        </p:tgtEl>
+                                      </p:cBhvr>
+                                    </p:animEffect>
+                                  </p:childTnLst>
+                                </p:cTn>
+                              </p:par>
+                            </p:childTnLst>
+                          </p:cTn>
+                        </p:par>
+                      </p:childTnLst>
+                    </p:cTn>
+                  </p:par>
+                  <p:par>
+                    <p:cTn id="8" fill="hold">
+                      <p:stCondLst>
+                        <p:cond delay="indefinite"/>
+                      </p:stCondLst>
+                      <p:childTnLst>
+                        <p:par>
+                          <p:cTn id="9" fill="hold">
+                            <p:stCondLst>
+                              <p:cond delay="0"/>
+                            </p:stCondLst>
+                            <p:childTnLst>
+                              <p:par>
+                                <p:cTn id="10" presetID="10" presetClass="entr" presetSubtype="0" fill="hold" grpId="0" nodeType="clickEffect">
+                                  <p:stCondLst>
+                                    <p:cond delay="0"/>
+                                  </p:stCondLst>
+                                  <p:childTnLst>
+                                    <p:set>
+                                      <p:cBhvr>
+                                        <p:cTn id="11" dur="1" fill="hold">
+                                          <p:stCondLst>
+                                            <p:cond delay="0"/>
+                                          </p:stCondLst>
+                                        </p:cTn>
+                                        <p:tgtEl>
+                                          <p:spTgt spid="13"/>
+                                        </p:tgtEl>
+                                        <p:attrNameLst>
+                                          <p:attrName>style.visibility</p:attrName>
+                                        </p:attrNameLst>
+                                      </p:cBhvr>
+                                      <p:to>
+                                        <p:strVal val="visible"/>
+                                      </p:to>
+                                    </p:set>
+                                    <p:animEffect transition="in" filter="fade">
+                                      <p:cBhvr>
+                                        <p:cTn id="12" dur="500"/>
+                                        <p:tgtEl>
+                                          <p:spTgt spid="13"/>
+                                        </p:tgtEl>
+                                      </p:cBhvr>
+                                    </p:animEffect>
+                                  </p:childTnLst>
+                                </p:cTn>
+                              </p:par>
+                              <p:par>
+                                <p:cTn id="13" presetID="10" presetClass="entr" presetSubtype="0" fill="hold" nodeType="withEffect">
+                                  <p:stCondLst>
+                                    <p:cond delay="0"/>
+                                  </p:stCondLst>
+                                  <p:childTnLst>
+                                    <p:set>
+                                      <p:cBhvr>
+                                        <p:cTn id="14" dur="1" fill="hold">
+                                          <p:stCondLst>
+                                            <p:cond delay="0"/>
+                                          </p:stCondLst>
+                                        </p:cTn>
+                                        <p:tgtEl>
+                                          <p:spTgt spid="20"/>
+                                        </p:tgtEl>
+                                        <p:attrNameLst>
+                                          <p:attrName>style.visibility</p:attrName>
+                                        </p:attrNameLst>
+                                      </p:cBhvr>
+                                      <p:to>
+                                        <p:strVal val="visible"/>
+                                      </p:to>
+                                    </p:set>
+                                    <p:animEffect transition="in" filter="fade">
+                                      <p:cBhvr>
+                                        <p:cTn id="15" dur="500"/>
+                                        <p:tgtEl>
+                                          <p:spTgt spid="20"/>
+                                        </p:tgtEl>
+                                      </p:cBhvr>
+                                    </p:animEffect>
+                                  </p:childTnLst>
+                                </p:cTn>
+                              </p:par>
+                              <p:par>
+                                <p:cTn id="16" presetID="10" presetClass="entr" presetSubtype="0" fill="hold" grpId="0" nodeType="withEffect">
+                                  <p:stCondLst>
+                                    <p:cond delay="0"/>
+                                  </p:stCondLst>
+                                  <p:childTnLst>
+                                    <p:set>
+                                      <p:cBhvr>
+                                        <p:cTn id="17" dur="1" fill="hold">
+                                          <p:stCondLst>
+                                            <p:cond delay="0"/>
+                                          </p:stCondLst>
+                                        </p:cTn>
+                                        <p:tgtEl>
+                                          <p:spTgt spid="21"/>
+                                        </p:tgtEl>
+                                        <p:attrNameLst>
+                                          <p:attrName>style.visibility</p:attrName>
+                                        </p:attrNameLst>
+                                      </p:cBhvr>
+                                      <p:to>
+                                        <p:strVal val="visible"/>
+                                      </p:to>
+                                    </p:set>
+                                    <p:animEffect transition="in" filter="fade">
+                                      <p:cBhvr>
+                                        <p:cTn id="18" dur="500"/>
+                                        <p:tgtEl>
+                                          <p:spTgt spid="21"/>
+                                        </p:tgtEl>
+                                      </p:cBhvr>
+                                    </p:animEffect>
+                                  </p:childTnLst>
+                                </p:cTn>
+                              </p:par>
+                              <p:par>
+                                <p:cTn id="19" presetID="10" presetClass="entr" presetSubtype="0" fill="hold" grpId="0" nodeType="withEffect">
+                                  <p:stCondLst>
+                                    <p:cond delay="0"/>
+                                  </p:stCondLst>
+                                  <p:childTnLst>
+                                    <p:set>
+                                      <p:cBhvr>
+                                        <p:cTn id="20" dur="1" fill="hold">
+                                          <p:stCondLst>
+                                            <p:cond delay="0"/>
+                                          </p:stCondLst>
+                                        </p:cTn>
+                                        <p:tgtEl>
+                                          <p:spTgt spid="5"/>
+                                        </p:tgtEl>
+                                        <p:attrNameLst>
+                                          <p:attrName>style.visibility</p:attrName>
+                                        </p:attrNameLst>
+                                      </p:cBhvr>
+                                      <p:to>
+                                        <p:strVal val="visible"/>
+                                      </p:to>
+                                    </p:set>
+                                    <p:animEffect transition="in" filter="fade">
+                                      <p:cBhvr>
+                                        <p:cTn id="21" dur="500"/>
+                                        <p:tgtEl>
+                                          <p:spTgt spid="5"/>
+                                        </p:tgtEl>
+                                      </p:cBhvr>
+                                    </p:animEffect>
+                                  </p:childTnLst>
+                                </p:cTn>
+                              </p:par>
+                            </p:childTnLst>
+                          </p:cTn>
+                        </p:par>
+                      </p:childTnLst>
+                    </p:cTn>
+                  </p:par>
+                  <p:par>
+                    <p:cTn id="22" fill="hold">
+                      <p:stCondLst>
+                        <p:cond delay="indefinite"/>
+                      </p:stCondLst>
+                      <p:childTnLst>
+                        <p:par>
+                          <p:cTn id="23" fill="hold">
+                            <p:stCondLst>
+                              <p:cond delay="0"/>
+                            </p:stCondLst>
+                            <p:childTnLst>
+                              <p:par>
+                                <p:cTn id="24" presetID="10" presetClass="entr" presetSubtype="0" fill="hold" nodeType="clickEffect">
+                                  <p:stCondLst>
+                                    <p:cond delay="0"/>
+                                  </p:stCondLst>
+                                  <p:childTnLst>
+                                    <p:set>
+                                      <p:cBhvr>
+                                        <p:cTn id="25" dur="1" fill="hold">
+                                          <p:stCondLst>
+                                            <p:cond delay="0"/>
+                                          </p:stCondLst>
+                                        </p:cTn>
+                                        <p:tgtEl>
+                                          <p:spTgt spid="15"/>
+                                        </p:tgtEl>
+                                        <p:attrNameLst>
+                                          <p:attrName>style.visibility</p:attrName>
+                                        </p:attrNameLst>
+                                      </p:cBhvr>
+                                      <p:to>
+                                        <p:strVal val="visible"/>
+                                      </p:to>
+                                    </p:set>
+                                    <p:animEffect transition="in" filter="fade">
+                                      <p:cBhvr>
+                                        <p:cTn id="26" dur="500"/>
+                                        <p:tgtEl>
+                                          <p:spTgt spid="15"/>
+                                        </p:tgtEl>
+                                      </p:cBhvr>
+                                    </p:animEffect>
+                                  </p:childTnLst>
+                                </p:cTn>
+                              </p:par>
+                              <p:par>
+                                <p:cTn id="27" presetID="10" presetClass="entr" presetSubtype="0" fill="hold" nodeType="withEffect">
+                                  <p:stCondLst>
+                                    <p:cond delay="0"/>
+                                  </p:stCondLst>
+                                  <p:childTnLst>
+                                    <p:set>
+                                      <p:cBhvr>
+                                        <p:cTn id="28" dur="1" fill="hold">
+                                          <p:stCondLst>
+                                            <p:cond delay="0"/>
+                                          </p:stCondLst>
+                                        </p:cTn>
+                                        <p:tgtEl>
+                                          <p:spTgt spid="17"/>
+                                        </p:tgtEl>
+                                        <p:attrNameLst>
+                                          <p:attrName>style.visibility</p:attrName>
+                                        </p:attrNameLst>
+                                      </p:cBhvr>
+                                      <p:to>
+                                        <p:strVal val="visible"/>
+                                      </p:to>
+                                    </p:set>
+                                    <p:animEffect transition="in" filter="fade">
+                                      <p:cBhvr>
+                                        <p:cTn id="29" dur="500"/>
+                                        <p:tgtEl>
+                                          <p:spTgt spid="17"/>
+                                        </p:tgtEl>
+                                      </p:cBhvr>
+                                    </p:animEffect>
+                                  </p:childTnLst>
+                                </p:cTn>
+                              </p:par>
+                              <p:par>
+                                <p:cTn id="30" presetID="10" presetClass="entr" presetSubtype="0" fill="hold" nodeType="withEffect">
+                                  <p:stCondLst>
+                                    <p:cond delay="0"/>
+                                  </p:stCondLst>
+                                  <p:childTnLst>
+                                    <p:set>
+                                      <p:cBhvr>
+                                        <p:cTn id="31" dur="1" fill="hold">
+                                          <p:stCondLst>
+                                            <p:cond delay="0"/>
+                                          </p:stCondLst>
+                                        </p:cTn>
+                                        <p:tgtEl>
+                                          <p:spTgt spid="19"/>
+                                        </p:tgtEl>
+                                        <p:attrNameLst>
+                                          <p:attrName>style.visibility</p:attrName>
+                                        </p:attrNameLst>
+                                      </p:cBhvr>
+                                      <p:to>
+                                        <p:strVal val="visible"/>
+                                      </p:to>
+                                    </p:set>
+                                    <p:animEffect transition="in" filter="fade">
+                                      <p:cBhvr>
+                                        <p:cTn id="32" dur="500"/>
+                                        <p:tgtEl>
+                                          <p:spTgt spid="19"/>
+                                        </p:tgtEl>
+                                      </p:cBhvr>
+                                    </p:animEffect>
+                                  </p:childTnLst>
+                                </p:cTn>
+                              </p:par>
+                            </p:childTnLst>
+                          </p:cTn>
+                        </p:par>
+                      </p:childTnLst>
+                    </p:cTn>
+                  </p:par>
+                  <p:par>
+                    <p:cTn id="33" fill="hold">
+                      <p:stCondLst>
+                        <p:cond delay="indefinite"/>
+                      </p:stCondLst>
+                      <p:childTnLst>
+                        <p:par>
+                          <p:cTn id="34" fill="hold">
+                            <p:stCondLst>
+                              <p:cond delay="0"/>
+                            </p:stCondLst>
+                            <p:childTnLst>
+                              <p:par>
+                                <p:cTn id="35" presetID="10" presetClass="entr" presetSubtype="0" fill="hold" grpId="0" nodeType="clickEffect">
+                                  <p:stCondLst>
+                                    <p:cond delay="0"/>
+                                  </p:stCondLst>
+                                  <p:childTnLst>
+                                    <p:set>
+                                      <p:cBhvr>
+                                        <p:cTn id="36" dur="1" fill="hold">
+                                          <p:stCondLst>
+                                            <p:cond delay="0"/>
+                                          </p:stCondLst>
+                                        </p:cTn>
+                                        <p:tgtEl>
+                                          <p:spTgt spid="6"/>
+                                        </p:tgtEl>
+                                        <p:attrNameLst>
+                                          <p:attrName>style.visibility</p:attrName>
+                                        </p:attrNameLst>
+                                      </p:cBhvr>
+                                      <p:to>
+                                        <p:strVal val="visible"/>
+                                      </p:to>
+                                    </p:set>
+                                    <p:animEffect transition="in" filter="fade">
+                                      <p:cBhvr>
+                                        <p:cTn id="37" dur="500"/>
+                                        <p:tgtEl>
+                                          <p:spTgt spid="6"/>
+                                        </p:tgtEl>
+                                      </p:cBhvr>
+                                    </p:animEffect>
+                                  </p:childTnLst>
+                                </p:cTn>
+                              </p:par>
+                            </p:childTnLst>
+                          </p:cTn>
+                        </p:par>
+                      </p:childTnLst>
+                    </p:cTn>
+                  </p:par>
+                  <p:par>
+                    <p:cTn id="38" fill="hold">
+                      <p:stCondLst>
+                        <p:cond delay="indefinite"/>
+                      </p:stCondLst>
+                      <p:childTnLst>
+                        <p:par>
+                          <p:cTn id="39" fill="hold">
+                            <p:stCondLst>
+                              <p:cond delay="0"/>
+                            </p:stCondLst>
+                            <p:childTnLst>
+                              <p:par>
+                                <p:cTn id="40" presetID="10" presetClass="entr" presetSubtype="0" fill="hold" nodeType="clickEffect">
+                                  <p:stCondLst>
+                                    <p:cond delay="0"/>
+                                  </p:stCondLst>
+                                  <p:childTnLst>
+                                    <p:set>
+                                      <p:cBhvr>
+                                        <p:cTn id="41" dur="1" fill="hold">
+                                          <p:stCondLst>
+                                            <p:cond delay="0"/>
+                                          </p:stCondLst>
+                                        </p:cTn>
+                                        <p:tgtEl>
+                                          <p:spTgt spid="8"/>
+                                        </p:tgtEl>
+                                        <p:attrNameLst>
+                                          <p:attrName>style.visibility</p:attrName>
+                                        </p:attrNameLst>
+                                      </p:cBhvr>
+                                      <p:to>
+                                        <p:strVal val="visible"/>
+                                      </p:to>
+                                    </p:set>
+                                    <p:animEffect transition="in" filter="fade">
+                                      <p:cBhvr>
+                                        <p:cTn id="42" dur="500"/>
+                                        <p:tgtEl>
+                                          <p:spTgt spid="8"/>
+                                        </p:tgtEl>
+                                      </p:cBhvr>
+                                    </p:animEffect>
+                                  </p:childTnLst>
+                                </p:cTn>
+                              </p:par>
+                            </p:childTnLst>
+                          </p:cTn>
+                        </p:par>
+                      </p:childTnLst>
+                    </p:cTn>
+                  </p:par>
+                  <p:par>
+                    <p:cTn id="43" fill="hold">
+                      <p:stCondLst>
+                        <p:cond delay="indefinite"/>
+                      </p:stCondLst>
+                      <p:childTnLst>
+                        <p:par>
+                          <p:cTn id="44" fill="hold">
+                            <p:stCondLst>
+                              <p:cond delay="0"/>
+                            </p:stCondLst>
+                            <p:childTnLst>
+                              <p:par>
+                                <p:cTn id="45" presetID="10" presetClass="entr" presetSubtype="0" fill="hold" nodeType="clickEffect">
+                                  <p:stCondLst>
+                                    <p:cond delay="0"/>
+                                  </p:stCondLst>
+                                  <p:childTnLst>
+                                    <p:set>
+                                      <p:cBhvr>
+                                        <p:cTn id="46" dur="1" fill="hold">
+                                          <p:stCondLst>
+                                            <p:cond delay="0"/>
+                                          </p:stCondLst>
+                                        </p:cTn>
+                                        <p:tgtEl>
+                                          <p:spTgt spid="10"/>
+                                        </p:tgtEl>
+                                        <p:attrNameLst>
+                                          <p:attrName>style.visibility</p:attrName>
+                                        </p:attrNameLst>
+                                      </p:cBhvr>
+                                      <p:to>
+                                        <p:strVal val="visible"/>
+                                      </p:to>
+                                    </p:set>
+                                    <p:animEffect transition="in" filter="fade">
+                                      <p:cBhvr>
+                                        <p:cTn id="47" dur="500"/>
+                                        <p:tgtEl>
+                                          <p:spTgt spid="10"/>
+                                        </p:tgtEl>
+                                      </p:cBhvr>
+                                    </p:animEffect>
+                                  </p:childTnLst>
+                                </p:cTn>
+                              </p:par>
+                              <p:par>
+                                <p:cTn id="48" presetID="10" presetClass="entr" presetSubtype="0" fill="hold" nodeType="withEffect">
+                                  <p:stCondLst>
+                                    <p:cond delay="0"/>
+                                  </p:stCondLst>
+                                  <p:childTnLst>
+                                    <p:set>
+                                      <p:cBhvr>
+                                        <p:cTn id="49" dur="1" fill="hold">
+                                          <p:stCondLst>
+                                            <p:cond delay="0"/>
+                                          </p:stCondLst>
+                                        </p:cTn>
+                                        <p:tgtEl>
+                                          <p:spTgt spid="11"/>
+                                        </p:tgtEl>
+                                        <p:attrNameLst>
+                                          <p:attrName>style.visibility</p:attrName>
+                                        </p:attrNameLst>
+                                      </p:cBhvr>
+                                      <p:to>
+                                        <p:strVal val="visible"/>
+                                      </p:to>
+                                    </p:set>
+                                    <p:animEffect transition="in" filter="fade">
+                                      <p:cBhvr>
+                                        <p:cTn id="50" dur="500"/>
+                                        <p:tgtEl>
+                                          <p:spTgt spid="11"/>
+                                        </p:tgtEl>
+                                      </p:cBhvr>
+                                    </p:animEffect>
+                                  </p:childTnLst>
+                                </p:cTn>
+                              </p:par>
+                              <p:par>
+                                <p:cTn id="51" presetID="10" presetClass="entr" presetSubtype="0" fill="hold" nodeType="withEffect">
+                                  <p:stCondLst>
+                                    <p:cond delay="0"/>
+                                  </p:stCondLst>
+                                  <p:childTnLst>
+                                    <p:set>
+                                      <p:cBhvr>
+                                        <p:cTn id="52" dur="1" fill="hold">
+                                          <p:stCondLst>
+                                            <p:cond delay="0"/>
+                                          </p:stCondLst>
+                                        </p:cTn>
+                                        <p:tgtEl>
+                                          <p:spTgt spid="12"/>
+                                        </p:tgtEl>
+                                        <p:attrNameLst>
+                                          <p:attrName>style.visibility</p:attrName>
+                                        </p:attrNameLst>
+                                      </p:cBhvr>
+                                      <p:to>
+                                        <p:strVal val="visible"/>
+                                      </p:to>
+                                    </p:set>
+                                    <p:animEffect transition="in" filter="fade">
+                                      <p:cBhvr>
+                                        <p:cTn id="53" dur="500"/>
+                                        <p:tgtEl>
+                                          <p:spTgt spid="12"/>
+                                        </p:tgtEl>
+                                      </p:cBhvr>
+                                    </p:animEffect>
+                                  </p:childTnLst>
+                                </p:cTn>
+                              </p:par>
+                            </p:childTnLst>
+                          </p:cTn>
+                        </p:par>
+                      </p:childTnLst>
+                    </p:cTn>
+                  </p:par>
+                </p:childTnLst>
+              </p:cTn>
+              <p:prevCondLst>
+                <p:cond evt="onPrev" delay="0">
+                  <p:tgtEl>
+                    <p:sldTgt/>
+                  </p:tgtEl>
+                </p:cond>
+              </p:prevCondLst>
+              <p:nextCondLst>
+                <p:cond evt="onNext" delay="0">
+                  <p:tgtEl>
+                    <p:sldTgt/>
+                  </p:tgtEl>
+                </p:cond>
+              </p:nextCondLst>
+            </p:seq>
+          </p:childTnLst>
+        </p:cTn>
+      </p:par>
+    </p:tnLst>
+    <p:bldLst>
+      <p:bldP spid="4" grpId="0" animBg="1"/>
+      <p:bldP spid="5" grpId="0" animBg="1"/>
+      <p:bldP spid="13" grpId="0" animBg="1"/>
+      <p:bldP spid="21" grpId="0" animBg="1"/>
+      <p:bldP spid="6" grpId="0" animBg="1"/>
+    </p:bldLst>
+  </p:timing>
+</p:sld>
+</file>
+
+<file path=ppt/slides/slide6.xml><?xml version="1.0" encoding="utf-8"?>
+<p:sld xmlns:a="http://schemas.openxmlformats.org/drawingml/2006/main" xmlns:r="http://schemas.openxmlformats.org/officeDocument/2006/relationships" xmlns:p="http://schemas.openxmlformats.org/presentationml/2006/main">
+  <p:cSld>
+    <p:spTree>
+      <p:nvGrpSpPr>
+        <p:cNvPr id="1" name=""/>
+        <p:cNvGrpSpPr/>
+        <p:nvPr/>
+      </p:nvGrpSpPr>
+      <p:grpSpPr>
+        <a:xfrm>
+          <a:off x="0" y="0"/>
+          <a:ext cx="0" cy="0"/>
+          <a:chOff x="0" y="0"/>
+          <a:chExt cx="0" cy="0"/>
+        </a:xfrm>
+      </p:grpSpPr>
+      <p:pic>
+        <p:nvPicPr>
+          <p:cNvPr id="2" name="圖片 1"/>
+          <p:cNvPicPr>
+            <a:picLocks noChangeAspect="1"/>
+          </p:cNvPicPr>
+          <p:nvPr/>
+        </p:nvPicPr>
+        <p:blipFill rotWithShape="1">
+          <a:blip r:embed="rId2"/>
+          <a:srcRect l="15535" r="15402"/>
+          <a:stretch/>
+        </p:blipFill>
+        <p:spPr>
+          <a:xfrm>
+            <a:off x="-18288" y="793895"/>
+            <a:ext cx="12222480" cy="5353730"/>
+          </a:xfrm>
+          <a:prstGeom prst="rect">
+            <a:avLst/>
+          </a:prstGeom>
+        </p:spPr>
+      </p:pic>
+      <p:sp>
+        <p:nvSpPr>
+          <p:cNvPr id="3" name="矩形 2"/>
+          <p:cNvSpPr/>
+          <p:nvPr/>
+        </p:nvSpPr>
+        <p:spPr>
+          <a:xfrm>
+            <a:off x="798576" y="3547872"/>
+            <a:ext cx="10698480" cy="1993392"/>
+          </a:xfrm>
+          <a:prstGeom prst="rect">
+            <a:avLst/>
+          </a:prstGeom>
+          <a:solidFill>
+            <a:srgbClr val="C62A71"/>
+          </a:solidFill>
+          <a:ln>
+            <a:noFill/>
+          </a:ln>
+        </p:spPr>
+        <p:style>
+          <a:lnRef idx="2">
+            <a:schemeClr val="accent1">
+              <a:shade val="50000"/>
+            </a:schemeClr>
+          </a:lnRef>
+          <a:fillRef idx="1">
+            <a:schemeClr val="accent1"/>
+          </a:fillRef>
+          <a:effectRef idx="0">
+            <a:schemeClr val="accent1"/>
+          </a:effectRef>
+          <a:fontRef idx="minor">
+            <a:schemeClr val="lt1"/>
+          </a:fontRef>
+        </p:style>
+        <p:txBody>
+          <a:bodyPr rtlCol="0" anchor="ctr"/>
+          <a:lstStyle/>
+          <a:p>
+            <a:pPr algn="ctr"/>
+            <a:endParaRPr lang="en-US"/>
+          </a:p>
+        </p:txBody>
+      </p:sp>
+      <p:sp>
+        <p:nvSpPr>
+          <p:cNvPr id="4" name="文字方塊 3"/>
+          <p:cNvSpPr txBox="1"/>
+          <p:nvPr/>
+        </p:nvSpPr>
+        <p:spPr>
+          <a:xfrm>
+            <a:off x="215153" y="6406776"/>
+            <a:ext cx="2373791" cy="646331"/>
+          </a:xfrm>
+          <a:prstGeom prst="rect">
+            <a:avLst/>
+          </a:prstGeom>
+          <a:noFill/>
+        </p:spPr>
+        <p:txBody>
+          <a:bodyPr wrap="none" rtlCol="0">
+            <a:spAutoFit/>
+          </a:bodyPr>
+          <a:lstStyle/>
+          <a:p>
+            <a:r>
+              <a:rPr lang="en-US" dirty="0">
+                <a:hlinkClick r:id="rId3"/>
+              </a:rPr>
+              <a:t>https://www.consul.io</a:t>
+            </a:r>
+            <a:r>
+              <a:rPr lang="en-US" dirty="0" smtClean="0">
+                <a:hlinkClick r:id="rId3"/>
+              </a:rPr>
+              <a:t>/</a:t>
+            </a:r>
+            <a:endParaRPr lang="en-US" dirty="0" smtClean="0"/>
+          </a:p>
+          <a:p>
+            <a:endParaRPr lang="en-US" dirty="0"/>
+          </a:p>
+        </p:txBody>
+      </p:sp>
+    </p:spTree>
+    <p:extLst>
+      <p:ext uri="{BB962C8B-B14F-4D97-AF65-F5344CB8AC3E}">
+        <p14:creationId xmlns:p14="http://schemas.microsoft.com/office/powerpoint/2010/main" val="316490495"/>
+      </p:ext>
+    </p:extLst>
+  </p:cSld>
+  <p:clrMapOvr>
+    <a:masterClrMapping/>
+  </p:clrMapOvr>
+  <p:timing>
+    <p:tnLst>
+      <p:par>
+        <p:cTn id="1" dur="indefinite" restart="never" nodeType="tmRoot">
+          <p:childTnLst>
+            <p:seq concurrent="1" nextAc="seek">
+              <p:cTn id="2" dur="indefinite" nodeType="mainSeq">
+                <p:childTnLst>
+                  <p:par>
+                    <p:cTn id="3" fill="hold">
+                      <p:stCondLst>
+                        <p:cond delay="indefinite"/>
+                      </p:stCondLst>
+                      <p:childTnLst>
+                        <p:par>
+                          <p:cTn id="4" fill="hold">
+                            <p:stCondLst>
+                              <p:cond delay="0"/>
+                            </p:stCondLst>
+                            <p:childTnLst>
+                              <p:par>
+                                <p:cTn id="5" presetID="10" presetClass="entr" presetSubtype="0" fill="hold" grpId="0" nodeType="clickEffect">
+                                  <p:stCondLst>
+                                    <p:cond delay="0"/>
+                                  </p:stCondLst>
+                                  <p:childTnLst>
+                                    <p:set>
+                                      <p:cBhvr>
+                                        <p:cTn id="6" dur="1" fill="hold">
+                                          <p:stCondLst>
+                                            <p:cond delay="0"/>
+                                          </p:stCondLst>
+                                        </p:cTn>
+                                        <p:tgtEl>
+                                          <p:spTgt spid="3"/>
+                                        </p:tgtEl>
+                                        <p:attrNameLst>
+                                          <p:attrName>style.visibility</p:attrName>
+                                        </p:attrNameLst>
+                                      </p:cBhvr>
+                                      <p:to>
+                                        <p:strVal val="visible"/>
+                                      </p:to>
+                                    </p:set>
+                                    <p:animEffect transition="in" filter="fade">
+                                      <p:cBhvr>
+                                        <p:cTn id="7" dur="500"/>
+                                        <p:tgtEl>
+                                          <p:spTgt spid="3"/>
+                                        </p:tgtEl>
+                                      </p:cBhvr>
+                                    </p:animEffect>
+                                  </p:childTnLst>
+                                </p:cTn>
+                              </p:par>
+                            </p:childTnLst>
+                          </p:cTn>
+                        </p:par>
+                      </p:childTnLst>
+                    </p:cTn>
+                  </p:par>
+                </p:childTnLst>
+              </p:cTn>
+              <p:prevCondLst>
+                <p:cond evt="onPrev" delay="0">
+                  <p:tgtEl>
+                    <p:sldTgt/>
+                  </p:tgtEl>
+                </p:cond>
+              </p:prevCondLst>
+              <p:nextCondLst>
+                <p:cond evt="onNext" delay="0">
+                  <p:tgtEl>
+                    <p:sldTgt/>
+                  </p:tgtEl>
+                </p:cond>
+              </p:nextCondLst>
+            </p:seq>
+          </p:childTnLst>
+        </p:cTn>
+      </p:par>
+    </p:tnLst>
+    <p:bldLst>
+      <p:bldP spid="3" grpId="0" animBg="1"/>
+    </p:bldLst>
+  </p:timing>
+</p:sld>
+</file>
+
+<file path=ppt/slides/slide7.xml><?xml version="1.0" encoding="utf-8"?>
+<p:sld xmlns:a="http://schemas.openxmlformats.org/drawingml/2006/main" xmlns:r="http://schemas.openxmlformats.org/officeDocument/2006/relationships" xmlns:p="http://schemas.openxmlformats.org/presentationml/2006/main">
+  <p:cSld>
+    <p:spTree>
+      <p:nvGrpSpPr>
+        <p:cNvPr id="1" name=""/>
+        <p:cNvGrpSpPr/>
+        <p:nvPr/>
+      </p:nvGrpSpPr>
+      <p:grpSpPr>
+        <a:xfrm>
+          <a:off x="0" y="0"/>
+          <a:ext cx="0" cy="0"/>
+          <a:chOff x="0" y="0"/>
+          <a:chExt cx="0" cy="0"/>
+        </a:xfrm>
+      </p:grpSpPr>
+      <p:sp>
+        <p:nvSpPr>
+          <p:cNvPr id="2" name="標題 1"/>
+          <p:cNvSpPr>
+            <a:spLocks noGrp="1"/>
+          </p:cNvSpPr>
+          <p:nvPr>
+            <p:ph type="title"/>
+          </p:nvPr>
+        </p:nvSpPr>
+        <p:spPr/>
+        <p:txBody>
+          <a:bodyPr/>
+          <a:lstStyle/>
+          <a:p>
+            <a:r>
+              <a:rPr lang="en-US" altLang="zh-TW" dirty="0" smtClean="0"/>
+              <a:t>Question?</a:t>
+            </a:r>
+            <a:endParaRPr lang="en-US" dirty="0"/>
+          </a:p>
+        </p:txBody>
+      </p:sp>
+      <p:sp>
+        <p:nvSpPr>
+          <p:cNvPr id="3" name="內容版面配置區 2"/>
+          <p:cNvSpPr>
+            <a:spLocks noGrp="1"/>
+          </p:cNvSpPr>
+          <p:nvPr>
+            <p:ph idx="1"/>
+          </p:nvPr>
+        </p:nvSpPr>
+        <p:spPr/>
+        <p:txBody>
+          <a:bodyPr/>
+          <a:lstStyle/>
+          <a:p>
+            <a:r>
+              <a:rPr lang="zh-TW" altLang="en-US" dirty="0"/>
+              <a:t>可否分享一些你畢生難忘的監控異常事件</a:t>
+            </a:r>
+            <a:r>
+              <a:rPr lang="zh-TW" altLang="en-US" dirty="0" smtClean="0"/>
+              <a:t>？</a:t>
+            </a:r>
+            <a:endParaRPr lang="en-US" altLang="zh-TW" dirty="0" smtClean="0"/>
+          </a:p>
+          <a:p>
+            <a:r>
+              <a:rPr lang="zh-TW" altLang="en-US" dirty="0"/>
+              <a:t>你如何確認你設置的監控指標、告警條件是否正確？是否能正確用來識別服務為正常狀態</a:t>
+            </a:r>
+            <a:r>
+              <a:rPr lang="zh-TW" altLang="en-US" dirty="0" smtClean="0"/>
+              <a:t>？</a:t>
+            </a:r>
+            <a:endParaRPr lang="en-US" altLang="zh-TW" dirty="0" smtClean="0"/>
+          </a:p>
+          <a:p>
+            <a:r>
+              <a:rPr lang="zh-TW" altLang="en-US" dirty="0"/>
+              <a:t>請問監控系統有再串接別的系統來達到自動化處理系統障礙的目標</a:t>
+            </a:r>
+            <a:r>
+              <a:rPr lang="zh-TW" altLang="en-US" dirty="0" smtClean="0"/>
+              <a:t>？</a:t>
+            </a:r>
+            <a:endParaRPr lang="en-US" altLang="zh-TW" dirty="0" smtClean="0"/>
+          </a:p>
+          <a:p>
+            <a:r>
+              <a:rPr lang="zh-TW" altLang="en-US" dirty="0"/>
+              <a:t>如何有效的監控</a:t>
+            </a:r>
+            <a:r>
+              <a:rPr lang="en-US" altLang="zh-TW" dirty="0"/>
+              <a:t>API</a:t>
+            </a:r>
+            <a:r>
+              <a:rPr lang="zh-TW" altLang="en-US" dirty="0"/>
+              <a:t>運作情形，</a:t>
+            </a:r>
+            <a:r>
+              <a:rPr lang="en-US" altLang="zh-TW" dirty="0"/>
+              <a:t>API</a:t>
+            </a:r>
+            <a:r>
+              <a:rPr lang="zh-TW" altLang="en-US" dirty="0"/>
+              <a:t>端開發是否有需要對應的處理</a:t>
+            </a:r>
+            <a:r>
+              <a:rPr lang="en-US" altLang="zh-TW" dirty="0" smtClean="0"/>
+              <a:t>?</a:t>
+            </a:r>
+          </a:p>
+          <a:p>
+            <a:r>
+              <a:rPr lang="zh-TW" altLang="en-US" dirty="0"/>
+              <a:t>如果針對於 </a:t>
+            </a:r>
+            <a:r>
+              <a:rPr lang="en-US" altLang="zh-TW" dirty="0" err="1"/>
+              <a:t>docker</a:t>
+            </a:r>
+            <a:r>
+              <a:rPr lang="en-US" altLang="zh-TW" dirty="0"/>
+              <a:t> </a:t>
+            </a:r>
+            <a:r>
+              <a:rPr lang="zh-TW" altLang="en-US" dirty="0"/>
+              <a:t>或 </a:t>
+            </a:r>
+            <a:r>
+              <a:rPr lang="en-US" altLang="zh-TW" dirty="0" err="1"/>
+              <a:t>kubernetes</a:t>
+            </a:r>
+            <a:r>
+              <a:rPr lang="en-US" altLang="zh-TW" dirty="0"/>
+              <a:t> </a:t>
+            </a:r>
+            <a:r>
+              <a:rPr lang="zh-TW" altLang="en-US" dirty="0"/>
+              <a:t>的環境，內部的</a:t>
+            </a:r>
+            <a:r>
+              <a:rPr lang="en-US" altLang="zh-TW" dirty="0" err="1"/>
+              <a:t>ip</a:t>
+            </a:r>
+            <a:r>
+              <a:rPr lang="zh-TW" altLang="en-US" dirty="0"/>
+              <a:t>是不固定的，有何方法進行自動發現並監控呢？當該服務不存在時，又有何方法能從 </a:t>
+            </a:r>
+            <a:r>
+              <a:rPr lang="en-US" altLang="zh-TW" dirty="0" err="1"/>
+              <a:t>dasboard</a:t>
+            </a:r>
+            <a:r>
+              <a:rPr lang="en-US" altLang="zh-TW" dirty="0"/>
+              <a:t> </a:t>
+            </a:r>
+            <a:r>
+              <a:rPr lang="zh-TW" altLang="en-US" dirty="0"/>
+              <a:t>上自動消失呢？</a:t>
+            </a:r>
+            <a:endParaRPr lang="en-US" dirty="0"/>
+          </a:p>
+        </p:txBody>
+      </p:sp>
+      <p:sp>
+        <p:nvSpPr>
+          <p:cNvPr id="4" name="圓角矩形 3"/>
+          <p:cNvSpPr/>
+          <p:nvPr/>
+        </p:nvSpPr>
+        <p:spPr>
+          <a:xfrm>
+            <a:off x="1150569" y="4699167"/>
+            <a:ext cx="10040233" cy="1108181"/>
+          </a:xfrm>
+          <a:prstGeom prst="roundRect">
+            <a:avLst/>
+          </a:prstGeom>
+        </p:spPr>
+        <p:style>
+          <a:lnRef idx="2">
+            <a:schemeClr val="accent1">
+              <a:shade val="50000"/>
+            </a:schemeClr>
+          </a:lnRef>
+          <a:fillRef idx="1">
+            <a:schemeClr val="accent1"/>
+          </a:fillRef>
+          <a:effectRef idx="0">
+            <a:schemeClr val="accent1"/>
+          </a:effectRef>
+          <a:fontRef idx="minor">
+            <a:schemeClr val="lt1"/>
+          </a:fontRef>
+        </p:style>
+        <p:txBody>
+          <a:bodyPr rtlCol="0" anchor="ctr"/>
+          <a:lstStyle/>
+          <a:p>
+            <a:pPr algn="ctr"/>
+            <a:r>
+              <a:rPr lang="en-US" dirty="0" smtClean="0"/>
+              <a:t>Service Discovery</a:t>
+            </a:r>
+            <a:endParaRPr lang="en-US" dirty="0"/>
+          </a:p>
+        </p:txBody>
+      </p:sp>
+      <p:sp>
+        <p:nvSpPr>
+          <p:cNvPr id="5" name="圓角矩形 4"/>
+          <p:cNvSpPr/>
+          <p:nvPr/>
+        </p:nvSpPr>
+        <p:spPr>
+          <a:xfrm>
+            <a:off x="1150569" y="4135995"/>
+            <a:ext cx="10040233" cy="419389"/>
+          </a:xfrm>
+          <a:prstGeom prst="roundRect">
+            <a:avLst/>
+          </a:prstGeom>
+        </p:spPr>
+        <p:style>
+          <a:lnRef idx="2">
+            <a:schemeClr val="accent1">
+              <a:shade val="50000"/>
+            </a:schemeClr>
+          </a:lnRef>
+          <a:fillRef idx="1">
+            <a:schemeClr val="accent1"/>
+          </a:fillRef>
+          <a:effectRef idx="0">
+            <a:schemeClr val="accent1"/>
+          </a:effectRef>
+          <a:fontRef idx="minor">
+            <a:schemeClr val="lt1"/>
+          </a:fontRef>
+        </p:style>
+        <p:txBody>
+          <a:bodyPr rtlCol="0" anchor="ctr"/>
+          <a:lstStyle/>
+          <a:p>
+            <a:pPr algn="ctr"/>
+            <a:r>
+              <a:rPr lang="en-US" dirty="0" smtClean="0"/>
+              <a:t>Failure Detection &amp; </a:t>
+            </a:r>
+            <a:r>
+              <a:rPr lang="en-US" dirty="0" err="1" smtClean="0"/>
+              <a:t>Diagnoistic</a:t>
+            </a:r>
+            <a:r>
+              <a:rPr lang="en-US" dirty="0" smtClean="0"/>
+              <a:t> API</a:t>
+            </a:r>
+            <a:endParaRPr lang="en-US" dirty="0"/>
+          </a:p>
+        </p:txBody>
+      </p:sp>
+      <p:sp>
+        <p:nvSpPr>
+          <p:cNvPr id="6" name="圓角矩形 5"/>
+          <p:cNvSpPr/>
+          <p:nvPr/>
+        </p:nvSpPr>
+        <p:spPr>
+          <a:xfrm>
+            <a:off x="1150569" y="3288206"/>
+            <a:ext cx="10040233" cy="712852"/>
+          </a:xfrm>
+          <a:prstGeom prst="roundRect">
+            <a:avLst/>
+          </a:prstGeom>
+        </p:spPr>
+        <p:style>
+          <a:lnRef idx="2">
+            <a:schemeClr val="accent1">
+              <a:shade val="50000"/>
+            </a:schemeClr>
+          </a:lnRef>
+          <a:fillRef idx="1">
+            <a:schemeClr val="accent1"/>
+          </a:fillRef>
+          <a:effectRef idx="0">
+            <a:schemeClr val="accent1"/>
+          </a:effectRef>
+          <a:fontRef idx="minor">
+            <a:schemeClr val="lt1"/>
+          </a:fontRef>
+        </p:style>
+        <p:txBody>
+          <a:bodyPr rtlCol="0" anchor="ctr"/>
+          <a:lstStyle/>
+          <a:p>
+            <a:pPr algn="ctr"/>
+            <a:r>
+              <a:rPr lang="en-US" dirty="0" smtClean="0"/>
+              <a:t>Circuit Breakers</a:t>
+            </a:r>
+            <a:endParaRPr lang="en-US" dirty="0"/>
+          </a:p>
+        </p:txBody>
+      </p:sp>
+      <p:sp>
+        <p:nvSpPr>
+          <p:cNvPr id="7" name="圓角矩形 6"/>
+          <p:cNvSpPr/>
+          <p:nvPr/>
+        </p:nvSpPr>
+        <p:spPr>
+          <a:xfrm>
+            <a:off x="1150569" y="2431571"/>
+            <a:ext cx="10040233" cy="712852"/>
+          </a:xfrm>
+          <a:prstGeom prst="roundRect">
+            <a:avLst/>
+          </a:prstGeom>
+        </p:spPr>
+        <p:style>
+          <a:lnRef idx="2">
+            <a:schemeClr val="accent1">
+              <a:shade val="50000"/>
+            </a:schemeClr>
+          </a:lnRef>
+          <a:fillRef idx="1">
+            <a:schemeClr val="accent1"/>
+          </a:fillRef>
+          <a:effectRef idx="0">
+            <a:schemeClr val="accent1"/>
+          </a:effectRef>
+          <a:fontRef idx="minor">
+            <a:schemeClr val="lt1"/>
+          </a:fontRef>
+        </p:style>
+        <p:txBody>
+          <a:bodyPr rtlCol="0" anchor="ctr"/>
+          <a:lstStyle/>
+          <a:p>
+            <a:pPr algn="ctr"/>
+            <a:r>
+              <a:rPr lang="en-US" dirty="0" smtClean="0"/>
+              <a:t>Do It (</a:t>
+            </a:r>
+            <a:r>
+              <a:rPr lang="en-US" dirty="0" err="1" smtClean="0"/>
+              <a:t>Diagnoistic</a:t>
+            </a:r>
+            <a:r>
+              <a:rPr lang="en-US" dirty="0" smtClean="0"/>
+              <a:t>) Yourself &amp; Report</a:t>
+            </a:r>
+            <a:endParaRPr lang="en-US" dirty="0"/>
+          </a:p>
+        </p:txBody>
+      </p:sp>
+    </p:spTree>
+    <p:extLst>
+      <p:ext uri="{BB962C8B-B14F-4D97-AF65-F5344CB8AC3E}">
+        <p14:creationId xmlns:p14="http://schemas.microsoft.com/office/powerpoint/2010/main" val="2244638358"/>
+      </p:ext>
+    </p:extLst>
+  </p:cSld>
+  <p:clrMapOvr>
+    <a:masterClrMapping/>
+  </p:clrMapOvr>
+  <p:timing>
+    <p:tnLst>
+      <p:par>
+        <p:cTn id="1" dur="indefinite" restart="never" nodeType="tmRoot">
+          <p:childTnLst>
+            <p:seq concurrent="1" nextAc="seek">
+              <p:cTn id="2" dur="indefinite" nodeType="mainSeq">
+                <p:childTnLst>
+                  <p:par>
+                    <p:cTn id="3" fill="hold">
+                      <p:stCondLst>
+                        <p:cond delay="indefinite"/>
+                      </p:stCondLst>
+                      <p:childTnLst>
+                        <p:par>
+                          <p:cTn id="4" fill="hold">
+                            <p:stCondLst>
+                              <p:cond delay="0"/>
+                            </p:stCondLst>
+                            <p:childTnLst>
+                              <p:par>
+                                <p:cTn id="5" presetID="10" presetClass="entr" presetSubtype="0" fill="hold" grpId="0" nodeType="clickEffect">
+                                  <p:stCondLst>
+                                    <p:cond delay="0"/>
+                                  </p:stCondLst>
+                                  <p:childTnLst>
+                                    <p:set>
+                                      <p:cBhvr>
+                                        <p:cTn id="6" dur="1" fill="hold">
+                                          <p:stCondLst>
+                                            <p:cond delay="0"/>
+                                          </p:stCondLst>
+                                        </p:cTn>
+                                        <p:tgtEl>
+                                          <p:spTgt spid="4"/>
+                                        </p:tgtEl>
+                                        <p:attrNameLst>
+                                          <p:attrName>style.visibility</p:attrName>
+                                        </p:attrNameLst>
+                                      </p:cBhvr>
+                                      <p:to>
+                                        <p:strVal val="visible"/>
+                                      </p:to>
+                                    </p:set>
+                                    <p:animEffect transition="in" filter="fade">
+                                      <p:cBhvr>
+                                        <p:cTn id="7" dur="500"/>
+                                        <p:tgtEl>
+                                          <p:spTgt spid="4"/>
+                                        </p:tgtEl>
+                                      </p:cBhvr>
+                                    </p:animEffect>
+                                  </p:childTnLst>
+                                </p:cTn>
+                              </p:par>
+                            </p:childTnLst>
+                          </p:cTn>
+                        </p:par>
+                      </p:childTnLst>
+                    </p:cTn>
+                  </p:par>
+                  <p:par>
+                    <p:cTn id="8" fill="hold">
+                      <p:stCondLst>
+                        <p:cond delay="indefinite"/>
+                      </p:stCondLst>
+                      <p:childTnLst>
+                        <p:par>
+                          <p:cTn id="9" fill="hold">
+                            <p:stCondLst>
+                              <p:cond delay="0"/>
+                            </p:stCondLst>
+                            <p:childTnLst>
+                              <p:par>
+                                <p:cTn id="10" presetID="10" presetClass="entr" presetSubtype="0" fill="hold" grpId="0" nodeType="clickEffect">
+                                  <p:stCondLst>
+                                    <p:cond delay="0"/>
+                                  </p:stCondLst>
+                                  <p:childTnLst>
+                                    <p:set>
+                                      <p:cBhvr>
+                                        <p:cTn id="11" dur="1" fill="hold">
+                                          <p:stCondLst>
+                                            <p:cond delay="0"/>
+                                          </p:stCondLst>
+                                        </p:cTn>
+                                        <p:tgtEl>
+                                          <p:spTgt spid="5"/>
+                                        </p:tgtEl>
+                                        <p:attrNameLst>
+                                          <p:attrName>style.visibility</p:attrName>
+                                        </p:attrNameLst>
+                                      </p:cBhvr>
+                                      <p:to>
+                                        <p:strVal val="visible"/>
+                                      </p:to>
+                                    </p:set>
+                                    <p:animEffect transition="in" filter="fade">
+                                      <p:cBhvr>
+                                        <p:cTn id="12" dur="500"/>
+                                        <p:tgtEl>
+                                          <p:spTgt spid="5"/>
+                                        </p:tgtEl>
+                                      </p:cBhvr>
+                                    </p:animEffect>
+                                  </p:childTnLst>
+                                </p:cTn>
+                              </p:par>
+                            </p:childTnLst>
+                          </p:cTn>
+                        </p:par>
+                      </p:childTnLst>
+                    </p:cTn>
+                  </p:par>
+                  <p:par>
+                    <p:cTn id="13" fill="hold">
+                      <p:stCondLst>
+                        <p:cond delay="indefinite"/>
+                      </p:stCondLst>
+                      <p:childTnLst>
+                        <p:par>
+                          <p:cTn id="14" fill="hold">
+                            <p:stCondLst>
+                              <p:cond delay="0"/>
+                            </p:stCondLst>
+                            <p:childTnLst>
+                              <p:par>
+                                <p:cTn id="15" presetID="10" presetClass="entr" presetSubtype="0" fill="hold" grpId="0" nodeType="clickEffect">
+                                  <p:stCondLst>
+                                    <p:cond delay="0"/>
+                                  </p:stCondLst>
+                                  <p:childTnLst>
+                                    <p:set>
+                                      <p:cBhvr>
+                                        <p:cTn id="16" dur="1" fill="hold">
+                                          <p:stCondLst>
+                                            <p:cond delay="0"/>
+                                          </p:stCondLst>
+                                        </p:cTn>
+                                        <p:tgtEl>
+                                          <p:spTgt spid="6"/>
+                                        </p:tgtEl>
+                                        <p:attrNameLst>
+                                          <p:attrName>style.visibility</p:attrName>
+                                        </p:attrNameLst>
+                                      </p:cBhvr>
+                                      <p:to>
+                                        <p:strVal val="visible"/>
+                                      </p:to>
+                                    </p:set>
+                                    <p:animEffect transition="in" filter="fade">
+                                      <p:cBhvr>
+                                        <p:cTn id="17" dur="500"/>
+                                        <p:tgtEl>
+                                          <p:spTgt spid="6"/>
+                                        </p:tgtEl>
+                                      </p:cBhvr>
+                                    </p:animEffect>
+                                  </p:childTnLst>
+                                </p:cTn>
+                              </p:par>
+                            </p:childTnLst>
+                          </p:cTn>
+                        </p:par>
+                      </p:childTnLst>
+                    </p:cTn>
+                  </p:par>
+                  <p:par>
+                    <p:cTn id="18" fill="hold">
+                      <p:stCondLst>
+                        <p:cond delay="indefinite"/>
+                      </p:stCondLst>
+                      <p:childTnLst>
+                        <p:par>
+                          <p:cTn id="19" fill="hold">
+                            <p:stCondLst>
+                              <p:cond delay="0"/>
+                            </p:stCondLst>
+                            <p:childTnLst>
+                              <p:par>
+                                <p:cTn id="20" presetID="10" presetClass="entr" presetSubtype="0" fill="hold" grpId="0" nodeType="clickEffect">
+                                  <p:stCondLst>
+                                    <p:cond delay="0"/>
+                                  </p:stCondLst>
+                                  <p:childTnLst>
+                                    <p:set>
+                                      <p:cBhvr>
+                                        <p:cTn id="21" dur="1" fill="hold">
+                                          <p:stCondLst>
+                                            <p:cond delay="0"/>
+                                          </p:stCondLst>
+                                        </p:cTn>
+                                        <p:tgtEl>
+                                          <p:spTgt spid="7"/>
+                                        </p:tgtEl>
+                                        <p:attrNameLst>
+                                          <p:attrName>style.visibility</p:attrName>
+                                        </p:attrNameLst>
+                                      </p:cBhvr>
+                                      <p:to>
+                                        <p:strVal val="visible"/>
+                                      </p:to>
+                                    </p:set>
+                                    <p:animEffect transition="in" filter="fade">
+                                      <p:cBhvr>
+                                        <p:cTn id="22" dur="500"/>
+                                        <p:tgtEl>
+                                          <p:spTgt spid="7"/>
+                                        </p:tgtEl>
+                                      </p:cBhvr>
+                                    </p:animEffect>
+                                  </p:childTnLst>
+                                </p:cTn>
+                              </p:par>
+                            </p:childTnLst>
+                          </p:cTn>
+                        </p:par>
+                      </p:childTnLst>
+                    </p:cTn>
+                  </p:par>
+                </p:childTnLst>
+              </p:cTn>
+              <p:prevCondLst>
+                <p:cond evt="onPrev" delay="0">
+                  <p:tgtEl>
+                    <p:sldTgt/>
+                  </p:tgtEl>
+                </p:cond>
+              </p:prevCondLst>
+              <p:nextCondLst>
+                <p:cond evt="onNext" delay="0">
+                  <p:tgtEl>
+                    <p:sldTgt/>
+                  </p:tgtEl>
+                </p:cond>
+              </p:nextCondLst>
+            </p:seq>
+          </p:childTnLst>
+        </p:cTn>
+      </p:par>
+    </p:tnLst>
+    <p:bldLst>
+      <p:bldP spid="4" grpId="0" animBg="1"/>
+      <p:bldP spid="5" grpId="0" animBg="1"/>
+      <p:bldP spid="6" grpId="0" animBg="1"/>
+      <p:bldP spid="7" grpId="0" animBg="1"/>
+    </p:bldLst>
+  </p:timing>
+</p:sld>
+</file>
+
+<file path=ppt/slides/slide8.xml><?xml version="1.0" encoding="utf-8"?>
+<p:sld xmlns:a="http://schemas.openxmlformats.org/drawingml/2006/main" xmlns:r="http://schemas.openxmlformats.org/officeDocument/2006/relationships" xmlns:p="http://schemas.openxmlformats.org/presentationml/2006/main">
+  <p:cSld>
+    <p:spTree>
+      <p:nvGrpSpPr>
+        <p:cNvPr id="1" name=""/>
+        <p:cNvGrpSpPr/>
+        <p:nvPr/>
+      </p:nvGrpSpPr>
+      <p:grpSpPr>
+        <a:xfrm>
+          <a:off x="0" y="0"/>
+          <a:ext cx="0" cy="0"/>
+          <a:chOff x="0" y="0"/>
+          <a:chExt cx="0" cy="0"/>
+        </a:xfrm>
+      </p:grpSpPr>
+      <p:sp>
+        <p:nvSpPr>
+          <p:cNvPr id="4" name="標題 3"/>
+          <p:cNvSpPr>
+            <a:spLocks noGrp="1"/>
+          </p:cNvSpPr>
+          <p:nvPr>
+            <p:ph type="title"/>
+          </p:nvPr>
+        </p:nvSpPr>
+        <p:spPr/>
+        <p:txBody>
+          <a:bodyPr/>
+          <a:lstStyle/>
+          <a:p>
+            <a:r>
+              <a:rPr lang="en-US" altLang="zh-TW" dirty="0" smtClean="0"/>
+              <a:t>RIP:</a:t>
+            </a:r>
+            <a:r>
+              <a:rPr lang="zh-TW" altLang="en-US" dirty="0" smtClean="0"/>
+              <a:t> 復興航空 </a:t>
+            </a:r>
+            <a:r>
+              <a:rPr lang="en-US" altLang="zh-TW" dirty="0" smtClean="0"/>
+              <a:t>235</a:t>
+            </a:r>
+            <a:r>
+              <a:rPr lang="zh-TW" altLang="en-US" dirty="0" smtClean="0"/>
+              <a:t> 班機</a:t>
+            </a:r>
+            <a:endParaRPr lang="en-US" dirty="0"/>
+          </a:p>
+        </p:txBody>
+      </p:sp>
+      <p:sp>
+        <p:nvSpPr>
+          <p:cNvPr id="5" name="文字版面配置區 4"/>
+          <p:cNvSpPr>
+            <a:spLocks noGrp="1"/>
+          </p:cNvSpPr>
+          <p:nvPr>
+            <p:ph type="body" idx="1"/>
+          </p:nvPr>
+        </p:nvSpPr>
+        <p:spPr/>
+        <p:txBody>
+          <a:bodyPr/>
+          <a:lstStyle/>
+          <a:p>
+            <a:endParaRPr lang="en-US"/>
+          </a:p>
+        </p:txBody>
+      </p:sp>
+    </p:spTree>
+    <p:extLst>
+      <p:ext uri="{BB962C8B-B14F-4D97-AF65-F5344CB8AC3E}">
+        <p14:creationId xmlns:p14="http://schemas.microsoft.com/office/powerpoint/2010/main" val="862971558"/>
+      </p:ext>
+    </p:extLst>
+  </p:cSld>
+  <p:clrMapOvr>
+    <a:masterClrMapping/>
+  </p:clrMapOvr>
+  <p:timing>
+    <p:tnLst>
+      <p:par>
+        <p:cTn id="1" dur="indefinite" restart="never" nodeType="tmRoot"/>
+      </p:par>
+    </p:tnLst>
+  </p:timing>
+</p:sld>
+</file>
+
+<file path=ppt/slides/slide9.xml><?xml version="1.0" encoding="utf-8"?>
+<p:sld xmlns:a="http://schemas.openxmlformats.org/drawingml/2006/main" xmlns:r="http://schemas.openxmlformats.org/officeDocument/2006/relationships" xmlns:p="http://schemas.openxmlformats.org/presentationml/2006/main">
+  <p:cSld>
+    <p:spTree>
+      <p:nvGrpSpPr>
+        <p:cNvPr id="1" name=""/>
+        <p:cNvGrpSpPr/>
+        <p:nvPr/>
+      </p:nvGrpSpPr>
+      <p:grpSpPr>
+        <a:xfrm>
+          <a:off x="0" y="0"/>
+          <a:ext cx="0" cy="0"/>
+          <a:chOff x="0" y="0"/>
+          <a:chExt cx="0" cy="0"/>
+        </a:xfrm>
+      </p:grpSpPr>
+      <p:pic>
+        <p:nvPicPr>
+          <p:cNvPr id="2" name="圖片 1"/>
+          <p:cNvPicPr>
+            <a:picLocks noChangeAspect="1"/>
+          </p:cNvPicPr>
+          <p:nvPr/>
+        </p:nvPicPr>
+        <p:blipFill>
+          <a:blip r:embed="rId2"/>
+          <a:stretch>
+            <a:fillRect/>
+          </a:stretch>
+        </p:blipFill>
+        <p:spPr>
+          <a:xfrm>
+            <a:off x="609276" y="850793"/>
+            <a:ext cx="11039856" cy="5171117"/>
+          </a:xfrm>
+          <a:prstGeom prst="rect">
+            <a:avLst/>
+          </a:prstGeom>
+        </p:spPr>
+      </p:pic>
+      <p:sp>
+        <p:nvSpPr>
+          <p:cNvPr id="3" name="橢圓 2"/>
+          <p:cNvSpPr/>
+          <p:nvPr/>
+        </p:nvSpPr>
+        <p:spPr>
+          <a:xfrm>
+            <a:off x="7234781" y="3216548"/>
+            <a:ext cx="308837" cy="314893"/>
+          </a:xfrm>
+          <a:prstGeom prst="ellipse">
+            <a:avLst/>
+          </a:prstGeom>
+          <a:solidFill>
+            <a:schemeClr val="accent5"/>
+          </a:solidFill>
+          <a:ln>
+            <a:noFill/>
+          </a:ln>
+        </p:spPr>
+        <p:style>
+          <a:lnRef idx="0">
+            <a:scrgbClr r="0" g="0" b="0"/>
+          </a:lnRef>
+          <a:fillRef idx="0">
+            <a:scrgbClr r="0" g="0" b="0"/>
+          </a:fillRef>
+          <a:effectRef idx="0">
+            <a:scrgbClr r="0" g="0" b="0"/>
+          </a:effectRef>
+          <a:fontRef idx="minor">
+            <a:schemeClr val="lt1"/>
+          </a:fontRef>
+        </p:style>
+        <p:txBody>
+          <a:bodyPr rtlCol="0" anchor="ctr"/>
+          <a:lstStyle/>
+          <a:p>
+            <a:pPr algn="ctr"/>
+            <a:r>
+              <a:rPr lang="en-US" altLang="zh-TW" dirty="0" smtClean="0"/>
+              <a:t>1</a:t>
+            </a:r>
+            <a:endParaRPr lang="en-US" dirty="0"/>
+          </a:p>
+        </p:txBody>
+      </p:sp>
+      <p:sp>
+        <p:nvSpPr>
+          <p:cNvPr id="10" name="橢圓 9"/>
+          <p:cNvSpPr/>
+          <p:nvPr/>
+        </p:nvSpPr>
+        <p:spPr>
+          <a:xfrm>
+            <a:off x="6214085" y="2744209"/>
+            <a:ext cx="308837" cy="314893"/>
+          </a:xfrm>
+          <a:prstGeom prst="ellipse">
+            <a:avLst/>
+          </a:prstGeom>
+          <a:solidFill>
+            <a:schemeClr val="accent5"/>
+          </a:solidFill>
+          <a:ln>
+            <a:noFill/>
+          </a:ln>
+        </p:spPr>
+        <p:style>
+          <a:lnRef idx="0">
+            <a:scrgbClr r="0" g="0" b="0"/>
+          </a:lnRef>
+          <a:fillRef idx="0">
+            <a:scrgbClr r="0" g="0" b="0"/>
+          </a:fillRef>
+          <a:effectRef idx="0">
+            <a:scrgbClr r="0" g="0" b="0"/>
+          </a:effectRef>
+          <a:fontRef idx="minor">
+            <a:schemeClr val="lt1"/>
+          </a:fontRef>
+        </p:style>
+        <p:txBody>
+          <a:bodyPr rtlCol="0" anchor="ctr"/>
+          <a:lstStyle/>
+          <a:p>
+            <a:pPr algn="ctr"/>
+            <a:r>
+              <a:rPr lang="en-US" altLang="zh-TW" dirty="0" smtClean="0"/>
+              <a:t>2</a:t>
+            </a:r>
+            <a:endParaRPr lang="en-US" dirty="0"/>
+          </a:p>
+        </p:txBody>
+      </p:sp>
+      <p:sp>
+        <p:nvSpPr>
+          <p:cNvPr id="11" name="橢圓 10"/>
+          <p:cNvSpPr/>
+          <p:nvPr/>
+        </p:nvSpPr>
+        <p:spPr>
+          <a:xfrm>
+            <a:off x="2647319" y="2586763"/>
+            <a:ext cx="308837" cy="314893"/>
+          </a:xfrm>
+          <a:prstGeom prst="ellipse">
+            <a:avLst/>
+          </a:prstGeom>
+          <a:solidFill>
+            <a:schemeClr val="accent5"/>
+          </a:solidFill>
+          <a:ln>
+            <a:noFill/>
+          </a:ln>
+        </p:spPr>
+        <p:style>
+          <a:lnRef idx="0">
+            <a:scrgbClr r="0" g="0" b="0"/>
+          </a:lnRef>
+          <a:fillRef idx="0">
+            <a:scrgbClr r="0" g="0" b="0"/>
+          </a:fillRef>
+          <a:effectRef idx="0">
+            <a:scrgbClr r="0" g="0" b="0"/>
+          </a:effectRef>
+          <a:fontRef idx="minor">
+            <a:schemeClr val="lt1"/>
+          </a:fontRef>
+        </p:style>
+        <p:txBody>
+          <a:bodyPr rtlCol="0" anchor="ctr"/>
+          <a:lstStyle/>
+          <a:p>
+            <a:pPr algn="ctr"/>
+            <a:r>
+              <a:rPr lang="en-US" altLang="zh-TW" dirty="0" smtClean="0"/>
+              <a:t>3</a:t>
+            </a:r>
+            <a:endParaRPr lang="en-US" dirty="0"/>
+          </a:p>
+        </p:txBody>
+      </p:sp>
+      <p:sp>
+        <p:nvSpPr>
+          <p:cNvPr id="12" name="橢圓 11"/>
+          <p:cNvSpPr/>
+          <p:nvPr/>
+        </p:nvSpPr>
+        <p:spPr>
+          <a:xfrm>
+            <a:off x="3822111" y="3531441"/>
+            <a:ext cx="308837" cy="314893"/>
+          </a:xfrm>
+          <a:prstGeom prst="ellipse">
+            <a:avLst/>
+          </a:prstGeom>
+          <a:solidFill>
+            <a:schemeClr val="accent5"/>
+          </a:solidFill>
+          <a:ln>
+            <a:noFill/>
+          </a:ln>
+        </p:spPr>
+        <p:style>
+          <a:lnRef idx="0">
+            <a:scrgbClr r="0" g="0" b="0"/>
+          </a:lnRef>
+          <a:fillRef idx="0">
+            <a:scrgbClr r="0" g="0" b="0"/>
+          </a:fillRef>
+          <a:effectRef idx="0">
+            <a:scrgbClr r="0" g="0" b="0"/>
+          </a:effectRef>
+          <a:fontRef idx="minor">
+            <a:schemeClr val="lt1"/>
+          </a:fontRef>
+        </p:style>
+        <p:txBody>
+          <a:bodyPr rtlCol="0" anchor="ctr"/>
+          <a:lstStyle/>
+          <a:p>
+            <a:pPr algn="ctr"/>
+            <a:r>
+              <a:rPr lang="en-US" altLang="zh-TW" dirty="0" smtClean="0"/>
+              <a:t>4</a:t>
+            </a:r>
+            <a:endParaRPr lang="en-US" dirty="0"/>
+          </a:p>
+        </p:txBody>
+      </p:sp>
+      <p:sp>
+        <p:nvSpPr>
+          <p:cNvPr id="13" name="文字方塊 12"/>
+          <p:cNvSpPr txBox="1"/>
+          <p:nvPr/>
+        </p:nvSpPr>
+        <p:spPr>
+          <a:xfrm>
+            <a:off x="672175" y="6194909"/>
+            <a:ext cx="4725781" cy="646331"/>
+          </a:xfrm>
+          <a:prstGeom prst="rect">
+            <a:avLst/>
+          </a:prstGeom>
+          <a:noFill/>
+        </p:spPr>
+        <p:txBody>
+          <a:bodyPr wrap="none" rtlCol="0">
+            <a:spAutoFit/>
+          </a:bodyPr>
+          <a:lstStyle/>
+          <a:p>
+            <a:r>
+              <a:rPr lang="en-US" dirty="0">
+                <a:hlinkClick r:id="rId3"/>
+              </a:rPr>
+              <a:t>https://</a:t>
+            </a:r>
+            <a:r>
+              <a:rPr lang="en-US" dirty="0" smtClean="0">
+                <a:hlinkClick r:id="rId3"/>
+              </a:rPr>
+              <a:t>www.youtube.com/watch?v=j5Zir5Ij1Mg</a:t>
+            </a:r>
+            <a:endParaRPr lang="en-US" dirty="0" smtClean="0"/>
+          </a:p>
+          <a:p>
+            <a:endParaRPr lang="en-US" dirty="0"/>
+          </a:p>
+        </p:txBody>
+      </p:sp>
+    </p:spTree>
+    <p:extLst>
+      <p:ext uri="{BB962C8B-B14F-4D97-AF65-F5344CB8AC3E}">
+        <p14:creationId xmlns:p14="http://schemas.microsoft.com/office/powerpoint/2010/main" val="2347725159"/>
+      </p:ext>
+    </p:extLst>
+  </p:cSld>
+  <p:clrMapOvr>
+    <a:masterClrMapping/>
+  </p:clrMapOvr>
+  <p:timing>
+    <p:tnLst>
+      <p:par>
+        <p:cTn id="1" dur="indefinite" restart="never" nodeType="tmRoot">
+          <p:childTnLst>
+            <p:seq concurrent="1" nextAc="seek">
+              <p:cTn id="2" dur="indefinite" nodeType="mainSeq">
+                <p:childTnLst>
+                  <p:par>
+                    <p:cTn id="3" fill="hold">
+                      <p:stCondLst>
+                        <p:cond delay="indefinite"/>
+                      </p:stCondLst>
+                      <p:childTnLst>
+                        <p:par>
+                          <p:cTn id="4" fill="hold">
+                            <p:stCondLst>
+                              <p:cond delay="0"/>
+                            </p:stCondLst>
+                            <p:childTnLst>
+                              <p:par>
+                                <p:cTn id="5" presetID="10" presetClass="entr" presetSubtype="0" fill="hold" grpId="0" nodeType="clickEffect">
+                                  <p:stCondLst>
+                                    <p:cond delay="0"/>
+                                  </p:stCondLst>
+                                  <p:childTnLst>
+                                    <p:set>
+                                      <p:cBhvr>
+                                        <p:cTn id="6" dur="1" fill="hold">
+                                          <p:stCondLst>
+                                            <p:cond delay="0"/>
+                                          </p:stCondLst>
+                                        </p:cTn>
+                                        <p:tgtEl>
+                                          <p:spTgt spid="3"/>
+                                        </p:tgtEl>
+                                        <p:attrNameLst>
+                                          <p:attrName>style.visibility</p:attrName>
+                                        </p:attrNameLst>
+                                      </p:cBhvr>
+                                      <p:to>
+                                        <p:strVal val="visible"/>
+                                      </p:to>
+                                    </p:set>
+                                    <p:animEffect transition="in" filter="fade">
+                                      <p:cBhvr>
+                                        <p:cTn id="7" dur="500"/>
+                                        <p:tgtEl>
+                                          <p:spTgt spid="3"/>
+                                        </p:tgtEl>
+                                      </p:cBhvr>
+                                    </p:animEffect>
+                                  </p:childTnLst>
+                                </p:cTn>
+                              </p:par>
+                            </p:childTnLst>
+                          </p:cTn>
+                        </p:par>
+                      </p:childTnLst>
+                    </p:cTn>
+                  </p:par>
+                  <p:par>
+                    <p:cTn id="8" fill="hold">
+                      <p:stCondLst>
+                        <p:cond delay="indefinite"/>
+                      </p:stCondLst>
+                      <p:childTnLst>
+                        <p:par>
+                          <p:cTn id="9" fill="hold">
+                            <p:stCondLst>
+                              <p:cond delay="0"/>
+                            </p:stCondLst>
+                            <p:childTnLst>
+                              <p:par>
+                                <p:cTn id="10" presetID="10" presetClass="entr" presetSubtype="0" fill="hold" grpId="0" nodeType="clickEffect">
+                                  <p:stCondLst>
+                                    <p:cond delay="0"/>
+                                  </p:stCondLst>
+                                  <p:childTnLst>
+                                    <p:set>
+                                      <p:cBhvr>
+                                        <p:cTn id="11" dur="1" fill="hold">
+                                          <p:stCondLst>
+                                            <p:cond delay="0"/>
+                                          </p:stCondLst>
+                                        </p:cTn>
+                                        <p:tgtEl>
+                                          <p:spTgt spid="10"/>
+                                        </p:tgtEl>
+                                        <p:attrNameLst>
+                                          <p:attrName>style.visibility</p:attrName>
+                                        </p:attrNameLst>
+                                      </p:cBhvr>
+                                      <p:to>
+                                        <p:strVal val="visible"/>
+                                      </p:to>
+                                    </p:set>
+                                    <p:animEffect transition="in" filter="fade">
+                                      <p:cBhvr>
+                                        <p:cTn id="12" dur="500"/>
+                                        <p:tgtEl>
+                                          <p:spTgt spid="10"/>
+                                        </p:tgtEl>
+                                      </p:cBhvr>
+                                    </p:animEffect>
+                                  </p:childTnLst>
+                                </p:cTn>
+                              </p:par>
+                            </p:childTnLst>
+                          </p:cTn>
+                        </p:par>
+                      </p:childTnLst>
+                    </p:cTn>
+                  </p:par>
+                  <p:par>
+                    <p:cTn id="13" fill="hold">
+                      <p:stCondLst>
+                        <p:cond delay="indefinite"/>
+                      </p:stCondLst>
+                      <p:childTnLst>
+                        <p:par>
+                          <p:cTn id="14" fill="hold">
+                            <p:stCondLst>
+                              <p:cond delay="0"/>
+                            </p:stCondLst>
+                            <p:childTnLst>
+                              <p:par>
+                                <p:cTn id="15" presetID="10" presetClass="entr" presetSubtype="0" fill="hold" grpId="0" nodeType="clickEffect">
+                                  <p:stCondLst>
+                                    <p:cond delay="0"/>
+                                  </p:stCondLst>
+                                  <p:childTnLst>
+                                    <p:set>
+                                      <p:cBhvr>
+                                        <p:cTn id="16" dur="1" fill="hold">
+                                          <p:stCondLst>
+                                            <p:cond delay="0"/>
+                                          </p:stCondLst>
+                                        </p:cTn>
+                                        <p:tgtEl>
+                                          <p:spTgt spid="11"/>
+                                        </p:tgtEl>
+                                        <p:attrNameLst>
+                                          <p:attrName>style.visibility</p:attrName>
+                                        </p:attrNameLst>
+                                      </p:cBhvr>
+                                      <p:to>
+                                        <p:strVal val="visible"/>
+                                      </p:to>
+                                    </p:set>
+                                    <p:animEffect transition="in" filter="fade">
+                                      <p:cBhvr>
+                                        <p:cTn id="17" dur="500"/>
+                                        <p:tgtEl>
+                                          <p:spTgt spid="11"/>
+                                        </p:tgtEl>
+                                      </p:cBhvr>
+                                    </p:animEffect>
+                                  </p:childTnLst>
+                                </p:cTn>
+                              </p:par>
+                            </p:childTnLst>
+                          </p:cTn>
+                        </p:par>
+                      </p:childTnLst>
+                    </p:cTn>
+                  </p:par>
+                  <p:par>
+                    <p:cTn id="18" fill="hold">
+                      <p:stCondLst>
+                        <p:cond delay="indefinite"/>
+                      </p:stCondLst>
+                      <p:childTnLst>
+                        <p:par>
+                          <p:cTn id="19" fill="hold">
+                            <p:stCondLst>
+                              <p:cond delay="0"/>
+                            </p:stCondLst>
+                            <p:childTnLst>
+                              <p:par>
+                                <p:cTn id="20" presetID="10" presetClass="entr" presetSubtype="0" fill="hold" grpId="0" nodeType="clickEffect">
+                                  <p:stCondLst>
+                                    <p:cond delay="0"/>
+                                  </p:stCondLst>
+                                  <p:childTnLst>
+                                    <p:set>
+                                      <p:cBhvr>
+                                        <p:cTn id="21" dur="1" fill="hold">
+                                          <p:stCondLst>
+                                            <p:cond delay="0"/>
+                                          </p:stCondLst>
+                                        </p:cTn>
+                                        <p:tgtEl>
+                                          <p:spTgt spid="12"/>
+                                        </p:tgtEl>
+                                        <p:attrNameLst>
+                                          <p:attrName>style.visibility</p:attrName>
+                                        </p:attrNameLst>
+                                      </p:cBhvr>
+                                      <p:to>
+                                        <p:strVal val="visible"/>
+                                      </p:to>
+                                    </p:set>
+                                    <p:animEffect transition="in" filter="fade">
+                                      <p:cBhvr>
+                                        <p:cTn id="22" dur="500"/>
+                                        <p:tgtEl>
+                                          <p:spTgt spid="12"/>
+                                        </p:tgtEl>
+                                      </p:cBhvr>
+                                    </p:animEffect>
+                                  </p:childTnLst>
+                                </p:cTn>
+                              </p:par>
+                            </p:childTnLst>
+                          </p:cTn>
+                        </p:par>
+                      </p:childTnLst>
+                    </p:cTn>
+                  </p:par>
+                </p:childTnLst>
+              </p:cTn>
+              <p:prevCondLst>
+                <p:cond evt="onPrev" delay="0">
+                  <p:tgtEl>
+                    <p:sldTgt/>
+                  </p:tgtEl>
+                </p:cond>
+              </p:prevCondLst>
+              <p:nextCondLst>
+                <p:cond evt="onNext" delay="0">
+                  <p:tgtEl>
+                    <p:sldTgt/>
+                  </p:tgtEl>
+                </p:cond>
+              </p:nextCondLst>
+            </p:seq>
+          </p:childTnLst>
+        </p:cTn>
+      </p:par>
+    </p:tnLst>
+    <p:bldLst>
+      <p:bldP spid="3" grpId="0" animBg="1"/>
+      <p:bldP spid="10" grpId="0" animBg="1"/>
+      <p:bldP spid="11" grpId="0" animBg="1"/>
+      <p:bldP spid="12" grpId="0" animBg="1"/>
+    </p:bldLst>
+  </p:timing>
 </p:sld>
 </file>
 

--- a/20180526.DevOps.MonitorTools/Consul_Andrew.pptx
+++ b/20180526.DevOps.MonitorTools/Consul_Andrew.pptx
@@ -9,13 +9,20 @@
     <p:sldId id="258" r:id="rId3"/>
     <p:sldId id="263" r:id="rId4"/>
     <p:sldId id="269" r:id="rId5"/>
-    <p:sldId id="268" r:id="rId6"/>
-    <p:sldId id="264" r:id="rId7"/>
-    <p:sldId id="272" r:id="rId8"/>
-    <p:sldId id="267" r:id="rId9"/>
-    <p:sldId id="265" r:id="rId10"/>
-    <p:sldId id="270" r:id="rId11"/>
-    <p:sldId id="262" r:id="rId12"/>
+    <p:sldId id="273" r:id="rId6"/>
+    <p:sldId id="277" r:id="rId7"/>
+    <p:sldId id="264" r:id="rId8"/>
+    <p:sldId id="268" r:id="rId9"/>
+    <p:sldId id="275" r:id="rId10"/>
+    <p:sldId id="276" r:id="rId11"/>
+    <p:sldId id="279" r:id="rId12"/>
+    <p:sldId id="278" r:id="rId13"/>
+    <p:sldId id="280" r:id="rId14"/>
+    <p:sldId id="272" r:id="rId15"/>
+    <p:sldId id="267" r:id="rId16"/>
+    <p:sldId id="265" r:id="rId17"/>
+    <p:sldId id="270" r:id="rId18"/>
+    <p:sldId id="262" r:id="rId19"/>
   </p:sldIdLst>
   <p:sldSz cx="12192000" cy="6858000"/>
   <p:notesSz cx="6858000" cy="9144000"/>
@@ -284,7 +291,7 @@
           <a:p>
             <a:fld id="{79FBDEAA-46ED-4A68-A55F-F830455D2CE7}" type="datetimeFigureOut">
               <a:rPr lang="zh-TW" altLang="en-US" smtClean="0"/>
-              <a:t>2018/5/23</a:t>
+              <a:t>2018/5/25</a:t>
             </a:fld>
             <a:endParaRPr lang="zh-TW" altLang="en-US"/>
           </a:p>
@@ -482,7 +489,7 @@
           <a:p>
             <a:fld id="{79FBDEAA-46ED-4A68-A55F-F830455D2CE7}" type="datetimeFigureOut">
               <a:rPr lang="zh-TW" altLang="en-US" smtClean="0"/>
-              <a:t>2018/5/23</a:t>
+              <a:t>2018/5/25</a:t>
             </a:fld>
             <a:endParaRPr lang="zh-TW" altLang="en-US"/>
           </a:p>
@@ -690,7 +697,7 @@
           <a:p>
             <a:fld id="{79FBDEAA-46ED-4A68-A55F-F830455D2CE7}" type="datetimeFigureOut">
               <a:rPr lang="zh-TW" altLang="en-US" smtClean="0"/>
-              <a:t>2018/5/23</a:t>
+              <a:t>2018/5/25</a:t>
             </a:fld>
             <a:endParaRPr lang="zh-TW" altLang="en-US"/>
           </a:p>
@@ -888,7 +895,7 @@
           <a:p>
             <a:fld id="{79FBDEAA-46ED-4A68-A55F-F830455D2CE7}" type="datetimeFigureOut">
               <a:rPr lang="zh-TW" altLang="en-US" smtClean="0"/>
-              <a:t>2018/5/23</a:t>
+              <a:t>2018/5/25</a:t>
             </a:fld>
             <a:endParaRPr lang="zh-TW" altLang="en-US"/>
           </a:p>
@@ -1163,7 +1170,7 @@
           <a:p>
             <a:fld id="{79FBDEAA-46ED-4A68-A55F-F830455D2CE7}" type="datetimeFigureOut">
               <a:rPr lang="zh-TW" altLang="en-US" smtClean="0"/>
-              <a:t>2018/5/23</a:t>
+              <a:t>2018/5/25</a:t>
             </a:fld>
             <a:endParaRPr lang="zh-TW" altLang="en-US"/>
           </a:p>
@@ -1428,7 +1435,7 @@
           <a:p>
             <a:fld id="{79FBDEAA-46ED-4A68-A55F-F830455D2CE7}" type="datetimeFigureOut">
               <a:rPr lang="zh-TW" altLang="en-US" smtClean="0"/>
-              <a:t>2018/5/23</a:t>
+              <a:t>2018/5/25</a:t>
             </a:fld>
             <a:endParaRPr lang="zh-TW" altLang="en-US"/>
           </a:p>
@@ -1840,7 +1847,7 @@
           <a:p>
             <a:fld id="{79FBDEAA-46ED-4A68-A55F-F830455D2CE7}" type="datetimeFigureOut">
               <a:rPr lang="zh-TW" altLang="en-US" smtClean="0"/>
-              <a:t>2018/5/23</a:t>
+              <a:t>2018/5/25</a:t>
             </a:fld>
             <a:endParaRPr lang="zh-TW" altLang="en-US"/>
           </a:p>
@@ -1981,7 +1988,7 @@
           <a:p>
             <a:fld id="{79FBDEAA-46ED-4A68-A55F-F830455D2CE7}" type="datetimeFigureOut">
               <a:rPr lang="zh-TW" altLang="en-US" smtClean="0"/>
-              <a:t>2018/5/23</a:t>
+              <a:t>2018/5/25</a:t>
             </a:fld>
             <a:endParaRPr lang="zh-TW" altLang="en-US"/>
           </a:p>
@@ -2094,7 +2101,7 @@
           <a:p>
             <a:fld id="{79FBDEAA-46ED-4A68-A55F-F830455D2CE7}" type="datetimeFigureOut">
               <a:rPr lang="zh-TW" altLang="en-US" smtClean="0"/>
-              <a:t>2018/5/23</a:t>
+              <a:t>2018/5/25</a:t>
             </a:fld>
             <a:endParaRPr lang="zh-TW" altLang="en-US"/>
           </a:p>
@@ -2405,7 +2412,7 @@
           <a:p>
             <a:fld id="{79FBDEAA-46ED-4A68-A55F-F830455D2CE7}" type="datetimeFigureOut">
               <a:rPr lang="zh-TW" altLang="en-US" smtClean="0"/>
-              <a:t>2018/5/23</a:t>
+              <a:t>2018/5/25</a:t>
             </a:fld>
             <a:endParaRPr lang="zh-TW" altLang="en-US"/>
           </a:p>
@@ -2693,7 +2700,7 @@
           <a:p>
             <a:fld id="{79FBDEAA-46ED-4A68-A55F-F830455D2CE7}" type="datetimeFigureOut">
               <a:rPr lang="zh-TW" altLang="en-US" smtClean="0"/>
-              <a:t>2018/5/23</a:t>
+              <a:t>2018/5/25</a:t>
             </a:fld>
             <a:endParaRPr lang="zh-TW" altLang="en-US"/>
           </a:p>
@@ -2934,7 +2941,7 @@
           <a:p>
             <a:fld id="{79FBDEAA-46ED-4A68-A55F-F830455D2CE7}" type="datetimeFigureOut">
               <a:rPr lang="zh-TW" altLang="en-US" smtClean="0"/>
-              <a:t>2018/5/23</a:t>
+              <a:t>2018/5/25</a:t>
             </a:fld>
             <a:endParaRPr lang="zh-TW" altLang="en-US"/>
           </a:p>
@@ -3602,6 +3609,2066 @@
           <a:chExt cx="0" cy="0"/>
         </a:xfrm>
       </p:grpSpPr>
+      <p:sp>
+        <p:nvSpPr>
+          <p:cNvPr id="6" name="標題 5"/>
+          <p:cNvSpPr>
+            <a:spLocks noGrp="1"/>
+          </p:cNvSpPr>
+          <p:nvPr>
+            <p:ph type="title"/>
+          </p:nvPr>
+        </p:nvSpPr>
+        <p:spPr/>
+        <p:txBody>
+          <a:bodyPr/>
+          <a:lstStyle/>
+          <a:p>
+            <a:r>
+              <a:rPr lang="en-US" dirty="0" smtClean="0"/>
+              <a:t>Integration: Consul-Template</a:t>
+            </a:r>
+            <a:endParaRPr lang="en-US" dirty="0"/>
+          </a:p>
+        </p:txBody>
+      </p:sp>
+      <p:sp>
+        <p:nvSpPr>
+          <p:cNvPr id="8" name="文字方塊 7"/>
+          <p:cNvSpPr txBox="1"/>
+          <p:nvPr/>
+        </p:nvSpPr>
+        <p:spPr>
+          <a:xfrm>
+            <a:off x="137459" y="6488668"/>
+            <a:ext cx="6082563" cy="369332"/>
+          </a:xfrm>
+          <a:prstGeom prst="rect">
+            <a:avLst/>
+          </a:prstGeom>
+          <a:noFill/>
+        </p:spPr>
+        <p:txBody>
+          <a:bodyPr wrap="none" rtlCol="0">
+            <a:spAutoFit/>
+          </a:bodyPr>
+          <a:lstStyle/>
+          <a:p>
+            <a:r>
+              <a:rPr lang="en-US" dirty="0"/>
+              <a:t>https://www.hashicorp.com/blog/introducing-consul-template</a:t>
+            </a:r>
+          </a:p>
+        </p:txBody>
+      </p:sp>
+      <p:pic>
+        <p:nvPicPr>
+          <p:cNvPr id="9" name="圖片 8"/>
+          <p:cNvPicPr>
+            <a:picLocks noChangeAspect="1"/>
+          </p:cNvPicPr>
+          <p:nvPr/>
+        </p:nvPicPr>
+        <p:blipFill>
+          <a:blip r:embed="rId2"/>
+          <a:stretch>
+            <a:fillRect/>
+          </a:stretch>
+        </p:blipFill>
+        <p:spPr>
+          <a:xfrm>
+            <a:off x="221876" y="1268183"/>
+            <a:ext cx="6094879" cy="5167397"/>
+          </a:xfrm>
+          <a:prstGeom prst="rect">
+            <a:avLst/>
+          </a:prstGeom>
+        </p:spPr>
+      </p:pic>
+      <p:pic>
+        <p:nvPicPr>
+          <p:cNvPr id="11" name="圖片 10"/>
+          <p:cNvPicPr>
+            <a:picLocks noChangeAspect="1"/>
+          </p:cNvPicPr>
+          <p:nvPr/>
+        </p:nvPicPr>
+        <p:blipFill>
+          <a:blip r:embed="rId3"/>
+          <a:stretch>
+            <a:fillRect/>
+          </a:stretch>
+        </p:blipFill>
+        <p:spPr>
+          <a:xfrm>
+            <a:off x="6623860" y="1268183"/>
+            <a:ext cx="8280056" cy="6250547"/>
+          </a:xfrm>
+          <a:prstGeom prst="rect">
+            <a:avLst/>
+          </a:prstGeom>
+        </p:spPr>
+      </p:pic>
+      <p:pic>
+        <p:nvPicPr>
+          <p:cNvPr id="1026" name="Picture 2" descr="Introducing Consul Template"/>
+          <p:cNvPicPr>
+            <a:picLocks noChangeAspect="1" noChangeArrowheads="1"/>
+          </p:cNvPicPr>
+          <p:nvPr/>
+        </p:nvPicPr>
+        <p:blipFill>
+          <a:blip r:embed="rId4">
+            <a:extLst>
+              <a:ext uri="{28A0092B-C50C-407E-A947-70E740481C1C}">
+                <a14:useLocalDpi xmlns:a14="http://schemas.microsoft.com/office/drawing/2010/main" val="0"/>
+              </a:ext>
+            </a:extLst>
+          </a:blip>
+          <a:srcRect/>
+          <a:stretch>
+            <a:fillRect/>
+          </a:stretch>
+        </p:blipFill>
+        <p:spPr bwMode="auto">
+          <a:xfrm>
+            <a:off x="9094485" y="5370577"/>
+            <a:ext cx="2599671" cy="1213180"/>
+          </a:xfrm>
+          <a:prstGeom prst="rect">
+            <a:avLst/>
+          </a:prstGeom>
+          <a:noFill/>
+          <a:extLst>
+            <a:ext uri="{909E8E84-426E-40DD-AFC4-6F175D3DCCD1}">
+              <a14:hiddenFill xmlns:a14="http://schemas.microsoft.com/office/drawing/2010/main">
+                <a:solidFill>
+                  <a:srgbClr val="FFFFFF"/>
+                </a:solidFill>
+              </a14:hiddenFill>
+            </a:ext>
+          </a:extLst>
+        </p:spPr>
+      </p:pic>
+    </p:spTree>
+    <p:extLst>
+      <p:ext uri="{BB962C8B-B14F-4D97-AF65-F5344CB8AC3E}">
+        <p14:creationId xmlns:p14="http://schemas.microsoft.com/office/powerpoint/2010/main" val="3070753960"/>
+      </p:ext>
+    </p:extLst>
+  </p:cSld>
+  <p:clrMapOvr>
+    <a:masterClrMapping/>
+  </p:clrMapOvr>
+  <p:timing>
+    <p:tnLst>
+      <p:par>
+        <p:cTn id="1" dur="indefinite" restart="never" nodeType="tmRoot">
+          <p:childTnLst>
+            <p:seq concurrent="1" nextAc="seek">
+              <p:cTn id="2" dur="indefinite" nodeType="mainSeq">
+                <p:childTnLst>
+                  <p:par>
+                    <p:cTn id="3" fill="hold">
+                      <p:stCondLst>
+                        <p:cond delay="indefinite"/>
+                      </p:stCondLst>
+                      <p:childTnLst>
+                        <p:par>
+                          <p:cTn id="4" fill="hold">
+                            <p:stCondLst>
+                              <p:cond delay="0"/>
+                            </p:stCondLst>
+                            <p:childTnLst>
+                              <p:par>
+                                <p:cTn id="5" presetID="10" presetClass="entr" presetSubtype="0" fill="hold" nodeType="clickEffect">
+                                  <p:stCondLst>
+                                    <p:cond delay="0"/>
+                                  </p:stCondLst>
+                                  <p:childTnLst>
+                                    <p:set>
+                                      <p:cBhvr>
+                                        <p:cTn id="6" dur="1" fill="hold">
+                                          <p:stCondLst>
+                                            <p:cond delay="0"/>
+                                          </p:stCondLst>
+                                        </p:cTn>
+                                        <p:tgtEl>
+                                          <p:spTgt spid="9"/>
+                                        </p:tgtEl>
+                                        <p:attrNameLst>
+                                          <p:attrName>style.visibility</p:attrName>
+                                        </p:attrNameLst>
+                                      </p:cBhvr>
+                                      <p:to>
+                                        <p:strVal val="visible"/>
+                                      </p:to>
+                                    </p:set>
+                                    <p:animEffect transition="in" filter="fade">
+                                      <p:cBhvr>
+                                        <p:cTn id="7" dur="500"/>
+                                        <p:tgtEl>
+                                          <p:spTgt spid="9"/>
+                                        </p:tgtEl>
+                                      </p:cBhvr>
+                                    </p:animEffect>
+                                  </p:childTnLst>
+                                </p:cTn>
+                              </p:par>
+                            </p:childTnLst>
+                          </p:cTn>
+                        </p:par>
+                      </p:childTnLst>
+                    </p:cTn>
+                  </p:par>
+                  <p:par>
+                    <p:cTn id="8" fill="hold">
+                      <p:stCondLst>
+                        <p:cond delay="indefinite"/>
+                      </p:stCondLst>
+                      <p:childTnLst>
+                        <p:par>
+                          <p:cTn id="9" fill="hold">
+                            <p:stCondLst>
+                              <p:cond delay="0"/>
+                            </p:stCondLst>
+                            <p:childTnLst>
+                              <p:par>
+                                <p:cTn id="10" presetID="10" presetClass="entr" presetSubtype="0" fill="hold" nodeType="clickEffect">
+                                  <p:stCondLst>
+                                    <p:cond delay="0"/>
+                                  </p:stCondLst>
+                                  <p:childTnLst>
+                                    <p:set>
+                                      <p:cBhvr>
+                                        <p:cTn id="11" dur="1" fill="hold">
+                                          <p:stCondLst>
+                                            <p:cond delay="0"/>
+                                          </p:stCondLst>
+                                        </p:cTn>
+                                        <p:tgtEl>
+                                          <p:spTgt spid="11"/>
+                                        </p:tgtEl>
+                                        <p:attrNameLst>
+                                          <p:attrName>style.visibility</p:attrName>
+                                        </p:attrNameLst>
+                                      </p:cBhvr>
+                                      <p:to>
+                                        <p:strVal val="visible"/>
+                                      </p:to>
+                                    </p:set>
+                                    <p:animEffect transition="in" filter="fade">
+                                      <p:cBhvr>
+                                        <p:cTn id="12" dur="500"/>
+                                        <p:tgtEl>
+                                          <p:spTgt spid="11"/>
+                                        </p:tgtEl>
+                                      </p:cBhvr>
+                                    </p:animEffect>
+                                  </p:childTnLst>
+                                </p:cTn>
+                              </p:par>
+                            </p:childTnLst>
+                          </p:cTn>
+                        </p:par>
+                      </p:childTnLst>
+                    </p:cTn>
+                  </p:par>
+                </p:childTnLst>
+              </p:cTn>
+              <p:prevCondLst>
+                <p:cond evt="onPrev" delay="0">
+                  <p:tgtEl>
+                    <p:sldTgt/>
+                  </p:tgtEl>
+                </p:cond>
+              </p:prevCondLst>
+              <p:nextCondLst>
+                <p:cond evt="onNext" delay="0">
+                  <p:tgtEl>
+                    <p:sldTgt/>
+                  </p:tgtEl>
+                </p:cond>
+              </p:nextCondLst>
+            </p:seq>
+          </p:childTnLst>
+        </p:cTn>
+      </p:par>
+    </p:tnLst>
+  </p:timing>
+</p:sld>
+</file>
+
+<file path=ppt/slides/slide11.xml><?xml version="1.0" encoding="utf-8"?>
+<p:sld xmlns:a="http://schemas.openxmlformats.org/drawingml/2006/main" xmlns:r="http://schemas.openxmlformats.org/officeDocument/2006/relationships" xmlns:p="http://schemas.openxmlformats.org/presentationml/2006/main">
+  <p:cSld>
+    <p:spTree>
+      <p:nvGrpSpPr>
+        <p:cNvPr id="1" name=""/>
+        <p:cNvGrpSpPr/>
+        <p:nvPr/>
+      </p:nvGrpSpPr>
+      <p:grpSpPr>
+        <a:xfrm>
+          <a:off x="0" y="0"/>
+          <a:ext cx="0" cy="0"/>
+          <a:chOff x="0" y="0"/>
+          <a:chExt cx="0" cy="0"/>
+        </a:xfrm>
+      </p:grpSpPr>
+      <p:sp>
+        <p:nvSpPr>
+          <p:cNvPr id="2" name="標題 1"/>
+          <p:cNvSpPr>
+            <a:spLocks noGrp="1"/>
+          </p:cNvSpPr>
+          <p:nvPr>
+            <p:ph type="title"/>
+          </p:nvPr>
+        </p:nvSpPr>
+        <p:spPr/>
+        <p:txBody>
+          <a:bodyPr/>
+          <a:lstStyle/>
+          <a:p>
+            <a:endParaRPr lang="en-US"/>
+          </a:p>
+        </p:txBody>
+      </p:sp>
+      <p:sp>
+        <p:nvSpPr>
+          <p:cNvPr id="3" name="內容版面配置區 2"/>
+          <p:cNvSpPr>
+            <a:spLocks noGrp="1"/>
+          </p:cNvSpPr>
+          <p:nvPr>
+            <p:ph idx="1"/>
+          </p:nvPr>
+        </p:nvSpPr>
+        <p:spPr/>
+        <p:txBody>
+          <a:bodyPr/>
+          <a:lstStyle/>
+          <a:p>
+            <a:endParaRPr lang="en-US"/>
+          </a:p>
+        </p:txBody>
+      </p:sp>
+      <p:sp>
+        <p:nvSpPr>
+          <p:cNvPr id="4" name="文字方塊 3"/>
+          <p:cNvSpPr txBox="1"/>
+          <p:nvPr/>
+        </p:nvSpPr>
+        <p:spPr>
+          <a:xfrm>
+            <a:off x="248281" y="6370522"/>
+            <a:ext cx="5080430" cy="369332"/>
+          </a:xfrm>
+          <a:prstGeom prst="rect">
+            <a:avLst/>
+          </a:prstGeom>
+          <a:noFill/>
+        </p:spPr>
+        <p:txBody>
+          <a:bodyPr wrap="none" rtlCol="0">
+            <a:spAutoFit/>
+          </a:bodyPr>
+          <a:lstStyle/>
+          <a:p>
+            <a:r>
+              <a:rPr lang="en-US" dirty="0"/>
+              <a:t>https://www.consul.io/api/agent.html#view-metrics</a:t>
+            </a:r>
+          </a:p>
+        </p:txBody>
+      </p:sp>
+      <p:pic>
+        <p:nvPicPr>
+          <p:cNvPr id="5" name="圖片 4"/>
+          <p:cNvPicPr>
+            <a:picLocks noChangeAspect="1"/>
+          </p:cNvPicPr>
+          <p:nvPr/>
+        </p:nvPicPr>
+        <p:blipFill>
+          <a:blip r:embed="rId2"/>
+          <a:stretch>
+            <a:fillRect/>
+          </a:stretch>
+        </p:blipFill>
+        <p:spPr>
+          <a:xfrm>
+            <a:off x="133224" y="230217"/>
+            <a:ext cx="8900322" cy="6194805"/>
+          </a:xfrm>
+          <a:prstGeom prst="rect">
+            <a:avLst/>
+          </a:prstGeom>
+        </p:spPr>
+      </p:pic>
+      <p:pic>
+        <p:nvPicPr>
+          <p:cNvPr id="6" name="圖片 5"/>
+          <p:cNvPicPr>
+            <a:picLocks noChangeAspect="1"/>
+          </p:cNvPicPr>
+          <p:nvPr/>
+        </p:nvPicPr>
+        <p:blipFill>
+          <a:blip r:embed="rId3"/>
+          <a:stretch>
+            <a:fillRect/>
+          </a:stretch>
+        </p:blipFill>
+        <p:spPr>
+          <a:xfrm>
+            <a:off x="6510178" y="121995"/>
+            <a:ext cx="5276850" cy="12306300"/>
+          </a:xfrm>
+          <a:prstGeom prst="rect">
+            <a:avLst/>
+          </a:prstGeom>
+        </p:spPr>
+      </p:pic>
+    </p:spTree>
+    <p:extLst>
+      <p:ext uri="{BB962C8B-B14F-4D97-AF65-F5344CB8AC3E}">
+        <p14:creationId xmlns:p14="http://schemas.microsoft.com/office/powerpoint/2010/main" val="130980789"/>
+      </p:ext>
+    </p:extLst>
+  </p:cSld>
+  <p:clrMapOvr>
+    <a:masterClrMapping/>
+  </p:clrMapOvr>
+  <p:timing>
+    <p:tnLst>
+      <p:par>
+        <p:cTn id="1" dur="indefinite" restart="never" nodeType="tmRoot">
+          <p:childTnLst>
+            <p:seq concurrent="1" nextAc="seek">
+              <p:cTn id="2" dur="indefinite" nodeType="mainSeq">
+                <p:childTnLst>
+                  <p:par>
+                    <p:cTn id="3" fill="hold">
+                      <p:stCondLst>
+                        <p:cond delay="indefinite"/>
+                      </p:stCondLst>
+                      <p:childTnLst>
+                        <p:par>
+                          <p:cTn id="4" fill="hold">
+                            <p:stCondLst>
+                              <p:cond delay="0"/>
+                            </p:stCondLst>
+                            <p:childTnLst>
+                              <p:par>
+                                <p:cTn id="5" presetID="10" presetClass="entr" presetSubtype="0" fill="hold" nodeType="clickEffect">
+                                  <p:stCondLst>
+                                    <p:cond delay="0"/>
+                                  </p:stCondLst>
+                                  <p:childTnLst>
+                                    <p:set>
+                                      <p:cBhvr>
+                                        <p:cTn id="6" dur="1" fill="hold">
+                                          <p:stCondLst>
+                                            <p:cond delay="0"/>
+                                          </p:stCondLst>
+                                        </p:cTn>
+                                        <p:tgtEl>
+                                          <p:spTgt spid="6"/>
+                                        </p:tgtEl>
+                                        <p:attrNameLst>
+                                          <p:attrName>style.visibility</p:attrName>
+                                        </p:attrNameLst>
+                                      </p:cBhvr>
+                                      <p:to>
+                                        <p:strVal val="visible"/>
+                                      </p:to>
+                                    </p:set>
+                                    <p:animEffect transition="in" filter="fade">
+                                      <p:cBhvr>
+                                        <p:cTn id="7" dur="500"/>
+                                        <p:tgtEl>
+                                          <p:spTgt spid="6"/>
+                                        </p:tgtEl>
+                                      </p:cBhvr>
+                                    </p:animEffect>
+                                  </p:childTnLst>
+                                </p:cTn>
+                              </p:par>
+                            </p:childTnLst>
+                          </p:cTn>
+                        </p:par>
+                      </p:childTnLst>
+                    </p:cTn>
+                  </p:par>
+                </p:childTnLst>
+              </p:cTn>
+              <p:prevCondLst>
+                <p:cond evt="onPrev" delay="0">
+                  <p:tgtEl>
+                    <p:sldTgt/>
+                  </p:tgtEl>
+                </p:cond>
+              </p:prevCondLst>
+              <p:nextCondLst>
+                <p:cond evt="onNext" delay="0">
+                  <p:tgtEl>
+                    <p:sldTgt/>
+                  </p:tgtEl>
+                </p:cond>
+              </p:nextCondLst>
+            </p:seq>
+          </p:childTnLst>
+        </p:cTn>
+      </p:par>
+    </p:tnLst>
+  </p:timing>
+</p:sld>
+</file>
+
+<file path=ppt/slides/slide12.xml><?xml version="1.0" encoding="utf-8"?>
+<p:sld xmlns:a="http://schemas.openxmlformats.org/drawingml/2006/main" xmlns:r="http://schemas.openxmlformats.org/officeDocument/2006/relationships" xmlns:p="http://schemas.openxmlformats.org/presentationml/2006/main">
+  <p:cSld>
+    <p:spTree>
+      <p:nvGrpSpPr>
+        <p:cNvPr id="1" name=""/>
+        <p:cNvGrpSpPr/>
+        <p:nvPr/>
+      </p:nvGrpSpPr>
+      <p:grpSpPr>
+        <a:xfrm>
+          <a:off x="0" y="0"/>
+          <a:ext cx="0" cy="0"/>
+          <a:chOff x="0" y="0"/>
+          <a:chExt cx="0" cy="0"/>
+        </a:xfrm>
+      </p:grpSpPr>
+      <p:sp>
+        <p:nvSpPr>
+          <p:cNvPr id="2" name="標題 1"/>
+          <p:cNvSpPr>
+            <a:spLocks noGrp="1"/>
+          </p:cNvSpPr>
+          <p:nvPr>
+            <p:ph type="title"/>
+          </p:nvPr>
+        </p:nvSpPr>
+        <p:spPr/>
+        <p:txBody>
+          <a:bodyPr/>
+          <a:lstStyle/>
+          <a:p>
+            <a:r>
+              <a:rPr lang="en-US" dirty="0"/>
+              <a:t>Monitor Consul health and </a:t>
+            </a:r>
+            <a:r>
+              <a:rPr lang="en-US" dirty="0" smtClean="0"/>
+              <a:t>performance</a:t>
+            </a:r>
+            <a:br>
+              <a:rPr lang="en-US" dirty="0" smtClean="0"/>
+            </a:br>
+            <a:r>
+              <a:rPr lang="en-US" dirty="0" smtClean="0"/>
+              <a:t>with </a:t>
+            </a:r>
+            <a:r>
+              <a:rPr lang="en-US" dirty="0" err="1"/>
+              <a:t>Datadog</a:t>
+            </a:r>
+            <a:endParaRPr lang="en-US" dirty="0"/>
+          </a:p>
+        </p:txBody>
+      </p:sp>
+      <p:sp>
+        <p:nvSpPr>
+          <p:cNvPr id="3" name="內容版面配置區 2"/>
+          <p:cNvSpPr>
+            <a:spLocks noGrp="1"/>
+          </p:cNvSpPr>
+          <p:nvPr>
+            <p:ph idx="1"/>
+          </p:nvPr>
+        </p:nvSpPr>
+        <p:spPr/>
+        <p:txBody>
+          <a:bodyPr/>
+          <a:lstStyle/>
+          <a:p>
+            <a:endParaRPr lang="en-US"/>
+          </a:p>
+        </p:txBody>
+      </p:sp>
+      <p:sp>
+        <p:nvSpPr>
+          <p:cNvPr id="4" name="文字方塊 3"/>
+          <p:cNvSpPr txBox="1"/>
+          <p:nvPr/>
+        </p:nvSpPr>
+        <p:spPr>
+          <a:xfrm>
+            <a:off x="551062" y="6316021"/>
+            <a:ext cx="8748036" cy="369332"/>
+          </a:xfrm>
+          <a:prstGeom prst="rect">
+            <a:avLst/>
+          </a:prstGeom>
+          <a:noFill/>
+        </p:spPr>
+        <p:txBody>
+          <a:bodyPr wrap="none" rtlCol="0">
+            <a:spAutoFit/>
+          </a:bodyPr>
+          <a:lstStyle/>
+          <a:p>
+            <a:r>
+              <a:rPr lang="en-US" dirty="0"/>
+              <a:t>https://www.datadoghq.com/blog/monitor-consul-health-and-performance-with-datadog/</a:t>
+            </a:r>
+          </a:p>
+        </p:txBody>
+      </p:sp>
+      <p:pic>
+        <p:nvPicPr>
+          <p:cNvPr id="3074" name="Picture 2" descr="https://datadog-prod.imgix.net/img/blog/monitor-consul-health-and-performance-with-datadog/default-dash1.png?fit=max"/>
+          <p:cNvPicPr>
+            <a:picLocks noChangeAspect="1" noChangeArrowheads="1"/>
+          </p:cNvPicPr>
+          <p:nvPr/>
+        </p:nvPicPr>
+        <p:blipFill>
+          <a:blip r:embed="rId2">
+            <a:extLst>
+              <a:ext uri="{28A0092B-C50C-407E-A947-70E740481C1C}">
+                <a14:useLocalDpi xmlns:a14="http://schemas.microsoft.com/office/drawing/2010/main" val="0"/>
+              </a:ext>
+            </a:extLst>
+          </a:blip>
+          <a:srcRect/>
+          <a:stretch>
+            <a:fillRect/>
+          </a:stretch>
+        </p:blipFill>
+        <p:spPr bwMode="auto">
+          <a:xfrm>
+            <a:off x="204343" y="1686567"/>
+            <a:ext cx="14237081" cy="7745213"/>
+          </a:xfrm>
+          <a:prstGeom prst="rect">
+            <a:avLst/>
+          </a:prstGeom>
+          <a:noFill/>
+          <a:extLst>
+            <a:ext uri="{909E8E84-426E-40DD-AFC4-6F175D3DCCD1}">
+              <a14:hiddenFill xmlns:a14="http://schemas.microsoft.com/office/drawing/2010/main">
+                <a:solidFill>
+                  <a:srgbClr val="FFFFFF"/>
+                </a:solidFill>
+              </a14:hiddenFill>
+            </a:ext>
+          </a:extLst>
+        </p:spPr>
+      </p:pic>
+      <p:pic>
+        <p:nvPicPr>
+          <p:cNvPr id="3076" name="Picture 4" descr="https://datadog-prod.imgix.net/img/dd_logo_70x75.png?fm=png&amp;auto=format&amp;lossless=1"/>
+          <p:cNvPicPr>
+            <a:picLocks noChangeAspect="1" noChangeArrowheads="1"/>
+          </p:cNvPicPr>
+          <p:nvPr/>
+        </p:nvPicPr>
+        <p:blipFill>
+          <a:blip r:embed="rId3">
+            <a:extLst>
+              <a:ext uri="{28A0092B-C50C-407E-A947-70E740481C1C}">
+                <a14:useLocalDpi xmlns:a14="http://schemas.microsoft.com/office/drawing/2010/main" val="0"/>
+              </a:ext>
+            </a:extLst>
+          </a:blip>
+          <a:srcRect/>
+          <a:stretch>
+            <a:fillRect/>
+          </a:stretch>
+        </p:blipFill>
+        <p:spPr bwMode="auto">
+          <a:xfrm>
+            <a:off x="10660253" y="257817"/>
+            <a:ext cx="1333500" cy="1428750"/>
+          </a:xfrm>
+          <a:prstGeom prst="rect">
+            <a:avLst/>
+          </a:prstGeom>
+          <a:noFill/>
+          <a:extLst>
+            <a:ext uri="{909E8E84-426E-40DD-AFC4-6F175D3DCCD1}">
+              <a14:hiddenFill xmlns:a14="http://schemas.microsoft.com/office/drawing/2010/main">
+                <a:solidFill>
+                  <a:srgbClr val="FFFFFF"/>
+                </a:solidFill>
+              </a14:hiddenFill>
+            </a:ext>
+          </a:extLst>
+        </p:spPr>
+      </p:pic>
+    </p:spTree>
+    <p:extLst>
+      <p:ext uri="{BB962C8B-B14F-4D97-AF65-F5344CB8AC3E}">
+        <p14:creationId xmlns:p14="http://schemas.microsoft.com/office/powerpoint/2010/main" val="2500832140"/>
+      </p:ext>
+    </p:extLst>
+  </p:cSld>
+  <p:clrMapOvr>
+    <a:masterClrMapping/>
+  </p:clrMapOvr>
+  <p:timing>
+    <p:tnLst>
+      <p:par>
+        <p:cTn id="1" dur="indefinite" restart="never" nodeType="tmRoot"/>
+      </p:par>
+    </p:tnLst>
+  </p:timing>
+</p:sld>
+</file>
+
+<file path=ppt/slides/slide13.xml><?xml version="1.0" encoding="utf-8"?>
+<p:sld xmlns:a="http://schemas.openxmlformats.org/drawingml/2006/main" xmlns:r="http://schemas.openxmlformats.org/officeDocument/2006/relationships" xmlns:p="http://schemas.openxmlformats.org/presentationml/2006/main">
+  <p:cSld>
+    <p:spTree>
+      <p:nvGrpSpPr>
+        <p:cNvPr id="1" name=""/>
+        <p:cNvGrpSpPr/>
+        <p:nvPr/>
+      </p:nvGrpSpPr>
+      <p:grpSpPr>
+        <a:xfrm>
+          <a:off x="0" y="0"/>
+          <a:ext cx="0" cy="0"/>
+          <a:chOff x="0" y="0"/>
+          <a:chExt cx="0" cy="0"/>
+        </a:xfrm>
+      </p:grpSpPr>
+      <p:sp>
+        <p:nvSpPr>
+          <p:cNvPr id="4" name="標題 3"/>
+          <p:cNvSpPr>
+            <a:spLocks noGrp="1"/>
+          </p:cNvSpPr>
+          <p:nvPr>
+            <p:ph type="title"/>
+          </p:nvPr>
+        </p:nvSpPr>
+        <p:spPr/>
+        <p:txBody>
+          <a:bodyPr/>
+          <a:lstStyle/>
+          <a:p>
+            <a:r>
+              <a:rPr lang="en-US" altLang="zh-TW" dirty="0"/>
+              <a:t>Question?</a:t>
+            </a:r>
+            <a:endParaRPr lang="en-US" dirty="0"/>
+          </a:p>
+        </p:txBody>
+      </p:sp>
+      <p:sp>
+        <p:nvSpPr>
+          <p:cNvPr id="5" name="文字版面配置區 4"/>
+          <p:cNvSpPr>
+            <a:spLocks noGrp="1"/>
+          </p:cNvSpPr>
+          <p:nvPr>
+            <p:ph type="body" idx="1"/>
+          </p:nvPr>
+        </p:nvSpPr>
+        <p:spPr/>
+        <p:txBody>
+          <a:bodyPr/>
+          <a:lstStyle/>
+          <a:p>
+            <a:endParaRPr lang="en-US"/>
+          </a:p>
+        </p:txBody>
+      </p:sp>
+    </p:spTree>
+    <p:extLst>
+      <p:ext uri="{BB962C8B-B14F-4D97-AF65-F5344CB8AC3E}">
+        <p14:creationId xmlns:p14="http://schemas.microsoft.com/office/powerpoint/2010/main" val="637769210"/>
+      </p:ext>
+    </p:extLst>
+  </p:cSld>
+  <p:clrMapOvr>
+    <a:masterClrMapping/>
+  </p:clrMapOvr>
+  <p:timing>
+    <p:tnLst>
+      <p:par>
+        <p:cTn id="1" dur="indefinite" restart="never" nodeType="tmRoot"/>
+      </p:par>
+    </p:tnLst>
+  </p:timing>
+</p:sld>
+</file>
+
+<file path=ppt/slides/slide14.xml><?xml version="1.0" encoding="utf-8"?>
+<p:sld xmlns:a="http://schemas.openxmlformats.org/drawingml/2006/main" xmlns:r="http://schemas.openxmlformats.org/officeDocument/2006/relationships" xmlns:p="http://schemas.openxmlformats.org/presentationml/2006/main">
+  <p:cSld>
+    <p:spTree>
+      <p:nvGrpSpPr>
+        <p:cNvPr id="1" name=""/>
+        <p:cNvGrpSpPr/>
+        <p:nvPr/>
+      </p:nvGrpSpPr>
+      <p:grpSpPr>
+        <a:xfrm>
+          <a:off x="0" y="0"/>
+          <a:ext cx="0" cy="0"/>
+          <a:chOff x="0" y="0"/>
+          <a:chExt cx="0" cy="0"/>
+        </a:xfrm>
+      </p:grpSpPr>
+      <p:sp>
+        <p:nvSpPr>
+          <p:cNvPr id="2" name="標題 1"/>
+          <p:cNvSpPr>
+            <a:spLocks noGrp="1"/>
+          </p:cNvSpPr>
+          <p:nvPr>
+            <p:ph type="title"/>
+          </p:nvPr>
+        </p:nvSpPr>
+        <p:spPr/>
+        <p:txBody>
+          <a:bodyPr/>
+          <a:lstStyle/>
+          <a:p>
+            <a:endParaRPr lang="en-US" dirty="0"/>
+          </a:p>
+        </p:txBody>
+      </p:sp>
+      <p:sp>
+        <p:nvSpPr>
+          <p:cNvPr id="3" name="內容版面配置區 2"/>
+          <p:cNvSpPr>
+            <a:spLocks noGrp="1"/>
+          </p:cNvSpPr>
+          <p:nvPr>
+            <p:ph idx="1"/>
+          </p:nvPr>
+        </p:nvSpPr>
+        <p:spPr/>
+        <p:txBody>
+          <a:bodyPr/>
+          <a:lstStyle/>
+          <a:p>
+            <a:r>
+              <a:rPr lang="zh-TW" altLang="en-US" dirty="0"/>
+              <a:t>可否分享一些你畢生難忘的監控異常事件</a:t>
+            </a:r>
+            <a:r>
+              <a:rPr lang="zh-TW" altLang="en-US" dirty="0" smtClean="0"/>
+              <a:t>？</a:t>
+            </a:r>
+            <a:endParaRPr lang="en-US" altLang="zh-TW" dirty="0" smtClean="0"/>
+          </a:p>
+          <a:p>
+            <a:r>
+              <a:rPr lang="zh-TW" altLang="en-US" dirty="0"/>
+              <a:t>你如何確認你設置的監控指標、告警條件是否正確？是否能正確用來識別服務為正常狀態</a:t>
+            </a:r>
+            <a:r>
+              <a:rPr lang="zh-TW" altLang="en-US" dirty="0" smtClean="0"/>
+              <a:t>？</a:t>
+            </a:r>
+            <a:endParaRPr lang="en-US" altLang="zh-TW" dirty="0" smtClean="0"/>
+          </a:p>
+          <a:p>
+            <a:r>
+              <a:rPr lang="zh-TW" altLang="en-US" dirty="0"/>
+              <a:t>請問監控系統有再串接別的系統來達到自動化處理系統障礙的目標</a:t>
+            </a:r>
+            <a:r>
+              <a:rPr lang="zh-TW" altLang="en-US" dirty="0" smtClean="0"/>
+              <a:t>？</a:t>
+            </a:r>
+            <a:endParaRPr lang="en-US" altLang="zh-TW" dirty="0" smtClean="0"/>
+          </a:p>
+          <a:p>
+            <a:r>
+              <a:rPr lang="zh-TW" altLang="en-US" dirty="0"/>
+              <a:t>如何有效的監控</a:t>
+            </a:r>
+            <a:r>
+              <a:rPr lang="en-US" altLang="zh-TW" dirty="0"/>
+              <a:t>API</a:t>
+            </a:r>
+            <a:r>
+              <a:rPr lang="zh-TW" altLang="en-US" dirty="0"/>
+              <a:t>運作情形，</a:t>
+            </a:r>
+            <a:r>
+              <a:rPr lang="en-US" altLang="zh-TW" dirty="0"/>
+              <a:t>API</a:t>
+            </a:r>
+            <a:r>
+              <a:rPr lang="zh-TW" altLang="en-US" dirty="0"/>
+              <a:t>端開發是否有需要對應的處理</a:t>
+            </a:r>
+            <a:r>
+              <a:rPr lang="en-US" altLang="zh-TW" dirty="0" smtClean="0"/>
+              <a:t>?</a:t>
+            </a:r>
+          </a:p>
+          <a:p>
+            <a:r>
+              <a:rPr lang="zh-TW" altLang="en-US" dirty="0"/>
+              <a:t>如果針對於 </a:t>
+            </a:r>
+            <a:r>
+              <a:rPr lang="en-US" altLang="zh-TW" dirty="0" err="1"/>
+              <a:t>docker</a:t>
+            </a:r>
+            <a:r>
+              <a:rPr lang="en-US" altLang="zh-TW" dirty="0"/>
+              <a:t> </a:t>
+            </a:r>
+            <a:r>
+              <a:rPr lang="zh-TW" altLang="en-US" dirty="0"/>
+              <a:t>或 </a:t>
+            </a:r>
+            <a:r>
+              <a:rPr lang="en-US" altLang="zh-TW" dirty="0" err="1"/>
+              <a:t>kubernetes</a:t>
+            </a:r>
+            <a:r>
+              <a:rPr lang="en-US" altLang="zh-TW" dirty="0"/>
+              <a:t> </a:t>
+            </a:r>
+            <a:r>
+              <a:rPr lang="zh-TW" altLang="en-US" dirty="0"/>
+              <a:t>的環境，內部的</a:t>
+            </a:r>
+            <a:r>
+              <a:rPr lang="en-US" altLang="zh-TW" dirty="0" err="1"/>
+              <a:t>ip</a:t>
+            </a:r>
+            <a:r>
+              <a:rPr lang="zh-TW" altLang="en-US" dirty="0"/>
+              <a:t>是不固定的，有何方法進行自動發現並監控呢？當該服務不存在時，又有何方法能從 </a:t>
+            </a:r>
+            <a:r>
+              <a:rPr lang="en-US" altLang="zh-TW" dirty="0" err="1"/>
+              <a:t>dasboard</a:t>
+            </a:r>
+            <a:r>
+              <a:rPr lang="en-US" altLang="zh-TW" dirty="0"/>
+              <a:t> </a:t>
+            </a:r>
+            <a:r>
+              <a:rPr lang="zh-TW" altLang="en-US" dirty="0"/>
+              <a:t>上自動消失呢？</a:t>
+            </a:r>
+            <a:endParaRPr lang="en-US" dirty="0"/>
+          </a:p>
+        </p:txBody>
+      </p:sp>
+      <p:sp>
+        <p:nvSpPr>
+          <p:cNvPr id="4" name="圓角矩形 3"/>
+          <p:cNvSpPr/>
+          <p:nvPr/>
+        </p:nvSpPr>
+        <p:spPr>
+          <a:xfrm>
+            <a:off x="1150569" y="4699167"/>
+            <a:ext cx="10040233" cy="1108181"/>
+          </a:xfrm>
+          <a:prstGeom prst="roundRect">
+            <a:avLst/>
+          </a:prstGeom>
+        </p:spPr>
+        <p:style>
+          <a:lnRef idx="2">
+            <a:schemeClr val="accent1">
+              <a:shade val="50000"/>
+            </a:schemeClr>
+          </a:lnRef>
+          <a:fillRef idx="1">
+            <a:schemeClr val="accent1"/>
+          </a:fillRef>
+          <a:effectRef idx="0">
+            <a:schemeClr val="accent1"/>
+          </a:effectRef>
+          <a:fontRef idx="minor">
+            <a:schemeClr val="lt1"/>
+          </a:fontRef>
+        </p:style>
+        <p:txBody>
+          <a:bodyPr rtlCol="0" anchor="ctr"/>
+          <a:lstStyle/>
+          <a:p>
+            <a:pPr algn="ctr"/>
+            <a:r>
+              <a:rPr lang="en-US" dirty="0" smtClean="0"/>
+              <a:t>Service Discovery</a:t>
+            </a:r>
+            <a:endParaRPr lang="en-US" dirty="0"/>
+          </a:p>
+        </p:txBody>
+      </p:sp>
+      <p:sp>
+        <p:nvSpPr>
+          <p:cNvPr id="5" name="圓角矩形 4"/>
+          <p:cNvSpPr/>
+          <p:nvPr/>
+        </p:nvSpPr>
+        <p:spPr>
+          <a:xfrm>
+            <a:off x="1150569" y="4135995"/>
+            <a:ext cx="10040233" cy="419389"/>
+          </a:xfrm>
+          <a:prstGeom prst="roundRect">
+            <a:avLst/>
+          </a:prstGeom>
+        </p:spPr>
+        <p:style>
+          <a:lnRef idx="2">
+            <a:schemeClr val="accent1">
+              <a:shade val="50000"/>
+            </a:schemeClr>
+          </a:lnRef>
+          <a:fillRef idx="1">
+            <a:schemeClr val="accent1"/>
+          </a:fillRef>
+          <a:effectRef idx="0">
+            <a:schemeClr val="accent1"/>
+          </a:effectRef>
+          <a:fontRef idx="minor">
+            <a:schemeClr val="lt1"/>
+          </a:fontRef>
+        </p:style>
+        <p:txBody>
+          <a:bodyPr rtlCol="0" anchor="ctr"/>
+          <a:lstStyle/>
+          <a:p>
+            <a:pPr algn="ctr"/>
+            <a:r>
+              <a:rPr lang="en-US" dirty="0" smtClean="0"/>
+              <a:t>Failure Detection &amp; </a:t>
+            </a:r>
+            <a:r>
+              <a:rPr lang="en-US" dirty="0" err="1" smtClean="0"/>
+              <a:t>Diagnoistic</a:t>
+            </a:r>
+            <a:r>
+              <a:rPr lang="en-US" dirty="0" smtClean="0"/>
+              <a:t> API</a:t>
+            </a:r>
+            <a:endParaRPr lang="en-US" dirty="0"/>
+          </a:p>
+        </p:txBody>
+      </p:sp>
+      <p:sp>
+        <p:nvSpPr>
+          <p:cNvPr id="6" name="圓角矩形 5"/>
+          <p:cNvSpPr/>
+          <p:nvPr/>
+        </p:nvSpPr>
+        <p:spPr>
+          <a:xfrm>
+            <a:off x="1150569" y="3288206"/>
+            <a:ext cx="10040233" cy="712852"/>
+          </a:xfrm>
+          <a:prstGeom prst="roundRect">
+            <a:avLst/>
+          </a:prstGeom>
+        </p:spPr>
+        <p:style>
+          <a:lnRef idx="2">
+            <a:schemeClr val="accent1">
+              <a:shade val="50000"/>
+            </a:schemeClr>
+          </a:lnRef>
+          <a:fillRef idx="1">
+            <a:schemeClr val="accent1"/>
+          </a:fillRef>
+          <a:effectRef idx="0">
+            <a:schemeClr val="accent1"/>
+          </a:effectRef>
+          <a:fontRef idx="minor">
+            <a:schemeClr val="lt1"/>
+          </a:fontRef>
+        </p:style>
+        <p:txBody>
+          <a:bodyPr rtlCol="0" anchor="ctr"/>
+          <a:lstStyle/>
+          <a:p>
+            <a:pPr algn="ctr"/>
+            <a:r>
+              <a:rPr lang="en-US" dirty="0" smtClean="0"/>
+              <a:t>Circuit Breakers</a:t>
+            </a:r>
+            <a:endParaRPr lang="en-US" dirty="0"/>
+          </a:p>
+        </p:txBody>
+      </p:sp>
+      <p:sp>
+        <p:nvSpPr>
+          <p:cNvPr id="7" name="圓角矩形 6"/>
+          <p:cNvSpPr/>
+          <p:nvPr/>
+        </p:nvSpPr>
+        <p:spPr>
+          <a:xfrm>
+            <a:off x="1150569" y="2431571"/>
+            <a:ext cx="10040233" cy="712852"/>
+          </a:xfrm>
+          <a:prstGeom prst="roundRect">
+            <a:avLst/>
+          </a:prstGeom>
+        </p:spPr>
+        <p:style>
+          <a:lnRef idx="2">
+            <a:schemeClr val="accent1">
+              <a:shade val="50000"/>
+            </a:schemeClr>
+          </a:lnRef>
+          <a:fillRef idx="1">
+            <a:schemeClr val="accent1"/>
+          </a:fillRef>
+          <a:effectRef idx="0">
+            <a:schemeClr val="accent1"/>
+          </a:effectRef>
+          <a:fontRef idx="minor">
+            <a:schemeClr val="lt1"/>
+          </a:fontRef>
+        </p:style>
+        <p:txBody>
+          <a:bodyPr rtlCol="0" anchor="ctr"/>
+          <a:lstStyle/>
+          <a:p>
+            <a:pPr algn="ctr"/>
+            <a:r>
+              <a:rPr lang="en-US" dirty="0" smtClean="0"/>
+              <a:t>Do It (</a:t>
+            </a:r>
+            <a:r>
+              <a:rPr lang="en-US" dirty="0" err="1" smtClean="0"/>
+              <a:t>Diagnoistic</a:t>
+            </a:r>
+            <a:r>
+              <a:rPr lang="en-US" dirty="0" smtClean="0"/>
+              <a:t>) Yourself &amp; Report</a:t>
+            </a:r>
+            <a:endParaRPr lang="en-US" dirty="0"/>
+          </a:p>
+        </p:txBody>
+      </p:sp>
+    </p:spTree>
+    <p:extLst>
+      <p:ext uri="{BB962C8B-B14F-4D97-AF65-F5344CB8AC3E}">
+        <p14:creationId xmlns:p14="http://schemas.microsoft.com/office/powerpoint/2010/main" val="2244638358"/>
+      </p:ext>
+    </p:extLst>
+  </p:cSld>
+  <p:clrMapOvr>
+    <a:masterClrMapping/>
+  </p:clrMapOvr>
+  <p:timing>
+    <p:tnLst>
+      <p:par>
+        <p:cTn id="1" dur="indefinite" restart="never" nodeType="tmRoot">
+          <p:childTnLst>
+            <p:seq concurrent="1" nextAc="seek">
+              <p:cTn id="2" dur="indefinite" nodeType="mainSeq">
+                <p:childTnLst>
+                  <p:par>
+                    <p:cTn id="3" fill="hold">
+                      <p:stCondLst>
+                        <p:cond delay="indefinite"/>
+                      </p:stCondLst>
+                      <p:childTnLst>
+                        <p:par>
+                          <p:cTn id="4" fill="hold">
+                            <p:stCondLst>
+                              <p:cond delay="0"/>
+                            </p:stCondLst>
+                            <p:childTnLst>
+                              <p:par>
+                                <p:cTn id="5" presetID="10" presetClass="entr" presetSubtype="0" fill="hold" grpId="0" nodeType="clickEffect">
+                                  <p:stCondLst>
+                                    <p:cond delay="0"/>
+                                  </p:stCondLst>
+                                  <p:childTnLst>
+                                    <p:set>
+                                      <p:cBhvr>
+                                        <p:cTn id="6" dur="1" fill="hold">
+                                          <p:stCondLst>
+                                            <p:cond delay="0"/>
+                                          </p:stCondLst>
+                                        </p:cTn>
+                                        <p:tgtEl>
+                                          <p:spTgt spid="4"/>
+                                        </p:tgtEl>
+                                        <p:attrNameLst>
+                                          <p:attrName>style.visibility</p:attrName>
+                                        </p:attrNameLst>
+                                      </p:cBhvr>
+                                      <p:to>
+                                        <p:strVal val="visible"/>
+                                      </p:to>
+                                    </p:set>
+                                    <p:animEffect transition="in" filter="fade">
+                                      <p:cBhvr>
+                                        <p:cTn id="7" dur="500"/>
+                                        <p:tgtEl>
+                                          <p:spTgt spid="4"/>
+                                        </p:tgtEl>
+                                      </p:cBhvr>
+                                    </p:animEffect>
+                                  </p:childTnLst>
+                                </p:cTn>
+                              </p:par>
+                            </p:childTnLst>
+                          </p:cTn>
+                        </p:par>
+                      </p:childTnLst>
+                    </p:cTn>
+                  </p:par>
+                  <p:par>
+                    <p:cTn id="8" fill="hold">
+                      <p:stCondLst>
+                        <p:cond delay="indefinite"/>
+                      </p:stCondLst>
+                      <p:childTnLst>
+                        <p:par>
+                          <p:cTn id="9" fill="hold">
+                            <p:stCondLst>
+                              <p:cond delay="0"/>
+                            </p:stCondLst>
+                            <p:childTnLst>
+                              <p:par>
+                                <p:cTn id="10" presetID="10" presetClass="entr" presetSubtype="0" fill="hold" grpId="0" nodeType="clickEffect">
+                                  <p:stCondLst>
+                                    <p:cond delay="0"/>
+                                  </p:stCondLst>
+                                  <p:childTnLst>
+                                    <p:set>
+                                      <p:cBhvr>
+                                        <p:cTn id="11" dur="1" fill="hold">
+                                          <p:stCondLst>
+                                            <p:cond delay="0"/>
+                                          </p:stCondLst>
+                                        </p:cTn>
+                                        <p:tgtEl>
+                                          <p:spTgt spid="5"/>
+                                        </p:tgtEl>
+                                        <p:attrNameLst>
+                                          <p:attrName>style.visibility</p:attrName>
+                                        </p:attrNameLst>
+                                      </p:cBhvr>
+                                      <p:to>
+                                        <p:strVal val="visible"/>
+                                      </p:to>
+                                    </p:set>
+                                    <p:animEffect transition="in" filter="fade">
+                                      <p:cBhvr>
+                                        <p:cTn id="12" dur="500"/>
+                                        <p:tgtEl>
+                                          <p:spTgt spid="5"/>
+                                        </p:tgtEl>
+                                      </p:cBhvr>
+                                    </p:animEffect>
+                                  </p:childTnLst>
+                                </p:cTn>
+                              </p:par>
+                            </p:childTnLst>
+                          </p:cTn>
+                        </p:par>
+                      </p:childTnLst>
+                    </p:cTn>
+                  </p:par>
+                  <p:par>
+                    <p:cTn id="13" fill="hold">
+                      <p:stCondLst>
+                        <p:cond delay="indefinite"/>
+                      </p:stCondLst>
+                      <p:childTnLst>
+                        <p:par>
+                          <p:cTn id="14" fill="hold">
+                            <p:stCondLst>
+                              <p:cond delay="0"/>
+                            </p:stCondLst>
+                            <p:childTnLst>
+                              <p:par>
+                                <p:cTn id="15" presetID="10" presetClass="entr" presetSubtype="0" fill="hold" grpId="0" nodeType="clickEffect">
+                                  <p:stCondLst>
+                                    <p:cond delay="0"/>
+                                  </p:stCondLst>
+                                  <p:childTnLst>
+                                    <p:set>
+                                      <p:cBhvr>
+                                        <p:cTn id="16" dur="1" fill="hold">
+                                          <p:stCondLst>
+                                            <p:cond delay="0"/>
+                                          </p:stCondLst>
+                                        </p:cTn>
+                                        <p:tgtEl>
+                                          <p:spTgt spid="6"/>
+                                        </p:tgtEl>
+                                        <p:attrNameLst>
+                                          <p:attrName>style.visibility</p:attrName>
+                                        </p:attrNameLst>
+                                      </p:cBhvr>
+                                      <p:to>
+                                        <p:strVal val="visible"/>
+                                      </p:to>
+                                    </p:set>
+                                    <p:animEffect transition="in" filter="fade">
+                                      <p:cBhvr>
+                                        <p:cTn id="17" dur="500"/>
+                                        <p:tgtEl>
+                                          <p:spTgt spid="6"/>
+                                        </p:tgtEl>
+                                      </p:cBhvr>
+                                    </p:animEffect>
+                                  </p:childTnLst>
+                                </p:cTn>
+                              </p:par>
+                            </p:childTnLst>
+                          </p:cTn>
+                        </p:par>
+                      </p:childTnLst>
+                    </p:cTn>
+                  </p:par>
+                  <p:par>
+                    <p:cTn id="18" fill="hold">
+                      <p:stCondLst>
+                        <p:cond delay="indefinite"/>
+                      </p:stCondLst>
+                      <p:childTnLst>
+                        <p:par>
+                          <p:cTn id="19" fill="hold">
+                            <p:stCondLst>
+                              <p:cond delay="0"/>
+                            </p:stCondLst>
+                            <p:childTnLst>
+                              <p:par>
+                                <p:cTn id="20" presetID="10" presetClass="entr" presetSubtype="0" fill="hold" grpId="0" nodeType="clickEffect">
+                                  <p:stCondLst>
+                                    <p:cond delay="0"/>
+                                  </p:stCondLst>
+                                  <p:childTnLst>
+                                    <p:set>
+                                      <p:cBhvr>
+                                        <p:cTn id="21" dur="1" fill="hold">
+                                          <p:stCondLst>
+                                            <p:cond delay="0"/>
+                                          </p:stCondLst>
+                                        </p:cTn>
+                                        <p:tgtEl>
+                                          <p:spTgt spid="7"/>
+                                        </p:tgtEl>
+                                        <p:attrNameLst>
+                                          <p:attrName>style.visibility</p:attrName>
+                                        </p:attrNameLst>
+                                      </p:cBhvr>
+                                      <p:to>
+                                        <p:strVal val="visible"/>
+                                      </p:to>
+                                    </p:set>
+                                    <p:animEffect transition="in" filter="fade">
+                                      <p:cBhvr>
+                                        <p:cTn id="22" dur="500"/>
+                                        <p:tgtEl>
+                                          <p:spTgt spid="7"/>
+                                        </p:tgtEl>
+                                      </p:cBhvr>
+                                    </p:animEffect>
+                                  </p:childTnLst>
+                                </p:cTn>
+                              </p:par>
+                            </p:childTnLst>
+                          </p:cTn>
+                        </p:par>
+                      </p:childTnLst>
+                    </p:cTn>
+                  </p:par>
+                </p:childTnLst>
+              </p:cTn>
+              <p:prevCondLst>
+                <p:cond evt="onPrev" delay="0">
+                  <p:tgtEl>
+                    <p:sldTgt/>
+                  </p:tgtEl>
+                </p:cond>
+              </p:prevCondLst>
+              <p:nextCondLst>
+                <p:cond evt="onNext" delay="0">
+                  <p:tgtEl>
+                    <p:sldTgt/>
+                  </p:tgtEl>
+                </p:cond>
+              </p:nextCondLst>
+            </p:seq>
+          </p:childTnLst>
+        </p:cTn>
+      </p:par>
+    </p:tnLst>
+    <p:bldLst>
+      <p:bldP spid="4" grpId="0" animBg="1"/>
+      <p:bldP spid="5" grpId="0" animBg="1"/>
+      <p:bldP spid="6" grpId="0" animBg="1"/>
+      <p:bldP spid="7" grpId="0" animBg="1"/>
+    </p:bldLst>
+  </p:timing>
+</p:sld>
+</file>
+
+<file path=ppt/slides/slide15.xml><?xml version="1.0" encoding="utf-8"?>
+<p:sld xmlns:a="http://schemas.openxmlformats.org/drawingml/2006/main" xmlns:r="http://schemas.openxmlformats.org/officeDocument/2006/relationships" xmlns:p="http://schemas.openxmlformats.org/presentationml/2006/main">
+  <p:cSld>
+    <p:spTree>
+      <p:nvGrpSpPr>
+        <p:cNvPr id="1" name=""/>
+        <p:cNvGrpSpPr/>
+        <p:nvPr/>
+      </p:nvGrpSpPr>
+      <p:grpSpPr>
+        <a:xfrm>
+          <a:off x="0" y="0"/>
+          <a:ext cx="0" cy="0"/>
+          <a:chOff x="0" y="0"/>
+          <a:chExt cx="0" cy="0"/>
+        </a:xfrm>
+      </p:grpSpPr>
+      <p:sp>
+        <p:nvSpPr>
+          <p:cNvPr id="4" name="標題 3"/>
+          <p:cNvSpPr>
+            <a:spLocks noGrp="1"/>
+          </p:cNvSpPr>
+          <p:nvPr>
+            <p:ph type="title"/>
+          </p:nvPr>
+        </p:nvSpPr>
+        <p:spPr/>
+        <p:txBody>
+          <a:bodyPr/>
+          <a:lstStyle/>
+          <a:p>
+            <a:r>
+              <a:rPr lang="en-US" altLang="zh-TW" dirty="0" smtClean="0"/>
+              <a:t>RIP:</a:t>
+            </a:r>
+            <a:r>
+              <a:rPr lang="zh-TW" altLang="en-US" dirty="0" smtClean="0"/>
+              <a:t> 復興航空 </a:t>
+            </a:r>
+            <a:r>
+              <a:rPr lang="en-US" altLang="zh-TW" dirty="0" smtClean="0"/>
+              <a:t>235</a:t>
+            </a:r>
+            <a:r>
+              <a:rPr lang="zh-TW" altLang="en-US" dirty="0" smtClean="0"/>
+              <a:t> 班機</a:t>
+            </a:r>
+            <a:endParaRPr lang="en-US" dirty="0"/>
+          </a:p>
+        </p:txBody>
+      </p:sp>
+      <p:sp>
+        <p:nvSpPr>
+          <p:cNvPr id="5" name="文字版面配置區 4"/>
+          <p:cNvSpPr>
+            <a:spLocks noGrp="1"/>
+          </p:cNvSpPr>
+          <p:nvPr>
+            <p:ph type="body" idx="1"/>
+          </p:nvPr>
+        </p:nvSpPr>
+        <p:spPr/>
+        <p:txBody>
+          <a:bodyPr/>
+          <a:lstStyle/>
+          <a:p>
+            <a:endParaRPr lang="en-US"/>
+          </a:p>
+        </p:txBody>
+      </p:sp>
+    </p:spTree>
+    <p:extLst>
+      <p:ext uri="{BB962C8B-B14F-4D97-AF65-F5344CB8AC3E}">
+        <p14:creationId xmlns:p14="http://schemas.microsoft.com/office/powerpoint/2010/main" val="862971558"/>
+      </p:ext>
+    </p:extLst>
+  </p:cSld>
+  <p:clrMapOvr>
+    <a:masterClrMapping/>
+  </p:clrMapOvr>
+  <p:timing>
+    <p:tnLst>
+      <p:par>
+        <p:cTn id="1" dur="indefinite" restart="never" nodeType="tmRoot"/>
+      </p:par>
+    </p:tnLst>
+  </p:timing>
+</p:sld>
+</file>
+
+<file path=ppt/slides/slide16.xml><?xml version="1.0" encoding="utf-8"?>
+<p:sld xmlns:a="http://schemas.openxmlformats.org/drawingml/2006/main" xmlns:r="http://schemas.openxmlformats.org/officeDocument/2006/relationships" xmlns:p="http://schemas.openxmlformats.org/presentationml/2006/main">
+  <p:cSld>
+    <p:spTree>
+      <p:nvGrpSpPr>
+        <p:cNvPr id="1" name=""/>
+        <p:cNvGrpSpPr/>
+        <p:nvPr/>
+      </p:nvGrpSpPr>
+      <p:grpSpPr>
+        <a:xfrm>
+          <a:off x="0" y="0"/>
+          <a:ext cx="0" cy="0"/>
+          <a:chOff x="0" y="0"/>
+          <a:chExt cx="0" cy="0"/>
+        </a:xfrm>
+      </p:grpSpPr>
+      <p:pic>
+        <p:nvPicPr>
+          <p:cNvPr id="2" name="圖片 1"/>
+          <p:cNvPicPr>
+            <a:picLocks noChangeAspect="1"/>
+          </p:cNvPicPr>
+          <p:nvPr/>
+        </p:nvPicPr>
+        <p:blipFill>
+          <a:blip r:embed="rId2"/>
+          <a:stretch>
+            <a:fillRect/>
+          </a:stretch>
+        </p:blipFill>
+        <p:spPr>
+          <a:xfrm>
+            <a:off x="609276" y="850793"/>
+            <a:ext cx="11039856" cy="5171117"/>
+          </a:xfrm>
+          <a:prstGeom prst="rect">
+            <a:avLst/>
+          </a:prstGeom>
+        </p:spPr>
+      </p:pic>
+      <p:sp>
+        <p:nvSpPr>
+          <p:cNvPr id="3" name="橢圓 2"/>
+          <p:cNvSpPr/>
+          <p:nvPr/>
+        </p:nvSpPr>
+        <p:spPr>
+          <a:xfrm>
+            <a:off x="7234781" y="3216548"/>
+            <a:ext cx="308837" cy="314893"/>
+          </a:xfrm>
+          <a:prstGeom prst="ellipse">
+            <a:avLst/>
+          </a:prstGeom>
+          <a:solidFill>
+            <a:schemeClr val="accent5"/>
+          </a:solidFill>
+          <a:ln>
+            <a:noFill/>
+          </a:ln>
+        </p:spPr>
+        <p:style>
+          <a:lnRef idx="0">
+            <a:scrgbClr r="0" g="0" b="0"/>
+          </a:lnRef>
+          <a:fillRef idx="0">
+            <a:scrgbClr r="0" g="0" b="0"/>
+          </a:fillRef>
+          <a:effectRef idx="0">
+            <a:scrgbClr r="0" g="0" b="0"/>
+          </a:effectRef>
+          <a:fontRef idx="minor">
+            <a:schemeClr val="lt1"/>
+          </a:fontRef>
+        </p:style>
+        <p:txBody>
+          <a:bodyPr rtlCol="0" anchor="ctr"/>
+          <a:lstStyle/>
+          <a:p>
+            <a:pPr algn="ctr"/>
+            <a:r>
+              <a:rPr lang="en-US" altLang="zh-TW" dirty="0" smtClean="0"/>
+              <a:t>1</a:t>
+            </a:r>
+            <a:endParaRPr lang="en-US" dirty="0"/>
+          </a:p>
+        </p:txBody>
+      </p:sp>
+      <p:sp>
+        <p:nvSpPr>
+          <p:cNvPr id="10" name="橢圓 9"/>
+          <p:cNvSpPr/>
+          <p:nvPr/>
+        </p:nvSpPr>
+        <p:spPr>
+          <a:xfrm>
+            <a:off x="6214085" y="2744209"/>
+            <a:ext cx="308837" cy="314893"/>
+          </a:xfrm>
+          <a:prstGeom prst="ellipse">
+            <a:avLst/>
+          </a:prstGeom>
+          <a:solidFill>
+            <a:schemeClr val="accent5"/>
+          </a:solidFill>
+          <a:ln>
+            <a:noFill/>
+          </a:ln>
+        </p:spPr>
+        <p:style>
+          <a:lnRef idx="0">
+            <a:scrgbClr r="0" g="0" b="0"/>
+          </a:lnRef>
+          <a:fillRef idx="0">
+            <a:scrgbClr r="0" g="0" b="0"/>
+          </a:fillRef>
+          <a:effectRef idx="0">
+            <a:scrgbClr r="0" g="0" b="0"/>
+          </a:effectRef>
+          <a:fontRef idx="minor">
+            <a:schemeClr val="lt1"/>
+          </a:fontRef>
+        </p:style>
+        <p:txBody>
+          <a:bodyPr rtlCol="0" anchor="ctr"/>
+          <a:lstStyle/>
+          <a:p>
+            <a:pPr algn="ctr"/>
+            <a:r>
+              <a:rPr lang="en-US" altLang="zh-TW" dirty="0" smtClean="0"/>
+              <a:t>2</a:t>
+            </a:r>
+            <a:endParaRPr lang="en-US" dirty="0"/>
+          </a:p>
+        </p:txBody>
+      </p:sp>
+      <p:sp>
+        <p:nvSpPr>
+          <p:cNvPr id="11" name="橢圓 10"/>
+          <p:cNvSpPr/>
+          <p:nvPr/>
+        </p:nvSpPr>
+        <p:spPr>
+          <a:xfrm>
+            <a:off x="2647319" y="2586763"/>
+            <a:ext cx="308837" cy="314893"/>
+          </a:xfrm>
+          <a:prstGeom prst="ellipse">
+            <a:avLst/>
+          </a:prstGeom>
+          <a:solidFill>
+            <a:schemeClr val="accent5"/>
+          </a:solidFill>
+          <a:ln>
+            <a:noFill/>
+          </a:ln>
+        </p:spPr>
+        <p:style>
+          <a:lnRef idx="0">
+            <a:scrgbClr r="0" g="0" b="0"/>
+          </a:lnRef>
+          <a:fillRef idx="0">
+            <a:scrgbClr r="0" g="0" b="0"/>
+          </a:fillRef>
+          <a:effectRef idx="0">
+            <a:scrgbClr r="0" g="0" b="0"/>
+          </a:effectRef>
+          <a:fontRef idx="minor">
+            <a:schemeClr val="lt1"/>
+          </a:fontRef>
+        </p:style>
+        <p:txBody>
+          <a:bodyPr rtlCol="0" anchor="ctr"/>
+          <a:lstStyle/>
+          <a:p>
+            <a:pPr algn="ctr"/>
+            <a:r>
+              <a:rPr lang="en-US" altLang="zh-TW" dirty="0" smtClean="0"/>
+              <a:t>3</a:t>
+            </a:r>
+            <a:endParaRPr lang="en-US" dirty="0"/>
+          </a:p>
+        </p:txBody>
+      </p:sp>
+      <p:sp>
+        <p:nvSpPr>
+          <p:cNvPr id="12" name="橢圓 11"/>
+          <p:cNvSpPr/>
+          <p:nvPr/>
+        </p:nvSpPr>
+        <p:spPr>
+          <a:xfrm>
+            <a:off x="3822111" y="3531441"/>
+            <a:ext cx="308837" cy="314893"/>
+          </a:xfrm>
+          <a:prstGeom prst="ellipse">
+            <a:avLst/>
+          </a:prstGeom>
+          <a:solidFill>
+            <a:schemeClr val="accent5"/>
+          </a:solidFill>
+          <a:ln>
+            <a:noFill/>
+          </a:ln>
+        </p:spPr>
+        <p:style>
+          <a:lnRef idx="0">
+            <a:scrgbClr r="0" g="0" b="0"/>
+          </a:lnRef>
+          <a:fillRef idx="0">
+            <a:scrgbClr r="0" g="0" b="0"/>
+          </a:fillRef>
+          <a:effectRef idx="0">
+            <a:scrgbClr r="0" g="0" b="0"/>
+          </a:effectRef>
+          <a:fontRef idx="minor">
+            <a:schemeClr val="lt1"/>
+          </a:fontRef>
+        </p:style>
+        <p:txBody>
+          <a:bodyPr rtlCol="0" anchor="ctr"/>
+          <a:lstStyle/>
+          <a:p>
+            <a:pPr algn="ctr"/>
+            <a:r>
+              <a:rPr lang="en-US" altLang="zh-TW" dirty="0" smtClean="0"/>
+              <a:t>4</a:t>
+            </a:r>
+            <a:endParaRPr lang="en-US" dirty="0"/>
+          </a:p>
+        </p:txBody>
+      </p:sp>
+      <p:sp>
+        <p:nvSpPr>
+          <p:cNvPr id="13" name="文字方塊 12"/>
+          <p:cNvSpPr txBox="1"/>
+          <p:nvPr/>
+        </p:nvSpPr>
+        <p:spPr>
+          <a:xfrm>
+            <a:off x="672175" y="6194909"/>
+            <a:ext cx="4725781" cy="646331"/>
+          </a:xfrm>
+          <a:prstGeom prst="rect">
+            <a:avLst/>
+          </a:prstGeom>
+          <a:noFill/>
+        </p:spPr>
+        <p:txBody>
+          <a:bodyPr wrap="none" rtlCol="0">
+            <a:spAutoFit/>
+          </a:bodyPr>
+          <a:lstStyle/>
+          <a:p>
+            <a:r>
+              <a:rPr lang="en-US" dirty="0">
+                <a:hlinkClick r:id="rId3"/>
+              </a:rPr>
+              <a:t>https://</a:t>
+            </a:r>
+            <a:r>
+              <a:rPr lang="en-US" dirty="0" smtClean="0">
+                <a:hlinkClick r:id="rId3"/>
+              </a:rPr>
+              <a:t>www.youtube.com/watch?v=j5Zir5Ij1Mg</a:t>
+            </a:r>
+            <a:endParaRPr lang="en-US" dirty="0" smtClean="0"/>
+          </a:p>
+          <a:p>
+            <a:endParaRPr lang="en-US" dirty="0"/>
+          </a:p>
+        </p:txBody>
+      </p:sp>
+    </p:spTree>
+    <p:extLst>
+      <p:ext uri="{BB962C8B-B14F-4D97-AF65-F5344CB8AC3E}">
+        <p14:creationId xmlns:p14="http://schemas.microsoft.com/office/powerpoint/2010/main" val="2347725159"/>
+      </p:ext>
+    </p:extLst>
+  </p:cSld>
+  <p:clrMapOvr>
+    <a:masterClrMapping/>
+  </p:clrMapOvr>
+  <p:timing>
+    <p:tnLst>
+      <p:par>
+        <p:cTn id="1" dur="indefinite" restart="never" nodeType="tmRoot">
+          <p:childTnLst>
+            <p:seq concurrent="1" nextAc="seek">
+              <p:cTn id="2" dur="indefinite" nodeType="mainSeq">
+                <p:childTnLst>
+                  <p:par>
+                    <p:cTn id="3" fill="hold">
+                      <p:stCondLst>
+                        <p:cond delay="indefinite"/>
+                      </p:stCondLst>
+                      <p:childTnLst>
+                        <p:par>
+                          <p:cTn id="4" fill="hold">
+                            <p:stCondLst>
+                              <p:cond delay="0"/>
+                            </p:stCondLst>
+                            <p:childTnLst>
+                              <p:par>
+                                <p:cTn id="5" presetID="10" presetClass="entr" presetSubtype="0" fill="hold" grpId="0" nodeType="clickEffect">
+                                  <p:stCondLst>
+                                    <p:cond delay="0"/>
+                                  </p:stCondLst>
+                                  <p:childTnLst>
+                                    <p:set>
+                                      <p:cBhvr>
+                                        <p:cTn id="6" dur="1" fill="hold">
+                                          <p:stCondLst>
+                                            <p:cond delay="0"/>
+                                          </p:stCondLst>
+                                        </p:cTn>
+                                        <p:tgtEl>
+                                          <p:spTgt spid="3"/>
+                                        </p:tgtEl>
+                                        <p:attrNameLst>
+                                          <p:attrName>style.visibility</p:attrName>
+                                        </p:attrNameLst>
+                                      </p:cBhvr>
+                                      <p:to>
+                                        <p:strVal val="visible"/>
+                                      </p:to>
+                                    </p:set>
+                                    <p:animEffect transition="in" filter="fade">
+                                      <p:cBhvr>
+                                        <p:cTn id="7" dur="500"/>
+                                        <p:tgtEl>
+                                          <p:spTgt spid="3"/>
+                                        </p:tgtEl>
+                                      </p:cBhvr>
+                                    </p:animEffect>
+                                  </p:childTnLst>
+                                </p:cTn>
+                              </p:par>
+                            </p:childTnLst>
+                          </p:cTn>
+                        </p:par>
+                      </p:childTnLst>
+                    </p:cTn>
+                  </p:par>
+                  <p:par>
+                    <p:cTn id="8" fill="hold">
+                      <p:stCondLst>
+                        <p:cond delay="indefinite"/>
+                      </p:stCondLst>
+                      <p:childTnLst>
+                        <p:par>
+                          <p:cTn id="9" fill="hold">
+                            <p:stCondLst>
+                              <p:cond delay="0"/>
+                            </p:stCondLst>
+                            <p:childTnLst>
+                              <p:par>
+                                <p:cTn id="10" presetID="10" presetClass="entr" presetSubtype="0" fill="hold" grpId="0" nodeType="clickEffect">
+                                  <p:stCondLst>
+                                    <p:cond delay="0"/>
+                                  </p:stCondLst>
+                                  <p:childTnLst>
+                                    <p:set>
+                                      <p:cBhvr>
+                                        <p:cTn id="11" dur="1" fill="hold">
+                                          <p:stCondLst>
+                                            <p:cond delay="0"/>
+                                          </p:stCondLst>
+                                        </p:cTn>
+                                        <p:tgtEl>
+                                          <p:spTgt spid="10"/>
+                                        </p:tgtEl>
+                                        <p:attrNameLst>
+                                          <p:attrName>style.visibility</p:attrName>
+                                        </p:attrNameLst>
+                                      </p:cBhvr>
+                                      <p:to>
+                                        <p:strVal val="visible"/>
+                                      </p:to>
+                                    </p:set>
+                                    <p:animEffect transition="in" filter="fade">
+                                      <p:cBhvr>
+                                        <p:cTn id="12" dur="500"/>
+                                        <p:tgtEl>
+                                          <p:spTgt spid="10"/>
+                                        </p:tgtEl>
+                                      </p:cBhvr>
+                                    </p:animEffect>
+                                  </p:childTnLst>
+                                </p:cTn>
+                              </p:par>
+                            </p:childTnLst>
+                          </p:cTn>
+                        </p:par>
+                      </p:childTnLst>
+                    </p:cTn>
+                  </p:par>
+                  <p:par>
+                    <p:cTn id="13" fill="hold">
+                      <p:stCondLst>
+                        <p:cond delay="indefinite"/>
+                      </p:stCondLst>
+                      <p:childTnLst>
+                        <p:par>
+                          <p:cTn id="14" fill="hold">
+                            <p:stCondLst>
+                              <p:cond delay="0"/>
+                            </p:stCondLst>
+                            <p:childTnLst>
+                              <p:par>
+                                <p:cTn id="15" presetID="10" presetClass="entr" presetSubtype="0" fill="hold" grpId="0" nodeType="clickEffect">
+                                  <p:stCondLst>
+                                    <p:cond delay="0"/>
+                                  </p:stCondLst>
+                                  <p:childTnLst>
+                                    <p:set>
+                                      <p:cBhvr>
+                                        <p:cTn id="16" dur="1" fill="hold">
+                                          <p:stCondLst>
+                                            <p:cond delay="0"/>
+                                          </p:stCondLst>
+                                        </p:cTn>
+                                        <p:tgtEl>
+                                          <p:spTgt spid="11"/>
+                                        </p:tgtEl>
+                                        <p:attrNameLst>
+                                          <p:attrName>style.visibility</p:attrName>
+                                        </p:attrNameLst>
+                                      </p:cBhvr>
+                                      <p:to>
+                                        <p:strVal val="visible"/>
+                                      </p:to>
+                                    </p:set>
+                                    <p:animEffect transition="in" filter="fade">
+                                      <p:cBhvr>
+                                        <p:cTn id="17" dur="500"/>
+                                        <p:tgtEl>
+                                          <p:spTgt spid="11"/>
+                                        </p:tgtEl>
+                                      </p:cBhvr>
+                                    </p:animEffect>
+                                  </p:childTnLst>
+                                </p:cTn>
+                              </p:par>
+                            </p:childTnLst>
+                          </p:cTn>
+                        </p:par>
+                      </p:childTnLst>
+                    </p:cTn>
+                  </p:par>
+                  <p:par>
+                    <p:cTn id="18" fill="hold">
+                      <p:stCondLst>
+                        <p:cond delay="indefinite"/>
+                      </p:stCondLst>
+                      <p:childTnLst>
+                        <p:par>
+                          <p:cTn id="19" fill="hold">
+                            <p:stCondLst>
+                              <p:cond delay="0"/>
+                            </p:stCondLst>
+                            <p:childTnLst>
+                              <p:par>
+                                <p:cTn id="20" presetID="10" presetClass="entr" presetSubtype="0" fill="hold" grpId="0" nodeType="clickEffect">
+                                  <p:stCondLst>
+                                    <p:cond delay="0"/>
+                                  </p:stCondLst>
+                                  <p:childTnLst>
+                                    <p:set>
+                                      <p:cBhvr>
+                                        <p:cTn id="21" dur="1" fill="hold">
+                                          <p:stCondLst>
+                                            <p:cond delay="0"/>
+                                          </p:stCondLst>
+                                        </p:cTn>
+                                        <p:tgtEl>
+                                          <p:spTgt spid="12"/>
+                                        </p:tgtEl>
+                                        <p:attrNameLst>
+                                          <p:attrName>style.visibility</p:attrName>
+                                        </p:attrNameLst>
+                                      </p:cBhvr>
+                                      <p:to>
+                                        <p:strVal val="visible"/>
+                                      </p:to>
+                                    </p:set>
+                                    <p:animEffect transition="in" filter="fade">
+                                      <p:cBhvr>
+                                        <p:cTn id="22" dur="500"/>
+                                        <p:tgtEl>
+                                          <p:spTgt spid="12"/>
+                                        </p:tgtEl>
+                                      </p:cBhvr>
+                                    </p:animEffect>
+                                  </p:childTnLst>
+                                </p:cTn>
+                              </p:par>
+                            </p:childTnLst>
+                          </p:cTn>
+                        </p:par>
+                      </p:childTnLst>
+                    </p:cTn>
+                  </p:par>
+                </p:childTnLst>
+              </p:cTn>
+              <p:prevCondLst>
+                <p:cond evt="onPrev" delay="0">
+                  <p:tgtEl>
+                    <p:sldTgt/>
+                  </p:tgtEl>
+                </p:cond>
+              </p:prevCondLst>
+              <p:nextCondLst>
+                <p:cond evt="onNext" delay="0">
+                  <p:tgtEl>
+                    <p:sldTgt/>
+                  </p:tgtEl>
+                </p:cond>
+              </p:nextCondLst>
+            </p:seq>
+          </p:childTnLst>
+        </p:cTn>
+      </p:par>
+    </p:tnLst>
+    <p:bldLst>
+      <p:bldP spid="3" grpId="0" animBg="1"/>
+      <p:bldP spid="10" grpId="0" animBg="1"/>
+      <p:bldP spid="11" grpId="0" animBg="1"/>
+      <p:bldP spid="12" grpId="0" animBg="1"/>
+    </p:bldLst>
+  </p:timing>
+</p:sld>
+</file>
+
+<file path=ppt/slides/slide17.xml><?xml version="1.0" encoding="utf-8"?>
+<p:sld xmlns:a="http://schemas.openxmlformats.org/drawingml/2006/main" xmlns:r="http://schemas.openxmlformats.org/officeDocument/2006/relationships" xmlns:p="http://schemas.openxmlformats.org/presentationml/2006/main">
+  <p:cSld>
+    <p:spTree>
+      <p:nvGrpSpPr>
+        <p:cNvPr id="1" name=""/>
+        <p:cNvGrpSpPr/>
+        <p:nvPr/>
+      </p:nvGrpSpPr>
+      <p:grpSpPr>
+        <a:xfrm>
+          <a:off x="0" y="0"/>
+          <a:ext cx="0" cy="0"/>
+          <a:chOff x="0" y="0"/>
+          <a:chExt cx="0" cy="0"/>
+        </a:xfrm>
+      </p:grpSpPr>
       <p:pic>
         <p:nvPicPr>
           <p:cNvPr id="2" name="圖片 1"/>
@@ -3652,7 +5719,7 @@
 </p:sld>
 </file>
 
-<file path=ppt/slides/slide11.xml><?xml version="1.0" encoding="utf-8"?>
+<file path=ppt/slides/slide18.xml><?xml version="1.0" encoding="utf-8"?>
 <p:sld xmlns:a="http://schemas.openxmlformats.org/drawingml/2006/main" xmlns:r="http://schemas.openxmlformats.org/officeDocument/2006/relationships" xmlns:p="http://schemas.openxmlformats.org/presentationml/2006/main">
   <p:cSld>
     <p:bg>
@@ -4114,6 +6181,801 @@
 </file>
 
 <file path=ppt/slides/slide5.xml><?xml version="1.0" encoding="utf-8"?>
+<p:sld xmlns:a="http://schemas.openxmlformats.org/drawingml/2006/main" xmlns:r="http://schemas.openxmlformats.org/officeDocument/2006/relationships" xmlns:p="http://schemas.openxmlformats.org/presentationml/2006/main">
+  <p:cSld>
+    <p:spTree>
+      <p:nvGrpSpPr>
+        <p:cNvPr id="1" name=""/>
+        <p:cNvGrpSpPr/>
+        <p:nvPr/>
+      </p:nvGrpSpPr>
+      <p:grpSpPr>
+        <a:xfrm>
+          <a:off x="0" y="0"/>
+          <a:ext cx="0" cy="0"/>
+          <a:chOff x="0" y="0"/>
+          <a:chExt cx="0" cy="0"/>
+        </a:xfrm>
+      </p:grpSpPr>
+      <p:sp>
+        <p:nvSpPr>
+          <p:cNvPr id="4" name="標題 3"/>
+          <p:cNvSpPr>
+            <a:spLocks noGrp="1"/>
+          </p:cNvSpPr>
+          <p:nvPr>
+            <p:ph type="title"/>
+          </p:nvPr>
+        </p:nvSpPr>
+        <p:spPr/>
+        <p:txBody>
+          <a:bodyPr/>
+          <a:lstStyle/>
+          <a:p>
+            <a:r>
+              <a:rPr lang="en-US" dirty="0" smtClean="0"/>
+              <a:t>Consul &amp; Service Discovery</a:t>
+            </a:r>
+            <a:endParaRPr lang="en-US" dirty="0"/>
+          </a:p>
+        </p:txBody>
+      </p:sp>
+      <p:sp>
+        <p:nvSpPr>
+          <p:cNvPr id="5" name="文字版面配置區 4"/>
+          <p:cNvSpPr>
+            <a:spLocks noGrp="1"/>
+          </p:cNvSpPr>
+          <p:nvPr>
+            <p:ph type="body" idx="1"/>
+          </p:nvPr>
+        </p:nvSpPr>
+        <p:spPr/>
+        <p:txBody>
+          <a:bodyPr/>
+          <a:lstStyle/>
+          <a:p>
+            <a:endParaRPr lang="en-US"/>
+          </a:p>
+        </p:txBody>
+      </p:sp>
+    </p:spTree>
+    <p:extLst>
+      <p:ext uri="{BB962C8B-B14F-4D97-AF65-F5344CB8AC3E}">
+        <p14:creationId xmlns:p14="http://schemas.microsoft.com/office/powerpoint/2010/main" val="2201866389"/>
+      </p:ext>
+    </p:extLst>
+  </p:cSld>
+  <p:clrMapOvr>
+    <a:masterClrMapping/>
+  </p:clrMapOvr>
+  <p:timing>
+    <p:tnLst>
+      <p:par>
+        <p:cTn id="1" dur="indefinite" restart="never" nodeType="tmRoot"/>
+      </p:par>
+    </p:tnLst>
+  </p:timing>
+</p:sld>
+</file>
+
+<file path=ppt/slides/slide6.xml><?xml version="1.0" encoding="utf-8"?>
+<p:sld xmlns:a="http://schemas.openxmlformats.org/drawingml/2006/main" xmlns:r="http://schemas.openxmlformats.org/officeDocument/2006/relationships" xmlns:p="http://schemas.openxmlformats.org/presentationml/2006/main">
+  <p:cSld>
+    <p:spTree>
+      <p:nvGrpSpPr>
+        <p:cNvPr id="1" name=""/>
+        <p:cNvGrpSpPr/>
+        <p:nvPr/>
+      </p:nvGrpSpPr>
+      <p:grpSpPr>
+        <a:xfrm>
+          <a:off x="0" y="0"/>
+          <a:ext cx="0" cy="0"/>
+          <a:chOff x="0" y="0"/>
+          <a:chExt cx="0" cy="0"/>
+        </a:xfrm>
+      </p:grpSpPr>
+      <p:pic>
+        <p:nvPicPr>
+          <p:cNvPr id="2050" name="Picture 2" descr="ç¸éåç"/>
+          <p:cNvPicPr>
+            <a:picLocks noChangeAspect="1" noChangeArrowheads="1"/>
+          </p:cNvPicPr>
+          <p:nvPr/>
+        </p:nvPicPr>
+        <p:blipFill>
+          <a:blip r:embed="rId2">
+            <a:extLst>
+              <a:ext uri="{28A0092B-C50C-407E-A947-70E740481C1C}">
+                <a14:useLocalDpi xmlns:a14="http://schemas.microsoft.com/office/drawing/2010/main" val="0"/>
+              </a:ext>
+            </a:extLst>
+          </a:blip>
+          <a:srcRect/>
+          <a:stretch>
+            <a:fillRect/>
+          </a:stretch>
+        </p:blipFill>
+        <p:spPr bwMode="auto">
+          <a:xfrm>
+            <a:off x="3335056" y="341501"/>
+            <a:ext cx="6705413" cy="6332162"/>
+          </a:xfrm>
+          <a:prstGeom prst="rect">
+            <a:avLst/>
+          </a:prstGeom>
+          <a:noFill/>
+          <a:extLst>
+            <a:ext uri="{909E8E84-426E-40DD-AFC4-6F175D3DCCD1}">
+              <a14:hiddenFill xmlns:a14="http://schemas.microsoft.com/office/drawing/2010/main">
+                <a:solidFill>
+                  <a:srgbClr val="FFFFFF"/>
+                </a:solidFill>
+              </a14:hiddenFill>
+            </a:ext>
+          </a:extLst>
+        </p:spPr>
+      </p:pic>
+      <p:pic>
+        <p:nvPicPr>
+          <p:cNvPr id="9" name="圖片 8"/>
+          <p:cNvPicPr>
+            <a:picLocks noChangeAspect="1"/>
+          </p:cNvPicPr>
+          <p:nvPr/>
+        </p:nvPicPr>
+        <p:blipFill>
+          <a:blip r:embed="rId3"/>
+          <a:stretch>
+            <a:fillRect/>
+          </a:stretch>
+        </p:blipFill>
+        <p:spPr>
+          <a:xfrm>
+            <a:off x="3789082" y="4759887"/>
+            <a:ext cx="1470212" cy="528737"/>
+          </a:xfrm>
+          <a:prstGeom prst="rect">
+            <a:avLst/>
+          </a:prstGeom>
+        </p:spPr>
+      </p:pic>
+      <p:cxnSp>
+        <p:nvCxnSpPr>
+          <p:cNvPr id="10" name="直線單箭頭接點 9"/>
+          <p:cNvCxnSpPr/>
+          <p:nvPr/>
+        </p:nvCxnSpPr>
+        <p:spPr>
+          <a:xfrm flipH="1">
+            <a:off x="5032188" y="2133600"/>
+            <a:ext cx="2635624" cy="2330824"/>
+          </a:xfrm>
+          <a:prstGeom prst="straightConnector1">
+            <a:avLst/>
+          </a:prstGeom>
+          <a:ln w="38100">
+            <a:solidFill>
+              <a:srgbClr val="6DD779"/>
+            </a:solidFill>
+            <a:tailEnd type="triangle"/>
+          </a:ln>
+        </p:spPr>
+        <p:style>
+          <a:lnRef idx="1">
+            <a:schemeClr val="accent1"/>
+          </a:lnRef>
+          <a:fillRef idx="0">
+            <a:schemeClr val="accent1"/>
+          </a:fillRef>
+          <a:effectRef idx="0">
+            <a:schemeClr val="accent1"/>
+          </a:effectRef>
+          <a:fontRef idx="minor">
+            <a:schemeClr val="tx1"/>
+          </a:fontRef>
+        </p:style>
+      </p:cxnSp>
+      <p:sp>
+        <p:nvSpPr>
+          <p:cNvPr id="11" name="文字方塊 10"/>
+          <p:cNvSpPr txBox="1"/>
+          <p:nvPr/>
+        </p:nvSpPr>
+        <p:spPr>
+          <a:xfrm>
+            <a:off x="4607728" y="3066625"/>
+            <a:ext cx="1742272" cy="369332"/>
+          </a:xfrm>
+          <a:prstGeom prst="rect">
+            <a:avLst/>
+          </a:prstGeom>
+          <a:noFill/>
+        </p:spPr>
+        <p:txBody>
+          <a:bodyPr wrap="none" rtlCol="0">
+            <a:spAutoFit/>
+          </a:bodyPr>
+          <a:lstStyle/>
+          <a:p>
+            <a:r>
+              <a:rPr lang="en-US" dirty="0" smtClean="0"/>
+              <a:t>Send Heartbeats</a:t>
+            </a:r>
+            <a:endParaRPr lang="en-US" dirty="0"/>
+          </a:p>
+        </p:txBody>
+      </p:sp>
+      <p:cxnSp>
+        <p:nvCxnSpPr>
+          <p:cNvPr id="13" name="直線單箭頭接點 12"/>
+          <p:cNvCxnSpPr/>
+          <p:nvPr/>
+        </p:nvCxnSpPr>
+        <p:spPr>
+          <a:xfrm flipV="1">
+            <a:off x="5325035" y="2468282"/>
+            <a:ext cx="2629647" cy="2291605"/>
+          </a:xfrm>
+          <a:prstGeom prst="straightConnector1">
+            <a:avLst/>
+          </a:prstGeom>
+          <a:ln w="38100">
+            <a:solidFill>
+              <a:srgbClr val="6DD779"/>
+            </a:solidFill>
+            <a:tailEnd type="triangle"/>
+          </a:ln>
+        </p:spPr>
+        <p:style>
+          <a:lnRef idx="1">
+            <a:schemeClr val="accent1"/>
+          </a:lnRef>
+          <a:fillRef idx="0">
+            <a:schemeClr val="accent1"/>
+          </a:fillRef>
+          <a:effectRef idx="0">
+            <a:schemeClr val="accent1"/>
+          </a:effectRef>
+          <a:fontRef idx="minor">
+            <a:schemeClr val="tx1"/>
+          </a:fontRef>
+        </p:style>
+      </p:cxnSp>
+      <p:sp>
+        <p:nvSpPr>
+          <p:cNvPr id="15" name="文字方塊 14"/>
+          <p:cNvSpPr txBox="1"/>
+          <p:nvPr/>
+        </p:nvSpPr>
+        <p:spPr>
+          <a:xfrm>
+            <a:off x="5961896" y="4034299"/>
+            <a:ext cx="1705916" cy="369332"/>
+          </a:xfrm>
+          <a:prstGeom prst="rect">
+            <a:avLst/>
+          </a:prstGeom>
+          <a:noFill/>
+        </p:spPr>
+        <p:txBody>
+          <a:bodyPr wrap="none" rtlCol="0">
+            <a:spAutoFit/>
+          </a:bodyPr>
+          <a:lstStyle/>
+          <a:p>
+            <a:r>
+              <a:rPr lang="en-US" dirty="0" smtClean="0"/>
+              <a:t>Health Checking</a:t>
+            </a:r>
+            <a:endParaRPr lang="en-US" dirty="0"/>
+          </a:p>
+        </p:txBody>
+      </p:sp>
+    </p:spTree>
+    <p:extLst>
+      <p:ext uri="{BB962C8B-B14F-4D97-AF65-F5344CB8AC3E}">
+        <p14:creationId xmlns:p14="http://schemas.microsoft.com/office/powerpoint/2010/main" val="3497507202"/>
+      </p:ext>
+    </p:extLst>
+  </p:cSld>
+  <p:clrMapOvr>
+    <a:masterClrMapping/>
+  </p:clrMapOvr>
+  <p:timing>
+    <p:tnLst>
+      <p:par>
+        <p:cTn id="1" dur="indefinite" restart="never" nodeType="tmRoot">
+          <p:childTnLst>
+            <p:seq concurrent="1" nextAc="seek">
+              <p:cTn id="2" dur="indefinite" nodeType="mainSeq">
+                <p:childTnLst>
+                  <p:par>
+                    <p:cTn id="3" fill="hold">
+                      <p:stCondLst>
+                        <p:cond delay="indefinite"/>
+                      </p:stCondLst>
+                      <p:childTnLst>
+                        <p:par>
+                          <p:cTn id="4" fill="hold">
+                            <p:stCondLst>
+                              <p:cond delay="0"/>
+                            </p:stCondLst>
+                            <p:childTnLst>
+                              <p:par>
+                                <p:cTn id="5" presetID="10" presetClass="entr" presetSubtype="0" fill="hold" nodeType="clickEffect">
+                                  <p:stCondLst>
+                                    <p:cond delay="0"/>
+                                  </p:stCondLst>
+                                  <p:childTnLst>
+                                    <p:set>
+                                      <p:cBhvr>
+                                        <p:cTn id="6" dur="1" fill="hold">
+                                          <p:stCondLst>
+                                            <p:cond delay="0"/>
+                                          </p:stCondLst>
+                                        </p:cTn>
+                                        <p:tgtEl>
+                                          <p:spTgt spid="9"/>
+                                        </p:tgtEl>
+                                        <p:attrNameLst>
+                                          <p:attrName>style.visibility</p:attrName>
+                                        </p:attrNameLst>
+                                      </p:cBhvr>
+                                      <p:to>
+                                        <p:strVal val="visible"/>
+                                      </p:to>
+                                    </p:set>
+                                    <p:animEffect transition="in" filter="fade">
+                                      <p:cBhvr>
+                                        <p:cTn id="7" dur="500"/>
+                                        <p:tgtEl>
+                                          <p:spTgt spid="9"/>
+                                        </p:tgtEl>
+                                      </p:cBhvr>
+                                    </p:animEffect>
+                                  </p:childTnLst>
+                                </p:cTn>
+                              </p:par>
+                            </p:childTnLst>
+                          </p:cTn>
+                        </p:par>
+                      </p:childTnLst>
+                    </p:cTn>
+                  </p:par>
+                  <p:par>
+                    <p:cTn id="8" fill="hold">
+                      <p:stCondLst>
+                        <p:cond delay="indefinite"/>
+                      </p:stCondLst>
+                      <p:childTnLst>
+                        <p:par>
+                          <p:cTn id="9" fill="hold">
+                            <p:stCondLst>
+                              <p:cond delay="0"/>
+                            </p:stCondLst>
+                            <p:childTnLst>
+                              <p:par>
+                                <p:cTn id="10" presetID="10" presetClass="entr" presetSubtype="0" fill="hold" grpId="0" nodeType="clickEffect">
+                                  <p:stCondLst>
+                                    <p:cond delay="0"/>
+                                  </p:stCondLst>
+                                  <p:childTnLst>
+                                    <p:set>
+                                      <p:cBhvr>
+                                        <p:cTn id="11" dur="1" fill="hold">
+                                          <p:stCondLst>
+                                            <p:cond delay="0"/>
+                                          </p:stCondLst>
+                                        </p:cTn>
+                                        <p:tgtEl>
+                                          <p:spTgt spid="11"/>
+                                        </p:tgtEl>
+                                        <p:attrNameLst>
+                                          <p:attrName>style.visibility</p:attrName>
+                                        </p:attrNameLst>
+                                      </p:cBhvr>
+                                      <p:to>
+                                        <p:strVal val="visible"/>
+                                      </p:to>
+                                    </p:set>
+                                    <p:animEffect transition="in" filter="fade">
+                                      <p:cBhvr>
+                                        <p:cTn id="12" dur="500"/>
+                                        <p:tgtEl>
+                                          <p:spTgt spid="11"/>
+                                        </p:tgtEl>
+                                      </p:cBhvr>
+                                    </p:animEffect>
+                                  </p:childTnLst>
+                                </p:cTn>
+                              </p:par>
+                              <p:par>
+                                <p:cTn id="13" presetID="10" presetClass="entr" presetSubtype="0" fill="hold" nodeType="withEffect">
+                                  <p:stCondLst>
+                                    <p:cond delay="0"/>
+                                  </p:stCondLst>
+                                  <p:childTnLst>
+                                    <p:set>
+                                      <p:cBhvr>
+                                        <p:cTn id="14" dur="1" fill="hold">
+                                          <p:stCondLst>
+                                            <p:cond delay="0"/>
+                                          </p:stCondLst>
+                                        </p:cTn>
+                                        <p:tgtEl>
+                                          <p:spTgt spid="10"/>
+                                        </p:tgtEl>
+                                        <p:attrNameLst>
+                                          <p:attrName>style.visibility</p:attrName>
+                                        </p:attrNameLst>
+                                      </p:cBhvr>
+                                      <p:to>
+                                        <p:strVal val="visible"/>
+                                      </p:to>
+                                    </p:set>
+                                    <p:animEffect transition="in" filter="fade">
+                                      <p:cBhvr>
+                                        <p:cTn id="15" dur="500"/>
+                                        <p:tgtEl>
+                                          <p:spTgt spid="10"/>
+                                        </p:tgtEl>
+                                      </p:cBhvr>
+                                    </p:animEffect>
+                                  </p:childTnLst>
+                                </p:cTn>
+                              </p:par>
+                            </p:childTnLst>
+                          </p:cTn>
+                        </p:par>
+                      </p:childTnLst>
+                    </p:cTn>
+                  </p:par>
+                  <p:par>
+                    <p:cTn id="16" fill="hold">
+                      <p:stCondLst>
+                        <p:cond delay="indefinite"/>
+                      </p:stCondLst>
+                      <p:childTnLst>
+                        <p:par>
+                          <p:cTn id="17" fill="hold">
+                            <p:stCondLst>
+                              <p:cond delay="0"/>
+                            </p:stCondLst>
+                            <p:childTnLst>
+                              <p:par>
+                                <p:cTn id="18" presetID="10" presetClass="entr" presetSubtype="0" fill="hold" grpId="0" nodeType="clickEffect">
+                                  <p:stCondLst>
+                                    <p:cond delay="0"/>
+                                  </p:stCondLst>
+                                  <p:childTnLst>
+                                    <p:set>
+                                      <p:cBhvr>
+                                        <p:cTn id="19" dur="1" fill="hold">
+                                          <p:stCondLst>
+                                            <p:cond delay="0"/>
+                                          </p:stCondLst>
+                                        </p:cTn>
+                                        <p:tgtEl>
+                                          <p:spTgt spid="15"/>
+                                        </p:tgtEl>
+                                        <p:attrNameLst>
+                                          <p:attrName>style.visibility</p:attrName>
+                                        </p:attrNameLst>
+                                      </p:cBhvr>
+                                      <p:to>
+                                        <p:strVal val="visible"/>
+                                      </p:to>
+                                    </p:set>
+                                    <p:animEffect transition="in" filter="fade">
+                                      <p:cBhvr>
+                                        <p:cTn id="20" dur="500"/>
+                                        <p:tgtEl>
+                                          <p:spTgt spid="15"/>
+                                        </p:tgtEl>
+                                      </p:cBhvr>
+                                    </p:animEffect>
+                                  </p:childTnLst>
+                                </p:cTn>
+                              </p:par>
+                              <p:par>
+                                <p:cTn id="21" presetID="10" presetClass="entr" presetSubtype="0" fill="hold" nodeType="withEffect">
+                                  <p:stCondLst>
+                                    <p:cond delay="0"/>
+                                  </p:stCondLst>
+                                  <p:childTnLst>
+                                    <p:set>
+                                      <p:cBhvr>
+                                        <p:cTn id="22" dur="1" fill="hold">
+                                          <p:stCondLst>
+                                            <p:cond delay="0"/>
+                                          </p:stCondLst>
+                                        </p:cTn>
+                                        <p:tgtEl>
+                                          <p:spTgt spid="13"/>
+                                        </p:tgtEl>
+                                        <p:attrNameLst>
+                                          <p:attrName>style.visibility</p:attrName>
+                                        </p:attrNameLst>
+                                      </p:cBhvr>
+                                      <p:to>
+                                        <p:strVal val="visible"/>
+                                      </p:to>
+                                    </p:set>
+                                    <p:animEffect transition="in" filter="fade">
+                                      <p:cBhvr>
+                                        <p:cTn id="23" dur="500"/>
+                                        <p:tgtEl>
+                                          <p:spTgt spid="13"/>
+                                        </p:tgtEl>
+                                      </p:cBhvr>
+                                    </p:animEffect>
+                                  </p:childTnLst>
+                                </p:cTn>
+                              </p:par>
+                            </p:childTnLst>
+                          </p:cTn>
+                        </p:par>
+                      </p:childTnLst>
+                    </p:cTn>
+                  </p:par>
+                </p:childTnLst>
+              </p:cTn>
+              <p:prevCondLst>
+                <p:cond evt="onPrev" delay="0">
+                  <p:tgtEl>
+                    <p:sldTgt/>
+                  </p:tgtEl>
+                </p:cond>
+              </p:prevCondLst>
+              <p:nextCondLst>
+                <p:cond evt="onNext" delay="0">
+                  <p:tgtEl>
+                    <p:sldTgt/>
+                  </p:tgtEl>
+                </p:cond>
+              </p:nextCondLst>
+            </p:seq>
+          </p:childTnLst>
+        </p:cTn>
+      </p:par>
+    </p:tnLst>
+    <p:bldLst>
+      <p:bldP spid="11" grpId="0"/>
+      <p:bldP spid="15" grpId="0"/>
+    </p:bldLst>
+  </p:timing>
+</p:sld>
+</file>
+
+<file path=ppt/slides/slide7.xml><?xml version="1.0" encoding="utf-8"?>
+<p:sld xmlns:a="http://schemas.openxmlformats.org/drawingml/2006/main" xmlns:r="http://schemas.openxmlformats.org/officeDocument/2006/relationships" xmlns:p="http://schemas.openxmlformats.org/presentationml/2006/main">
+  <p:cSld>
+    <p:spTree>
+      <p:nvGrpSpPr>
+        <p:cNvPr id="1" name=""/>
+        <p:cNvGrpSpPr/>
+        <p:nvPr/>
+      </p:nvGrpSpPr>
+      <p:grpSpPr>
+        <a:xfrm>
+          <a:off x="0" y="0"/>
+          <a:ext cx="0" cy="0"/>
+          <a:chOff x="0" y="0"/>
+          <a:chExt cx="0" cy="0"/>
+        </a:xfrm>
+      </p:grpSpPr>
+      <p:pic>
+        <p:nvPicPr>
+          <p:cNvPr id="2" name="圖片 1"/>
+          <p:cNvPicPr>
+            <a:picLocks noChangeAspect="1"/>
+          </p:cNvPicPr>
+          <p:nvPr/>
+        </p:nvPicPr>
+        <p:blipFill rotWithShape="1">
+          <a:blip r:embed="rId2"/>
+          <a:srcRect l="15535" r="15402"/>
+          <a:stretch/>
+        </p:blipFill>
+        <p:spPr>
+          <a:xfrm>
+            <a:off x="-18288" y="793895"/>
+            <a:ext cx="12222480" cy="5353730"/>
+          </a:xfrm>
+          <a:prstGeom prst="rect">
+            <a:avLst/>
+          </a:prstGeom>
+        </p:spPr>
+      </p:pic>
+      <p:sp>
+        <p:nvSpPr>
+          <p:cNvPr id="3" name="矩形 2"/>
+          <p:cNvSpPr/>
+          <p:nvPr/>
+        </p:nvSpPr>
+        <p:spPr>
+          <a:xfrm>
+            <a:off x="798576" y="3547872"/>
+            <a:ext cx="10698480" cy="1993392"/>
+          </a:xfrm>
+          <a:prstGeom prst="rect">
+            <a:avLst/>
+          </a:prstGeom>
+          <a:solidFill>
+            <a:srgbClr val="C62A71"/>
+          </a:solidFill>
+          <a:ln>
+            <a:noFill/>
+          </a:ln>
+        </p:spPr>
+        <p:style>
+          <a:lnRef idx="2">
+            <a:schemeClr val="accent1">
+              <a:shade val="50000"/>
+            </a:schemeClr>
+          </a:lnRef>
+          <a:fillRef idx="1">
+            <a:schemeClr val="accent1"/>
+          </a:fillRef>
+          <a:effectRef idx="0">
+            <a:schemeClr val="accent1"/>
+          </a:effectRef>
+          <a:fontRef idx="minor">
+            <a:schemeClr val="lt1"/>
+          </a:fontRef>
+        </p:style>
+        <p:txBody>
+          <a:bodyPr rtlCol="0" anchor="ctr"/>
+          <a:lstStyle/>
+          <a:p>
+            <a:pPr algn="ctr"/>
+            <a:endParaRPr lang="en-US"/>
+          </a:p>
+        </p:txBody>
+      </p:sp>
+      <p:sp>
+        <p:nvSpPr>
+          <p:cNvPr id="4" name="文字方塊 3"/>
+          <p:cNvSpPr txBox="1"/>
+          <p:nvPr/>
+        </p:nvSpPr>
+        <p:spPr>
+          <a:xfrm>
+            <a:off x="215153" y="6406776"/>
+            <a:ext cx="2373791" cy="646331"/>
+          </a:xfrm>
+          <a:prstGeom prst="rect">
+            <a:avLst/>
+          </a:prstGeom>
+          <a:noFill/>
+        </p:spPr>
+        <p:txBody>
+          <a:bodyPr wrap="none" rtlCol="0">
+            <a:spAutoFit/>
+          </a:bodyPr>
+          <a:lstStyle/>
+          <a:p>
+            <a:r>
+              <a:rPr lang="en-US" dirty="0">
+                <a:hlinkClick r:id="rId3"/>
+              </a:rPr>
+              <a:t>https://www.consul.io</a:t>
+            </a:r>
+            <a:r>
+              <a:rPr lang="en-US" dirty="0" smtClean="0">
+                <a:hlinkClick r:id="rId3"/>
+              </a:rPr>
+              <a:t>/</a:t>
+            </a:r>
+            <a:endParaRPr lang="en-US" dirty="0" smtClean="0"/>
+          </a:p>
+          <a:p>
+            <a:endParaRPr lang="en-US" dirty="0"/>
+          </a:p>
+        </p:txBody>
+      </p:sp>
+    </p:spTree>
+    <p:extLst>
+      <p:ext uri="{BB962C8B-B14F-4D97-AF65-F5344CB8AC3E}">
+        <p14:creationId xmlns:p14="http://schemas.microsoft.com/office/powerpoint/2010/main" val="316490495"/>
+      </p:ext>
+    </p:extLst>
+  </p:cSld>
+  <p:clrMapOvr>
+    <a:masterClrMapping/>
+  </p:clrMapOvr>
+  <p:timing>
+    <p:tnLst>
+      <p:par>
+        <p:cTn id="1" dur="indefinite" restart="never" nodeType="tmRoot">
+          <p:childTnLst>
+            <p:seq concurrent="1" nextAc="seek">
+              <p:cTn id="2" dur="indefinite" nodeType="mainSeq">
+                <p:childTnLst>
+                  <p:par>
+                    <p:cTn id="3" fill="hold">
+                      <p:stCondLst>
+                        <p:cond delay="indefinite"/>
+                      </p:stCondLst>
+                      <p:childTnLst>
+                        <p:par>
+                          <p:cTn id="4" fill="hold">
+                            <p:stCondLst>
+                              <p:cond delay="0"/>
+                            </p:stCondLst>
+                            <p:childTnLst>
+                              <p:par>
+                                <p:cTn id="5" presetID="10" presetClass="entr" presetSubtype="0" fill="hold" grpId="0" nodeType="clickEffect">
+                                  <p:stCondLst>
+                                    <p:cond delay="0"/>
+                                  </p:stCondLst>
+                                  <p:childTnLst>
+                                    <p:set>
+                                      <p:cBhvr>
+                                        <p:cTn id="6" dur="1" fill="hold">
+                                          <p:stCondLst>
+                                            <p:cond delay="0"/>
+                                          </p:stCondLst>
+                                        </p:cTn>
+                                        <p:tgtEl>
+                                          <p:spTgt spid="3"/>
+                                        </p:tgtEl>
+                                        <p:attrNameLst>
+                                          <p:attrName>style.visibility</p:attrName>
+                                        </p:attrNameLst>
+                                      </p:cBhvr>
+                                      <p:to>
+                                        <p:strVal val="visible"/>
+                                      </p:to>
+                                    </p:set>
+                                    <p:animEffect transition="in" filter="fade">
+                                      <p:cBhvr>
+                                        <p:cTn id="7" dur="500"/>
+                                        <p:tgtEl>
+                                          <p:spTgt spid="3"/>
+                                        </p:tgtEl>
+                                      </p:cBhvr>
+                                    </p:animEffect>
+                                  </p:childTnLst>
+                                </p:cTn>
+                              </p:par>
+                            </p:childTnLst>
+                          </p:cTn>
+                        </p:par>
+                      </p:childTnLst>
+                    </p:cTn>
+                  </p:par>
+                </p:childTnLst>
+              </p:cTn>
+              <p:prevCondLst>
+                <p:cond evt="onPrev" delay="0">
+                  <p:tgtEl>
+                    <p:sldTgt/>
+                  </p:tgtEl>
+                </p:cond>
+              </p:prevCondLst>
+              <p:nextCondLst>
+                <p:cond evt="onNext" delay="0">
+                  <p:tgtEl>
+                    <p:sldTgt/>
+                  </p:tgtEl>
+                </p:cond>
+              </p:nextCondLst>
+            </p:seq>
+          </p:childTnLst>
+        </p:cTn>
+      </p:par>
+    </p:tnLst>
+    <p:bldLst>
+      <p:bldP spid="3" grpId="0" animBg="1"/>
+    </p:bldLst>
+  </p:timing>
+</p:sld>
+</file>
+
+<file path=ppt/slides/slide8.xml><?xml version="1.0" encoding="utf-8"?>
 <p:sld xmlns:a="http://schemas.openxmlformats.org/drawingml/2006/main" xmlns:r="http://schemas.openxmlformats.org/officeDocument/2006/relationships" xmlns:p="http://schemas.openxmlformats.org/presentationml/2006/main">
   <p:cSld>
     <p:spTree>
@@ -5317,942 +8179,6 @@
 </p:sld>
 </file>
 
-<file path=ppt/slides/slide6.xml><?xml version="1.0" encoding="utf-8"?>
-<p:sld xmlns:a="http://schemas.openxmlformats.org/drawingml/2006/main" xmlns:r="http://schemas.openxmlformats.org/officeDocument/2006/relationships" xmlns:p="http://schemas.openxmlformats.org/presentationml/2006/main">
-  <p:cSld>
-    <p:spTree>
-      <p:nvGrpSpPr>
-        <p:cNvPr id="1" name=""/>
-        <p:cNvGrpSpPr/>
-        <p:nvPr/>
-      </p:nvGrpSpPr>
-      <p:grpSpPr>
-        <a:xfrm>
-          <a:off x="0" y="0"/>
-          <a:ext cx="0" cy="0"/>
-          <a:chOff x="0" y="0"/>
-          <a:chExt cx="0" cy="0"/>
-        </a:xfrm>
-      </p:grpSpPr>
-      <p:pic>
-        <p:nvPicPr>
-          <p:cNvPr id="2" name="圖片 1"/>
-          <p:cNvPicPr>
-            <a:picLocks noChangeAspect="1"/>
-          </p:cNvPicPr>
-          <p:nvPr/>
-        </p:nvPicPr>
-        <p:blipFill rotWithShape="1">
-          <a:blip r:embed="rId2"/>
-          <a:srcRect l="15535" r="15402"/>
-          <a:stretch/>
-        </p:blipFill>
-        <p:spPr>
-          <a:xfrm>
-            <a:off x="-18288" y="793895"/>
-            <a:ext cx="12222480" cy="5353730"/>
-          </a:xfrm>
-          <a:prstGeom prst="rect">
-            <a:avLst/>
-          </a:prstGeom>
-        </p:spPr>
-      </p:pic>
-      <p:sp>
-        <p:nvSpPr>
-          <p:cNvPr id="3" name="矩形 2"/>
-          <p:cNvSpPr/>
-          <p:nvPr/>
-        </p:nvSpPr>
-        <p:spPr>
-          <a:xfrm>
-            <a:off x="798576" y="3547872"/>
-            <a:ext cx="10698480" cy="1993392"/>
-          </a:xfrm>
-          <a:prstGeom prst="rect">
-            <a:avLst/>
-          </a:prstGeom>
-          <a:solidFill>
-            <a:srgbClr val="C62A71"/>
-          </a:solidFill>
-          <a:ln>
-            <a:noFill/>
-          </a:ln>
-        </p:spPr>
-        <p:style>
-          <a:lnRef idx="2">
-            <a:schemeClr val="accent1">
-              <a:shade val="50000"/>
-            </a:schemeClr>
-          </a:lnRef>
-          <a:fillRef idx="1">
-            <a:schemeClr val="accent1"/>
-          </a:fillRef>
-          <a:effectRef idx="0">
-            <a:schemeClr val="accent1"/>
-          </a:effectRef>
-          <a:fontRef idx="minor">
-            <a:schemeClr val="lt1"/>
-          </a:fontRef>
-        </p:style>
-        <p:txBody>
-          <a:bodyPr rtlCol="0" anchor="ctr"/>
-          <a:lstStyle/>
-          <a:p>
-            <a:pPr algn="ctr"/>
-            <a:endParaRPr lang="en-US"/>
-          </a:p>
-        </p:txBody>
-      </p:sp>
-      <p:sp>
-        <p:nvSpPr>
-          <p:cNvPr id="4" name="文字方塊 3"/>
-          <p:cNvSpPr txBox="1"/>
-          <p:nvPr/>
-        </p:nvSpPr>
-        <p:spPr>
-          <a:xfrm>
-            <a:off x="215153" y="6406776"/>
-            <a:ext cx="2373791" cy="646331"/>
-          </a:xfrm>
-          <a:prstGeom prst="rect">
-            <a:avLst/>
-          </a:prstGeom>
-          <a:noFill/>
-        </p:spPr>
-        <p:txBody>
-          <a:bodyPr wrap="none" rtlCol="0">
-            <a:spAutoFit/>
-          </a:bodyPr>
-          <a:lstStyle/>
-          <a:p>
-            <a:r>
-              <a:rPr lang="en-US" dirty="0">
-                <a:hlinkClick r:id="rId3"/>
-              </a:rPr>
-              <a:t>https://www.consul.io</a:t>
-            </a:r>
-            <a:r>
-              <a:rPr lang="en-US" dirty="0" smtClean="0">
-                <a:hlinkClick r:id="rId3"/>
-              </a:rPr>
-              <a:t>/</a:t>
-            </a:r>
-            <a:endParaRPr lang="en-US" dirty="0" smtClean="0"/>
-          </a:p>
-          <a:p>
-            <a:endParaRPr lang="en-US" dirty="0"/>
-          </a:p>
-        </p:txBody>
-      </p:sp>
-    </p:spTree>
-    <p:extLst>
-      <p:ext uri="{BB962C8B-B14F-4D97-AF65-F5344CB8AC3E}">
-        <p14:creationId xmlns:p14="http://schemas.microsoft.com/office/powerpoint/2010/main" val="316490495"/>
-      </p:ext>
-    </p:extLst>
-  </p:cSld>
-  <p:clrMapOvr>
-    <a:masterClrMapping/>
-  </p:clrMapOvr>
-  <p:timing>
-    <p:tnLst>
-      <p:par>
-        <p:cTn id="1" dur="indefinite" restart="never" nodeType="tmRoot">
-          <p:childTnLst>
-            <p:seq concurrent="1" nextAc="seek">
-              <p:cTn id="2" dur="indefinite" nodeType="mainSeq">
-                <p:childTnLst>
-                  <p:par>
-                    <p:cTn id="3" fill="hold">
-                      <p:stCondLst>
-                        <p:cond delay="indefinite"/>
-                      </p:stCondLst>
-                      <p:childTnLst>
-                        <p:par>
-                          <p:cTn id="4" fill="hold">
-                            <p:stCondLst>
-                              <p:cond delay="0"/>
-                            </p:stCondLst>
-                            <p:childTnLst>
-                              <p:par>
-                                <p:cTn id="5" presetID="10" presetClass="entr" presetSubtype="0" fill="hold" grpId="0" nodeType="clickEffect">
-                                  <p:stCondLst>
-                                    <p:cond delay="0"/>
-                                  </p:stCondLst>
-                                  <p:childTnLst>
-                                    <p:set>
-                                      <p:cBhvr>
-                                        <p:cTn id="6" dur="1" fill="hold">
-                                          <p:stCondLst>
-                                            <p:cond delay="0"/>
-                                          </p:stCondLst>
-                                        </p:cTn>
-                                        <p:tgtEl>
-                                          <p:spTgt spid="3"/>
-                                        </p:tgtEl>
-                                        <p:attrNameLst>
-                                          <p:attrName>style.visibility</p:attrName>
-                                        </p:attrNameLst>
-                                      </p:cBhvr>
-                                      <p:to>
-                                        <p:strVal val="visible"/>
-                                      </p:to>
-                                    </p:set>
-                                    <p:animEffect transition="in" filter="fade">
-                                      <p:cBhvr>
-                                        <p:cTn id="7" dur="500"/>
-                                        <p:tgtEl>
-                                          <p:spTgt spid="3"/>
-                                        </p:tgtEl>
-                                      </p:cBhvr>
-                                    </p:animEffect>
-                                  </p:childTnLst>
-                                </p:cTn>
-                              </p:par>
-                            </p:childTnLst>
-                          </p:cTn>
-                        </p:par>
-                      </p:childTnLst>
-                    </p:cTn>
-                  </p:par>
-                </p:childTnLst>
-              </p:cTn>
-              <p:prevCondLst>
-                <p:cond evt="onPrev" delay="0">
-                  <p:tgtEl>
-                    <p:sldTgt/>
-                  </p:tgtEl>
-                </p:cond>
-              </p:prevCondLst>
-              <p:nextCondLst>
-                <p:cond evt="onNext" delay="0">
-                  <p:tgtEl>
-                    <p:sldTgt/>
-                  </p:tgtEl>
-                </p:cond>
-              </p:nextCondLst>
-            </p:seq>
-          </p:childTnLst>
-        </p:cTn>
-      </p:par>
-    </p:tnLst>
-    <p:bldLst>
-      <p:bldP spid="3" grpId="0" animBg="1"/>
-    </p:bldLst>
-  </p:timing>
-</p:sld>
-</file>
-
-<file path=ppt/slides/slide7.xml><?xml version="1.0" encoding="utf-8"?>
-<p:sld xmlns:a="http://schemas.openxmlformats.org/drawingml/2006/main" xmlns:r="http://schemas.openxmlformats.org/officeDocument/2006/relationships" xmlns:p="http://schemas.openxmlformats.org/presentationml/2006/main">
-  <p:cSld>
-    <p:spTree>
-      <p:nvGrpSpPr>
-        <p:cNvPr id="1" name=""/>
-        <p:cNvGrpSpPr/>
-        <p:nvPr/>
-      </p:nvGrpSpPr>
-      <p:grpSpPr>
-        <a:xfrm>
-          <a:off x="0" y="0"/>
-          <a:ext cx="0" cy="0"/>
-          <a:chOff x="0" y="0"/>
-          <a:chExt cx="0" cy="0"/>
-        </a:xfrm>
-      </p:grpSpPr>
-      <p:sp>
-        <p:nvSpPr>
-          <p:cNvPr id="2" name="標題 1"/>
-          <p:cNvSpPr>
-            <a:spLocks noGrp="1"/>
-          </p:cNvSpPr>
-          <p:nvPr>
-            <p:ph type="title"/>
-          </p:nvPr>
-        </p:nvSpPr>
-        <p:spPr/>
-        <p:txBody>
-          <a:bodyPr/>
-          <a:lstStyle/>
-          <a:p>
-            <a:r>
-              <a:rPr lang="en-US" altLang="zh-TW" dirty="0" smtClean="0"/>
-              <a:t>Question?</a:t>
-            </a:r>
-            <a:endParaRPr lang="en-US" dirty="0"/>
-          </a:p>
-        </p:txBody>
-      </p:sp>
-      <p:sp>
-        <p:nvSpPr>
-          <p:cNvPr id="3" name="內容版面配置區 2"/>
-          <p:cNvSpPr>
-            <a:spLocks noGrp="1"/>
-          </p:cNvSpPr>
-          <p:nvPr>
-            <p:ph idx="1"/>
-          </p:nvPr>
-        </p:nvSpPr>
-        <p:spPr/>
-        <p:txBody>
-          <a:bodyPr/>
-          <a:lstStyle/>
-          <a:p>
-            <a:r>
-              <a:rPr lang="zh-TW" altLang="en-US" dirty="0"/>
-              <a:t>可否分享一些你畢生難忘的監控異常事件</a:t>
-            </a:r>
-            <a:r>
-              <a:rPr lang="zh-TW" altLang="en-US" dirty="0" smtClean="0"/>
-              <a:t>？</a:t>
-            </a:r>
-            <a:endParaRPr lang="en-US" altLang="zh-TW" dirty="0" smtClean="0"/>
-          </a:p>
-          <a:p>
-            <a:r>
-              <a:rPr lang="zh-TW" altLang="en-US" dirty="0"/>
-              <a:t>你如何確認你設置的監控指標、告警條件是否正確？是否能正確用來識別服務為正常狀態</a:t>
-            </a:r>
-            <a:r>
-              <a:rPr lang="zh-TW" altLang="en-US" dirty="0" smtClean="0"/>
-              <a:t>？</a:t>
-            </a:r>
-            <a:endParaRPr lang="en-US" altLang="zh-TW" dirty="0" smtClean="0"/>
-          </a:p>
-          <a:p>
-            <a:r>
-              <a:rPr lang="zh-TW" altLang="en-US" dirty="0"/>
-              <a:t>請問監控系統有再串接別的系統來達到自動化處理系統障礙的目標</a:t>
-            </a:r>
-            <a:r>
-              <a:rPr lang="zh-TW" altLang="en-US" dirty="0" smtClean="0"/>
-              <a:t>？</a:t>
-            </a:r>
-            <a:endParaRPr lang="en-US" altLang="zh-TW" dirty="0" smtClean="0"/>
-          </a:p>
-          <a:p>
-            <a:r>
-              <a:rPr lang="zh-TW" altLang="en-US" dirty="0"/>
-              <a:t>如何有效的監控</a:t>
-            </a:r>
-            <a:r>
-              <a:rPr lang="en-US" altLang="zh-TW" dirty="0"/>
-              <a:t>API</a:t>
-            </a:r>
-            <a:r>
-              <a:rPr lang="zh-TW" altLang="en-US" dirty="0"/>
-              <a:t>運作情形，</a:t>
-            </a:r>
-            <a:r>
-              <a:rPr lang="en-US" altLang="zh-TW" dirty="0"/>
-              <a:t>API</a:t>
-            </a:r>
-            <a:r>
-              <a:rPr lang="zh-TW" altLang="en-US" dirty="0"/>
-              <a:t>端開發是否有需要對應的處理</a:t>
-            </a:r>
-            <a:r>
-              <a:rPr lang="en-US" altLang="zh-TW" dirty="0" smtClean="0"/>
-              <a:t>?</a:t>
-            </a:r>
-          </a:p>
-          <a:p>
-            <a:r>
-              <a:rPr lang="zh-TW" altLang="en-US" dirty="0"/>
-              <a:t>如果針對於 </a:t>
-            </a:r>
-            <a:r>
-              <a:rPr lang="en-US" altLang="zh-TW" dirty="0" err="1"/>
-              <a:t>docker</a:t>
-            </a:r>
-            <a:r>
-              <a:rPr lang="en-US" altLang="zh-TW" dirty="0"/>
-              <a:t> </a:t>
-            </a:r>
-            <a:r>
-              <a:rPr lang="zh-TW" altLang="en-US" dirty="0"/>
-              <a:t>或 </a:t>
-            </a:r>
-            <a:r>
-              <a:rPr lang="en-US" altLang="zh-TW" dirty="0" err="1"/>
-              <a:t>kubernetes</a:t>
-            </a:r>
-            <a:r>
-              <a:rPr lang="en-US" altLang="zh-TW" dirty="0"/>
-              <a:t> </a:t>
-            </a:r>
-            <a:r>
-              <a:rPr lang="zh-TW" altLang="en-US" dirty="0"/>
-              <a:t>的環境，內部的</a:t>
-            </a:r>
-            <a:r>
-              <a:rPr lang="en-US" altLang="zh-TW" dirty="0" err="1"/>
-              <a:t>ip</a:t>
-            </a:r>
-            <a:r>
-              <a:rPr lang="zh-TW" altLang="en-US" dirty="0"/>
-              <a:t>是不固定的，有何方法進行自動發現並監控呢？當該服務不存在時，又有何方法能從 </a:t>
-            </a:r>
-            <a:r>
-              <a:rPr lang="en-US" altLang="zh-TW" dirty="0" err="1"/>
-              <a:t>dasboard</a:t>
-            </a:r>
-            <a:r>
-              <a:rPr lang="en-US" altLang="zh-TW" dirty="0"/>
-              <a:t> </a:t>
-            </a:r>
-            <a:r>
-              <a:rPr lang="zh-TW" altLang="en-US" dirty="0"/>
-              <a:t>上自動消失呢？</a:t>
-            </a:r>
-            <a:endParaRPr lang="en-US" dirty="0"/>
-          </a:p>
-        </p:txBody>
-      </p:sp>
-      <p:sp>
-        <p:nvSpPr>
-          <p:cNvPr id="4" name="圓角矩形 3"/>
-          <p:cNvSpPr/>
-          <p:nvPr/>
-        </p:nvSpPr>
-        <p:spPr>
-          <a:xfrm>
-            <a:off x="1150569" y="4699167"/>
-            <a:ext cx="10040233" cy="1108181"/>
-          </a:xfrm>
-          <a:prstGeom prst="roundRect">
-            <a:avLst/>
-          </a:prstGeom>
-        </p:spPr>
-        <p:style>
-          <a:lnRef idx="2">
-            <a:schemeClr val="accent1">
-              <a:shade val="50000"/>
-            </a:schemeClr>
-          </a:lnRef>
-          <a:fillRef idx="1">
-            <a:schemeClr val="accent1"/>
-          </a:fillRef>
-          <a:effectRef idx="0">
-            <a:schemeClr val="accent1"/>
-          </a:effectRef>
-          <a:fontRef idx="minor">
-            <a:schemeClr val="lt1"/>
-          </a:fontRef>
-        </p:style>
-        <p:txBody>
-          <a:bodyPr rtlCol="0" anchor="ctr"/>
-          <a:lstStyle/>
-          <a:p>
-            <a:pPr algn="ctr"/>
-            <a:r>
-              <a:rPr lang="en-US" dirty="0" smtClean="0"/>
-              <a:t>Service Discovery</a:t>
-            </a:r>
-            <a:endParaRPr lang="en-US" dirty="0"/>
-          </a:p>
-        </p:txBody>
-      </p:sp>
-      <p:sp>
-        <p:nvSpPr>
-          <p:cNvPr id="5" name="圓角矩形 4"/>
-          <p:cNvSpPr/>
-          <p:nvPr/>
-        </p:nvSpPr>
-        <p:spPr>
-          <a:xfrm>
-            <a:off x="1150569" y="4135995"/>
-            <a:ext cx="10040233" cy="419389"/>
-          </a:xfrm>
-          <a:prstGeom prst="roundRect">
-            <a:avLst/>
-          </a:prstGeom>
-        </p:spPr>
-        <p:style>
-          <a:lnRef idx="2">
-            <a:schemeClr val="accent1">
-              <a:shade val="50000"/>
-            </a:schemeClr>
-          </a:lnRef>
-          <a:fillRef idx="1">
-            <a:schemeClr val="accent1"/>
-          </a:fillRef>
-          <a:effectRef idx="0">
-            <a:schemeClr val="accent1"/>
-          </a:effectRef>
-          <a:fontRef idx="minor">
-            <a:schemeClr val="lt1"/>
-          </a:fontRef>
-        </p:style>
-        <p:txBody>
-          <a:bodyPr rtlCol="0" anchor="ctr"/>
-          <a:lstStyle/>
-          <a:p>
-            <a:pPr algn="ctr"/>
-            <a:r>
-              <a:rPr lang="en-US" dirty="0" smtClean="0"/>
-              <a:t>Failure Detection &amp; </a:t>
-            </a:r>
-            <a:r>
-              <a:rPr lang="en-US" dirty="0" err="1" smtClean="0"/>
-              <a:t>Diagnoistic</a:t>
-            </a:r>
-            <a:r>
-              <a:rPr lang="en-US" dirty="0" smtClean="0"/>
-              <a:t> API</a:t>
-            </a:r>
-            <a:endParaRPr lang="en-US" dirty="0"/>
-          </a:p>
-        </p:txBody>
-      </p:sp>
-      <p:sp>
-        <p:nvSpPr>
-          <p:cNvPr id="6" name="圓角矩形 5"/>
-          <p:cNvSpPr/>
-          <p:nvPr/>
-        </p:nvSpPr>
-        <p:spPr>
-          <a:xfrm>
-            <a:off x="1150569" y="3288206"/>
-            <a:ext cx="10040233" cy="712852"/>
-          </a:xfrm>
-          <a:prstGeom prst="roundRect">
-            <a:avLst/>
-          </a:prstGeom>
-        </p:spPr>
-        <p:style>
-          <a:lnRef idx="2">
-            <a:schemeClr val="accent1">
-              <a:shade val="50000"/>
-            </a:schemeClr>
-          </a:lnRef>
-          <a:fillRef idx="1">
-            <a:schemeClr val="accent1"/>
-          </a:fillRef>
-          <a:effectRef idx="0">
-            <a:schemeClr val="accent1"/>
-          </a:effectRef>
-          <a:fontRef idx="minor">
-            <a:schemeClr val="lt1"/>
-          </a:fontRef>
-        </p:style>
-        <p:txBody>
-          <a:bodyPr rtlCol="0" anchor="ctr"/>
-          <a:lstStyle/>
-          <a:p>
-            <a:pPr algn="ctr"/>
-            <a:r>
-              <a:rPr lang="en-US" dirty="0" smtClean="0"/>
-              <a:t>Circuit Breakers</a:t>
-            </a:r>
-            <a:endParaRPr lang="en-US" dirty="0"/>
-          </a:p>
-        </p:txBody>
-      </p:sp>
-      <p:sp>
-        <p:nvSpPr>
-          <p:cNvPr id="7" name="圓角矩形 6"/>
-          <p:cNvSpPr/>
-          <p:nvPr/>
-        </p:nvSpPr>
-        <p:spPr>
-          <a:xfrm>
-            <a:off x="1150569" y="2431571"/>
-            <a:ext cx="10040233" cy="712852"/>
-          </a:xfrm>
-          <a:prstGeom prst="roundRect">
-            <a:avLst/>
-          </a:prstGeom>
-        </p:spPr>
-        <p:style>
-          <a:lnRef idx="2">
-            <a:schemeClr val="accent1">
-              <a:shade val="50000"/>
-            </a:schemeClr>
-          </a:lnRef>
-          <a:fillRef idx="1">
-            <a:schemeClr val="accent1"/>
-          </a:fillRef>
-          <a:effectRef idx="0">
-            <a:schemeClr val="accent1"/>
-          </a:effectRef>
-          <a:fontRef idx="minor">
-            <a:schemeClr val="lt1"/>
-          </a:fontRef>
-        </p:style>
-        <p:txBody>
-          <a:bodyPr rtlCol="0" anchor="ctr"/>
-          <a:lstStyle/>
-          <a:p>
-            <a:pPr algn="ctr"/>
-            <a:r>
-              <a:rPr lang="en-US" dirty="0" smtClean="0"/>
-              <a:t>Do It (</a:t>
-            </a:r>
-            <a:r>
-              <a:rPr lang="en-US" dirty="0" err="1" smtClean="0"/>
-              <a:t>Diagnoistic</a:t>
-            </a:r>
-            <a:r>
-              <a:rPr lang="en-US" dirty="0" smtClean="0"/>
-              <a:t>) Yourself &amp; Report</a:t>
-            </a:r>
-            <a:endParaRPr lang="en-US" dirty="0"/>
-          </a:p>
-        </p:txBody>
-      </p:sp>
-    </p:spTree>
-    <p:extLst>
-      <p:ext uri="{BB962C8B-B14F-4D97-AF65-F5344CB8AC3E}">
-        <p14:creationId xmlns:p14="http://schemas.microsoft.com/office/powerpoint/2010/main" val="2244638358"/>
-      </p:ext>
-    </p:extLst>
-  </p:cSld>
-  <p:clrMapOvr>
-    <a:masterClrMapping/>
-  </p:clrMapOvr>
-  <p:timing>
-    <p:tnLst>
-      <p:par>
-        <p:cTn id="1" dur="indefinite" restart="never" nodeType="tmRoot">
-          <p:childTnLst>
-            <p:seq concurrent="1" nextAc="seek">
-              <p:cTn id="2" dur="indefinite" nodeType="mainSeq">
-                <p:childTnLst>
-                  <p:par>
-                    <p:cTn id="3" fill="hold">
-                      <p:stCondLst>
-                        <p:cond delay="indefinite"/>
-                      </p:stCondLst>
-                      <p:childTnLst>
-                        <p:par>
-                          <p:cTn id="4" fill="hold">
-                            <p:stCondLst>
-                              <p:cond delay="0"/>
-                            </p:stCondLst>
-                            <p:childTnLst>
-                              <p:par>
-                                <p:cTn id="5" presetID="10" presetClass="entr" presetSubtype="0" fill="hold" grpId="0" nodeType="clickEffect">
-                                  <p:stCondLst>
-                                    <p:cond delay="0"/>
-                                  </p:stCondLst>
-                                  <p:childTnLst>
-                                    <p:set>
-                                      <p:cBhvr>
-                                        <p:cTn id="6" dur="1" fill="hold">
-                                          <p:stCondLst>
-                                            <p:cond delay="0"/>
-                                          </p:stCondLst>
-                                        </p:cTn>
-                                        <p:tgtEl>
-                                          <p:spTgt spid="4"/>
-                                        </p:tgtEl>
-                                        <p:attrNameLst>
-                                          <p:attrName>style.visibility</p:attrName>
-                                        </p:attrNameLst>
-                                      </p:cBhvr>
-                                      <p:to>
-                                        <p:strVal val="visible"/>
-                                      </p:to>
-                                    </p:set>
-                                    <p:animEffect transition="in" filter="fade">
-                                      <p:cBhvr>
-                                        <p:cTn id="7" dur="500"/>
-                                        <p:tgtEl>
-                                          <p:spTgt spid="4"/>
-                                        </p:tgtEl>
-                                      </p:cBhvr>
-                                    </p:animEffect>
-                                  </p:childTnLst>
-                                </p:cTn>
-                              </p:par>
-                            </p:childTnLst>
-                          </p:cTn>
-                        </p:par>
-                      </p:childTnLst>
-                    </p:cTn>
-                  </p:par>
-                  <p:par>
-                    <p:cTn id="8" fill="hold">
-                      <p:stCondLst>
-                        <p:cond delay="indefinite"/>
-                      </p:stCondLst>
-                      <p:childTnLst>
-                        <p:par>
-                          <p:cTn id="9" fill="hold">
-                            <p:stCondLst>
-                              <p:cond delay="0"/>
-                            </p:stCondLst>
-                            <p:childTnLst>
-                              <p:par>
-                                <p:cTn id="10" presetID="10" presetClass="entr" presetSubtype="0" fill="hold" grpId="0" nodeType="clickEffect">
-                                  <p:stCondLst>
-                                    <p:cond delay="0"/>
-                                  </p:stCondLst>
-                                  <p:childTnLst>
-                                    <p:set>
-                                      <p:cBhvr>
-                                        <p:cTn id="11" dur="1" fill="hold">
-                                          <p:stCondLst>
-                                            <p:cond delay="0"/>
-                                          </p:stCondLst>
-                                        </p:cTn>
-                                        <p:tgtEl>
-                                          <p:spTgt spid="5"/>
-                                        </p:tgtEl>
-                                        <p:attrNameLst>
-                                          <p:attrName>style.visibility</p:attrName>
-                                        </p:attrNameLst>
-                                      </p:cBhvr>
-                                      <p:to>
-                                        <p:strVal val="visible"/>
-                                      </p:to>
-                                    </p:set>
-                                    <p:animEffect transition="in" filter="fade">
-                                      <p:cBhvr>
-                                        <p:cTn id="12" dur="500"/>
-                                        <p:tgtEl>
-                                          <p:spTgt spid="5"/>
-                                        </p:tgtEl>
-                                      </p:cBhvr>
-                                    </p:animEffect>
-                                  </p:childTnLst>
-                                </p:cTn>
-                              </p:par>
-                            </p:childTnLst>
-                          </p:cTn>
-                        </p:par>
-                      </p:childTnLst>
-                    </p:cTn>
-                  </p:par>
-                  <p:par>
-                    <p:cTn id="13" fill="hold">
-                      <p:stCondLst>
-                        <p:cond delay="indefinite"/>
-                      </p:stCondLst>
-                      <p:childTnLst>
-                        <p:par>
-                          <p:cTn id="14" fill="hold">
-                            <p:stCondLst>
-                              <p:cond delay="0"/>
-                            </p:stCondLst>
-                            <p:childTnLst>
-                              <p:par>
-                                <p:cTn id="15" presetID="10" presetClass="entr" presetSubtype="0" fill="hold" grpId="0" nodeType="clickEffect">
-                                  <p:stCondLst>
-                                    <p:cond delay="0"/>
-                                  </p:stCondLst>
-                                  <p:childTnLst>
-                                    <p:set>
-                                      <p:cBhvr>
-                                        <p:cTn id="16" dur="1" fill="hold">
-                                          <p:stCondLst>
-                                            <p:cond delay="0"/>
-                                          </p:stCondLst>
-                                        </p:cTn>
-                                        <p:tgtEl>
-                                          <p:spTgt spid="6"/>
-                                        </p:tgtEl>
-                                        <p:attrNameLst>
-                                          <p:attrName>style.visibility</p:attrName>
-                                        </p:attrNameLst>
-                                      </p:cBhvr>
-                                      <p:to>
-                                        <p:strVal val="visible"/>
-                                      </p:to>
-                                    </p:set>
-                                    <p:animEffect transition="in" filter="fade">
-                                      <p:cBhvr>
-                                        <p:cTn id="17" dur="500"/>
-                                        <p:tgtEl>
-                                          <p:spTgt spid="6"/>
-                                        </p:tgtEl>
-                                      </p:cBhvr>
-                                    </p:animEffect>
-                                  </p:childTnLst>
-                                </p:cTn>
-                              </p:par>
-                            </p:childTnLst>
-                          </p:cTn>
-                        </p:par>
-                      </p:childTnLst>
-                    </p:cTn>
-                  </p:par>
-                  <p:par>
-                    <p:cTn id="18" fill="hold">
-                      <p:stCondLst>
-                        <p:cond delay="indefinite"/>
-                      </p:stCondLst>
-                      <p:childTnLst>
-                        <p:par>
-                          <p:cTn id="19" fill="hold">
-                            <p:stCondLst>
-                              <p:cond delay="0"/>
-                            </p:stCondLst>
-                            <p:childTnLst>
-                              <p:par>
-                                <p:cTn id="20" presetID="10" presetClass="entr" presetSubtype="0" fill="hold" grpId="0" nodeType="clickEffect">
-                                  <p:stCondLst>
-                                    <p:cond delay="0"/>
-                                  </p:stCondLst>
-                                  <p:childTnLst>
-                                    <p:set>
-                                      <p:cBhvr>
-                                        <p:cTn id="21" dur="1" fill="hold">
-                                          <p:stCondLst>
-                                            <p:cond delay="0"/>
-                                          </p:stCondLst>
-                                        </p:cTn>
-                                        <p:tgtEl>
-                                          <p:spTgt spid="7"/>
-                                        </p:tgtEl>
-                                        <p:attrNameLst>
-                                          <p:attrName>style.visibility</p:attrName>
-                                        </p:attrNameLst>
-                                      </p:cBhvr>
-                                      <p:to>
-                                        <p:strVal val="visible"/>
-                                      </p:to>
-                                    </p:set>
-                                    <p:animEffect transition="in" filter="fade">
-                                      <p:cBhvr>
-                                        <p:cTn id="22" dur="500"/>
-                                        <p:tgtEl>
-                                          <p:spTgt spid="7"/>
-                                        </p:tgtEl>
-                                      </p:cBhvr>
-                                    </p:animEffect>
-                                  </p:childTnLst>
-                                </p:cTn>
-                              </p:par>
-                            </p:childTnLst>
-                          </p:cTn>
-                        </p:par>
-                      </p:childTnLst>
-                    </p:cTn>
-                  </p:par>
-                </p:childTnLst>
-              </p:cTn>
-              <p:prevCondLst>
-                <p:cond evt="onPrev" delay="0">
-                  <p:tgtEl>
-                    <p:sldTgt/>
-                  </p:tgtEl>
-                </p:cond>
-              </p:prevCondLst>
-              <p:nextCondLst>
-                <p:cond evt="onNext" delay="0">
-                  <p:tgtEl>
-                    <p:sldTgt/>
-                  </p:tgtEl>
-                </p:cond>
-              </p:nextCondLst>
-            </p:seq>
-          </p:childTnLst>
-        </p:cTn>
-      </p:par>
-    </p:tnLst>
-    <p:bldLst>
-      <p:bldP spid="4" grpId="0" animBg="1"/>
-      <p:bldP spid="5" grpId="0" animBg="1"/>
-      <p:bldP spid="6" grpId="0" animBg="1"/>
-      <p:bldP spid="7" grpId="0" animBg="1"/>
-    </p:bldLst>
-  </p:timing>
-</p:sld>
-</file>
-
-<file path=ppt/slides/slide8.xml><?xml version="1.0" encoding="utf-8"?>
-<p:sld xmlns:a="http://schemas.openxmlformats.org/drawingml/2006/main" xmlns:r="http://schemas.openxmlformats.org/officeDocument/2006/relationships" xmlns:p="http://schemas.openxmlformats.org/presentationml/2006/main">
-  <p:cSld>
-    <p:spTree>
-      <p:nvGrpSpPr>
-        <p:cNvPr id="1" name=""/>
-        <p:cNvGrpSpPr/>
-        <p:nvPr/>
-      </p:nvGrpSpPr>
-      <p:grpSpPr>
-        <a:xfrm>
-          <a:off x="0" y="0"/>
-          <a:ext cx="0" cy="0"/>
-          <a:chOff x="0" y="0"/>
-          <a:chExt cx="0" cy="0"/>
-        </a:xfrm>
-      </p:grpSpPr>
-      <p:sp>
-        <p:nvSpPr>
-          <p:cNvPr id="4" name="標題 3"/>
-          <p:cNvSpPr>
-            <a:spLocks noGrp="1"/>
-          </p:cNvSpPr>
-          <p:nvPr>
-            <p:ph type="title"/>
-          </p:nvPr>
-        </p:nvSpPr>
-        <p:spPr/>
-        <p:txBody>
-          <a:bodyPr/>
-          <a:lstStyle/>
-          <a:p>
-            <a:r>
-              <a:rPr lang="en-US" altLang="zh-TW" dirty="0" smtClean="0"/>
-              <a:t>RIP:</a:t>
-            </a:r>
-            <a:r>
-              <a:rPr lang="zh-TW" altLang="en-US" dirty="0" smtClean="0"/>
-              <a:t> 復興航空 </a:t>
-            </a:r>
-            <a:r>
-              <a:rPr lang="en-US" altLang="zh-TW" dirty="0" smtClean="0"/>
-              <a:t>235</a:t>
-            </a:r>
-            <a:r>
-              <a:rPr lang="zh-TW" altLang="en-US" dirty="0" smtClean="0"/>
-              <a:t> 班機</a:t>
-            </a:r>
-            <a:endParaRPr lang="en-US" dirty="0"/>
-          </a:p>
-        </p:txBody>
-      </p:sp>
-      <p:sp>
-        <p:nvSpPr>
-          <p:cNvPr id="5" name="文字版面配置區 4"/>
-          <p:cNvSpPr>
-            <a:spLocks noGrp="1"/>
-          </p:cNvSpPr>
-          <p:nvPr>
-            <p:ph type="body" idx="1"/>
-          </p:nvPr>
-        </p:nvSpPr>
-        <p:spPr/>
-        <p:txBody>
-          <a:bodyPr/>
-          <a:lstStyle/>
-          <a:p>
-            <a:endParaRPr lang="en-US"/>
-          </a:p>
-        </p:txBody>
-      </p:sp>
-    </p:spTree>
-    <p:extLst>
-      <p:ext uri="{BB962C8B-B14F-4D97-AF65-F5344CB8AC3E}">
-        <p14:creationId xmlns:p14="http://schemas.microsoft.com/office/powerpoint/2010/main" val="862971558"/>
-      </p:ext>
-    </p:extLst>
-  </p:cSld>
-  <p:clrMapOvr>
-    <a:masterClrMapping/>
-  </p:clrMapOvr>
-  <p:timing>
-    <p:tnLst>
-      <p:par>
-        <p:cTn id="1" dur="indefinite" restart="never" nodeType="tmRoot"/>
-      </p:par>
-    </p:tnLst>
-  </p:timing>
-</p:sld>
-</file>
-
 <file path=ppt/slides/slide9.xml><?xml version="1.0" encoding="utf-8"?>
 <p:sld xmlns:a="http://schemas.openxmlformats.org/drawingml/2006/main" xmlns:r="http://schemas.openxmlformats.org/officeDocument/2006/relationships" xmlns:p="http://schemas.openxmlformats.org/presentationml/2006/main">
   <p:cSld>
@@ -6270,73 +8196,24 @@
           <a:chExt cx="0" cy="0"/>
         </a:xfrm>
       </p:grpSpPr>
-      <p:pic>
-        <p:nvPicPr>
-          <p:cNvPr id="2" name="圖片 1"/>
-          <p:cNvPicPr>
-            <a:picLocks noChangeAspect="1"/>
-          </p:cNvPicPr>
-          <p:nvPr/>
-        </p:nvPicPr>
-        <p:blipFill>
-          <a:blip r:embed="rId2"/>
-          <a:stretch>
-            <a:fillRect/>
-          </a:stretch>
-        </p:blipFill>
-        <p:spPr>
-          <a:xfrm>
-            <a:off x="609276" y="850793"/>
-            <a:ext cx="11039856" cy="5171117"/>
-          </a:xfrm>
-          <a:prstGeom prst="rect">
-            <a:avLst/>
-          </a:prstGeom>
-        </p:spPr>
-      </p:pic>
-      <p:sp>
-        <p:nvSpPr>
-          <p:cNvPr id="3" name="橢圓 2"/>
-          <p:cNvSpPr/>
-          <p:nvPr/>
-        </p:nvSpPr>
-        <p:spPr>
-          <a:xfrm>
-            <a:off x="7234781" y="3216548"/>
-            <a:ext cx="308837" cy="314893"/>
-          </a:xfrm>
-          <a:prstGeom prst="ellipse">
-            <a:avLst/>
-          </a:prstGeom>
-          <a:solidFill>
-            <a:schemeClr val="accent5"/>
-          </a:solidFill>
-          <a:ln>
-            <a:noFill/>
-          </a:ln>
-        </p:spPr>
-        <p:style>
-          <a:lnRef idx="0">
-            <a:scrgbClr r="0" g="0" b="0"/>
-          </a:lnRef>
-          <a:fillRef idx="0">
-            <a:scrgbClr r="0" g="0" b="0"/>
-          </a:fillRef>
-          <a:effectRef idx="0">
-            <a:scrgbClr r="0" g="0" b="0"/>
-          </a:effectRef>
-          <a:fontRef idx="minor">
-            <a:schemeClr val="lt1"/>
-          </a:fontRef>
-        </p:style>
-        <p:txBody>
-          <a:bodyPr rtlCol="0" anchor="ctr"/>
-          <a:lstStyle/>
-          <a:p>
-            <a:pPr algn="ctr"/>
-            <a:r>
-              <a:rPr lang="en-US" altLang="zh-TW" dirty="0" smtClean="0"/>
-              <a:t>1</a:t>
+      <p:sp>
+        <p:nvSpPr>
+          <p:cNvPr id="2" name="標題 1"/>
+          <p:cNvSpPr>
+            <a:spLocks noGrp="1"/>
+          </p:cNvSpPr>
+          <p:nvPr>
+            <p:ph type="title"/>
+          </p:nvPr>
+        </p:nvSpPr>
+        <p:spPr/>
+        <p:txBody>
+          <a:bodyPr/>
+          <a:lstStyle/>
+          <a:p>
+            <a:r>
+              <a:rPr lang="en-US" dirty="0" smtClean="0"/>
+              <a:t>Reference</a:t>
             </a:r>
             <a:endParaRPr lang="en-US" dirty="0"/>
           </a:p>
@@ -6344,193 +8221,27 @@
       </p:sp>
       <p:sp>
         <p:nvSpPr>
-          <p:cNvPr id="10" name="橢圓 9"/>
-          <p:cNvSpPr/>
-          <p:nvPr/>
-        </p:nvSpPr>
-        <p:spPr>
-          <a:xfrm>
-            <a:off x="6214085" y="2744209"/>
-            <a:ext cx="308837" cy="314893"/>
-          </a:xfrm>
-          <a:prstGeom prst="ellipse">
-            <a:avLst/>
-          </a:prstGeom>
-          <a:solidFill>
-            <a:schemeClr val="accent5"/>
-          </a:solidFill>
-          <a:ln>
-            <a:noFill/>
-          </a:ln>
-        </p:spPr>
-        <p:style>
-          <a:lnRef idx="0">
-            <a:scrgbClr r="0" g="0" b="0"/>
-          </a:lnRef>
-          <a:fillRef idx="0">
-            <a:scrgbClr r="0" g="0" b="0"/>
-          </a:fillRef>
-          <a:effectRef idx="0">
-            <a:scrgbClr r="0" g="0" b="0"/>
-          </a:effectRef>
-          <a:fontRef idx="minor">
-            <a:schemeClr val="lt1"/>
-          </a:fontRef>
-        </p:style>
-        <p:txBody>
-          <a:bodyPr rtlCol="0" anchor="ctr"/>
-          <a:lstStyle/>
-          <a:p>
-            <a:pPr algn="ctr"/>
-            <a:r>
-              <a:rPr lang="en-US" altLang="zh-TW" dirty="0" smtClean="0"/>
-              <a:t>2</a:t>
-            </a:r>
-            <a:endParaRPr lang="en-US" dirty="0"/>
-          </a:p>
-        </p:txBody>
-      </p:sp>
-      <p:sp>
-        <p:nvSpPr>
-          <p:cNvPr id="11" name="橢圓 10"/>
-          <p:cNvSpPr/>
-          <p:nvPr/>
-        </p:nvSpPr>
-        <p:spPr>
-          <a:xfrm>
-            <a:off x="2647319" y="2586763"/>
-            <a:ext cx="308837" cy="314893"/>
-          </a:xfrm>
-          <a:prstGeom prst="ellipse">
-            <a:avLst/>
-          </a:prstGeom>
-          <a:solidFill>
-            <a:schemeClr val="accent5"/>
-          </a:solidFill>
-          <a:ln>
-            <a:noFill/>
-          </a:ln>
-        </p:spPr>
-        <p:style>
-          <a:lnRef idx="0">
-            <a:scrgbClr r="0" g="0" b="0"/>
-          </a:lnRef>
-          <a:fillRef idx="0">
-            <a:scrgbClr r="0" g="0" b="0"/>
-          </a:fillRef>
-          <a:effectRef idx="0">
-            <a:scrgbClr r="0" g="0" b="0"/>
-          </a:effectRef>
-          <a:fontRef idx="minor">
-            <a:schemeClr val="lt1"/>
-          </a:fontRef>
-        </p:style>
-        <p:txBody>
-          <a:bodyPr rtlCol="0" anchor="ctr"/>
-          <a:lstStyle/>
-          <a:p>
-            <a:pPr algn="ctr"/>
-            <a:r>
-              <a:rPr lang="en-US" altLang="zh-TW" dirty="0" smtClean="0"/>
-              <a:t>3</a:t>
-            </a:r>
-            <a:endParaRPr lang="en-US" dirty="0"/>
-          </a:p>
-        </p:txBody>
-      </p:sp>
-      <p:sp>
-        <p:nvSpPr>
-          <p:cNvPr id="12" name="橢圓 11"/>
-          <p:cNvSpPr/>
-          <p:nvPr/>
-        </p:nvSpPr>
-        <p:spPr>
-          <a:xfrm>
-            <a:off x="3822111" y="3531441"/>
-            <a:ext cx="308837" cy="314893"/>
-          </a:xfrm>
-          <a:prstGeom prst="ellipse">
-            <a:avLst/>
-          </a:prstGeom>
-          <a:solidFill>
-            <a:schemeClr val="accent5"/>
-          </a:solidFill>
-          <a:ln>
-            <a:noFill/>
-          </a:ln>
-        </p:spPr>
-        <p:style>
-          <a:lnRef idx="0">
-            <a:scrgbClr r="0" g="0" b="0"/>
-          </a:lnRef>
-          <a:fillRef idx="0">
-            <a:scrgbClr r="0" g="0" b="0"/>
-          </a:fillRef>
-          <a:effectRef idx="0">
-            <a:scrgbClr r="0" g="0" b="0"/>
-          </a:effectRef>
-          <a:fontRef idx="minor">
-            <a:schemeClr val="lt1"/>
-          </a:fontRef>
-        </p:style>
-        <p:txBody>
-          <a:bodyPr rtlCol="0" anchor="ctr"/>
-          <a:lstStyle/>
-          <a:p>
-            <a:pPr algn="ctr"/>
-            <a:r>
-              <a:rPr lang="en-US" altLang="zh-TW" dirty="0" smtClean="0"/>
-              <a:t>4</a:t>
-            </a:r>
-            <a:endParaRPr lang="en-US" dirty="0"/>
-          </a:p>
-        </p:txBody>
-      </p:sp>
-      <p:sp>
-        <p:nvSpPr>
-          <p:cNvPr id="13" name="文字方塊 12"/>
-          <p:cNvSpPr txBox="1"/>
-          <p:nvPr/>
-        </p:nvSpPr>
-        <p:spPr>
-          <a:xfrm>
-            <a:off x="672175" y="6194909"/>
-            <a:ext cx="4725781" cy="646331"/>
-          </a:xfrm>
-          <a:prstGeom prst="rect">
-            <a:avLst/>
-          </a:prstGeom>
-          <a:noFill/>
-        </p:spPr>
-        <p:txBody>
-          <a:bodyPr wrap="none" rtlCol="0">
-            <a:spAutoFit/>
-          </a:bodyPr>
-          <a:lstStyle/>
-          <a:p>
-            <a:r>
-              <a:rPr lang="en-US" dirty="0">
-                <a:hlinkClick r:id="rId3"/>
-              </a:rPr>
-              <a:t>https://</a:t>
-            </a:r>
-            <a:r>
-              <a:rPr lang="en-US" dirty="0" smtClean="0">
-                <a:hlinkClick r:id="rId3"/>
-              </a:rPr>
-              <a:t>www.youtube.com/watch?v=j5Zir5Ij1Mg</a:t>
-            </a:r>
-            <a:endParaRPr lang="en-US" dirty="0" smtClean="0"/>
-          </a:p>
-          <a:p>
-            <a:endParaRPr lang="en-US" dirty="0"/>
+          <p:cNvPr id="3" name="文字版面配置區 2"/>
+          <p:cNvSpPr>
+            <a:spLocks noGrp="1"/>
+          </p:cNvSpPr>
+          <p:nvPr>
+            <p:ph type="body" idx="1"/>
+          </p:nvPr>
+        </p:nvSpPr>
+        <p:spPr/>
+        <p:txBody>
+          <a:bodyPr/>
+          <a:lstStyle/>
+          <a:p>
+            <a:endParaRPr lang="en-US"/>
           </a:p>
         </p:txBody>
       </p:sp>
     </p:spTree>
     <p:extLst>
       <p:ext uri="{BB962C8B-B14F-4D97-AF65-F5344CB8AC3E}">
-        <p14:creationId xmlns:p14="http://schemas.microsoft.com/office/powerpoint/2010/main" val="2347725159"/>
+        <p14:creationId xmlns:p14="http://schemas.microsoft.com/office/powerpoint/2010/main" val="2882868824"/>
       </p:ext>
     </p:extLst>
   </p:cSld>
@@ -6540,250 +8251,9 @@
   <p:timing>
     <p:tnLst>
       <p:par>
-        <p:cTn id="1" dur="indefinite" restart="never" nodeType="tmRoot">
-          <p:childTnLst>
-            <p:seq concurrent="1" nextAc="seek">
-              <p:cTn id="2" dur="indefinite" nodeType="mainSeq">
-                <p:childTnLst>
-                  <p:par>
-                    <p:cTn id="3" fill="hold">
-                      <p:stCondLst>
-                        <p:cond delay="indefinite"/>
-                      </p:stCondLst>
-                      <p:childTnLst>
-                        <p:par>
-                          <p:cTn id="4" fill="hold">
-                            <p:stCondLst>
-                              <p:cond delay="0"/>
-                            </p:stCondLst>
-                            <p:childTnLst>
-                              <p:par>
-                                <p:cTn id="5" presetID="10" presetClass="entr" presetSubtype="0" fill="hold" grpId="0" nodeType="clickEffect">
-                                  <p:stCondLst>
-                                    <p:cond delay="0"/>
-                                  </p:stCondLst>
-                                  <p:childTnLst>
-                                    <p:set>
-                                      <p:cBhvr>
-                                        <p:cTn id="6" dur="1" fill="hold">
-                                          <p:stCondLst>
-                                            <p:cond delay="0"/>
-                                          </p:stCondLst>
-                                        </p:cTn>
-                                        <p:tgtEl>
-                                          <p:spTgt spid="3"/>
-                                        </p:tgtEl>
-                                        <p:attrNameLst>
-                                          <p:attrName>style.visibility</p:attrName>
-                                        </p:attrNameLst>
-                                      </p:cBhvr>
-                                      <p:to>
-                                        <p:strVal val="visible"/>
-                                      </p:to>
-                                    </p:set>
-                                    <p:animEffect transition="in" filter="fade">
-                                      <p:cBhvr>
-                                        <p:cTn id="7" dur="500"/>
-                                        <p:tgtEl>
-                                          <p:spTgt spid="3"/>
-                                        </p:tgtEl>
-                                      </p:cBhvr>
-                                    </p:animEffect>
-                                  </p:childTnLst>
-                                </p:cTn>
-                              </p:par>
-                            </p:childTnLst>
-                          </p:cTn>
-                        </p:par>
-                      </p:childTnLst>
-                    </p:cTn>
-                  </p:par>
-                  <p:par>
-                    <p:cTn id="8" fill="hold">
-                      <p:stCondLst>
-                        <p:cond delay="indefinite"/>
-                      </p:stCondLst>
-                      <p:childTnLst>
-                        <p:par>
-                          <p:cTn id="9" fill="hold">
-                            <p:stCondLst>
-                              <p:cond delay="0"/>
-                            </p:stCondLst>
-                            <p:childTnLst>
-                              <p:par>
-                                <p:cTn id="10" presetID="10" presetClass="entr" presetSubtype="0" fill="hold" grpId="0" nodeType="clickEffect">
-                                  <p:stCondLst>
-                                    <p:cond delay="0"/>
-                                  </p:stCondLst>
-                                  <p:childTnLst>
-                                    <p:set>
-                                      <p:cBhvr>
-                                        <p:cTn id="11" dur="1" fill="hold">
-                                          <p:stCondLst>
-                                            <p:cond delay="0"/>
-                                          </p:stCondLst>
-                                        </p:cTn>
-                                        <p:tgtEl>
-                                          <p:spTgt spid="10"/>
-                                        </p:tgtEl>
-                                        <p:attrNameLst>
-                                          <p:attrName>style.visibility</p:attrName>
-                                        </p:attrNameLst>
-                                      </p:cBhvr>
-                                      <p:to>
-                                        <p:strVal val="visible"/>
-                                      </p:to>
-                                    </p:set>
-                                    <p:animEffect transition="in" filter="fade">
-                                      <p:cBhvr>
-                                        <p:cTn id="12" dur="500"/>
-                                        <p:tgtEl>
-                                          <p:spTgt spid="10"/>
-                                        </p:tgtEl>
-                                      </p:cBhvr>
-                                    </p:animEffect>
-                                  </p:childTnLst>
-                                </p:cTn>
-                              </p:par>
-                            </p:childTnLst>
-                          </p:cTn>
-                        </p:par>
-                      </p:childTnLst>
-                    </p:cTn>
-                  </p:par>
-                  <p:par>
-                    <p:cTn id="13" fill="hold">
-                      <p:stCondLst>
-                        <p:cond delay="indefinite"/>
-                      </p:stCondLst>
-                      <p:childTnLst>
-                        <p:par>
-                          <p:cTn id="14" fill="hold">
-                            <p:stCondLst>
-                              <p:cond delay="0"/>
-                            </p:stCondLst>
-                            <p:childTnLst>
-                              <p:par>
-                                <p:cTn id="15" presetID="10" presetClass="entr" presetSubtype="0" fill="hold" grpId="0" nodeType="clickEffect">
-                                  <p:stCondLst>
-                                    <p:cond delay="0"/>
-                                  </p:stCondLst>
-                                  <p:childTnLst>
-                                    <p:set>
-                                      <p:cBhvr>
-                                        <p:cTn id="16" dur="1" fill="hold">
-                                          <p:stCondLst>
-                                            <p:cond delay="0"/>
-                                          </p:stCondLst>
-                                        </p:cTn>
-                                        <p:tgtEl>
-                                          <p:spTgt spid="11"/>
-                                        </p:tgtEl>
-                                        <p:attrNameLst>
-                                          <p:attrName>style.visibility</p:attrName>
-                                        </p:attrNameLst>
-                                      </p:cBhvr>
-                                      <p:to>
-                                        <p:strVal val="visible"/>
-                                      </p:to>
-                                    </p:set>
-                                    <p:animEffect transition="in" filter="fade">
-                                      <p:cBhvr>
-                                        <p:cTn id="17" dur="500"/>
-                                        <p:tgtEl>
-                                          <p:spTgt spid="11"/>
-                                        </p:tgtEl>
-                                      </p:cBhvr>
-                                    </p:animEffect>
-                                  </p:childTnLst>
-                                </p:cTn>
-                              </p:par>
-                            </p:childTnLst>
-                          </p:cTn>
-                        </p:par>
-                      </p:childTnLst>
-                    </p:cTn>
-                  </p:par>
-                  <p:par>
-                    <p:cTn id="18" fill="hold">
-                      <p:stCondLst>
-                        <p:cond delay="indefinite"/>
-                      </p:stCondLst>
-                      <p:childTnLst>
-                        <p:par>
-                          <p:cTn id="19" fill="hold">
-                            <p:stCondLst>
-                              <p:cond delay="0"/>
-                            </p:stCondLst>
-                            <p:childTnLst>
-                              <p:par>
-                                <p:cTn id="20" presetID="10" presetClass="entr" presetSubtype="0" fill="hold" grpId="0" nodeType="clickEffect">
-                                  <p:stCondLst>
-                                    <p:cond delay="0"/>
-                                  </p:stCondLst>
-                                  <p:childTnLst>
-                                    <p:set>
-                                      <p:cBhvr>
-                                        <p:cTn id="21" dur="1" fill="hold">
-                                          <p:stCondLst>
-                                            <p:cond delay="0"/>
-                                          </p:stCondLst>
-                                        </p:cTn>
-                                        <p:tgtEl>
-                                          <p:spTgt spid="12"/>
-                                        </p:tgtEl>
-                                        <p:attrNameLst>
-                                          <p:attrName>style.visibility</p:attrName>
-                                        </p:attrNameLst>
-                                      </p:cBhvr>
-                                      <p:to>
-                                        <p:strVal val="visible"/>
-                                      </p:to>
-                                    </p:set>
-                                    <p:animEffect transition="in" filter="fade">
-                                      <p:cBhvr>
-                                        <p:cTn id="22" dur="500"/>
-                                        <p:tgtEl>
-                                          <p:spTgt spid="12"/>
-                                        </p:tgtEl>
-                                      </p:cBhvr>
-                                    </p:animEffect>
-                                  </p:childTnLst>
-                                </p:cTn>
-                              </p:par>
-                            </p:childTnLst>
-                          </p:cTn>
-                        </p:par>
-                      </p:childTnLst>
-                    </p:cTn>
-                  </p:par>
-                </p:childTnLst>
-              </p:cTn>
-              <p:prevCondLst>
-                <p:cond evt="onPrev" delay="0">
-                  <p:tgtEl>
-                    <p:sldTgt/>
-                  </p:tgtEl>
-                </p:cond>
-              </p:prevCondLst>
-              <p:nextCondLst>
-                <p:cond evt="onNext" delay="0">
-                  <p:tgtEl>
-                    <p:sldTgt/>
-                  </p:tgtEl>
-                </p:cond>
-              </p:nextCondLst>
-            </p:seq>
-          </p:childTnLst>
-        </p:cTn>
+        <p:cTn id="1" dur="indefinite" restart="never" nodeType="tmRoot"/>
       </p:par>
     </p:tnLst>
-    <p:bldLst>
-      <p:bldP spid="3" grpId="0" animBg="1"/>
-      <p:bldP spid="10" grpId="0" animBg="1"/>
-      <p:bldP spid="11" grpId="0" animBg="1"/>
-      <p:bldP spid="12" grpId="0" animBg="1"/>
-    </p:bldLst>
   </p:timing>
 </p:sld>
 </file>

--- a/20180526.DevOps.MonitorTools/Consul_Andrew.pptx
+++ b/20180526.DevOps.MonitorTools/Consul_Andrew.pptx
@@ -10,19 +10,24 @@
     <p:sldId id="263" r:id="rId4"/>
     <p:sldId id="269" r:id="rId5"/>
     <p:sldId id="273" r:id="rId6"/>
-    <p:sldId id="277" r:id="rId7"/>
-    <p:sldId id="264" r:id="rId8"/>
-    <p:sldId id="268" r:id="rId9"/>
-    <p:sldId id="275" r:id="rId10"/>
-    <p:sldId id="276" r:id="rId11"/>
-    <p:sldId id="279" r:id="rId12"/>
-    <p:sldId id="278" r:id="rId13"/>
-    <p:sldId id="280" r:id="rId14"/>
-    <p:sldId id="272" r:id="rId15"/>
-    <p:sldId id="267" r:id="rId16"/>
-    <p:sldId id="265" r:id="rId17"/>
-    <p:sldId id="270" r:id="rId18"/>
-    <p:sldId id="262" r:id="rId19"/>
+    <p:sldId id="281" r:id="rId7"/>
+    <p:sldId id="277" r:id="rId8"/>
+    <p:sldId id="264" r:id="rId9"/>
+    <p:sldId id="268" r:id="rId10"/>
+    <p:sldId id="285" r:id="rId11"/>
+    <p:sldId id="282" r:id="rId12"/>
+    <p:sldId id="286" r:id="rId13"/>
+    <p:sldId id="283" r:id="rId14"/>
+    <p:sldId id="275" r:id="rId15"/>
+    <p:sldId id="284" r:id="rId16"/>
+    <p:sldId id="276" r:id="rId17"/>
+    <p:sldId id="279" r:id="rId18"/>
+    <p:sldId id="278" r:id="rId19"/>
+    <p:sldId id="272" r:id="rId20"/>
+    <p:sldId id="267" r:id="rId21"/>
+    <p:sldId id="265" r:id="rId22"/>
+    <p:sldId id="280" r:id="rId23"/>
+    <p:sldId id="262" r:id="rId24"/>
   </p:sldIdLst>
   <p:sldSz cx="12192000" cy="6858000"/>
   <p:notesSz cx="6858000" cy="9144000"/>
@@ -138,10 +143,6 @@
     </p:ext>
   </p:extLst>
 </p:presentation>
-</file>
-
-<file path=ppt/revisionInfo.xml><?xml version="1.0" encoding="utf-8"?>
-<p1510:revInfo xmlns:a="http://schemas.openxmlformats.org/drawingml/2006/main" xmlns:r="http://schemas.openxmlformats.org/officeDocument/2006/relationships" xmlns:p1510="http://schemas.microsoft.com/office/powerpoint/2015/10/main"/>
 </file>
 
 <file path=ppt/slideLayouts/slideLayout1.xml><?xml version="1.0" encoding="utf-8"?>
@@ -3401,7 +3402,7 @@
           <a:lstStyle/>
           <a:p>
             <a:r>
-              <a:rPr lang="en-US" altLang="zh-TW" sz="4200" b="1" dirty="0" smtClean="0">
+              <a:rPr lang="en-US" altLang="zh-TW" sz="4200" b="1" dirty="0">
                 <a:solidFill>
                   <a:schemeClr val="bg1"/>
                 </a:solidFill>
@@ -3411,7 +3412,7 @@
               <a:t>Monitoring Tools </a:t>
             </a:r>
             <a:r>
-              <a:rPr lang="zh-TW" altLang="en-US" sz="4200" b="1" dirty="0" smtClean="0">
+              <a:rPr lang="zh-TW" altLang="en-US" sz="4200" b="1" dirty="0">
                 <a:solidFill>
                   <a:schemeClr val="bg1"/>
                 </a:solidFill>
@@ -3421,7 +3422,7 @@
               <a:t>大亂鬥 </a:t>
             </a:r>
             <a:r>
-              <a:rPr lang="en-US" altLang="zh-TW" sz="4200" b="1" dirty="0" smtClean="0">
+              <a:rPr lang="en-US" altLang="zh-TW" sz="4200" b="1" dirty="0">
                 <a:solidFill>
                   <a:schemeClr val="bg1"/>
                 </a:solidFill>
@@ -3431,7 +3432,7 @@
               <a:t>-</a:t>
             </a:r>
             <a:r>
-              <a:rPr lang="zh-TW" altLang="en-US" sz="4200" b="1" dirty="0" smtClean="0">
+              <a:rPr lang="zh-TW" altLang="en-US" sz="4200" b="1" dirty="0">
                 <a:solidFill>
                   <a:schemeClr val="bg1"/>
                 </a:solidFill>
@@ -3441,7 +3442,7 @@
               <a:t> </a:t>
             </a:r>
             <a:r>
-              <a:rPr lang="en-US" altLang="zh-TW" sz="4200" b="1" dirty="0" smtClean="0">
+              <a:rPr lang="en-US" altLang="zh-TW" sz="4200" b="1" dirty="0">
                 <a:solidFill>
                   <a:schemeClr val="bg1"/>
                 </a:solidFill>
@@ -3489,7 +3490,7 @@
           <a:lstStyle/>
           <a:p>
             <a:r>
-              <a:rPr lang="zh-TW" altLang="en-US" sz="2000" dirty="0" smtClean="0">
+              <a:rPr lang="zh-TW" altLang="en-US" sz="2000" dirty="0">
                 <a:solidFill>
                   <a:schemeClr val="bg1"/>
                 </a:solidFill>
@@ -3499,7 +3500,7 @@
               <a:t>研發處 資深總監 </a:t>
             </a:r>
             <a:r>
-              <a:rPr lang="en-US" altLang="zh-TW" sz="2000" dirty="0" smtClean="0">
+              <a:rPr lang="en-US" altLang="zh-TW" sz="2000" dirty="0">
                 <a:solidFill>
                   <a:schemeClr val="bg1"/>
                 </a:solidFill>
@@ -3548,7 +3549,7 @@
           <a:p>
             <a:pPr algn="r"/>
             <a:r>
-              <a:rPr lang="en-US" altLang="zh-TW" sz="1500" b="1" dirty="0" smtClean="0">
+              <a:rPr lang="en-US" altLang="zh-TW" sz="1500" b="1" dirty="0">
                 <a:solidFill>
                   <a:schemeClr val="tx1">
                     <a:lumMod val="65000"/>
@@ -3572,6 +3573,58 @@
           </a:p>
         </p:txBody>
       </p:sp>
+      <p:pic>
+        <p:nvPicPr>
+          <p:cNvPr id="3076" name="Picture 4" descr="ç¸éåç">
+            <a:extLst>
+              <a:ext uri="{FF2B5EF4-FFF2-40B4-BE49-F238E27FC236}">
+                <a16:creationId xmlns:a16="http://schemas.microsoft.com/office/drawing/2014/main" id="{8ACBB22F-6D92-4848-B54D-CFCC6054698E}"/>
+              </a:ext>
+            </a:extLst>
+          </p:cNvPr>
+          <p:cNvPicPr>
+            <a:picLocks noChangeAspect="1" noChangeArrowheads="1"/>
+          </p:cNvPicPr>
+          <p:nvPr/>
+        </p:nvPicPr>
+        <p:blipFill rotWithShape="1">
+          <a:blip r:embed="rId3">
+            <a:duotone>
+              <a:schemeClr val="bg2">
+                <a:shade val="45000"/>
+                <a:satMod val="135000"/>
+              </a:schemeClr>
+              <a:prstClr val="white"/>
+            </a:duotone>
+            <a:extLst>
+              <a:ext uri="{28A0092B-C50C-407E-A947-70E740481C1C}">
+                <a14:useLocalDpi xmlns:a14="http://schemas.microsoft.com/office/drawing/2010/main" val="0"/>
+              </a:ext>
+            </a:extLst>
+          </a:blip>
+          <a:srcRect t="12553"/>
+          <a:stretch/>
+        </p:blipFill>
+        <p:spPr bwMode="auto">
+          <a:xfrm>
+            <a:off x="6865923" y="5808618"/>
+            <a:ext cx="2609850" cy="1174433"/>
+          </a:xfrm>
+          <a:prstGeom prst="rect">
+            <a:avLst/>
+          </a:prstGeom>
+          <a:noFill/>
+          <a:extLst>
+            <a:ext uri="{909E8E84-426E-40DD-AFC4-6F175D3DCCD1}">
+              <a14:hiddenFill xmlns:a14="http://schemas.microsoft.com/office/drawing/2010/main">
+                <a:solidFill>
+                  <a:srgbClr val="FFFFFF"/>
+                </a:solidFill>
+              </a14:hiddenFill>
+            </a:ext>
+          </a:extLst>
+        </p:spPr>
+      </p:pic>
     </p:spTree>
     <p:extLst>
       <p:ext uri="{BB962C8B-B14F-4D97-AF65-F5344CB8AC3E}">
@@ -3582,13 +3635,6 @@
   <p:clrMapOvr>
     <a:masterClrMapping/>
   </p:clrMapOvr>
-  <p:timing>
-    <p:tnLst>
-      <p:par>
-        <p:cTn id="1" dur="indefinite" restart="never" nodeType="tmRoot"/>
-      </p:par>
-    </p:tnLst>
-  </p:timing>
 </p:sld>
 </file>
 
@@ -3611,6 +3657,1317 @@
       </p:grpSpPr>
       <p:sp>
         <p:nvSpPr>
+          <p:cNvPr id="3" name="標題 2">
+            <a:extLst>
+              <a:ext uri="{FF2B5EF4-FFF2-40B4-BE49-F238E27FC236}">
+                <a16:creationId xmlns:a16="http://schemas.microsoft.com/office/drawing/2014/main" id="{692643EE-C462-4E4A-BB32-366AED6B2E7D}"/>
+              </a:ext>
+            </a:extLst>
+          </p:cNvPr>
+          <p:cNvSpPr>
+            <a:spLocks noGrp="1"/>
+          </p:cNvSpPr>
+          <p:nvPr>
+            <p:ph type="title"/>
+          </p:nvPr>
+        </p:nvSpPr>
+        <p:spPr/>
+        <p:txBody>
+          <a:bodyPr/>
+          <a:lstStyle/>
+          <a:p>
+            <a:r>
+              <a:rPr lang="en-US" altLang="zh-TW" dirty="0"/>
+              <a:t>Consul</a:t>
+            </a:r>
+            <a:br>
+              <a:rPr lang="en-US" altLang="zh-TW" dirty="0"/>
+            </a:br>
+            <a:r>
+              <a:rPr lang="en-US" altLang="zh-CN" dirty="0"/>
+              <a:t>Monitoring</a:t>
+            </a:r>
+            <a:r>
+              <a:rPr lang="zh-CN" altLang="en-US" dirty="0"/>
+              <a:t> </a:t>
+            </a:r>
+            <a:r>
+              <a:rPr lang="en-US" altLang="zh-CN" dirty="0"/>
+              <a:t>Tools</a:t>
+            </a:r>
+            <a:br>
+              <a:rPr lang="en-US" altLang="zh-CN" dirty="0"/>
+            </a:br>
+            <a:r>
+              <a:rPr lang="zh-CN" altLang="en-US" strike="dblStrike" dirty="0"/>
+              <a:t>大亂鬥</a:t>
+            </a:r>
+            <a:r>
+              <a:rPr lang="zh-CN" altLang="en-US" dirty="0"/>
+              <a:t>比較</a:t>
+            </a:r>
+            <a:endParaRPr lang="zh-TW" altLang="en-US" dirty="0"/>
+          </a:p>
+        </p:txBody>
+      </p:sp>
+      <p:sp>
+        <p:nvSpPr>
+          <p:cNvPr id="4" name="文字版面配置區 3">
+            <a:extLst>
+              <a:ext uri="{FF2B5EF4-FFF2-40B4-BE49-F238E27FC236}">
+                <a16:creationId xmlns:a16="http://schemas.microsoft.com/office/drawing/2014/main" id="{86A5BAFD-3FBF-47AC-BC55-5B3A733BCF43}"/>
+              </a:ext>
+            </a:extLst>
+          </p:cNvPr>
+          <p:cNvSpPr>
+            <a:spLocks noGrp="1"/>
+          </p:cNvSpPr>
+          <p:nvPr>
+            <p:ph type="body" idx="1"/>
+          </p:nvPr>
+        </p:nvSpPr>
+        <p:spPr/>
+        <p:txBody>
+          <a:bodyPr/>
+          <a:lstStyle/>
+          <a:p>
+            <a:endParaRPr lang="zh-TW" altLang="en-US"/>
+          </a:p>
+        </p:txBody>
+      </p:sp>
+      <p:pic>
+        <p:nvPicPr>
+          <p:cNvPr id="2050" name="Picture 2" descr="ç¸éåç">
+            <a:extLst>
+              <a:ext uri="{FF2B5EF4-FFF2-40B4-BE49-F238E27FC236}">
+                <a16:creationId xmlns:a16="http://schemas.microsoft.com/office/drawing/2014/main" id="{2ADE18D7-E9C6-4D3E-AD16-E89E10D03B4E}"/>
+              </a:ext>
+            </a:extLst>
+          </p:cNvPr>
+          <p:cNvPicPr>
+            <a:picLocks noChangeAspect="1" noChangeArrowheads="1"/>
+          </p:cNvPicPr>
+          <p:nvPr/>
+        </p:nvPicPr>
+        <p:blipFill>
+          <a:blip r:embed="rId2">
+            <a:extLst>
+              <a:ext uri="{28A0092B-C50C-407E-A947-70E740481C1C}">
+                <a14:useLocalDpi xmlns:a14="http://schemas.microsoft.com/office/drawing/2010/main" val="0"/>
+              </a:ext>
+            </a:extLst>
+          </a:blip>
+          <a:srcRect/>
+          <a:stretch>
+            <a:fillRect/>
+          </a:stretch>
+        </p:blipFill>
+        <p:spPr bwMode="auto">
+          <a:xfrm>
+            <a:off x="7068105" y="1320553"/>
+            <a:ext cx="4572000" cy="4572000"/>
+          </a:xfrm>
+          <a:prstGeom prst="rect">
+            <a:avLst/>
+          </a:prstGeom>
+          <a:noFill/>
+          <a:extLst>
+            <a:ext uri="{909E8E84-426E-40DD-AFC4-6F175D3DCCD1}">
+              <a14:hiddenFill xmlns:a14="http://schemas.microsoft.com/office/drawing/2010/main">
+                <a:solidFill>
+                  <a:srgbClr val="FFFFFF"/>
+                </a:solidFill>
+              </a14:hiddenFill>
+            </a:ext>
+          </a:extLst>
+        </p:spPr>
+      </p:pic>
+    </p:spTree>
+    <p:extLst>
+      <p:ext uri="{BB962C8B-B14F-4D97-AF65-F5344CB8AC3E}">
+        <p14:creationId xmlns:p14="http://schemas.microsoft.com/office/powerpoint/2010/main" val="2804393384"/>
+      </p:ext>
+    </p:extLst>
+  </p:cSld>
+  <p:clrMapOvr>
+    <a:masterClrMapping/>
+  </p:clrMapOvr>
+</p:sld>
+</file>
+
+<file path=ppt/slides/slide11.xml><?xml version="1.0" encoding="utf-8"?>
+<p:sld xmlns:a="http://schemas.openxmlformats.org/drawingml/2006/main" xmlns:r="http://schemas.openxmlformats.org/officeDocument/2006/relationships" xmlns:p="http://schemas.openxmlformats.org/presentationml/2006/main">
+  <p:cSld>
+    <p:spTree>
+      <p:nvGrpSpPr>
+        <p:cNvPr id="1" name=""/>
+        <p:cNvGrpSpPr/>
+        <p:nvPr/>
+      </p:nvGrpSpPr>
+      <p:grpSpPr>
+        <a:xfrm>
+          <a:off x="0" y="0"/>
+          <a:ext cx="0" cy="0"/>
+          <a:chOff x="0" y="0"/>
+          <a:chExt cx="0" cy="0"/>
+        </a:xfrm>
+      </p:grpSpPr>
+      <p:sp>
+        <p:nvSpPr>
+          <p:cNvPr id="7" name="標題 6">
+            <a:extLst>
+              <a:ext uri="{FF2B5EF4-FFF2-40B4-BE49-F238E27FC236}">
+                <a16:creationId xmlns:a16="http://schemas.microsoft.com/office/drawing/2014/main" id="{EF6FAD0A-5784-4BB0-820E-83AD688C2BDF}"/>
+              </a:ext>
+            </a:extLst>
+          </p:cNvPr>
+          <p:cNvSpPr>
+            <a:spLocks noGrp="1"/>
+          </p:cNvSpPr>
+          <p:nvPr>
+            <p:ph type="title"/>
+          </p:nvPr>
+        </p:nvSpPr>
+        <p:spPr/>
+        <p:txBody>
+          <a:bodyPr/>
+          <a:lstStyle/>
+          <a:p>
+            <a:r>
+              <a:rPr lang="en-US" altLang="zh-TW" dirty="0"/>
+              <a:t>Consul </a:t>
+            </a:r>
+            <a:r>
+              <a:rPr lang="zh-CN" altLang="en-US" b="1" dirty="0">
+                <a:solidFill>
+                  <a:srgbClr val="FF0000"/>
+                </a:solidFill>
+              </a:rPr>
+              <a:t>可以</a:t>
+            </a:r>
+            <a:r>
+              <a:rPr lang="en-US" altLang="zh-CN" dirty="0"/>
+              <a:t>:</a:t>
+            </a:r>
+            <a:endParaRPr lang="zh-TW" altLang="en-US" dirty="0"/>
+          </a:p>
+        </p:txBody>
+      </p:sp>
+      <p:sp>
+        <p:nvSpPr>
+          <p:cNvPr id="8" name="內容版面配置區 7">
+            <a:extLst>
+              <a:ext uri="{FF2B5EF4-FFF2-40B4-BE49-F238E27FC236}">
+                <a16:creationId xmlns:a16="http://schemas.microsoft.com/office/drawing/2014/main" id="{BD73F651-C2BE-44F2-AE07-EE59237B8190}"/>
+              </a:ext>
+            </a:extLst>
+          </p:cNvPr>
+          <p:cNvSpPr>
+            <a:spLocks noGrp="1"/>
+          </p:cNvSpPr>
+          <p:nvPr>
+            <p:ph idx="1"/>
+          </p:nvPr>
+        </p:nvSpPr>
+        <p:spPr/>
+        <p:txBody>
+          <a:bodyPr>
+            <a:normAutofit fontScale="92500" lnSpcReduction="20000"/>
+          </a:bodyPr>
+          <a:lstStyle/>
+          <a:p>
+            <a:r>
+              <a:rPr lang="zh-TW" altLang="en-US" dirty="0"/>
+              <a:t>監控 </a:t>
+            </a:r>
+            <a:r>
+              <a:rPr lang="en-US" altLang="zh-TW" dirty="0"/>
+              <a:t>(Failure Detection) </a:t>
+            </a:r>
+            <a:r>
+              <a:rPr lang="zh-TW" altLang="en-US" dirty="0"/>
+              <a:t>的結果，能夠 </a:t>
+            </a:r>
+            <a:r>
+              <a:rPr lang="en-US" altLang="zh-TW" dirty="0"/>
+              <a:t>feedback </a:t>
+            </a:r>
+            <a:r>
+              <a:rPr lang="zh-CN" altLang="en-US" dirty="0"/>
+              <a:t>做故障的排除，確保線上的服務運作正常。</a:t>
+            </a:r>
+            <a:endParaRPr lang="en-US" altLang="zh-CN" dirty="0"/>
+          </a:p>
+          <a:p>
+            <a:endParaRPr lang="en-US" altLang="zh-CN" dirty="0"/>
+          </a:p>
+          <a:p>
+            <a:r>
+              <a:rPr lang="zh-CN" altLang="en-US" dirty="0"/>
+              <a:t>能夠監控不固定個數的 </a:t>
+            </a:r>
+            <a:r>
+              <a:rPr lang="en-US" altLang="zh-CN" dirty="0"/>
+              <a:t>Services Instance</a:t>
+            </a:r>
+            <a:r>
+              <a:rPr lang="zh-CN" altLang="en-US" dirty="0"/>
+              <a:t>。</a:t>
+            </a:r>
+            <a:r>
+              <a:rPr lang="en-US" altLang="zh-CN" dirty="0"/>
+              <a:t>Service Discovery </a:t>
+            </a:r>
+            <a:r>
+              <a:rPr lang="zh-CN" altLang="en-US" dirty="0"/>
+              <a:t>機制的查詢，支援 </a:t>
+            </a:r>
+            <a:r>
+              <a:rPr lang="en-US" altLang="zh-CN" dirty="0"/>
+              <a:t>DNS protocol, </a:t>
+            </a:r>
+            <a:r>
+              <a:rPr lang="zh-CN" altLang="en-US" dirty="0"/>
+              <a:t>容易與其他系統搭配使用。</a:t>
+            </a:r>
+            <a:endParaRPr lang="en-US" altLang="zh-CN" dirty="0"/>
+          </a:p>
+          <a:p>
+            <a:endParaRPr lang="en-US" altLang="zh-TW" dirty="0"/>
+          </a:p>
+          <a:p>
+            <a:r>
+              <a:rPr lang="zh-TW" altLang="en-US" dirty="0"/>
+              <a:t>支援多種複雜自訂的監控與偵測機制 </a:t>
+            </a:r>
+            <a:r>
+              <a:rPr lang="en-US" altLang="zh-TW" dirty="0"/>
+              <a:t>(Heartbeats, Http Check, TCP Check, Script Check, TTL, Auto De-Register…  )</a:t>
+            </a:r>
+          </a:p>
+          <a:p>
+            <a:endParaRPr lang="en-US" altLang="zh-TW" dirty="0"/>
+          </a:p>
+          <a:p>
+            <a:r>
+              <a:rPr lang="zh-TW" altLang="en-US" dirty="0"/>
+              <a:t>需要開發階段或是架構設計階段就考量與 </a:t>
+            </a:r>
+            <a:r>
+              <a:rPr lang="en-US" altLang="zh-TW" dirty="0"/>
+              <a:t>Consul </a:t>
+            </a:r>
+            <a:r>
+              <a:rPr lang="zh-CN" altLang="en-US" dirty="0"/>
+              <a:t>的整合，而非系統建置完成後再來追加的 </a:t>
+            </a:r>
+            <a:r>
+              <a:rPr lang="en-US" altLang="zh-CN" dirty="0"/>
+              <a:t>Monitoring Tools</a:t>
+            </a:r>
+            <a:r>
+              <a:rPr lang="zh-CN" altLang="en-US" dirty="0"/>
+              <a:t> </a:t>
+            </a:r>
+            <a:r>
+              <a:rPr lang="en-US" altLang="zh-CN" dirty="0"/>
+              <a:t>/ Services</a:t>
+            </a:r>
+            <a:r>
+              <a:rPr lang="zh-CN" altLang="en-US" dirty="0"/>
+              <a:t>。可以密切整合，打造高度自動化與高可靠度的服務。</a:t>
+            </a:r>
+            <a:endParaRPr lang="zh-TW" altLang="en-US" dirty="0"/>
+          </a:p>
+        </p:txBody>
+      </p:sp>
+    </p:spTree>
+    <p:extLst>
+      <p:ext uri="{BB962C8B-B14F-4D97-AF65-F5344CB8AC3E}">
+        <p14:creationId xmlns:p14="http://schemas.microsoft.com/office/powerpoint/2010/main" val="2857811289"/>
+      </p:ext>
+    </p:extLst>
+  </p:cSld>
+  <p:clrMapOvr>
+    <a:masterClrMapping/>
+  </p:clrMapOvr>
+</p:sld>
+</file>
+
+<file path=ppt/slides/slide12.xml><?xml version="1.0" encoding="utf-8"?>
+<p:sld xmlns:a="http://schemas.openxmlformats.org/drawingml/2006/main" xmlns:r="http://schemas.openxmlformats.org/officeDocument/2006/relationships" xmlns:p="http://schemas.openxmlformats.org/presentationml/2006/main">
+  <p:cSld>
+    <p:spTree>
+      <p:nvGrpSpPr>
+        <p:cNvPr id="1" name=""/>
+        <p:cNvGrpSpPr/>
+        <p:nvPr/>
+      </p:nvGrpSpPr>
+      <p:grpSpPr>
+        <a:xfrm>
+          <a:off x="0" y="0"/>
+          <a:ext cx="0" cy="0"/>
+          <a:chOff x="0" y="0"/>
+          <a:chExt cx="0" cy="0"/>
+        </a:xfrm>
+      </p:grpSpPr>
+      <p:sp>
+        <p:nvSpPr>
+          <p:cNvPr id="7" name="標題 6">
+            <a:extLst>
+              <a:ext uri="{FF2B5EF4-FFF2-40B4-BE49-F238E27FC236}">
+                <a16:creationId xmlns:a16="http://schemas.microsoft.com/office/drawing/2014/main" id="{EF6FAD0A-5784-4BB0-820E-83AD688C2BDF}"/>
+              </a:ext>
+            </a:extLst>
+          </p:cNvPr>
+          <p:cNvSpPr>
+            <a:spLocks noGrp="1"/>
+          </p:cNvSpPr>
+          <p:nvPr>
+            <p:ph type="title"/>
+          </p:nvPr>
+        </p:nvSpPr>
+        <p:spPr/>
+        <p:txBody>
+          <a:bodyPr/>
+          <a:lstStyle/>
+          <a:p>
+            <a:r>
+              <a:rPr lang="en-US" altLang="zh-TW" dirty="0"/>
+              <a:t>Consul </a:t>
+            </a:r>
+            <a:r>
+              <a:rPr lang="zh-CN" altLang="en-US" b="1" dirty="0">
+                <a:solidFill>
+                  <a:srgbClr val="FF0000"/>
+                </a:solidFill>
+              </a:rPr>
+              <a:t>不可以</a:t>
+            </a:r>
+            <a:r>
+              <a:rPr lang="en-US" altLang="zh-CN" dirty="0"/>
+              <a:t>:</a:t>
+            </a:r>
+            <a:endParaRPr lang="zh-TW" altLang="en-US" dirty="0"/>
+          </a:p>
+        </p:txBody>
+      </p:sp>
+      <p:sp>
+        <p:nvSpPr>
+          <p:cNvPr id="8" name="內容版面配置區 7">
+            <a:extLst>
+              <a:ext uri="{FF2B5EF4-FFF2-40B4-BE49-F238E27FC236}">
+                <a16:creationId xmlns:a16="http://schemas.microsoft.com/office/drawing/2014/main" id="{BD73F651-C2BE-44F2-AE07-EE59237B8190}"/>
+              </a:ext>
+            </a:extLst>
+          </p:cNvPr>
+          <p:cNvSpPr>
+            <a:spLocks noGrp="1"/>
+          </p:cNvSpPr>
+          <p:nvPr>
+            <p:ph idx="1"/>
+          </p:nvPr>
+        </p:nvSpPr>
+        <p:spPr/>
+        <p:txBody>
+          <a:bodyPr>
+            <a:normAutofit/>
+          </a:bodyPr>
+          <a:lstStyle/>
+          <a:p>
+            <a:r>
+              <a:rPr lang="zh-CN" altLang="en-US" dirty="0"/>
+              <a:t>沒有提供監控 </a:t>
+            </a:r>
+            <a:r>
+              <a:rPr lang="en-US" altLang="zh-CN" dirty="0"/>
+              <a:t>“</a:t>
+            </a:r>
+            <a:r>
+              <a:rPr lang="zh-CN" altLang="en-US" dirty="0"/>
+              <a:t>紀錄</a:t>
+            </a:r>
+            <a:r>
+              <a:rPr lang="en-US" altLang="zh-CN" dirty="0"/>
+              <a:t>”</a:t>
+            </a:r>
+            <a:r>
+              <a:rPr lang="zh-CN" altLang="en-US" dirty="0"/>
+              <a:t>。</a:t>
+            </a:r>
+            <a:br>
+              <a:rPr lang="en-US" altLang="zh-CN" dirty="0"/>
+            </a:br>
+            <a:r>
+              <a:rPr lang="zh-CN" altLang="en-US" sz="2400" dirty="0"/>
+              <a:t>需要自行搭配與整合其他監控服務，如 </a:t>
+            </a:r>
+            <a:r>
+              <a:rPr lang="en-US" altLang="zh-CN" sz="2400" dirty="0" err="1"/>
+              <a:t>DataDog</a:t>
+            </a:r>
+            <a:r>
+              <a:rPr lang="en-US" altLang="zh-CN" sz="2400" dirty="0"/>
+              <a:t>, CloudWatch, ELK … </a:t>
+            </a:r>
+            <a:r>
+              <a:rPr lang="en-US" altLang="zh-CN" sz="2400" dirty="0" err="1"/>
+              <a:t>etc</a:t>
+            </a:r>
+            <a:endParaRPr lang="en-US" altLang="zh-CN" dirty="0"/>
+          </a:p>
+          <a:p>
+            <a:endParaRPr lang="en-US" altLang="zh-TW" dirty="0"/>
+          </a:p>
+          <a:p>
+            <a:r>
+              <a:rPr lang="zh-CN" altLang="en-US" dirty="0"/>
+              <a:t>沒有提供警告機制。</a:t>
+            </a:r>
+            <a:endParaRPr lang="en-US" altLang="zh-CN" dirty="0"/>
+          </a:p>
+          <a:p>
+            <a:endParaRPr lang="en-US" altLang="zh-CN" dirty="0"/>
+          </a:p>
+          <a:p>
+            <a:r>
+              <a:rPr lang="zh-CN" altLang="en-US" dirty="0"/>
+              <a:t>沒有提供 </a:t>
+            </a:r>
+            <a:r>
+              <a:rPr lang="en-US" altLang="zh-CN" dirty="0"/>
+              <a:t>Dashboard (</a:t>
+            </a:r>
+            <a:r>
+              <a:rPr lang="zh-CN" altLang="en-US" dirty="0"/>
+              <a:t>只有陽春的 </a:t>
+            </a:r>
+            <a:r>
+              <a:rPr lang="en-US" altLang="zh-CN" dirty="0"/>
+              <a:t>Debug Web UI)</a:t>
+            </a:r>
+          </a:p>
+          <a:p>
+            <a:endParaRPr lang="en-US" altLang="zh-CN" dirty="0"/>
+          </a:p>
+          <a:p>
+            <a:pPr marL="0" indent="0">
+              <a:buNone/>
+            </a:pPr>
+            <a:r>
+              <a:rPr lang="zh-CN" altLang="en-US" dirty="0"/>
+              <a:t>建議架構規劃上使用 </a:t>
+            </a:r>
+            <a:r>
+              <a:rPr lang="en-US" altLang="zh-CN" dirty="0"/>
+              <a:t>Consul </a:t>
+            </a:r>
+            <a:r>
+              <a:rPr lang="zh-CN" altLang="en-US" dirty="0"/>
+              <a:t>搭配其他監控服務一起使用。</a:t>
+            </a:r>
+            <a:endParaRPr lang="en-US" altLang="zh-CN" dirty="0"/>
+          </a:p>
+          <a:p>
+            <a:endParaRPr lang="en-US" altLang="zh-TW" dirty="0"/>
+          </a:p>
+          <a:p>
+            <a:endParaRPr lang="zh-TW" altLang="en-US" dirty="0"/>
+          </a:p>
+        </p:txBody>
+      </p:sp>
+    </p:spTree>
+    <p:extLst>
+      <p:ext uri="{BB962C8B-B14F-4D97-AF65-F5344CB8AC3E}">
+        <p14:creationId xmlns:p14="http://schemas.microsoft.com/office/powerpoint/2010/main" val="106153214"/>
+      </p:ext>
+    </p:extLst>
+  </p:cSld>
+  <p:clrMapOvr>
+    <a:masterClrMapping/>
+  </p:clrMapOvr>
+</p:sld>
+</file>
+
+<file path=ppt/slides/slide13.xml><?xml version="1.0" encoding="utf-8"?>
+<p:sld xmlns:a="http://schemas.openxmlformats.org/drawingml/2006/main" xmlns:r="http://schemas.openxmlformats.org/officeDocument/2006/relationships" xmlns:p="http://schemas.openxmlformats.org/presentationml/2006/main">
+  <p:cSld>
+    <p:spTree>
+      <p:nvGrpSpPr>
+        <p:cNvPr id="1" name=""/>
+        <p:cNvGrpSpPr/>
+        <p:nvPr/>
+      </p:nvGrpSpPr>
+      <p:grpSpPr>
+        <a:xfrm>
+          <a:off x="0" y="0"/>
+          <a:ext cx="0" cy="0"/>
+          <a:chOff x="0" y="0"/>
+          <a:chExt cx="0" cy="0"/>
+        </a:xfrm>
+      </p:grpSpPr>
+      <p:sp>
+        <p:nvSpPr>
+          <p:cNvPr id="4" name="文字方塊 3">
+            <a:extLst>
+              <a:ext uri="{FF2B5EF4-FFF2-40B4-BE49-F238E27FC236}">
+                <a16:creationId xmlns:a16="http://schemas.microsoft.com/office/drawing/2014/main" id="{707CF7B4-6BE0-48CB-892A-49792111A4AD}"/>
+              </a:ext>
+            </a:extLst>
+          </p:cNvPr>
+          <p:cNvSpPr txBox="1"/>
+          <p:nvPr/>
+        </p:nvSpPr>
+        <p:spPr>
+          <a:xfrm>
+            <a:off x="339121" y="6410019"/>
+            <a:ext cx="26990081" cy="646331"/>
+          </a:xfrm>
+          <a:prstGeom prst="rect">
+            <a:avLst/>
+          </a:prstGeom>
+          <a:noFill/>
+        </p:spPr>
+        <p:txBody>
+          <a:bodyPr wrap="none" rtlCol="0">
+            <a:spAutoFit/>
+          </a:bodyPr>
+          <a:lstStyle/>
+          <a:p>
+            <a:r>
+              <a:rPr lang="en-US" altLang="zh-TW" dirty="0">
+                <a:hlinkClick r:id="rId2"/>
+              </a:rPr>
+              <a:t>http://lq08025107.github.io/2016/03/26/%E4%BD%BF%E7%94%A8Consul-Consul-template-Docker-Registrator-nginx%E5%AE%9E%E7%8E%B0%E5%8A%A8%E6%80%81%E6%9C%8D%E5%8A%A1%E6%B3%A8%E5%86%8C%E5%92%8C%E6%9C%8D%E5%8A%A1%E5%8F%91%E7%8E%B0/</a:t>
+            </a:r>
+            <a:endParaRPr lang="en-US" altLang="zh-TW" dirty="0"/>
+          </a:p>
+          <a:p>
+            <a:endParaRPr lang="zh-TW" altLang="en-US" dirty="0"/>
+          </a:p>
+        </p:txBody>
+      </p:sp>
+      <p:pic>
+        <p:nvPicPr>
+          <p:cNvPr id="1026" name="Picture 2" descr="http://7xr558.com1.z0.glb.clouddn.com/Service_Discovery.png">
+            <a:extLst>
+              <a:ext uri="{FF2B5EF4-FFF2-40B4-BE49-F238E27FC236}">
+                <a16:creationId xmlns:a16="http://schemas.microsoft.com/office/drawing/2014/main" id="{5A405E3C-E910-4F9E-BAD2-58A85FE112A9}"/>
+              </a:ext>
+            </a:extLst>
+          </p:cNvPr>
+          <p:cNvPicPr>
+            <a:picLocks noChangeAspect="1" noChangeArrowheads="1"/>
+          </p:cNvPicPr>
+          <p:nvPr/>
+        </p:nvPicPr>
+        <p:blipFill>
+          <a:blip r:embed="rId3">
+            <a:extLst>
+              <a:ext uri="{28A0092B-C50C-407E-A947-70E740481C1C}">
+                <a14:useLocalDpi xmlns:a14="http://schemas.microsoft.com/office/drawing/2010/main" val="0"/>
+              </a:ext>
+            </a:extLst>
+          </a:blip>
+          <a:srcRect/>
+          <a:stretch>
+            <a:fillRect/>
+          </a:stretch>
+        </p:blipFill>
+        <p:spPr bwMode="auto">
+          <a:xfrm>
+            <a:off x="-80359" y="0"/>
+            <a:ext cx="11933238" cy="6858000"/>
+          </a:xfrm>
+          <a:prstGeom prst="rect">
+            <a:avLst/>
+          </a:prstGeom>
+          <a:noFill/>
+          <a:extLst>
+            <a:ext uri="{909E8E84-426E-40DD-AFC4-6F175D3DCCD1}">
+              <a14:hiddenFill xmlns:a14="http://schemas.microsoft.com/office/drawing/2010/main">
+                <a:solidFill>
+                  <a:srgbClr val="FFFFFF"/>
+                </a:solidFill>
+              </a14:hiddenFill>
+            </a:ext>
+          </a:extLst>
+        </p:spPr>
+      </p:pic>
+      <p:sp>
+        <p:nvSpPr>
+          <p:cNvPr id="5" name="矩形: 圓角 4">
+            <a:extLst>
+              <a:ext uri="{FF2B5EF4-FFF2-40B4-BE49-F238E27FC236}">
+                <a16:creationId xmlns:a16="http://schemas.microsoft.com/office/drawing/2014/main" id="{00D33DB7-5B89-4D0F-8104-922F414DA70E}"/>
+              </a:ext>
+            </a:extLst>
+          </p:cNvPr>
+          <p:cNvSpPr/>
+          <p:nvPr/>
+        </p:nvSpPr>
+        <p:spPr>
+          <a:xfrm>
+            <a:off x="339121" y="797859"/>
+            <a:ext cx="2475797" cy="887506"/>
+          </a:xfrm>
+          <a:prstGeom prst="roundRect">
+            <a:avLst/>
+          </a:prstGeom>
+        </p:spPr>
+        <p:style>
+          <a:lnRef idx="3">
+            <a:schemeClr val="lt1"/>
+          </a:lnRef>
+          <a:fillRef idx="1">
+            <a:schemeClr val="accent6"/>
+          </a:fillRef>
+          <a:effectRef idx="1">
+            <a:schemeClr val="accent6"/>
+          </a:effectRef>
+          <a:fontRef idx="minor">
+            <a:schemeClr val="lt1"/>
+          </a:fontRef>
+        </p:style>
+        <p:txBody>
+          <a:bodyPr rtlCol="0" anchor="ctr"/>
+          <a:lstStyle/>
+          <a:p>
+            <a:pPr algn="ctr"/>
+            <a:r>
+              <a:rPr lang="en-US" altLang="zh-TW" dirty="0"/>
+              <a:t>Monitoring Services</a:t>
+            </a:r>
+            <a:endParaRPr lang="zh-TW" altLang="en-US" dirty="0"/>
+          </a:p>
+        </p:txBody>
+      </p:sp>
+      <p:cxnSp>
+        <p:nvCxnSpPr>
+          <p:cNvPr id="7" name="直線單箭頭接點 6">
+            <a:extLst>
+              <a:ext uri="{FF2B5EF4-FFF2-40B4-BE49-F238E27FC236}">
+                <a16:creationId xmlns:a16="http://schemas.microsoft.com/office/drawing/2014/main" id="{BFF20025-E1C0-459B-812F-0D80CA5E634B}"/>
+              </a:ext>
+            </a:extLst>
+          </p:cNvPr>
+          <p:cNvCxnSpPr>
+            <a:endCxn id="5" idx="3"/>
+          </p:cNvCxnSpPr>
+          <p:nvPr/>
+        </p:nvCxnSpPr>
+        <p:spPr>
+          <a:xfrm flipH="1" flipV="1">
+            <a:off x="2814918" y="1241612"/>
+            <a:ext cx="878541" cy="202578"/>
+          </a:xfrm>
+          <a:prstGeom prst="straightConnector1">
+            <a:avLst/>
+          </a:prstGeom>
+          <a:ln w="38100">
+            <a:solidFill>
+              <a:schemeClr val="tx1"/>
+            </a:solidFill>
+            <a:tailEnd type="triangle"/>
+          </a:ln>
+        </p:spPr>
+        <p:style>
+          <a:lnRef idx="1">
+            <a:schemeClr val="accent1"/>
+          </a:lnRef>
+          <a:fillRef idx="0">
+            <a:schemeClr val="accent1"/>
+          </a:fillRef>
+          <a:effectRef idx="0">
+            <a:schemeClr val="accent1"/>
+          </a:effectRef>
+          <a:fontRef idx="minor">
+            <a:schemeClr val="tx1"/>
+          </a:fontRef>
+        </p:style>
+      </p:cxnSp>
+      <p:sp>
+        <p:nvSpPr>
+          <p:cNvPr id="8" name="矩形 7">
+            <a:extLst>
+              <a:ext uri="{FF2B5EF4-FFF2-40B4-BE49-F238E27FC236}">
+                <a16:creationId xmlns:a16="http://schemas.microsoft.com/office/drawing/2014/main" id="{D53EF500-1078-4CA8-80AC-95B99953F5A6}"/>
+              </a:ext>
+            </a:extLst>
+          </p:cNvPr>
+          <p:cNvSpPr/>
+          <p:nvPr/>
+        </p:nvSpPr>
+        <p:spPr>
+          <a:xfrm>
+            <a:off x="1550894" y="2178424"/>
+            <a:ext cx="1192306" cy="537882"/>
+          </a:xfrm>
+          <a:prstGeom prst="rect">
+            <a:avLst/>
+          </a:prstGeom>
+          <a:noFill/>
+          <a:ln w="76200">
+            <a:solidFill>
+              <a:srgbClr val="FF0000"/>
+            </a:solidFill>
+          </a:ln>
+        </p:spPr>
+        <p:style>
+          <a:lnRef idx="2">
+            <a:schemeClr val="accent1">
+              <a:shade val="50000"/>
+            </a:schemeClr>
+          </a:lnRef>
+          <a:fillRef idx="1">
+            <a:schemeClr val="accent1"/>
+          </a:fillRef>
+          <a:effectRef idx="0">
+            <a:schemeClr val="accent1"/>
+          </a:effectRef>
+          <a:fontRef idx="minor">
+            <a:schemeClr val="lt1"/>
+          </a:fontRef>
+        </p:style>
+        <p:txBody>
+          <a:bodyPr rtlCol="0" anchor="ctr"/>
+          <a:lstStyle/>
+          <a:p>
+            <a:pPr algn="ctr"/>
+            <a:endParaRPr lang="zh-TW" altLang="en-US"/>
+          </a:p>
+        </p:txBody>
+      </p:sp>
+      <p:sp>
+        <p:nvSpPr>
+          <p:cNvPr id="10" name="矩形 9">
+            <a:extLst>
+              <a:ext uri="{FF2B5EF4-FFF2-40B4-BE49-F238E27FC236}">
+                <a16:creationId xmlns:a16="http://schemas.microsoft.com/office/drawing/2014/main" id="{36BF87EC-EE76-4BD6-8201-BE643FB46D98}"/>
+              </a:ext>
+            </a:extLst>
+          </p:cNvPr>
+          <p:cNvSpPr/>
+          <p:nvPr/>
+        </p:nvSpPr>
+        <p:spPr>
+          <a:xfrm>
+            <a:off x="7252447" y="1241612"/>
+            <a:ext cx="1264024" cy="685800"/>
+          </a:xfrm>
+          <a:prstGeom prst="rect">
+            <a:avLst/>
+          </a:prstGeom>
+          <a:noFill/>
+          <a:ln w="76200">
+            <a:solidFill>
+              <a:srgbClr val="FF0000"/>
+            </a:solidFill>
+          </a:ln>
+        </p:spPr>
+        <p:style>
+          <a:lnRef idx="2">
+            <a:schemeClr val="accent1">
+              <a:shade val="50000"/>
+            </a:schemeClr>
+          </a:lnRef>
+          <a:fillRef idx="1">
+            <a:schemeClr val="accent1"/>
+          </a:fillRef>
+          <a:effectRef idx="0">
+            <a:schemeClr val="accent1"/>
+          </a:effectRef>
+          <a:fontRef idx="minor">
+            <a:schemeClr val="lt1"/>
+          </a:fontRef>
+        </p:style>
+        <p:txBody>
+          <a:bodyPr rtlCol="0" anchor="ctr"/>
+          <a:lstStyle/>
+          <a:p>
+            <a:pPr algn="ctr"/>
+            <a:endParaRPr lang="zh-TW" altLang="en-US"/>
+          </a:p>
+        </p:txBody>
+      </p:sp>
+    </p:spTree>
+    <p:extLst>
+      <p:ext uri="{BB962C8B-B14F-4D97-AF65-F5344CB8AC3E}">
+        <p14:creationId xmlns:p14="http://schemas.microsoft.com/office/powerpoint/2010/main" val="3371322494"/>
+      </p:ext>
+    </p:extLst>
+  </p:cSld>
+  <p:clrMapOvr>
+    <a:masterClrMapping/>
+  </p:clrMapOvr>
+  <p:timing>
+    <p:tnLst>
+      <p:par>
+        <p:cTn id="1" dur="indefinite" restart="never" nodeType="tmRoot">
+          <p:childTnLst>
+            <p:seq concurrent="1" nextAc="seek">
+              <p:cTn id="2" dur="indefinite" nodeType="mainSeq">
+                <p:childTnLst>
+                  <p:par>
+                    <p:cTn id="3" fill="hold">
+                      <p:stCondLst>
+                        <p:cond delay="indefinite"/>
+                      </p:stCondLst>
+                      <p:childTnLst>
+                        <p:par>
+                          <p:cTn id="4" fill="hold">
+                            <p:stCondLst>
+                              <p:cond delay="0"/>
+                            </p:stCondLst>
+                            <p:childTnLst>
+                              <p:par>
+                                <p:cTn id="5" presetID="10" presetClass="entr" presetSubtype="0" fill="hold" grpId="0" nodeType="clickEffect">
+                                  <p:stCondLst>
+                                    <p:cond delay="0"/>
+                                  </p:stCondLst>
+                                  <p:childTnLst>
+                                    <p:set>
+                                      <p:cBhvr>
+                                        <p:cTn id="6" dur="1" fill="hold">
+                                          <p:stCondLst>
+                                            <p:cond delay="0"/>
+                                          </p:stCondLst>
+                                        </p:cTn>
+                                        <p:tgtEl>
+                                          <p:spTgt spid="8"/>
+                                        </p:tgtEl>
+                                        <p:attrNameLst>
+                                          <p:attrName>style.visibility</p:attrName>
+                                        </p:attrNameLst>
+                                      </p:cBhvr>
+                                      <p:to>
+                                        <p:strVal val="visible"/>
+                                      </p:to>
+                                    </p:set>
+                                    <p:animEffect transition="in" filter="fade">
+                                      <p:cBhvr>
+                                        <p:cTn id="7" dur="500"/>
+                                        <p:tgtEl>
+                                          <p:spTgt spid="8"/>
+                                        </p:tgtEl>
+                                      </p:cBhvr>
+                                    </p:animEffect>
+                                  </p:childTnLst>
+                                </p:cTn>
+                              </p:par>
+                            </p:childTnLst>
+                          </p:cTn>
+                        </p:par>
+                      </p:childTnLst>
+                    </p:cTn>
+                  </p:par>
+                  <p:par>
+                    <p:cTn id="8" fill="hold">
+                      <p:stCondLst>
+                        <p:cond delay="indefinite"/>
+                      </p:stCondLst>
+                      <p:childTnLst>
+                        <p:par>
+                          <p:cTn id="9" fill="hold">
+                            <p:stCondLst>
+                              <p:cond delay="0"/>
+                            </p:stCondLst>
+                            <p:childTnLst>
+                              <p:par>
+                                <p:cTn id="10" presetID="10" presetClass="entr" presetSubtype="0" fill="hold" grpId="0" nodeType="clickEffect">
+                                  <p:stCondLst>
+                                    <p:cond delay="0"/>
+                                  </p:stCondLst>
+                                  <p:childTnLst>
+                                    <p:set>
+                                      <p:cBhvr>
+                                        <p:cTn id="11" dur="1" fill="hold">
+                                          <p:stCondLst>
+                                            <p:cond delay="0"/>
+                                          </p:stCondLst>
+                                        </p:cTn>
+                                        <p:tgtEl>
+                                          <p:spTgt spid="10"/>
+                                        </p:tgtEl>
+                                        <p:attrNameLst>
+                                          <p:attrName>style.visibility</p:attrName>
+                                        </p:attrNameLst>
+                                      </p:cBhvr>
+                                      <p:to>
+                                        <p:strVal val="visible"/>
+                                      </p:to>
+                                    </p:set>
+                                    <p:animEffect transition="in" filter="fade">
+                                      <p:cBhvr>
+                                        <p:cTn id="12" dur="500"/>
+                                        <p:tgtEl>
+                                          <p:spTgt spid="10"/>
+                                        </p:tgtEl>
+                                      </p:cBhvr>
+                                    </p:animEffect>
+                                  </p:childTnLst>
+                                </p:cTn>
+                              </p:par>
+                            </p:childTnLst>
+                          </p:cTn>
+                        </p:par>
+                      </p:childTnLst>
+                    </p:cTn>
+                  </p:par>
+                  <p:par>
+                    <p:cTn id="13" fill="hold">
+                      <p:stCondLst>
+                        <p:cond delay="indefinite"/>
+                      </p:stCondLst>
+                      <p:childTnLst>
+                        <p:par>
+                          <p:cTn id="14" fill="hold">
+                            <p:stCondLst>
+                              <p:cond delay="0"/>
+                            </p:stCondLst>
+                            <p:childTnLst>
+                              <p:par>
+                                <p:cTn id="15" presetID="10" presetClass="entr" presetSubtype="0" fill="hold" nodeType="clickEffect">
+                                  <p:stCondLst>
+                                    <p:cond delay="0"/>
+                                  </p:stCondLst>
+                                  <p:childTnLst>
+                                    <p:set>
+                                      <p:cBhvr>
+                                        <p:cTn id="16" dur="1" fill="hold">
+                                          <p:stCondLst>
+                                            <p:cond delay="0"/>
+                                          </p:stCondLst>
+                                        </p:cTn>
+                                        <p:tgtEl>
+                                          <p:spTgt spid="7"/>
+                                        </p:tgtEl>
+                                        <p:attrNameLst>
+                                          <p:attrName>style.visibility</p:attrName>
+                                        </p:attrNameLst>
+                                      </p:cBhvr>
+                                      <p:to>
+                                        <p:strVal val="visible"/>
+                                      </p:to>
+                                    </p:set>
+                                    <p:animEffect transition="in" filter="fade">
+                                      <p:cBhvr>
+                                        <p:cTn id="17" dur="500"/>
+                                        <p:tgtEl>
+                                          <p:spTgt spid="7"/>
+                                        </p:tgtEl>
+                                      </p:cBhvr>
+                                    </p:animEffect>
+                                  </p:childTnLst>
+                                </p:cTn>
+                              </p:par>
+                              <p:par>
+                                <p:cTn id="18" presetID="10" presetClass="entr" presetSubtype="0" fill="hold" grpId="0" nodeType="withEffect">
+                                  <p:stCondLst>
+                                    <p:cond delay="0"/>
+                                  </p:stCondLst>
+                                  <p:childTnLst>
+                                    <p:set>
+                                      <p:cBhvr>
+                                        <p:cTn id="19" dur="1" fill="hold">
+                                          <p:stCondLst>
+                                            <p:cond delay="0"/>
+                                          </p:stCondLst>
+                                        </p:cTn>
+                                        <p:tgtEl>
+                                          <p:spTgt spid="5"/>
+                                        </p:tgtEl>
+                                        <p:attrNameLst>
+                                          <p:attrName>style.visibility</p:attrName>
+                                        </p:attrNameLst>
+                                      </p:cBhvr>
+                                      <p:to>
+                                        <p:strVal val="visible"/>
+                                      </p:to>
+                                    </p:set>
+                                    <p:animEffect transition="in" filter="fade">
+                                      <p:cBhvr>
+                                        <p:cTn id="20" dur="500"/>
+                                        <p:tgtEl>
+                                          <p:spTgt spid="5"/>
+                                        </p:tgtEl>
+                                      </p:cBhvr>
+                                    </p:animEffect>
+                                  </p:childTnLst>
+                                </p:cTn>
+                              </p:par>
+                            </p:childTnLst>
+                          </p:cTn>
+                        </p:par>
+                      </p:childTnLst>
+                    </p:cTn>
+                  </p:par>
+                </p:childTnLst>
+              </p:cTn>
+              <p:prevCondLst>
+                <p:cond evt="onPrev" delay="0">
+                  <p:tgtEl>
+                    <p:sldTgt/>
+                  </p:tgtEl>
+                </p:cond>
+              </p:prevCondLst>
+              <p:nextCondLst>
+                <p:cond evt="onNext" delay="0">
+                  <p:tgtEl>
+                    <p:sldTgt/>
+                  </p:tgtEl>
+                </p:cond>
+              </p:nextCondLst>
+            </p:seq>
+          </p:childTnLst>
+        </p:cTn>
+      </p:par>
+    </p:tnLst>
+    <p:bldLst>
+      <p:bldP spid="5" grpId="0" animBg="1"/>
+      <p:bldP spid="8" grpId="0" animBg="1"/>
+      <p:bldP spid="10" grpId="0" animBg="1"/>
+    </p:bldLst>
+  </p:timing>
+</p:sld>
+</file>
+
+<file path=ppt/slides/slide14.xml><?xml version="1.0" encoding="utf-8"?>
+<p:sld xmlns:a="http://schemas.openxmlformats.org/drawingml/2006/main" xmlns:r="http://schemas.openxmlformats.org/officeDocument/2006/relationships" xmlns:p="http://schemas.openxmlformats.org/presentationml/2006/main">
+  <p:cSld>
+    <p:spTree>
+      <p:nvGrpSpPr>
+        <p:cNvPr id="1" name=""/>
+        <p:cNvGrpSpPr/>
+        <p:nvPr/>
+      </p:nvGrpSpPr>
+      <p:grpSpPr>
+        <a:xfrm>
+          <a:off x="0" y="0"/>
+          <a:ext cx="0" cy="0"/>
+          <a:chOff x="0" y="0"/>
+          <a:chExt cx="0" cy="0"/>
+        </a:xfrm>
+      </p:grpSpPr>
+      <p:sp>
+        <p:nvSpPr>
+          <p:cNvPr id="2" name="標題 1"/>
+          <p:cNvSpPr>
+            <a:spLocks noGrp="1"/>
+          </p:cNvSpPr>
+          <p:nvPr>
+            <p:ph type="title"/>
+          </p:nvPr>
+        </p:nvSpPr>
+        <p:spPr/>
+        <p:txBody>
+          <a:bodyPr/>
+          <a:lstStyle/>
+          <a:p>
+            <a:r>
+              <a:rPr lang="en-US" dirty="0"/>
+              <a:t>Reference</a:t>
+            </a:r>
+          </a:p>
+        </p:txBody>
+      </p:sp>
+      <p:sp>
+        <p:nvSpPr>
+          <p:cNvPr id="3" name="文字版面配置區 2"/>
+          <p:cNvSpPr>
+            <a:spLocks noGrp="1"/>
+          </p:cNvSpPr>
+          <p:nvPr>
+            <p:ph type="body" idx="1"/>
+          </p:nvPr>
+        </p:nvSpPr>
+        <p:spPr/>
+        <p:txBody>
+          <a:bodyPr/>
+          <a:lstStyle/>
+          <a:p>
+            <a:endParaRPr lang="en-US"/>
+          </a:p>
+        </p:txBody>
+      </p:sp>
+    </p:spTree>
+    <p:extLst>
+      <p:ext uri="{BB962C8B-B14F-4D97-AF65-F5344CB8AC3E}">
+        <p14:creationId xmlns:p14="http://schemas.microsoft.com/office/powerpoint/2010/main" val="2882868824"/>
+      </p:ext>
+    </p:extLst>
+  </p:cSld>
+  <p:clrMapOvr>
+    <a:masterClrMapping/>
+  </p:clrMapOvr>
+</p:sld>
+</file>
+
+<file path=ppt/slides/slide15.xml><?xml version="1.0" encoding="utf-8"?>
+<p:sld xmlns:a="http://schemas.openxmlformats.org/drawingml/2006/main" xmlns:r="http://schemas.openxmlformats.org/officeDocument/2006/relationships" xmlns:p="http://schemas.openxmlformats.org/presentationml/2006/main">
+  <p:cSld>
+    <p:spTree>
+      <p:nvGrpSpPr>
+        <p:cNvPr id="1" name=""/>
+        <p:cNvGrpSpPr/>
+        <p:nvPr/>
+      </p:nvGrpSpPr>
+      <p:grpSpPr>
+        <a:xfrm>
+          <a:off x="0" y="0"/>
+          <a:ext cx="0" cy="0"/>
+          <a:chOff x="0" y="0"/>
+          <a:chExt cx="0" cy="0"/>
+        </a:xfrm>
+      </p:grpSpPr>
+      <p:sp>
+        <p:nvSpPr>
+          <p:cNvPr id="4" name="標題 3">
+            <a:extLst>
+              <a:ext uri="{FF2B5EF4-FFF2-40B4-BE49-F238E27FC236}">
+                <a16:creationId xmlns:a16="http://schemas.microsoft.com/office/drawing/2014/main" id="{BB4F1FB0-9D00-4FF6-9CA5-CA07202CF859}"/>
+              </a:ext>
+            </a:extLst>
+          </p:cNvPr>
+          <p:cNvSpPr>
+            <a:spLocks noGrp="1"/>
+          </p:cNvSpPr>
+          <p:nvPr>
+            <p:ph type="title"/>
+          </p:nvPr>
+        </p:nvSpPr>
+        <p:spPr/>
+        <p:txBody>
+          <a:bodyPr/>
+          <a:lstStyle/>
+          <a:p>
+            <a:endParaRPr lang="zh-TW" altLang="en-US"/>
+          </a:p>
+        </p:txBody>
+      </p:sp>
+      <p:sp>
+        <p:nvSpPr>
+          <p:cNvPr id="5" name="內容版面配置區 4">
+            <a:extLst>
+              <a:ext uri="{FF2B5EF4-FFF2-40B4-BE49-F238E27FC236}">
+                <a16:creationId xmlns:a16="http://schemas.microsoft.com/office/drawing/2014/main" id="{4752EF41-7B52-4C62-8DC0-8A53515260C0}"/>
+              </a:ext>
+            </a:extLst>
+          </p:cNvPr>
+          <p:cNvSpPr>
+            <a:spLocks noGrp="1"/>
+          </p:cNvSpPr>
+          <p:nvPr>
+            <p:ph idx="1"/>
+          </p:nvPr>
+        </p:nvSpPr>
+        <p:spPr/>
+        <p:txBody>
+          <a:bodyPr/>
+          <a:lstStyle/>
+          <a:p>
+            <a:endParaRPr lang="zh-TW" altLang="en-US"/>
+          </a:p>
+        </p:txBody>
+      </p:sp>
+      <p:sp>
+        <p:nvSpPr>
+          <p:cNvPr id="6" name="文字方塊 5">
+            <a:extLst>
+              <a:ext uri="{FF2B5EF4-FFF2-40B4-BE49-F238E27FC236}">
+                <a16:creationId xmlns:a16="http://schemas.microsoft.com/office/drawing/2014/main" id="{4B0F9776-8EA0-49DF-ADC2-524913E3219A}"/>
+              </a:ext>
+            </a:extLst>
+          </p:cNvPr>
+          <p:cNvSpPr txBox="1"/>
+          <p:nvPr/>
+        </p:nvSpPr>
+        <p:spPr>
+          <a:xfrm>
+            <a:off x="365760" y="6374674"/>
+            <a:ext cx="4033284" cy="369332"/>
+          </a:xfrm>
+          <a:prstGeom prst="rect">
+            <a:avLst/>
+          </a:prstGeom>
+          <a:noFill/>
+        </p:spPr>
+        <p:txBody>
+          <a:bodyPr wrap="none" rtlCol="0">
+            <a:spAutoFit/>
+          </a:bodyPr>
+          <a:lstStyle/>
+          <a:p>
+            <a:r>
+              <a:rPr lang="en-US" altLang="zh-TW" dirty="0"/>
+              <a:t>https://gliderlabs.com/registrator/latest/</a:t>
+            </a:r>
+            <a:endParaRPr lang="zh-TW" altLang="en-US" dirty="0"/>
+          </a:p>
+        </p:txBody>
+      </p:sp>
+      <p:pic>
+        <p:nvPicPr>
+          <p:cNvPr id="7" name="圖片 6">
+            <a:extLst>
+              <a:ext uri="{FF2B5EF4-FFF2-40B4-BE49-F238E27FC236}">
+                <a16:creationId xmlns:a16="http://schemas.microsoft.com/office/drawing/2014/main" id="{64AF68C0-6609-46D3-9D90-728BF3D0B985}"/>
+              </a:ext>
+            </a:extLst>
+          </p:cNvPr>
+          <p:cNvPicPr>
+            <a:picLocks noChangeAspect="1"/>
+          </p:cNvPicPr>
+          <p:nvPr/>
+        </p:nvPicPr>
+        <p:blipFill>
+          <a:blip r:embed="rId2"/>
+          <a:stretch>
+            <a:fillRect/>
+          </a:stretch>
+        </p:blipFill>
+        <p:spPr>
+          <a:xfrm>
+            <a:off x="556797" y="154917"/>
+            <a:ext cx="10167428" cy="6083958"/>
+          </a:xfrm>
+          <a:prstGeom prst="rect">
+            <a:avLst/>
+          </a:prstGeom>
+        </p:spPr>
+      </p:pic>
+    </p:spTree>
+    <p:extLst>
+      <p:ext uri="{BB962C8B-B14F-4D97-AF65-F5344CB8AC3E}">
+        <p14:creationId xmlns:p14="http://schemas.microsoft.com/office/powerpoint/2010/main" val="4059998945"/>
+      </p:ext>
+    </p:extLst>
+  </p:cSld>
+  <p:clrMapOvr>
+    <a:masterClrMapping/>
+  </p:clrMapOvr>
+</p:sld>
+</file>
+
+<file path=ppt/slides/slide16.xml><?xml version="1.0" encoding="utf-8"?>
+<p:sld xmlns:a="http://schemas.openxmlformats.org/drawingml/2006/main" xmlns:r="http://schemas.openxmlformats.org/officeDocument/2006/relationships" xmlns:p="http://schemas.openxmlformats.org/presentationml/2006/main">
+  <p:cSld>
+    <p:spTree>
+      <p:nvGrpSpPr>
+        <p:cNvPr id="1" name=""/>
+        <p:cNvGrpSpPr/>
+        <p:nvPr/>
+      </p:nvGrpSpPr>
+      <p:grpSpPr>
+        <a:xfrm>
+          <a:off x="0" y="0"/>
+          <a:ext cx="0" cy="0"/>
+          <a:chOff x="0" y="0"/>
+          <a:chExt cx="0" cy="0"/>
+        </a:xfrm>
+      </p:grpSpPr>
+      <p:sp>
+        <p:nvSpPr>
           <p:cNvPr id="6" name="標題 5"/>
           <p:cNvSpPr>
             <a:spLocks noGrp="1"/>
@@ -3625,10 +4982,9 @@
           <a:lstStyle/>
           <a:p>
             <a:r>
-              <a:rPr lang="en-US" dirty="0" smtClean="0"/>
-              <a:t>Integration: Consul-Template</a:t>
-            </a:r>
-            <a:endParaRPr lang="en-US" dirty="0"/>
+              <a:rPr lang="en-US" dirty="0"/>
+              <a:t>Consul-Template</a:t>
+            </a:r>
           </a:p>
         </p:txBody>
       </p:sp>
@@ -3899,7 +5255,7 @@
 </p:sld>
 </file>
 
-<file path=ppt/slides/slide11.xml><?xml version="1.0" encoding="utf-8"?>
+<file path=ppt/slides/slide17.xml><?xml version="1.0" encoding="utf-8"?>
 <p:sld xmlns:a="http://schemas.openxmlformats.org/drawingml/2006/main" xmlns:r="http://schemas.openxmlformats.org/officeDocument/2006/relationships" xmlns:p="http://schemas.openxmlformats.org/presentationml/2006/main">
   <p:cSld>
     <p:spTree>
@@ -4127,7 +5483,7 @@
 </p:sld>
 </file>
 
-<file path=ppt/slides/slide12.xml><?xml version="1.0" encoding="utf-8"?>
+<file path=ppt/slides/slide18.xml><?xml version="1.0" encoding="utf-8"?>
 <p:sld xmlns:a="http://schemas.openxmlformats.org/drawingml/2006/main" xmlns:r="http://schemas.openxmlformats.org/officeDocument/2006/relationships" xmlns:p="http://schemas.openxmlformats.org/presentationml/2006/main">
   <p:cSld>
     <p:spTree>
@@ -4161,17 +5517,13 @@
           <a:p>
             <a:r>
               <a:rPr lang="en-US" dirty="0"/>
-              <a:t>Monitor Consul health and </a:t>
-            </a:r>
-            <a:r>
-              <a:rPr lang="en-US" dirty="0" smtClean="0"/>
-              <a:t>performance</a:t>
+              <a:t>Monitor Consul health and performance</a:t>
             </a:r>
             <a:br>
-              <a:rPr lang="en-US" dirty="0" smtClean="0"/>
+              <a:rPr lang="en-US" dirty="0"/>
             </a:br>
             <a:r>
-              <a:rPr lang="en-US" dirty="0" smtClean="0"/>
+              <a:rPr lang="en-US" dirty="0"/>
               <a:t>with </a:t>
             </a:r>
             <a:r>
@@ -4322,17 +5674,10 @@
   <p:clrMapOvr>
     <a:masterClrMapping/>
   </p:clrMapOvr>
-  <p:timing>
-    <p:tnLst>
-      <p:par>
-        <p:cTn id="1" dur="indefinite" restart="never" nodeType="tmRoot"/>
-      </p:par>
-    </p:tnLst>
-  </p:timing>
 </p:sld>
 </file>
 
-<file path=ppt/slides/slide13.xml><?xml version="1.0" encoding="utf-8"?>
+<file path=ppt/slides/slide19.xml><?xml version="1.0" encoding="utf-8"?>
 <p:sld xmlns:a="http://schemas.openxmlformats.org/drawingml/2006/main" xmlns:r="http://schemas.openxmlformats.org/officeDocument/2006/relationships" xmlns:p="http://schemas.openxmlformats.org/presentationml/2006/main">
   <p:cSld>
     <p:spTree>
@@ -4351,85 +5696,6 @@
       </p:grpSpPr>
       <p:sp>
         <p:nvSpPr>
-          <p:cNvPr id="4" name="標題 3"/>
-          <p:cNvSpPr>
-            <a:spLocks noGrp="1"/>
-          </p:cNvSpPr>
-          <p:nvPr>
-            <p:ph type="title"/>
-          </p:nvPr>
-        </p:nvSpPr>
-        <p:spPr/>
-        <p:txBody>
-          <a:bodyPr/>
-          <a:lstStyle/>
-          <a:p>
-            <a:r>
-              <a:rPr lang="en-US" altLang="zh-TW" dirty="0"/>
-              <a:t>Question?</a:t>
-            </a:r>
-            <a:endParaRPr lang="en-US" dirty="0"/>
-          </a:p>
-        </p:txBody>
-      </p:sp>
-      <p:sp>
-        <p:nvSpPr>
-          <p:cNvPr id="5" name="文字版面配置區 4"/>
-          <p:cNvSpPr>
-            <a:spLocks noGrp="1"/>
-          </p:cNvSpPr>
-          <p:nvPr>
-            <p:ph type="body" idx="1"/>
-          </p:nvPr>
-        </p:nvSpPr>
-        <p:spPr/>
-        <p:txBody>
-          <a:bodyPr/>
-          <a:lstStyle/>
-          <a:p>
-            <a:endParaRPr lang="en-US"/>
-          </a:p>
-        </p:txBody>
-      </p:sp>
-    </p:spTree>
-    <p:extLst>
-      <p:ext uri="{BB962C8B-B14F-4D97-AF65-F5344CB8AC3E}">
-        <p14:creationId xmlns:p14="http://schemas.microsoft.com/office/powerpoint/2010/main" val="637769210"/>
-      </p:ext>
-    </p:extLst>
-  </p:cSld>
-  <p:clrMapOvr>
-    <a:masterClrMapping/>
-  </p:clrMapOvr>
-  <p:timing>
-    <p:tnLst>
-      <p:par>
-        <p:cTn id="1" dur="indefinite" restart="never" nodeType="tmRoot"/>
-      </p:par>
-    </p:tnLst>
-  </p:timing>
-</p:sld>
-</file>
-
-<file path=ppt/slides/slide14.xml><?xml version="1.0" encoding="utf-8"?>
-<p:sld xmlns:a="http://schemas.openxmlformats.org/drawingml/2006/main" xmlns:r="http://schemas.openxmlformats.org/officeDocument/2006/relationships" xmlns:p="http://schemas.openxmlformats.org/presentationml/2006/main">
-  <p:cSld>
-    <p:spTree>
-      <p:nvGrpSpPr>
-        <p:cNvPr id="1" name=""/>
-        <p:cNvGrpSpPr/>
-        <p:nvPr/>
-      </p:nvGrpSpPr>
-      <p:grpSpPr>
-        <a:xfrm>
-          <a:off x="0" y="0"/>
-          <a:ext cx="0" cy="0"/>
-          <a:chOff x="0" y="0"/>
-          <a:chExt cx="0" cy="0"/>
-        </a:xfrm>
-      </p:grpSpPr>
-      <p:sp>
-        <p:nvSpPr>
           <p:cNvPr id="2" name="標題 1"/>
           <p:cNvSpPr>
             <a:spLocks noGrp="1"/>
@@ -4443,7 +5709,10 @@
           <a:bodyPr/>
           <a:lstStyle/>
           <a:p>
-            <a:endParaRPr lang="en-US" dirty="0"/>
+            <a:r>
+              <a:rPr lang="en-US" dirty="0"/>
+              <a:t>Question:</a:t>
+            </a:r>
           </a:p>
         </p:txBody>
       </p:sp>
@@ -4464,35 +5733,23 @@
           <a:p>
             <a:r>
               <a:rPr lang="zh-TW" altLang="en-US" dirty="0"/>
-              <a:t>可否分享一些你畢生難忘的監控異常事件</a:t>
-            </a:r>
-            <a:r>
-              <a:rPr lang="zh-TW" altLang="en-US" dirty="0" smtClean="0"/>
-              <a:t>？</a:t>
-            </a:r>
-            <a:endParaRPr lang="en-US" altLang="zh-TW" dirty="0" smtClean="0"/>
+              <a:t>可否分享一些你畢生難忘的監控異常事件？</a:t>
+            </a:r>
+            <a:endParaRPr lang="en-US" altLang="zh-TW" dirty="0"/>
           </a:p>
           <a:p>
             <a:r>
               <a:rPr lang="zh-TW" altLang="en-US" dirty="0"/>
-              <a:t>你如何確認你設置的監控指標、告警條件是否正確？是否能正確用來識別服務為正常狀態</a:t>
-            </a:r>
-            <a:r>
-              <a:rPr lang="zh-TW" altLang="en-US" dirty="0" smtClean="0"/>
-              <a:t>？</a:t>
-            </a:r>
-            <a:endParaRPr lang="en-US" altLang="zh-TW" dirty="0" smtClean="0"/>
+              <a:t>你如何確認你設置的監控指標、告警條件是否正確？是否能正確用來識別服務為正常狀態？</a:t>
+            </a:r>
+            <a:endParaRPr lang="en-US" altLang="zh-TW" dirty="0"/>
           </a:p>
           <a:p>
             <a:r>
               <a:rPr lang="zh-TW" altLang="en-US" dirty="0"/>
-              <a:t>請問監控系統有再串接別的系統來達到自動化處理系統障礙的目標</a:t>
-            </a:r>
-            <a:r>
-              <a:rPr lang="zh-TW" altLang="en-US" dirty="0" smtClean="0"/>
-              <a:t>？</a:t>
-            </a:r>
-            <a:endParaRPr lang="en-US" altLang="zh-TW" dirty="0" smtClean="0"/>
+              <a:t>請問監控系統有再串接別的系統來達到自動化處理系統障礙的目標？</a:t>
+            </a:r>
+            <a:endParaRPr lang="en-US" altLang="zh-TW" dirty="0"/>
           </a:p>
           <a:p>
             <a:r>
@@ -4516,7 +5773,7 @@
               <a:t>端開發是否有需要對應的處理</a:t>
             </a:r>
             <a:r>
-              <a:rPr lang="en-US" altLang="zh-TW" dirty="0" smtClean="0"/>
+              <a:rPr lang="en-US" altLang="zh-TW" dirty="0"/>
               <a:t>?</a:t>
             </a:r>
           </a:p>
@@ -4610,10 +5867,9 @@
           <a:p>
             <a:pPr algn="ctr"/>
             <a:r>
-              <a:rPr lang="en-US" dirty="0" smtClean="0"/>
+              <a:rPr lang="en-US" dirty="0"/>
               <a:t>Service Discovery</a:t>
             </a:r>
-            <a:endParaRPr lang="en-US" dirty="0"/>
           </a:p>
         </p:txBody>
       </p:sp>
@@ -4654,18 +5910,17 @@
           <a:p>
             <a:pPr algn="ctr"/>
             <a:r>
-              <a:rPr lang="en-US" dirty="0" smtClean="0"/>
+              <a:rPr lang="en-US" dirty="0"/>
               <a:t>Failure Detection &amp; </a:t>
             </a:r>
             <a:r>
-              <a:rPr lang="en-US" dirty="0" err="1" smtClean="0"/>
+              <a:rPr lang="en-US" dirty="0" err="1"/>
               <a:t>Diagnoistic</a:t>
             </a:r>
             <a:r>
-              <a:rPr lang="en-US" dirty="0" smtClean="0"/>
+              <a:rPr lang="en-US" dirty="0"/>
               <a:t> API</a:t>
             </a:r>
-            <a:endParaRPr lang="en-US" dirty="0"/>
           </a:p>
         </p:txBody>
       </p:sp>
@@ -4706,10 +5961,9 @@
           <a:p>
             <a:pPr algn="ctr"/>
             <a:r>
-              <a:rPr lang="en-US" dirty="0" smtClean="0"/>
+              <a:rPr lang="en-US" dirty="0"/>
               <a:t>Circuit Breakers</a:t>
             </a:r>
-            <a:endParaRPr lang="en-US" dirty="0"/>
           </a:p>
         </p:txBody>
       </p:sp>
@@ -4750,18 +6004,17 @@
           <a:p>
             <a:pPr algn="ctr"/>
             <a:r>
-              <a:rPr lang="en-US" dirty="0" smtClean="0"/>
+              <a:rPr lang="en-US" dirty="0"/>
               <a:t>Do It (</a:t>
             </a:r>
             <a:r>
-              <a:rPr lang="en-US" dirty="0" err="1" smtClean="0"/>
+              <a:rPr lang="en-US" dirty="0" err="1"/>
               <a:t>Diagnoistic</a:t>
             </a:r>
             <a:r>
-              <a:rPr lang="en-US" dirty="0" smtClean="0"/>
+              <a:rPr lang="en-US" dirty="0"/>
               <a:t>) Yourself &amp; Report</a:t>
             </a:r>
-            <a:endParaRPr lang="en-US" dirty="0"/>
           </a:p>
         </p:txBody>
       </p:sp>
@@ -5026,7 +6279,92 @@
 </p:sld>
 </file>
 
-<file path=ppt/slides/slide15.xml><?xml version="1.0" encoding="utf-8"?>
+<file path=ppt/slides/slide2.xml><?xml version="1.0" encoding="utf-8"?>
+<p:sld xmlns:a="http://schemas.openxmlformats.org/drawingml/2006/main" xmlns:r="http://schemas.openxmlformats.org/officeDocument/2006/relationships" xmlns:p="http://schemas.openxmlformats.org/presentationml/2006/main">
+  <p:cSld>
+    <p:bg>
+      <p:bgPr>
+        <a:blipFill dpi="0" rotWithShape="1">
+          <a:blip r:embed="rId2">
+            <a:lum/>
+          </a:blip>
+          <a:srcRect/>
+          <a:stretch>
+            <a:fillRect/>
+          </a:stretch>
+        </a:blipFill>
+        <a:effectLst/>
+      </p:bgPr>
+    </p:bg>
+    <p:spTree>
+      <p:nvGrpSpPr>
+        <p:cNvPr id="1" name=""/>
+        <p:cNvGrpSpPr/>
+        <p:nvPr/>
+      </p:nvGrpSpPr>
+      <p:grpSpPr>
+        <a:xfrm>
+          <a:off x="0" y="0"/>
+          <a:ext cx="0" cy="0"/>
+          <a:chOff x="0" y="0"/>
+          <a:chExt cx="0" cy="0"/>
+        </a:xfrm>
+      </p:grpSpPr>
+      <p:sp>
+        <p:nvSpPr>
+          <p:cNvPr id="4" name="標題 3"/>
+          <p:cNvSpPr>
+            <a:spLocks noGrp="1"/>
+          </p:cNvSpPr>
+          <p:nvPr>
+            <p:ph type="title"/>
+          </p:nvPr>
+        </p:nvSpPr>
+        <p:spPr/>
+        <p:txBody>
+          <a:bodyPr/>
+          <a:lstStyle/>
+          <a:p>
+            <a:r>
+              <a:rPr lang="en-US" dirty="0"/>
+              <a:t>Monitoring Architecture</a:t>
+            </a:r>
+          </a:p>
+        </p:txBody>
+      </p:sp>
+      <p:sp>
+        <p:nvSpPr>
+          <p:cNvPr id="5" name="文字版面配置區 4"/>
+          <p:cNvSpPr>
+            <a:spLocks noGrp="1"/>
+          </p:cNvSpPr>
+          <p:nvPr>
+            <p:ph type="body" idx="1"/>
+          </p:nvPr>
+        </p:nvSpPr>
+        <p:spPr/>
+        <p:txBody>
+          <a:bodyPr/>
+          <a:lstStyle/>
+          <a:p>
+            <a:endParaRPr lang="en-US"/>
+          </a:p>
+        </p:txBody>
+      </p:sp>
+    </p:spTree>
+    <p:extLst>
+      <p:ext uri="{BB962C8B-B14F-4D97-AF65-F5344CB8AC3E}">
+        <p14:creationId xmlns:p14="http://schemas.microsoft.com/office/powerpoint/2010/main" val="3033162129"/>
+      </p:ext>
+    </p:extLst>
+  </p:cSld>
+  <p:clrMapOvr>
+    <a:masterClrMapping/>
+  </p:clrMapOvr>
+</p:sld>
+</file>
+
+<file path=ppt/slides/slide20.xml><?xml version="1.0" encoding="utf-8"?>
 <p:sld xmlns:a="http://schemas.openxmlformats.org/drawingml/2006/main" xmlns:r="http://schemas.openxmlformats.org/officeDocument/2006/relationships" xmlns:p="http://schemas.openxmlformats.org/presentationml/2006/main">
   <p:cSld>
     <p:spTree>
@@ -5059,19 +6397,19 @@
           <a:lstStyle/>
           <a:p>
             <a:r>
-              <a:rPr lang="en-US" altLang="zh-TW" dirty="0" smtClean="0"/>
+              <a:rPr lang="en-US" altLang="zh-TW" dirty="0"/>
               <a:t>RIP:</a:t>
             </a:r>
             <a:r>
-              <a:rPr lang="zh-TW" altLang="en-US" dirty="0" smtClean="0"/>
+              <a:rPr lang="zh-TW" altLang="en-US" dirty="0"/>
               <a:t> 復興航空 </a:t>
             </a:r>
             <a:r>
-              <a:rPr lang="en-US" altLang="zh-TW" dirty="0" smtClean="0"/>
+              <a:rPr lang="en-US" altLang="zh-TW" dirty="0"/>
               <a:t>235</a:t>
             </a:r>
             <a:r>
-              <a:rPr lang="zh-TW" altLang="en-US" dirty="0" smtClean="0"/>
+              <a:rPr lang="zh-TW" altLang="en-US" dirty="0"/>
               <a:t> 班機</a:t>
             </a:r>
             <a:endParaRPr lang="en-US" dirty="0"/>
@@ -5107,17 +6445,10 @@
   <p:clrMapOvr>
     <a:masterClrMapping/>
   </p:clrMapOvr>
-  <p:timing>
-    <p:tnLst>
-      <p:par>
-        <p:cTn id="1" dur="indefinite" restart="never" nodeType="tmRoot"/>
-      </p:par>
-    </p:tnLst>
-  </p:timing>
 </p:sld>
 </file>
 
-<file path=ppt/slides/slide16.xml><?xml version="1.0" encoding="utf-8"?>
+<file path=ppt/slides/slide21.xml><?xml version="1.0" encoding="utf-8"?>
 <p:sld xmlns:a="http://schemas.openxmlformats.org/drawingml/2006/main" xmlns:r="http://schemas.openxmlformats.org/officeDocument/2006/relationships" xmlns:p="http://schemas.openxmlformats.org/presentationml/2006/main">
   <p:cSld>
     <p:spTree>
@@ -5199,7 +6530,7 @@
           <a:p>
             <a:pPr algn="ctr"/>
             <a:r>
-              <a:rPr lang="en-US" altLang="zh-TW" dirty="0" smtClean="0"/>
+              <a:rPr lang="en-US" altLang="zh-TW" dirty="0"/>
               <a:t>1</a:t>
             </a:r>
             <a:endParaRPr lang="en-US" dirty="0"/>
@@ -5247,7 +6578,7 @@
           <a:p>
             <a:pPr algn="ctr"/>
             <a:r>
-              <a:rPr lang="en-US" altLang="zh-TW" dirty="0" smtClean="0"/>
+              <a:rPr lang="en-US" altLang="zh-TW" dirty="0"/>
               <a:t>2</a:t>
             </a:r>
             <a:endParaRPr lang="en-US" dirty="0"/>
@@ -5295,7 +6626,7 @@
           <a:p>
             <a:pPr algn="ctr"/>
             <a:r>
-              <a:rPr lang="en-US" altLang="zh-TW" dirty="0" smtClean="0"/>
+              <a:rPr lang="en-US" altLang="zh-TW" dirty="0"/>
               <a:t>3</a:t>
             </a:r>
             <a:endParaRPr lang="en-US" dirty="0"/>
@@ -5343,7 +6674,7 @@
           <a:p>
             <a:pPr algn="ctr"/>
             <a:r>
-              <a:rPr lang="en-US" altLang="zh-TW" dirty="0" smtClean="0"/>
+              <a:rPr lang="en-US" altLang="zh-TW" dirty="0"/>
               <a:t>4</a:t>
             </a:r>
             <a:endParaRPr lang="en-US" dirty="0"/>
@@ -5376,15 +6707,9 @@
               <a:rPr lang="en-US" dirty="0">
                 <a:hlinkClick r:id="rId3"/>
               </a:rPr>
-              <a:t>https://</a:t>
-            </a:r>
-            <a:r>
-              <a:rPr lang="en-US" dirty="0" smtClean="0">
-                <a:hlinkClick r:id="rId3"/>
-              </a:rPr>
-              <a:t>www.youtube.com/watch?v=j5Zir5Ij1Mg</a:t>
-            </a:r>
-            <a:endParaRPr lang="en-US" dirty="0" smtClean="0"/>
+              <a:t>https://www.youtube.com/watch?v=j5Zir5Ij1Mg</a:t>
+            </a:r>
+            <a:endParaRPr lang="en-US" dirty="0"/>
           </a:p>
           <a:p>
             <a:endParaRPr lang="en-US" dirty="0"/>
@@ -5652,7 +6977,7 @@
 </p:sld>
 </file>
 
-<file path=ppt/slides/slide17.xml><?xml version="1.0" encoding="utf-8"?>
+<file path=ppt/slides/slide22.xml><?xml version="1.0" encoding="utf-8"?>
 <p:sld xmlns:a="http://schemas.openxmlformats.org/drawingml/2006/main" xmlns:r="http://schemas.openxmlformats.org/officeDocument/2006/relationships" xmlns:p="http://schemas.openxmlformats.org/presentationml/2006/main">
   <p:cSld>
     <p:spTree>
@@ -5669,57 +6994,62 @@
           <a:chExt cx="0" cy="0"/>
         </a:xfrm>
       </p:grpSpPr>
-      <p:pic>
-        <p:nvPicPr>
-          <p:cNvPr id="2" name="圖片 1"/>
-          <p:cNvPicPr>
-            <a:picLocks noChangeAspect="1"/>
-          </p:cNvPicPr>
-          <p:nvPr/>
-        </p:nvPicPr>
-        <p:blipFill>
-          <a:blip r:embed="rId2">
-            <a:extLst>
-              <a:ext uri="{28A0092B-C50C-407E-A947-70E740481C1C}">
-                <a14:useLocalDpi xmlns:a14="http://schemas.microsoft.com/office/drawing/2010/main" val="0"/>
-              </a:ext>
-            </a:extLst>
-          </a:blip>
-          <a:stretch>
-            <a:fillRect/>
-          </a:stretch>
-        </p:blipFill>
-        <p:spPr>
-          <a:xfrm>
-            <a:off x="1065790" y="565591"/>
-            <a:ext cx="10215847" cy="5765568"/>
-          </a:xfrm>
-          <a:prstGeom prst="rect">
-            <a:avLst/>
-          </a:prstGeom>
-        </p:spPr>
-      </p:pic>
+      <p:sp>
+        <p:nvSpPr>
+          <p:cNvPr id="4" name="標題 3"/>
+          <p:cNvSpPr>
+            <a:spLocks noGrp="1"/>
+          </p:cNvSpPr>
+          <p:nvPr>
+            <p:ph type="title"/>
+          </p:nvPr>
+        </p:nvSpPr>
+        <p:spPr/>
+        <p:txBody>
+          <a:bodyPr/>
+          <a:lstStyle/>
+          <a:p>
+            <a:r>
+              <a:rPr lang="en-US" altLang="zh-TW" dirty="0"/>
+              <a:t>Question?</a:t>
+            </a:r>
+            <a:endParaRPr lang="en-US" dirty="0"/>
+          </a:p>
+        </p:txBody>
+      </p:sp>
+      <p:sp>
+        <p:nvSpPr>
+          <p:cNvPr id="5" name="文字版面配置區 4"/>
+          <p:cNvSpPr>
+            <a:spLocks noGrp="1"/>
+          </p:cNvSpPr>
+          <p:nvPr>
+            <p:ph type="body" idx="1"/>
+          </p:nvPr>
+        </p:nvSpPr>
+        <p:spPr/>
+        <p:txBody>
+          <a:bodyPr/>
+          <a:lstStyle/>
+          <a:p>
+            <a:endParaRPr lang="en-US"/>
+          </a:p>
+        </p:txBody>
+      </p:sp>
     </p:spTree>
     <p:extLst>
       <p:ext uri="{BB962C8B-B14F-4D97-AF65-F5344CB8AC3E}">
-        <p14:creationId xmlns:p14="http://schemas.microsoft.com/office/powerpoint/2010/main" val="476798578"/>
+        <p14:creationId xmlns:p14="http://schemas.microsoft.com/office/powerpoint/2010/main" val="2238534531"/>
       </p:ext>
     </p:extLst>
   </p:cSld>
   <p:clrMapOvr>
     <a:masterClrMapping/>
   </p:clrMapOvr>
-  <p:timing>
-    <p:tnLst>
-      <p:par>
-        <p:cTn id="1" dur="indefinite" restart="never" nodeType="tmRoot"/>
-      </p:par>
-    </p:tnLst>
-  </p:timing>
 </p:sld>
 </file>
 
-<file path=ppt/slides/slide18.xml><?xml version="1.0" encoding="utf-8"?>
+<file path=ppt/slides/slide23.xml><?xml version="1.0" encoding="utf-8"?>
 <p:sld xmlns:a="http://schemas.openxmlformats.org/drawingml/2006/main" xmlns:r="http://schemas.openxmlformats.org/officeDocument/2006/relationships" xmlns:p="http://schemas.openxmlformats.org/presentationml/2006/main">
   <p:cSld>
     <p:bg>
@@ -5750,6 +7080,463 @@
           <a:chExt cx="0" cy="0"/>
         </a:xfrm>
       </p:grpSpPr>
+      <p:sp>
+        <p:nvSpPr>
+          <p:cNvPr id="2" name="矩形 1">
+            <a:extLst>
+              <a:ext uri="{FF2B5EF4-FFF2-40B4-BE49-F238E27FC236}">
+                <a16:creationId xmlns:a16="http://schemas.microsoft.com/office/drawing/2014/main" id="{1E1F926B-4632-4408-BD22-870A82FEAA9A}"/>
+              </a:ext>
+            </a:extLst>
+          </p:cNvPr>
+          <p:cNvSpPr/>
+          <p:nvPr/>
+        </p:nvSpPr>
+        <p:spPr>
+          <a:xfrm>
+            <a:off x="-1" y="78377"/>
+            <a:ext cx="12192001" cy="5521234"/>
+          </a:xfrm>
+          <a:prstGeom prst="rect">
+            <a:avLst/>
+          </a:prstGeom>
+          <a:ln>
+            <a:noFill/>
+          </a:ln>
+        </p:spPr>
+        <p:style>
+          <a:lnRef idx="2">
+            <a:schemeClr val="dk1"/>
+          </a:lnRef>
+          <a:fillRef idx="1">
+            <a:schemeClr val="lt1"/>
+          </a:fillRef>
+          <a:effectRef idx="0">
+            <a:schemeClr val="dk1"/>
+          </a:effectRef>
+          <a:fontRef idx="minor">
+            <a:schemeClr val="dk1"/>
+          </a:fontRef>
+        </p:style>
+        <p:txBody>
+          <a:bodyPr rtlCol="0" anchor="ctr"/>
+          <a:lstStyle/>
+          <a:p>
+            <a:pPr algn="ctr"/>
+            <a:endParaRPr lang="zh-TW" altLang="en-US"/>
+          </a:p>
+        </p:txBody>
+      </p:sp>
+      <p:sp>
+        <p:nvSpPr>
+          <p:cNvPr id="3" name="標題 3">
+            <a:extLst>
+              <a:ext uri="{FF2B5EF4-FFF2-40B4-BE49-F238E27FC236}">
+                <a16:creationId xmlns:a16="http://schemas.microsoft.com/office/drawing/2014/main" id="{28193064-3EA3-477B-9415-489BE10340B0}"/>
+              </a:ext>
+            </a:extLst>
+          </p:cNvPr>
+          <p:cNvSpPr txBox="1">
+            <a:spLocks/>
+          </p:cNvSpPr>
+          <p:nvPr/>
+        </p:nvSpPr>
+        <p:spPr>
+          <a:xfrm>
+            <a:off x="1097280" y="2002971"/>
+            <a:ext cx="10058400" cy="2322141"/>
+          </a:xfrm>
+          <a:prstGeom prst="rect">
+            <a:avLst/>
+          </a:prstGeom>
+        </p:spPr>
+        <p:txBody>
+          <a:bodyPr/>
+          <a:lstStyle>
+            <a:lvl1pPr algn="l" defTabSz="914400" rtl="0" eaLnBrk="1" latinLnBrk="0" hangingPunct="1">
+              <a:lnSpc>
+                <a:spcPct val="90000"/>
+              </a:lnSpc>
+              <a:spcBef>
+                <a:spcPct val="0"/>
+              </a:spcBef>
+              <a:buNone/>
+              <a:defRPr sz="4400" kern="1200">
+                <a:solidFill>
+                  <a:schemeClr val="tx1"/>
+                </a:solidFill>
+                <a:latin typeface="+mj-lt"/>
+                <a:ea typeface="+mj-ea"/>
+                <a:cs typeface="+mj-cs"/>
+              </a:defRPr>
+            </a:lvl1pPr>
+          </a:lstStyle>
+          <a:p>
+            <a:r>
+              <a:rPr lang="zh-TW" altLang="en-US" dirty="0"/>
+              <a:t>謝謝大家 </a:t>
+            </a:r>
+            <a:r>
+              <a:rPr lang="en-US" altLang="zh-TW" dirty="0">
+                <a:sym typeface="Wingdings" panose="05000000000000000000" pitchFamily="2" charset="2"/>
+              </a:rPr>
+              <a:t></a:t>
+            </a:r>
+            <a:endParaRPr lang="zh-TW" altLang="en-US" dirty="0"/>
+          </a:p>
+        </p:txBody>
+      </p:sp>
+      <p:sp>
+        <p:nvSpPr>
+          <p:cNvPr id="4" name="副標題 4">
+            <a:extLst>
+              <a:ext uri="{FF2B5EF4-FFF2-40B4-BE49-F238E27FC236}">
+                <a16:creationId xmlns:a16="http://schemas.microsoft.com/office/drawing/2014/main" id="{080E3343-5A40-4557-862C-41B18225F86D}"/>
+              </a:ext>
+            </a:extLst>
+          </p:cNvPr>
+          <p:cNvSpPr txBox="1">
+            <a:spLocks/>
+          </p:cNvSpPr>
+          <p:nvPr/>
+        </p:nvSpPr>
+        <p:spPr>
+          <a:xfrm>
+            <a:off x="1100051" y="4351927"/>
+            <a:ext cx="10058400" cy="1246693"/>
+          </a:xfrm>
+          <a:prstGeom prst="rect">
+            <a:avLst/>
+          </a:prstGeom>
+        </p:spPr>
+        <p:txBody>
+          <a:bodyPr>
+            <a:normAutofit fontScale="92500" lnSpcReduction="20000"/>
+          </a:bodyPr>
+          <a:lstStyle>
+            <a:lvl1pPr marL="228600" indent="-228600" algn="l" defTabSz="914400" rtl="0" eaLnBrk="1" latinLnBrk="0" hangingPunct="1">
+              <a:lnSpc>
+                <a:spcPct val="90000"/>
+              </a:lnSpc>
+              <a:spcBef>
+                <a:spcPts val="1000"/>
+              </a:spcBef>
+              <a:buFont typeface="Arial" panose="020B0604020202020204" pitchFamily="34" charset="0"/>
+              <a:buChar char="•"/>
+              <a:defRPr sz="2800" kern="1200">
+                <a:solidFill>
+                  <a:schemeClr val="tx1"/>
+                </a:solidFill>
+                <a:latin typeface="+mn-lt"/>
+                <a:ea typeface="+mn-ea"/>
+                <a:cs typeface="+mn-cs"/>
+              </a:defRPr>
+            </a:lvl1pPr>
+            <a:lvl2pPr marL="685800" indent="-228600" algn="l" defTabSz="914400" rtl="0" eaLnBrk="1" latinLnBrk="0" hangingPunct="1">
+              <a:lnSpc>
+                <a:spcPct val="90000"/>
+              </a:lnSpc>
+              <a:spcBef>
+                <a:spcPts val="500"/>
+              </a:spcBef>
+              <a:buFont typeface="Arial" panose="020B0604020202020204" pitchFamily="34" charset="0"/>
+              <a:buChar char="•"/>
+              <a:defRPr sz="2400" kern="1200">
+                <a:solidFill>
+                  <a:schemeClr val="tx1"/>
+                </a:solidFill>
+                <a:latin typeface="+mn-lt"/>
+                <a:ea typeface="+mn-ea"/>
+                <a:cs typeface="+mn-cs"/>
+              </a:defRPr>
+            </a:lvl2pPr>
+            <a:lvl3pPr marL="1143000" indent="-228600" algn="l" defTabSz="914400" rtl="0" eaLnBrk="1" latinLnBrk="0" hangingPunct="1">
+              <a:lnSpc>
+                <a:spcPct val="90000"/>
+              </a:lnSpc>
+              <a:spcBef>
+                <a:spcPts val="500"/>
+              </a:spcBef>
+              <a:buFont typeface="Arial" panose="020B0604020202020204" pitchFamily="34" charset="0"/>
+              <a:buChar char="•"/>
+              <a:defRPr sz="2000" kern="1200">
+                <a:solidFill>
+                  <a:schemeClr val="tx1"/>
+                </a:solidFill>
+                <a:latin typeface="+mn-lt"/>
+                <a:ea typeface="+mn-ea"/>
+                <a:cs typeface="+mn-cs"/>
+              </a:defRPr>
+            </a:lvl3pPr>
+            <a:lvl4pPr marL="1600200" indent="-228600" algn="l" defTabSz="914400" rtl="0" eaLnBrk="1" latinLnBrk="0" hangingPunct="1">
+              <a:lnSpc>
+                <a:spcPct val="90000"/>
+              </a:lnSpc>
+              <a:spcBef>
+                <a:spcPts val="500"/>
+              </a:spcBef>
+              <a:buFont typeface="Arial" panose="020B0604020202020204" pitchFamily="34" charset="0"/>
+              <a:buChar char="•"/>
+              <a:defRPr sz="1800" kern="1200">
+                <a:solidFill>
+                  <a:schemeClr val="tx1"/>
+                </a:solidFill>
+                <a:latin typeface="+mn-lt"/>
+                <a:ea typeface="+mn-ea"/>
+                <a:cs typeface="+mn-cs"/>
+              </a:defRPr>
+            </a:lvl4pPr>
+            <a:lvl5pPr marL="2057400" indent="-228600" algn="l" defTabSz="914400" rtl="0" eaLnBrk="1" latinLnBrk="0" hangingPunct="1">
+              <a:lnSpc>
+                <a:spcPct val="90000"/>
+              </a:lnSpc>
+              <a:spcBef>
+                <a:spcPts val="500"/>
+              </a:spcBef>
+              <a:buFont typeface="Arial" panose="020B0604020202020204" pitchFamily="34" charset="0"/>
+              <a:buChar char="•"/>
+              <a:defRPr sz="1800" kern="1200">
+                <a:solidFill>
+                  <a:schemeClr val="tx1"/>
+                </a:solidFill>
+                <a:latin typeface="+mn-lt"/>
+                <a:ea typeface="+mn-ea"/>
+                <a:cs typeface="+mn-cs"/>
+              </a:defRPr>
+            </a:lvl5pPr>
+            <a:lvl6pPr marL="2514600" indent="-228600" algn="l" defTabSz="914400" rtl="0" eaLnBrk="1" latinLnBrk="0" hangingPunct="1">
+              <a:lnSpc>
+                <a:spcPct val="90000"/>
+              </a:lnSpc>
+              <a:spcBef>
+                <a:spcPts val="500"/>
+              </a:spcBef>
+              <a:buFont typeface="Arial" panose="020B0604020202020204" pitchFamily="34" charset="0"/>
+              <a:buChar char="•"/>
+              <a:defRPr sz="1800" kern="1200">
+                <a:solidFill>
+                  <a:schemeClr val="tx1"/>
+                </a:solidFill>
+                <a:latin typeface="+mn-lt"/>
+                <a:ea typeface="+mn-ea"/>
+                <a:cs typeface="+mn-cs"/>
+              </a:defRPr>
+            </a:lvl6pPr>
+            <a:lvl7pPr marL="2971800" indent="-228600" algn="l" defTabSz="914400" rtl="0" eaLnBrk="1" latinLnBrk="0" hangingPunct="1">
+              <a:lnSpc>
+                <a:spcPct val="90000"/>
+              </a:lnSpc>
+              <a:spcBef>
+                <a:spcPts val="500"/>
+              </a:spcBef>
+              <a:buFont typeface="Arial" panose="020B0604020202020204" pitchFamily="34" charset="0"/>
+              <a:buChar char="•"/>
+              <a:defRPr sz="1800" kern="1200">
+                <a:solidFill>
+                  <a:schemeClr val="tx1"/>
+                </a:solidFill>
+                <a:latin typeface="+mn-lt"/>
+                <a:ea typeface="+mn-ea"/>
+                <a:cs typeface="+mn-cs"/>
+              </a:defRPr>
+            </a:lvl7pPr>
+            <a:lvl8pPr marL="3429000" indent="-228600" algn="l" defTabSz="914400" rtl="0" eaLnBrk="1" latinLnBrk="0" hangingPunct="1">
+              <a:lnSpc>
+                <a:spcPct val="90000"/>
+              </a:lnSpc>
+              <a:spcBef>
+                <a:spcPts val="500"/>
+              </a:spcBef>
+              <a:buFont typeface="Arial" panose="020B0604020202020204" pitchFamily="34" charset="0"/>
+              <a:buChar char="•"/>
+              <a:defRPr sz="1800" kern="1200">
+                <a:solidFill>
+                  <a:schemeClr val="tx1"/>
+                </a:solidFill>
+                <a:latin typeface="+mn-lt"/>
+                <a:ea typeface="+mn-ea"/>
+                <a:cs typeface="+mn-cs"/>
+              </a:defRPr>
+            </a:lvl8pPr>
+            <a:lvl9pPr marL="3886200" indent="-228600" algn="l" defTabSz="914400" rtl="0" eaLnBrk="1" latinLnBrk="0" hangingPunct="1">
+              <a:lnSpc>
+                <a:spcPct val="90000"/>
+              </a:lnSpc>
+              <a:spcBef>
+                <a:spcPts val="500"/>
+              </a:spcBef>
+              <a:buFont typeface="Arial" panose="020B0604020202020204" pitchFamily="34" charset="0"/>
+              <a:buChar char="•"/>
+              <a:defRPr sz="1800" kern="1200">
+                <a:solidFill>
+                  <a:schemeClr val="tx1"/>
+                </a:solidFill>
+                <a:latin typeface="+mn-lt"/>
+                <a:ea typeface="+mn-ea"/>
+                <a:cs typeface="+mn-cs"/>
+              </a:defRPr>
+            </a:lvl9pPr>
+          </a:lstStyle>
+          <a:p>
+            <a:r>
+              <a:rPr lang="zh-TW" altLang="en-US"/>
+              <a:t>請支持 安德魯的部落格 </a:t>
+            </a:r>
+            <a:r>
+              <a:rPr lang="en-US" altLang="zh-TW"/>
+              <a:t>~</a:t>
+            </a:r>
+          </a:p>
+          <a:p>
+            <a:r>
+              <a:rPr lang="en-US" altLang="zh-TW">
+                <a:hlinkClick r:id="rId3"/>
+              </a:rPr>
+              <a:t>https://www.facebook.com/andrew.blog.0928</a:t>
+            </a:r>
+            <a:endParaRPr lang="en-US" altLang="zh-TW"/>
+          </a:p>
+          <a:p>
+            <a:r>
+              <a:rPr lang="en-US" altLang="zh-TW">
+                <a:hlinkClick r:id="rId4"/>
+              </a:rPr>
+              <a:t>http://columns.chicken-house.net/</a:t>
+            </a:r>
+            <a:endParaRPr lang="en-US" altLang="zh-TW"/>
+          </a:p>
+          <a:p>
+            <a:endParaRPr lang="en-US" altLang="zh-TW"/>
+          </a:p>
+          <a:p>
+            <a:endParaRPr lang="zh-TW" altLang="en-US" dirty="0"/>
+          </a:p>
+        </p:txBody>
+      </p:sp>
+      <p:pic>
+        <p:nvPicPr>
+          <p:cNvPr id="6" name="Picture 2" descr="https://scontent-tpe1-1.xx.fbcdn.net/t31.0-8/12486053_133625380346082_6599681590336715085_o.jpg">
+            <a:extLst>
+              <a:ext uri="{FF2B5EF4-FFF2-40B4-BE49-F238E27FC236}">
+                <a16:creationId xmlns:a16="http://schemas.microsoft.com/office/drawing/2014/main" id="{99C60EA3-1DF3-4800-9082-80B86FDF4564}"/>
+              </a:ext>
+            </a:extLst>
+          </p:cNvPr>
+          <p:cNvPicPr>
+            <a:picLocks noChangeAspect="1" noChangeArrowheads="1"/>
+          </p:cNvPicPr>
+          <p:nvPr/>
+        </p:nvPicPr>
+        <p:blipFill>
+          <a:blip r:embed="rId5" cstate="print">
+            <a:extLst>
+              <a:ext uri="{28A0092B-C50C-407E-A947-70E740481C1C}">
+                <a14:useLocalDpi xmlns:a14="http://schemas.microsoft.com/office/drawing/2010/main" val="0"/>
+              </a:ext>
+            </a:extLst>
+          </a:blip>
+          <a:srcRect/>
+          <a:stretch>
+            <a:fillRect/>
+          </a:stretch>
+        </p:blipFill>
+        <p:spPr bwMode="auto">
+          <a:xfrm>
+            <a:off x="4427129" y="2001980"/>
+            <a:ext cx="3959225" cy="1930123"/>
+          </a:xfrm>
+          <a:prstGeom prst="rect">
+            <a:avLst/>
+          </a:prstGeom>
+          <a:noFill/>
+          <a:extLst>
+            <a:ext uri="{909E8E84-426E-40DD-AFC4-6F175D3DCCD1}">
+              <a14:hiddenFill xmlns:a14="http://schemas.microsoft.com/office/drawing/2010/main">
+                <a:solidFill>
+                  <a:srgbClr val="FFFFFF"/>
+                </a:solidFill>
+              </a14:hiddenFill>
+            </a:ext>
+          </a:extLst>
+        </p:spPr>
+      </p:pic>
+      <p:pic>
+        <p:nvPicPr>
+          <p:cNvPr id="7" name="Picture 4" descr="https://scontent-tpe1-1.xx.fbcdn.net/v/t1.0-1/c3.0.200.200/p200x200/12494803_133612290347391_178600785133335805_n.jpg?oh=e94b2e70ab63667b3bc052fe9230ceb6&amp;oe=58CC5A58">
+            <a:extLst>
+              <a:ext uri="{FF2B5EF4-FFF2-40B4-BE49-F238E27FC236}">
+                <a16:creationId xmlns:a16="http://schemas.microsoft.com/office/drawing/2014/main" id="{ED6A6194-40B8-43CD-BCAD-F71AFCF47ED9}"/>
+              </a:ext>
+            </a:extLst>
+          </p:cNvPr>
+          <p:cNvPicPr>
+            <a:picLocks noChangeAspect="1" noChangeArrowheads="1"/>
+          </p:cNvPicPr>
+          <p:nvPr/>
+        </p:nvPicPr>
+        <p:blipFill>
+          <a:blip r:embed="rId6">
+            <a:extLst>
+              <a:ext uri="{28A0092B-C50C-407E-A947-70E740481C1C}">
+                <a14:useLocalDpi xmlns:a14="http://schemas.microsoft.com/office/drawing/2010/main" val="0"/>
+              </a:ext>
+            </a:extLst>
+          </a:blip>
+          <a:srcRect/>
+          <a:stretch>
+            <a:fillRect/>
+          </a:stretch>
+        </p:blipFill>
+        <p:spPr bwMode="auto">
+          <a:xfrm>
+            <a:off x="4567805" y="2340172"/>
+            <a:ext cx="1356703" cy="1356703"/>
+          </a:xfrm>
+          <a:prstGeom prst="rect">
+            <a:avLst/>
+          </a:prstGeom>
+          <a:noFill/>
+          <a:extLst>
+            <a:ext uri="{909E8E84-426E-40DD-AFC4-6F175D3DCCD1}">
+              <a14:hiddenFill xmlns:a14="http://schemas.microsoft.com/office/drawing/2010/main">
+                <a:solidFill>
+                  <a:srgbClr val="FFFFFF"/>
+                </a:solidFill>
+              </a14:hiddenFill>
+            </a:ext>
+          </a:extLst>
+        </p:spPr>
+      </p:pic>
+      <p:pic>
+        <p:nvPicPr>
+          <p:cNvPr id="8" name="圖片 7">
+            <a:extLst>
+              <a:ext uri="{FF2B5EF4-FFF2-40B4-BE49-F238E27FC236}">
+                <a16:creationId xmlns:a16="http://schemas.microsoft.com/office/drawing/2014/main" id="{72AAD38E-62B6-4328-9054-729EE0350F94}"/>
+              </a:ext>
+            </a:extLst>
+          </p:cNvPr>
+          <p:cNvPicPr>
+            <a:picLocks noChangeAspect="1"/>
+          </p:cNvPicPr>
+          <p:nvPr/>
+        </p:nvPicPr>
+        <p:blipFill>
+          <a:blip r:embed="rId7"/>
+          <a:stretch>
+            <a:fillRect/>
+          </a:stretch>
+        </p:blipFill>
+        <p:spPr>
+          <a:xfrm>
+            <a:off x="8386354" y="1837423"/>
+            <a:ext cx="3722788" cy="3737860"/>
+          </a:xfrm>
+          <a:prstGeom prst="rect">
+            <a:avLst/>
+          </a:prstGeom>
+        </p:spPr>
+      </p:pic>
     </p:spTree>
     <p:extLst>
       <p:ext uri="{BB962C8B-B14F-4D97-AF65-F5344CB8AC3E}">
@@ -5760,106 +7547,6 @@
   <p:clrMapOvr>
     <a:masterClrMapping/>
   </p:clrMapOvr>
-  <p:timing>
-    <p:tnLst>
-      <p:par>
-        <p:cTn id="1" dur="indefinite" restart="never" nodeType="tmRoot"/>
-      </p:par>
-    </p:tnLst>
-  </p:timing>
-</p:sld>
-</file>
-
-<file path=ppt/slides/slide2.xml><?xml version="1.0" encoding="utf-8"?>
-<p:sld xmlns:a="http://schemas.openxmlformats.org/drawingml/2006/main" xmlns:r="http://schemas.openxmlformats.org/officeDocument/2006/relationships" xmlns:p="http://schemas.openxmlformats.org/presentationml/2006/main">
-  <p:cSld>
-    <p:bg>
-      <p:bgPr>
-        <a:blipFill dpi="0" rotWithShape="1">
-          <a:blip r:embed="rId2">
-            <a:lum/>
-          </a:blip>
-          <a:srcRect/>
-          <a:stretch>
-            <a:fillRect/>
-          </a:stretch>
-        </a:blipFill>
-        <a:effectLst/>
-      </p:bgPr>
-    </p:bg>
-    <p:spTree>
-      <p:nvGrpSpPr>
-        <p:cNvPr id="1" name=""/>
-        <p:cNvGrpSpPr/>
-        <p:nvPr/>
-      </p:nvGrpSpPr>
-      <p:grpSpPr>
-        <a:xfrm>
-          <a:off x="0" y="0"/>
-          <a:ext cx="0" cy="0"/>
-          <a:chOff x="0" y="0"/>
-          <a:chExt cx="0" cy="0"/>
-        </a:xfrm>
-      </p:grpSpPr>
-      <p:sp>
-        <p:nvSpPr>
-          <p:cNvPr id="4" name="標題 3"/>
-          <p:cNvSpPr>
-            <a:spLocks noGrp="1"/>
-          </p:cNvSpPr>
-          <p:nvPr>
-            <p:ph type="title"/>
-          </p:nvPr>
-        </p:nvSpPr>
-        <p:spPr/>
-        <p:txBody>
-          <a:bodyPr/>
-          <a:lstStyle/>
-          <a:p>
-            <a:r>
-              <a:rPr lang="en-US" dirty="0" smtClean="0"/>
-              <a:t>Monitoring Architecture</a:t>
-            </a:r>
-            <a:endParaRPr lang="en-US" dirty="0"/>
-          </a:p>
-        </p:txBody>
-      </p:sp>
-      <p:sp>
-        <p:nvSpPr>
-          <p:cNvPr id="5" name="文字版面配置區 4"/>
-          <p:cNvSpPr>
-            <a:spLocks noGrp="1"/>
-          </p:cNvSpPr>
-          <p:nvPr>
-            <p:ph type="body" idx="1"/>
-          </p:nvPr>
-        </p:nvSpPr>
-        <p:spPr/>
-        <p:txBody>
-          <a:bodyPr/>
-          <a:lstStyle/>
-          <a:p>
-            <a:endParaRPr lang="en-US"/>
-          </a:p>
-        </p:txBody>
-      </p:sp>
-    </p:spTree>
-    <p:extLst>
-      <p:ext uri="{BB962C8B-B14F-4D97-AF65-F5344CB8AC3E}">
-        <p14:creationId xmlns:p14="http://schemas.microsoft.com/office/powerpoint/2010/main" val="3033162129"/>
-      </p:ext>
-    </p:extLst>
-  </p:cSld>
-  <p:clrMapOvr>
-    <a:masterClrMapping/>
-  </p:clrMapOvr>
-  <p:timing>
-    <p:tnLst>
-      <p:par>
-        <p:cTn id="1" dur="indefinite" restart="never" nodeType="tmRoot"/>
-      </p:par>
-    </p:tnLst>
-  </p:timing>
 </p:sld>
 </file>
 
@@ -5926,10 +7613,9 @@
           <a:lstStyle/>
           <a:p>
             <a:r>
-              <a:rPr lang="en-US" dirty="0" smtClean="0"/>
+              <a:rPr lang="en-US" dirty="0"/>
               <a:t>Monitoring System</a:t>
             </a:r>
-            <a:endParaRPr lang="en-US" dirty="0"/>
           </a:p>
         </p:txBody>
       </p:sp>
@@ -5943,13 +7629,6 @@
   <p:clrMapOvr>
     <a:masterClrMapping/>
   </p:clrMapOvr>
-  <p:timing>
-    <p:tnLst>
-      <p:par>
-        <p:cTn id="1" dur="indefinite" restart="never" nodeType="tmRoot"/>
-      </p:par>
-    </p:tnLst>
-  </p:timing>
 </p:sld>
 </file>
 
@@ -5986,10 +7665,9 @@
           <a:lstStyle/>
           <a:p>
             <a:r>
-              <a:rPr lang="en-US" dirty="0" smtClean="0"/>
+              <a:rPr lang="en-US" dirty="0"/>
               <a:t>Q: After Alert?</a:t>
             </a:r>
-            <a:endParaRPr lang="en-US" dirty="0"/>
           </a:p>
         </p:txBody>
       </p:sp>
@@ -6009,34 +7687,34 @@
           <a:lstStyle/>
           <a:p>
             <a:r>
-              <a:rPr lang="zh-TW" altLang="en-US" dirty="0" smtClean="0"/>
+              <a:rPr lang="zh-TW" altLang="en-US" dirty="0"/>
               <a:t>監控的目的，是為了及時判定系統狀況並且提供警訊</a:t>
             </a:r>
-            <a:endParaRPr lang="en-US" altLang="zh-TW" dirty="0" smtClean="0"/>
-          </a:p>
-          <a:p>
-            <a:r>
-              <a:rPr lang="zh-TW" altLang="en-US" dirty="0" smtClean="0"/>
+            <a:endParaRPr lang="en-US" altLang="zh-TW" dirty="0"/>
+          </a:p>
+          <a:p>
+            <a:r>
+              <a:rPr lang="zh-TW" altLang="en-US" dirty="0"/>
               <a:t>收到警訊後，應該要立即通知 </a:t>
             </a:r>
             <a:r>
-              <a:rPr lang="en-US" altLang="zh-TW" dirty="0" smtClean="0"/>
+              <a:rPr lang="en-US" altLang="zh-TW" dirty="0"/>
               <a:t>“</a:t>
             </a:r>
             <a:r>
-              <a:rPr lang="zh-TW" altLang="en-US" dirty="0" smtClean="0"/>
+              <a:rPr lang="zh-TW" altLang="en-US" dirty="0"/>
               <a:t>相關人員</a:t>
             </a:r>
             <a:r>
-              <a:rPr lang="en-US" altLang="zh-TW" dirty="0" smtClean="0"/>
+              <a:rPr lang="en-US" altLang="zh-TW" dirty="0"/>
               <a:t>”</a:t>
             </a:r>
             <a:r>
-              <a:rPr lang="zh-TW" altLang="en-US" dirty="0" smtClean="0"/>
+              <a:rPr lang="zh-TW" altLang="en-US" dirty="0"/>
               <a:t> 處理</a:t>
             </a:r>
             <a:r>
-              <a:rPr lang="en-US" altLang="zh-TW" dirty="0" smtClean="0"/>
+              <a:rPr lang="en-US" altLang="zh-TW" dirty="0"/>
               <a:t>…</a:t>
             </a:r>
             <a:endParaRPr lang="en-US" dirty="0"/>
@@ -6213,10 +7891,9 @@
           <a:lstStyle/>
           <a:p>
             <a:r>
-              <a:rPr lang="en-US" dirty="0" smtClean="0"/>
+              <a:rPr lang="en-US" dirty="0"/>
               <a:t>Consul &amp; Service Discovery</a:t>
             </a:r>
-            <a:endParaRPr lang="en-US" dirty="0"/>
           </a:p>
         </p:txBody>
       </p:sp>
@@ -6249,17 +7926,161 @@
   <p:clrMapOvr>
     <a:masterClrMapping/>
   </p:clrMapOvr>
-  <p:timing>
-    <p:tnLst>
-      <p:par>
-        <p:cTn id="1" dur="indefinite" restart="never" nodeType="tmRoot"/>
-      </p:par>
-    </p:tnLst>
-  </p:timing>
 </p:sld>
 </file>
 
 <file path=ppt/slides/slide6.xml><?xml version="1.0" encoding="utf-8"?>
+<p:sld xmlns:a="http://schemas.openxmlformats.org/drawingml/2006/main" xmlns:r="http://schemas.openxmlformats.org/officeDocument/2006/relationships" xmlns:p="http://schemas.openxmlformats.org/presentationml/2006/main">
+  <p:cSld>
+    <p:spTree>
+      <p:nvGrpSpPr>
+        <p:cNvPr id="1" name=""/>
+        <p:cNvGrpSpPr/>
+        <p:nvPr/>
+      </p:nvGrpSpPr>
+      <p:grpSpPr>
+        <a:xfrm>
+          <a:off x="0" y="0"/>
+          <a:ext cx="0" cy="0"/>
+          <a:chOff x="0" y="0"/>
+          <a:chExt cx="0" cy="0"/>
+        </a:xfrm>
+      </p:grpSpPr>
+      <p:sp>
+        <p:nvSpPr>
+          <p:cNvPr id="2" name="標題 1">
+            <a:extLst>
+              <a:ext uri="{FF2B5EF4-FFF2-40B4-BE49-F238E27FC236}">
+                <a16:creationId xmlns:a16="http://schemas.microsoft.com/office/drawing/2014/main" id="{AD099A72-3EDC-481F-80A5-A04ADFD65DF0}"/>
+              </a:ext>
+            </a:extLst>
+          </p:cNvPr>
+          <p:cNvSpPr>
+            <a:spLocks noGrp="1"/>
+          </p:cNvSpPr>
+          <p:nvPr>
+            <p:ph type="title"/>
+          </p:nvPr>
+        </p:nvSpPr>
+        <p:spPr/>
+        <p:txBody>
+          <a:bodyPr/>
+          <a:lstStyle/>
+          <a:p>
+            <a:endParaRPr lang="zh-TW" altLang="en-US"/>
+          </a:p>
+        </p:txBody>
+      </p:sp>
+      <p:sp>
+        <p:nvSpPr>
+          <p:cNvPr id="3" name="文字版面配置區 2">
+            <a:extLst>
+              <a:ext uri="{FF2B5EF4-FFF2-40B4-BE49-F238E27FC236}">
+                <a16:creationId xmlns:a16="http://schemas.microsoft.com/office/drawing/2014/main" id="{29070BDD-E859-4748-ACDA-2C863448ABF2}"/>
+              </a:ext>
+            </a:extLst>
+          </p:cNvPr>
+          <p:cNvSpPr>
+            <a:spLocks noGrp="1"/>
+          </p:cNvSpPr>
+          <p:nvPr>
+            <p:ph type="body" idx="1"/>
+          </p:nvPr>
+        </p:nvSpPr>
+        <p:spPr/>
+        <p:txBody>
+          <a:bodyPr/>
+          <a:lstStyle/>
+          <a:p>
+            <a:endParaRPr lang="zh-TW" altLang="en-US"/>
+          </a:p>
+        </p:txBody>
+      </p:sp>
+      <p:pic>
+        <p:nvPicPr>
+          <p:cNvPr id="4" name="圖片 3">
+            <a:extLst>
+              <a:ext uri="{FF2B5EF4-FFF2-40B4-BE49-F238E27FC236}">
+                <a16:creationId xmlns:a16="http://schemas.microsoft.com/office/drawing/2014/main" id="{8831DC4C-698B-4E93-A116-EB73D030EBC7}"/>
+              </a:ext>
+            </a:extLst>
+          </p:cNvPr>
+          <p:cNvPicPr>
+            <a:picLocks noChangeAspect="1"/>
+          </p:cNvPicPr>
+          <p:nvPr/>
+        </p:nvPicPr>
+        <p:blipFill>
+          <a:blip r:embed="rId2"/>
+          <a:stretch>
+            <a:fillRect/>
+          </a:stretch>
+        </p:blipFill>
+        <p:spPr>
+          <a:xfrm>
+            <a:off x="0" y="-39702"/>
+            <a:ext cx="12192000" cy="6333706"/>
+          </a:xfrm>
+          <a:prstGeom prst="rect">
+            <a:avLst/>
+          </a:prstGeom>
+        </p:spPr>
+      </p:pic>
+      <p:sp>
+        <p:nvSpPr>
+          <p:cNvPr id="5" name="文字方塊 4">
+            <a:extLst>
+              <a:ext uri="{FF2B5EF4-FFF2-40B4-BE49-F238E27FC236}">
+                <a16:creationId xmlns:a16="http://schemas.microsoft.com/office/drawing/2014/main" id="{5E34B23A-FC19-4307-BBBA-21FD42D78B9E}"/>
+              </a:ext>
+            </a:extLst>
+          </p:cNvPr>
+          <p:cNvSpPr txBox="1"/>
+          <p:nvPr/>
+        </p:nvSpPr>
+        <p:spPr>
+          <a:xfrm>
+            <a:off x="310718" y="6498454"/>
+            <a:ext cx="4431534" cy="646331"/>
+          </a:xfrm>
+          <a:prstGeom prst="rect">
+            <a:avLst/>
+          </a:prstGeom>
+          <a:noFill/>
+        </p:spPr>
+        <p:txBody>
+          <a:bodyPr wrap="none" rtlCol="0">
+            <a:spAutoFit/>
+          </a:bodyPr>
+          <a:lstStyle/>
+          <a:p>
+            <a:r>
+              <a:rPr lang="en-US" altLang="zh-TW" dirty="0">
+                <a:hlinkClick r:id="rId3"/>
+              </a:rPr>
+              <a:t>https://www.hashicorp.com/products/consul</a:t>
+            </a:r>
+            <a:endParaRPr lang="en-US" altLang="zh-TW" dirty="0"/>
+          </a:p>
+          <a:p>
+            <a:endParaRPr lang="zh-TW" altLang="en-US" dirty="0"/>
+          </a:p>
+        </p:txBody>
+      </p:sp>
+    </p:spTree>
+    <p:extLst>
+      <p:ext uri="{BB962C8B-B14F-4D97-AF65-F5344CB8AC3E}">
+        <p14:creationId xmlns:p14="http://schemas.microsoft.com/office/powerpoint/2010/main" val="2439766740"/>
+      </p:ext>
+    </p:extLst>
+  </p:cSld>
+  <p:clrMapOvr>
+    <a:masterClrMapping/>
+  </p:clrMapOvr>
+</p:sld>
+</file>
+
+<file path=ppt/slides/slide7.xml><?xml version="1.0" encoding="utf-8"?>
 <p:sld xmlns:a="http://schemas.openxmlformats.org/drawingml/2006/main" xmlns:r="http://schemas.openxmlformats.org/officeDocument/2006/relationships" xmlns:p="http://schemas.openxmlformats.org/presentationml/2006/main">
   <p:cSld>
     <p:spTree>
@@ -6400,10 +8221,9 @@
           <a:lstStyle/>
           <a:p>
             <a:r>
-              <a:rPr lang="en-US" dirty="0" smtClean="0"/>
+              <a:rPr lang="en-US" dirty="0"/>
               <a:t>Send Heartbeats</a:t>
             </a:r>
-            <a:endParaRPr lang="en-US" dirty="0"/>
           </a:p>
         </p:txBody>
       </p:sp>
@@ -6466,10 +8286,9 @@
           <a:lstStyle/>
           <a:p>
             <a:r>
-              <a:rPr lang="en-US" dirty="0" smtClean="0"/>
+              <a:rPr lang="en-US" dirty="0"/>
               <a:t>Health Checking</a:t>
             </a:r>
-            <a:endParaRPr lang="en-US" dirty="0"/>
           </a:p>
         </p:txBody>
       </p:sp>
@@ -6749,7 +8568,7 @@
 </p:sld>
 </file>
 
-<file path=ppt/slides/slide7.xml><?xml version="1.0" encoding="utf-8"?>
+<file path=ppt/slides/slide8.xml><?xml version="1.0" encoding="utf-8"?>
 <p:sld xmlns:a="http://schemas.openxmlformats.org/drawingml/2006/main" xmlns:r="http://schemas.openxmlformats.org/officeDocument/2006/relationships" xmlns:p="http://schemas.openxmlformats.org/presentationml/2006/main">
   <p:cSld>
     <p:spTree>
@@ -6861,15 +8680,9 @@
               <a:rPr lang="en-US" dirty="0">
                 <a:hlinkClick r:id="rId3"/>
               </a:rPr>
-              <a:t>https://www.consul.io</a:t>
-            </a:r>
-            <a:r>
-              <a:rPr lang="en-US" dirty="0" smtClean="0">
-                <a:hlinkClick r:id="rId3"/>
-              </a:rPr>
-              <a:t>/</a:t>
-            </a:r>
-            <a:endParaRPr lang="en-US" dirty="0" smtClean="0"/>
+              <a:t>https://www.consul.io/</a:t>
+            </a:r>
+            <a:endParaRPr lang="en-US" dirty="0"/>
           </a:p>
           <a:p>
             <a:endParaRPr lang="en-US" dirty="0"/>
@@ -6975,7 +8788,7 @@
 </p:sld>
 </file>
 
-<file path=ppt/slides/slide8.xml><?xml version="1.0" encoding="utf-8"?>
+<file path=ppt/slides/slide9.xml><?xml version="1.0" encoding="utf-8"?>
 <p:sld xmlns:a="http://schemas.openxmlformats.org/drawingml/2006/main" xmlns:r="http://schemas.openxmlformats.org/officeDocument/2006/relationships" xmlns:p="http://schemas.openxmlformats.org/presentationml/2006/main">
   <p:cSld>
     <p:spTree>
@@ -7147,18 +8960,13 @@
           <a:p>
             <a:pPr algn="ctr"/>
             <a:r>
-              <a:rPr lang="en-US" dirty="0" smtClean="0">
+              <a:rPr lang="en-US" dirty="0">
                 <a:solidFill>
                   <a:schemeClr val="bg1"/>
                 </a:solidFill>
               </a:rPr>
               <a:t>Service Discovery</a:t>
             </a:r>
-            <a:endParaRPr lang="en-US" dirty="0">
-              <a:solidFill>
-                <a:schemeClr val="bg1"/>
-              </a:solidFill>
-            </a:endParaRPr>
           </a:p>
         </p:txBody>
       </p:sp>
@@ -7308,10 +9116,9 @@
           <a:p>
             <a:pPr algn="ctr"/>
             <a:r>
-              <a:rPr lang="en-US" dirty="0" smtClean="0"/>
+              <a:rPr lang="en-US" dirty="0"/>
               <a:t>Consul</a:t>
             </a:r>
-            <a:endParaRPr lang="en-US" dirty="0"/>
           </a:p>
         </p:txBody>
       </p:sp>
@@ -7490,18 +9297,13 @@
           <a:p>
             <a:pPr algn="ctr"/>
             <a:r>
-              <a:rPr lang="en-US" dirty="0" smtClean="0">
+              <a:rPr lang="en-US" dirty="0">
                 <a:solidFill>
                   <a:schemeClr val="bg1"/>
                 </a:solidFill>
               </a:rPr>
               <a:t>Failure Detection</a:t>
             </a:r>
-            <a:endParaRPr lang="en-US" dirty="0">
-              <a:solidFill>
-                <a:schemeClr val="bg1"/>
-              </a:solidFill>
-            </a:endParaRPr>
           </a:p>
         </p:txBody>
       </p:sp>
@@ -7521,10 +9323,9 @@
           <a:lstStyle/>
           <a:p>
             <a:r>
-              <a:rPr lang="en-US" dirty="0" smtClean="0"/>
+              <a:rPr lang="en-US" dirty="0"/>
               <a:t>What Is Consul (Do)?</a:t>
             </a:r>
-            <a:endParaRPr lang="en-US" dirty="0"/>
           </a:p>
         </p:txBody>
       </p:sp>
@@ -8179,85 +9980,6 @@
 </p:sld>
 </file>
 
-<file path=ppt/slides/slide9.xml><?xml version="1.0" encoding="utf-8"?>
-<p:sld xmlns:a="http://schemas.openxmlformats.org/drawingml/2006/main" xmlns:r="http://schemas.openxmlformats.org/officeDocument/2006/relationships" xmlns:p="http://schemas.openxmlformats.org/presentationml/2006/main">
-  <p:cSld>
-    <p:spTree>
-      <p:nvGrpSpPr>
-        <p:cNvPr id="1" name=""/>
-        <p:cNvGrpSpPr/>
-        <p:nvPr/>
-      </p:nvGrpSpPr>
-      <p:grpSpPr>
-        <a:xfrm>
-          <a:off x="0" y="0"/>
-          <a:ext cx="0" cy="0"/>
-          <a:chOff x="0" y="0"/>
-          <a:chExt cx="0" cy="0"/>
-        </a:xfrm>
-      </p:grpSpPr>
-      <p:sp>
-        <p:nvSpPr>
-          <p:cNvPr id="2" name="標題 1"/>
-          <p:cNvSpPr>
-            <a:spLocks noGrp="1"/>
-          </p:cNvSpPr>
-          <p:nvPr>
-            <p:ph type="title"/>
-          </p:nvPr>
-        </p:nvSpPr>
-        <p:spPr/>
-        <p:txBody>
-          <a:bodyPr/>
-          <a:lstStyle/>
-          <a:p>
-            <a:r>
-              <a:rPr lang="en-US" dirty="0" smtClean="0"/>
-              <a:t>Reference</a:t>
-            </a:r>
-            <a:endParaRPr lang="en-US" dirty="0"/>
-          </a:p>
-        </p:txBody>
-      </p:sp>
-      <p:sp>
-        <p:nvSpPr>
-          <p:cNvPr id="3" name="文字版面配置區 2"/>
-          <p:cNvSpPr>
-            <a:spLocks noGrp="1"/>
-          </p:cNvSpPr>
-          <p:nvPr>
-            <p:ph type="body" idx="1"/>
-          </p:nvPr>
-        </p:nvSpPr>
-        <p:spPr/>
-        <p:txBody>
-          <a:bodyPr/>
-          <a:lstStyle/>
-          <a:p>
-            <a:endParaRPr lang="en-US"/>
-          </a:p>
-        </p:txBody>
-      </p:sp>
-    </p:spTree>
-    <p:extLst>
-      <p:ext uri="{BB962C8B-B14F-4D97-AF65-F5344CB8AC3E}">
-        <p14:creationId xmlns:p14="http://schemas.microsoft.com/office/powerpoint/2010/main" val="2882868824"/>
-      </p:ext>
-    </p:extLst>
-  </p:cSld>
-  <p:clrMapOvr>
-    <a:masterClrMapping/>
-  </p:clrMapOvr>
-  <p:timing>
-    <p:tnLst>
-      <p:par>
-        <p:cTn id="1" dur="indefinite" restart="never" nodeType="tmRoot"/>
-      </p:par>
-    </p:tnLst>
-  </p:timing>
-</p:sld>
-</file>
-
 <file path=ppt/theme/theme1.xml><?xml version="1.0" encoding="utf-8"?>
 <a:theme xmlns:a="http://schemas.openxmlformats.org/drawingml/2006/main" name="Office 佈景主題">
   <a:themeElements>

--- a/20180526.DevOps.MonitorTools/Consul_Andrew.pptx
+++ b/20180526.DevOps.MonitorTools/Consul_Andrew.pptx
@@ -292,7 +292,7 @@
           <a:p>
             <a:fld id="{79FBDEAA-46ED-4A68-A55F-F830455D2CE7}" type="datetimeFigureOut">
               <a:rPr lang="zh-TW" altLang="en-US" smtClean="0"/>
-              <a:t>2018/5/25</a:t>
+              <a:t>2018/5/26</a:t>
             </a:fld>
             <a:endParaRPr lang="zh-TW" altLang="en-US"/>
           </a:p>
@@ -490,7 +490,7 @@
           <a:p>
             <a:fld id="{79FBDEAA-46ED-4A68-A55F-F830455D2CE7}" type="datetimeFigureOut">
               <a:rPr lang="zh-TW" altLang="en-US" smtClean="0"/>
-              <a:t>2018/5/25</a:t>
+              <a:t>2018/5/26</a:t>
             </a:fld>
             <a:endParaRPr lang="zh-TW" altLang="en-US"/>
           </a:p>
@@ -698,7 +698,7 @@
           <a:p>
             <a:fld id="{79FBDEAA-46ED-4A68-A55F-F830455D2CE7}" type="datetimeFigureOut">
               <a:rPr lang="zh-TW" altLang="en-US" smtClean="0"/>
-              <a:t>2018/5/25</a:t>
+              <a:t>2018/5/26</a:t>
             </a:fld>
             <a:endParaRPr lang="zh-TW" altLang="en-US"/>
           </a:p>
@@ -896,7 +896,7 @@
           <a:p>
             <a:fld id="{79FBDEAA-46ED-4A68-A55F-F830455D2CE7}" type="datetimeFigureOut">
               <a:rPr lang="zh-TW" altLang="en-US" smtClean="0"/>
-              <a:t>2018/5/25</a:t>
+              <a:t>2018/5/26</a:t>
             </a:fld>
             <a:endParaRPr lang="zh-TW" altLang="en-US"/>
           </a:p>
@@ -1171,7 +1171,7 @@
           <a:p>
             <a:fld id="{79FBDEAA-46ED-4A68-A55F-F830455D2CE7}" type="datetimeFigureOut">
               <a:rPr lang="zh-TW" altLang="en-US" smtClean="0"/>
-              <a:t>2018/5/25</a:t>
+              <a:t>2018/5/26</a:t>
             </a:fld>
             <a:endParaRPr lang="zh-TW" altLang="en-US"/>
           </a:p>
@@ -1436,7 +1436,7 @@
           <a:p>
             <a:fld id="{79FBDEAA-46ED-4A68-A55F-F830455D2CE7}" type="datetimeFigureOut">
               <a:rPr lang="zh-TW" altLang="en-US" smtClean="0"/>
-              <a:t>2018/5/25</a:t>
+              <a:t>2018/5/26</a:t>
             </a:fld>
             <a:endParaRPr lang="zh-TW" altLang="en-US"/>
           </a:p>
@@ -1848,7 +1848,7 @@
           <a:p>
             <a:fld id="{79FBDEAA-46ED-4A68-A55F-F830455D2CE7}" type="datetimeFigureOut">
               <a:rPr lang="zh-TW" altLang="en-US" smtClean="0"/>
-              <a:t>2018/5/25</a:t>
+              <a:t>2018/5/26</a:t>
             </a:fld>
             <a:endParaRPr lang="zh-TW" altLang="en-US"/>
           </a:p>
@@ -1989,7 +1989,7 @@
           <a:p>
             <a:fld id="{79FBDEAA-46ED-4A68-A55F-F830455D2CE7}" type="datetimeFigureOut">
               <a:rPr lang="zh-TW" altLang="en-US" smtClean="0"/>
-              <a:t>2018/5/25</a:t>
+              <a:t>2018/5/26</a:t>
             </a:fld>
             <a:endParaRPr lang="zh-TW" altLang="en-US"/>
           </a:p>
@@ -2102,7 +2102,7 @@
           <a:p>
             <a:fld id="{79FBDEAA-46ED-4A68-A55F-F830455D2CE7}" type="datetimeFigureOut">
               <a:rPr lang="zh-TW" altLang="en-US" smtClean="0"/>
-              <a:t>2018/5/25</a:t>
+              <a:t>2018/5/26</a:t>
             </a:fld>
             <a:endParaRPr lang="zh-TW" altLang="en-US"/>
           </a:p>
@@ -2413,7 +2413,7 @@
           <a:p>
             <a:fld id="{79FBDEAA-46ED-4A68-A55F-F830455D2CE7}" type="datetimeFigureOut">
               <a:rPr lang="zh-TW" altLang="en-US" smtClean="0"/>
-              <a:t>2018/5/25</a:t>
+              <a:t>2018/5/26</a:t>
             </a:fld>
             <a:endParaRPr lang="zh-TW" altLang="en-US"/>
           </a:p>
@@ -2701,7 +2701,7 @@
           <a:p>
             <a:fld id="{79FBDEAA-46ED-4A68-A55F-F830455D2CE7}" type="datetimeFigureOut">
               <a:rPr lang="zh-TW" altLang="en-US" smtClean="0"/>
-              <a:t>2018/5/25</a:t>
+              <a:t>2018/5/26</a:t>
             </a:fld>
             <a:endParaRPr lang="zh-TW" altLang="en-US"/>
           </a:p>
@@ -2942,7 +2942,7 @@
           <a:p>
             <a:fld id="{79FBDEAA-46ED-4A68-A55F-F830455D2CE7}" type="datetimeFigureOut">
               <a:rPr lang="zh-TW" altLang="en-US" smtClean="0"/>
-              <a:t>2018/5/25</a:t>
+              <a:t>2018/5/26</a:t>
             </a:fld>
             <a:endParaRPr lang="zh-TW" altLang="en-US"/>
           </a:p>
@@ -3872,31 +3872,55 @@
         <p:spPr/>
         <p:txBody>
           <a:bodyPr>
-            <a:normAutofit fontScale="92500" lnSpcReduction="20000"/>
+            <a:normAutofit lnSpcReduction="10000"/>
           </a:bodyPr>
           <a:lstStyle/>
           <a:p>
             <a:r>
               <a:rPr lang="zh-TW" altLang="en-US" dirty="0"/>
-              <a:t>監控 </a:t>
+              <a:t>支援多種複雜自訂的監控與偵測機制 </a:t>
             </a:r>
             <a:r>
               <a:rPr lang="en-US" altLang="zh-TW" dirty="0"/>
-              <a:t>(Failure Detection) </a:t>
+              <a:t>(Heartbeats, Http Check, TCP Check, Script Check, TTL, Auto De-Register…  ), </a:t>
             </a:r>
             <a:r>
               <a:rPr lang="zh-TW" altLang="en-US" dirty="0"/>
-              <a:t>的結果，能夠 </a:t>
+              <a:t>可以監控服務是否 </a:t>
             </a:r>
             <a:r>
               <a:rPr lang="en-US" altLang="zh-TW" dirty="0"/>
-              <a:t>feedback </a:t>
+              <a:t>“</a:t>
             </a:r>
             <a:r>
               <a:rPr lang="zh-CN" altLang="en-US" dirty="0"/>
-              <a:t>做故障的排除，確保線上的服務運作正常。</a:t>
-            </a:r>
-            <a:endParaRPr lang="en-US" altLang="zh-CN" dirty="0"/>
+              <a:t>正常</a:t>
+            </a:r>
+            <a:r>
+              <a:rPr lang="en-US" altLang="zh-CN" dirty="0"/>
+              <a:t>” </a:t>
+            </a:r>
+            <a:r>
+              <a:rPr lang="zh-CN" altLang="en-US" dirty="0"/>
+              <a:t>，而非只是監控 </a:t>
+            </a:r>
+            <a:r>
+              <a:rPr lang="en-US" altLang="zh-CN" dirty="0"/>
+              <a:t>“</a:t>
+            </a:r>
+            <a:r>
+              <a:rPr lang="zh-CN" altLang="en-US" dirty="0"/>
+              <a:t>系統</a:t>
+            </a:r>
+            <a:r>
+              <a:rPr lang="en-US" altLang="zh-CN" dirty="0"/>
+              <a:t>”</a:t>
+            </a:r>
+            <a:r>
+              <a:rPr lang="zh-CN" altLang="en-US" dirty="0"/>
+              <a:t>。</a:t>
+            </a:r>
+            <a:endParaRPr lang="en-US" altLang="zh-TW" dirty="0"/>
           </a:p>
           <a:p>
             <a:endParaRPr lang="en-US" altLang="zh-CN" dirty="0"/>
@@ -3931,19 +3955,6 @@
               <a:t>容易與其他系統搭配使用。</a:t>
             </a:r>
             <a:endParaRPr lang="en-US" altLang="zh-CN" dirty="0"/>
-          </a:p>
-          <a:p>
-            <a:endParaRPr lang="en-US" altLang="zh-TW" dirty="0"/>
-          </a:p>
-          <a:p>
-            <a:r>
-              <a:rPr lang="zh-TW" altLang="en-US" dirty="0"/>
-              <a:t>支援多種複雜自訂的監控與偵測機制 </a:t>
-            </a:r>
-            <a:r>
-              <a:rPr lang="en-US" altLang="zh-TW" dirty="0"/>
-              <a:t>(Heartbeats, Http Check, TCP Check, Script Check, TTL, Auto De-Register…  )</a:t>
-            </a:r>
           </a:p>
           <a:p>
             <a:endParaRPr lang="en-US" altLang="zh-TW" dirty="0"/>
